--- a/CH3. modélisation du rotor/Figures/Figures.pptx
+++ b/CH3. modélisation du rotor/Figures/Figures.pptx
@@ -1467,11 +1467,11 @@
           <c:showPercent val="0"/>
           <c:showBubbleSize val="0"/>
         </c:dLbls>
-        <c:axId val="117701576"/>
-        <c:axId val="117704320"/>
+        <c:axId val="514520704"/>
+        <c:axId val="514517568"/>
       </c:scatterChart>
       <c:valAx>
-        <c:axId val="117701576"/>
+        <c:axId val="514520704"/>
         <c:scaling>
           <c:orientation val="minMax"/>
         </c:scaling>
@@ -1582,12 +1582,12 @@
             <a:endParaRPr lang="fr-FR"/>
           </a:p>
         </c:txPr>
-        <c:crossAx val="117704320"/>
+        <c:crossAx val="514517568"/>
         <c:crosses val="autoZero"/>
         <c:crossBetween val="midCat"/>
       </c:valAx>
       <c:valAx>
-        <c:axId val="117704320"/>
+        <c:axId val="514517568"/>
         <c:scaling>
           <c:orientation val="maxMin"/>
           <c:max val="35"/>
@@ -1700,7 +1700,7 @@
             <a:endParaRPr lang="fr-FR"/>
           </a:p>
         </c:txPr>
-        <c:crossAx val="117701576"/>
+        <c:crossAx val="514520704"/>
         <c:crosses val="autoZero"/>
         <c:crossBetween val="midCat"/>
         <c:majorUnit val="10"/>
@@ -7612,11 +7612,11 @@
           <c:showPercent val="0"/>
           <c:showBubbleSize val="0"/>
         </c:dLbls>
-        <c:axId val="219100184"/>
-        <c:axId val="95307512"/>
+        <c:axId val="514540304"/>
+        <c:axId val="514539128"/>
       </c:scatterChart>
       <c:valAx>
-        <c:axId val="219100184"/>
+        <c:axId val="514540304"/>
         <c:scaling>
           <c:orientation val="minMax"/>
           <c:max val="6000"/>
@@ -7700,12 +7700,12 @@
         <c:majorTickMark val="none"/>
         <c:minorTickMark val="none"/>
         <c:tickLblPos val="low"/>
-        <c:crossAx val="95307512"/>
+        <c:crossAx val="514539128"/>
         <c:crosses val="autoZero"/>
         <c:crossBetween val="midCat"/>
       </c:valAx>
       <c:valAx>
-        <c:axId val="95307512"/>
+        <c:axId val="514539128"/>
         <c:scaling>
           <c:logBase val="10"/>
           <c:orientation val="minMax"/>
@@ -7784,7 +7784,7 @@
         <c:majorTickMark val="none"/>
         <c:minorTickMark val="none"/>
         <c:tickLblPos val="nextTo"/>
-        <c:crossAx val="219100184"/>
+        <c:crossAx val="514540304"/>
         <c:crosses val="autoZero"/>
         <c:crossBetween val="midCat"/>
       </c:valAx>
@@ -9554,7 +9554,7 @@
           <a:p>
             <a:fld id="{0AA85B57-4734-4699-BEFC-70C8ADF40FD5}" type="datetimeFigureOut">
               <a:rPr lang="fr-FR" smtClean="0"/>
-              <a:t>13/12/2018</a:t>
+              <a:t>18/12/2018</a:t>
             </a:fld>
             <a:endParaRPr lang="fr-FR"/>
           </a:p>
@@ -9724,7 +9724,7 @@
           <a:p>
             <a:fld id="{0AA85B57-4734-4699-BEFC-70C8ADF40FD5}" type="datetimeFigureOut">
               <a:rPr lang="fr-FR" smtClean="0"/>
-              <a:t>13/12/2018</a:t>
+              <a:t>18/12/2018</a:t>
             </a:fld>
             <a:endParaRPr lang="fr-FR"/>
           </a:p>
@@ -9904,7 +9904,7 @@
           <a:p>
             <a:fld id="{0AA85B57-4734-4699-BEFC-70C8ADF40FD5}" type="datetimeFigureOut">
               <a:rPr lang="fr-FR" smtClean="0"/>
-              <a:t>13/12/2018</a:t>
+              <a:t>18/12/2018</a:t>
             </a:fld>
             <a:endParaRPr lang="fr-FR"/>
           </a:p>
@@ -10074,7 +10074,7 @@
           <a:p>
             <a:fld id="{0AA85B57-4734-4699-BEFC-70C8ADF40FD5}" type="datetimeFigureOut">
               <a:rPr lang="fr-FR" smtClean="0"/>
-              <a:t>13/12/2018</a:t>
+              <a:t>18/12/2018</a:t>
             </a:fld>
             <a:endParaRPr lang="fr-FR"/>
           </a:p>
@@ -10320,7 +10320,7 @@
           <a:p>
             <a:fld id="{0AA85B57-4734-4699-BEFC-70C8ADF40FD5}" type="datetimeFigureOut">
               <a:rPr lang="fr-FR" smtClean="0"/>
-              <a:t>13/12/2018</a:t>
+              <a:t>18/12/2018</a:t>
             </a:fld>
             <a:endParaRPr lang="fr-FR"/>
           </a:p>
@@ -10552,7 +10552,7 @@
           <a:p>
             <a:fld id="{0AA85B57-4734-4699-BEFC-70C8ADF40FD5}" type="datetimeFigureOut">
               <a:rPr lang="fr-FR" smtClean="0"/>
-              <a:t>13/12/2018</a:t>
+              <a:t>18/12/2018</a:t>
             </a:fld>
             <a:endParaRPr lang="fr-FR"/>
           </a:p>
@@ -10919,7 +10919,7 @@
           <a:p>
             <a:fld id="{0AA85B57-4734-4699-BEFC-70C8ADF40FD5}" type="datetimeFigureOut">
               <a:rPr lang="fr-FR" smtClean="0"/>
-              <a:t>13/12/2018</a:t>
+              <a:t>18/12/2018</a:t>
             </a:fld>
             <a:endParaRPr lang="fr-FR"/>
           </a:p>
@@ -11037,7 +11037,7 @@
           <a:p>
             <a:fld id="{0AA85B57-4734-4699-BEFC-70C8ADF40FD5}" type="datetimeFigureOut">
               <a:rPr lang="fr-FR" smtClean="0"/>
-              <a:t>13/12/2018</a:t>
+              <a:t>18/12/2018</a:t>
             </a:fld>
             <a:endParaRPr lang="fr-FR"/>
           </a:p>
@@ -11132,7 +11132,7 @@
           <a:p>
             <a:fld id="{0AA85B57-4734-4699-BEFC-70C8ADF40FD5}" type="datetimeFigureOut">
               <a:rPr lang="fr-FR" smtClean="0"/>
-              <a:t>13/12/2018</a:t>
+              <a:t>18/12/2018</a:t>
             </a:fld>
             <a:endParaRPr lang="fr-FR"/>
           </a:p>
@@ -11409,7 +11409,7 @@
           <a:p>
             <a:fld id="{0AA85B57-4734-4699-BEFC-70C8ADF40FD5}" type="datetimeFigureOut">
               <a:rPr lang="fr-FR" smtClean="0"/>
-              <a:t>13/12/2018</a:t>
+              <a:t>18/12/2018</a:t>
             </a:fld>
             <a:endParaRPr lang="fr-FR"/>
           </a:p>
@@ -11662,7 +11662,7 @@
           <a:p>
             <a:fld id="{0AA85B57-4734-4699-BEFC-70C8ADF40FD5}" type="datetimeFigureOut">
               <a:rPr lang="fr-FR" smtClean="0"/>
-              <a:t>13/12/2018</a:t>
+              <a:t>18/12/2018</a:t>
             </a:fld>
             <a:endParaRPr lang="fr-FR"/>
           </a:p>
@@ -11875,7 +11875,7 @@
           <a:p>
             <a:fld id="{0AA85B57-4734-4699-BEFC-70C8ADF40FD5}" type="datetimeFigureOut">
               <a:rPr lang="fr-FR" smtClean="0"/>
-              <a:t>13/12/2018</a:t>
+              <a:t>18/12/2018</a:t>
             </a:fld>
             <a:endParaRPr lang="fr-FR"/>
           </a:p>
@@ -13772,21 +13772,21 @@
                 <a:gridCol w="1726819">
                   <a:extLst>
                     <a:ext uri="{9D8B030D-6E8A-4147-A177-3AD203B41FA5}">
-                      <a16:colId xmlns:a16="http://schemas.microsoft.com/office/drawing/2014/main" xmlns="" val="20000"/>
+                      <a16:colId xmlns="" xmlns:a16="http://schemas.microsoft.com/office/drawing/2014/main" val="20000"/>
                     </a:ext>
                   </a:extLst>
                 </a:gridCol>
                 <a:gridCol w="1726819">
                   <a:extLst>
                     <a:ext uri="{9D8B030D-6E8A-4147-A177-3AD203B41FA5}">
-                      <a16:colId xmlns:a16="http://schemas.microsoft.com/office/drawing/2014/main" xmlns="" val="20001"/>
+                      <a16:colId xmlns="" xmlns:a16="http://schemas.microsoft.com/office/drawing/2014/main" val="20001"/>
                     </a:ext>
                   </a:extLst>
                 </a:gridCol>
                 <a:gridCol w="1726819">
                   <a:extLst>
                     <a:ext uri="{9D8B030D-6E8A-4147-A177-3AD203B41FA5}">
-                      <a16:colId xmlns:a16="http://schemas.microsoft.com/office/drawing/2014/main" xmlns="" val="20002"/>
+                      <a16:colId xmlns="" xmlns:a16="http://schemas.microsoft.com/office/drawing/2014/main" val="20002"/>
                     </a:ext>
                   </a:extLst>
                 </a:gridCol>
@@ -13914,7 +13914,7 @@
                 </a:tc>
                 <a:extLst>
                   <a:ext uri="{0D108BD9-81ED-4DB2-BD59-A6C34878D82A}">
-                    <a16:rowId xmlns:a16="http://schemas.microsoft.com/office/drawing/2014/main" xmlns="" val="10000"/>
+                    <a16:rowId xmlns="" xmlns:a16="http://schemas.microsoft.com/office/drawing/2014/main" val="10000"/>
                   </a:ext>
                 </a:extLst>
               </a:tr>
@@ -14046,7 +14046,7 @@
                 </a:tc>
                 <a:extLst>
                   <a:ext uri="{0D108BD9-81ED-4DB2-BD59-A6C34878D82A}">
-                    <a16:rowId xmlns:a16="http://schemas.microsoft.com/office/drawing/2014/main" xmlns="" val="10001"/>
+                    <a16:rowId xmlns="" xmlns:a16="http://schemas.microsoft.com/office/drawing/2014/main" val="10001"/>
                   </a:ext>
                 </a:extLst>
               </a:tr>
@@ -14182,7 +14182,7 @@
                 </a:tc>
                 <a:extLst>
                   <a:ext uri="{0D108BD9-81ED-4DB2-BD59-A6C34878D82A}">
-                    <a16:rowId xmlns:a16="http://schemas.microsoft.com/office/drawing/2014/main" xmlns="" val="10002"/>
+                    <a16:rowId xmlns="" xmlns:a16="http://schemas.microsoft.com/office/drawing/2014/main" val="10002"/>
                   </a:ext>
                 </a:extLst>
               </a:tr>
@@ -14346,7 +14346,7 @@
                 </a:tc>
                 <a:extLst>
                   <a:ext uri="{0D108BD9-81ED-4DB2-BD59-A6C34878D82A}">
-                    <a16:rowId xmlns:a16="http://schemas.microsoft.com/office/drawing/2014/main" xmlns="" val="10003"/>
+                    <a16:rowId xmlns="" xmlns:a16="http://schemas.microsoft.com/office/drawing/2014/main" val="10003"/>
                   </a:ext>
                 </a:extLst>
               </a:tr>
@@ -14421,14 +14421,14 @@
                     <a:gridCol w="4728396">
                       <a:extLst>
                         <a:ext uri="{9D8B030D-6E8A-4147-A177-3AD203B41FA5}">
-                          <a16:colId xmlns:a16="http://schemas.microsoft.com/office/drawing/2014/main" xmlns="" val="20000"/>
+                          <a16:colId xmlns="" xmlns:a16="http://schemas.microsoft.com/office/drawing/2014/main" val="20000"/>
                         </a:ext>
                       </a:extLst>
                     </a:gridCol>
                     <a:gridCol w="3399604">
                       <a:extLst>
                         <a:ext uri="{9D8B030D-6E8A-4147-A177-3AD203B41FA5}">
-                          <a16:colId xmlns:a16="http://schemas.microsoft.com/office/drawing/2014/main" xmlns="" val="20001"/>
+                          <a16:colId xmlns="" xmlns:a16="http://schemas.microsoft.com/office/drawing/2014/main" val="20001"/>
                         </a:ext>
                       </a:extLst>
                     </a:gridCol>
@@ -14526,7 +14526,7 @@
                     </a:tc>
                     <a:extLst>
                       <a:ext uri="{0D108BD9-81ED-4DB2-BD59-A6C34878D82A}">
-                        <a16:rowId xmlns:a16="http://schemas.microsoft.com/office/drawing/2014/main" xmlns="" val="10000"/>
+                        <a16:rowId xmlns="" xmlns:a16="http://schemas.microsoft.com/office/drawing/2014/main" val="10000"/>
                       </a:ext>
                     </a:extLst>
                   </a:tr>
@@ -14737,7 +14737,7 @@
                     </a:tc>
                     <a:extLst>
                       <a:ext uri="{0D108BD9-81ED-4DB2-BD59-A6C34878D82A}">
-                        <a16:rowId xmlns:a16="http://schemas.microsoft.com/office/drawing/2014/main" xmlns="" val="10001"/>
+                        <a16:rowId xmlns="" xmlns:a16="http://schemas.microsoft.com/office/drawing/2014/main" val="10001"/>
                       </a:ext>
                     </a:extLst>
                   </a:tr>
@@ -14994,7 +14994,7 @@
                     </a:tc>
                     <a:extLst>
                       <a:ext uri="{0D108BD9-81ED-4DB2-BD59-A6C34878D82A}">
-                        <a16:rowId xmlns:a16="http://schemas.microsoft.com/office/drawing/2014/main" xmlns="" val="10002"/>
+                        <a16:rowId xmlns="" xmlns:a16="http://schemas.microsoft.com/office/drawing/2014/main" val="10002"/>
                       </a:ext>
                     </a:extLst>
                   </a:tr>
@@ -15282,7 +15282,7 @@
                     </a:tc>
                     <a:extLst>
                       <a:ext uri="{0D108BD9-81ED-4DB2-BD59-A6C34878D82A}">
-                        <a16:rowId xmlns:a16="http://schemas.microsoft.com/office/drawing/2014/main" xmlns="" val="10003"/>
+                        <a16:rowId xmlns="" xmlns:a16="http://schemas.microsoft.com/office/drawing/2014/main" val="10003"/>
                       </a:ext>
                     </a:extLst>
                   </a:tr>
@@ -15502,7 +15502,7 @@
                     </a:tc>
                     <a:extLst>
                       <a:ext uri="{0D108BD9-81ED-4DB2-BD59-A6C34878D82A}">
-                        <a16:rowId xmlns:a16="http://schemas.microsoft.com/office/drawing/2014/main" xmlns="" val="10004"/>
+                        <a16:rowId xmlns="" xmlns:a16="http://schemas.microsoft.com/office/drawing/2014/main" val="10004"/>
                       </a:ext>
                     </a:extLst>
                   </a:tr>
@@ -15953,14 +15953,14 @@
                     <a:gridCol w="1726819">
                       <a:extLst>
                         <a:ext uri="{9D8B030D-6E8A-4147-A177-3AD203B41FA5}">
-                          <a16:colId xmlns:a16="http://schemas.microsoft.com/office/drawing/2014/main" xmlns="" val="20000"/>
+                          <a16:colId xmlns="" xmlns:a16="http://schemas.microsoft.com/office/drawing/2014/main" val="20000"/>
                         </a:ext>
                       </a:extLst>
                     </a:gridCol>
                     <a:gridCol w="1726819">
                       <a:extLst>
                         <a:ext uri="{9D8B030D-6E8A-4147-A177-3AD203B41FA5}">
-                          <a16:colId xmlns:a16="http://schemas.microsoft.com/office/drawing/2014/main" xmlns="" val="20001"/>
+                          <a16:colId xmlns="" xmlns:a16="http://schemas.microsoft.com/office/drawing/2014/main" val="20001"/>
                         </a:ext>
                       </a:extLst>
                     </a:gridCol>
@@ -16056,7 +16056,7 @@
                     </a:tc>
                     <a:extLst>
                       <a:ext uri="{0D108BD9-81ED-4DB2-BD59-A6C34878D82A}">
-                        <a16:rowId xmlns:a16="http://schemas.microsoft.com/office/drawing/2014/main" xmlns="" val="10000"/>
+                        <a16:rowId xmlns="" xmlns:a16="http://schemas.microsoft.com/office/drawing/2014/main" val="10000"/>
                       </a:ext>
                     </a:extLst>
                   </a:tr>
@@ -16154,7 +16154,7 @@
                     </a:tc>
                     <a:extLst>
                       <a:ext uri="{0D108BD9-81ED-4DB2-BD59-A6C34878D82A}">
-                        <a16:rowId xmlns:a16="http://schemas.microsoft.com/office/drawing/2014/main" xmlns="" val="10001"/>
+                        <a16:rowId xmlns="" xmlns:a16="http://schemas.microsoft.com/office/drawing/2014/main" val="10001"/>
                       </a:ext>
                     </a:extLst>
                   </a:tr>
@@ -16265,7 +16265,7 @@
                     </a:tc>
                     <a:extLst>
                       <a:ext uri="{0D108BD9-81ED-4DB2-BD59-A6C34878D82A}">
-                        <a16:rowId xmlns:a16="http://schemas.microsoft.com/office/drawing/2014/main" xmlns="" val="10002"/>
+                        <a16:rowId xmlns="" xmlns:a16="http://schemas.microsoft.com/office/drawing/2014/main" val="10002"/>
                       </a:ext>
                     </a:extLst>
                   </a:tr>
@@ -16376,7 +16376,7 @@
                     </a:tc>
                     <a:extLst>
                       <a:ext uri="{0D108BD9-81ED-4DB2-BD59-A6C34878D82A}">
-                        <a16:rowId xmlns:a16="http://schemas.microsoft.com/office/drawing/2014/main" xmlns="" val="10003"/>
+                        <a16:rowId xmlns="" xmlns:a16="http://schemas.microsoft.com/office/drawing/2014/main" val="10003"/>
                       </a:ext>
                     </a:extLst>
                   </a:tr>
@@ -16506,7 +16506,7 @@
                     </a:tc>
                     <a:extLst>
                       <a:ext uri="{0D108BD9-81ED-4DB2-BD59-A6C34878D82A}">
-                        <a16:rowId xmlns:a16="http://schemas.microsoft.com/office/drawing/2014/main" xmlns="" val="10004"/>
+                        <a16:rowId xmlns="" xmlns:a16="http://schemas.microsoft.com/office/drawing/2014/main" val="10004"/>
                       </a:ext>
                     </a:extLst>
                   </a:tr>
@@ -17399,11 +17399,7 @@
                         <a:p>
                           <a:r>
                             <a:rPr lang="fr-FR" sz="1600" dirty="0" smtClean="0"/>
-                            <a:t>nœud </a:t>
-                          </a:r>
-                          <a:r>
-                            <a:rPr lang="fr-FR" sz="1600" dirty="0" smtClean="0"/>
-                            <a:t>maître</a:t>
+                            <a:t>nœud maître</a:t>
                           </a:r>
                           <a:endParaRPr lang="fr-FR" sz="1600" dirty="0"/>
                         </a:p>
@@ -17844,11 +17840,7 @@
                       </a:r>
                       <a:r>
                         <a:rPr lang="fr-FR" sz="1600" dirty="0" smtClean="0"/>
-                        <a:t>iaison </a:t>
-                      </a:r>
-                      <a:r>
-                        <a:rPr lang="fr-FR" sz="1600" dirty="0" smtClean="0"/>
-                        <a:t>RBE3</a:t>
+                        <a:t>iaison RBE3</a:t>
                       </a:r>
                       <a:endParaRPr lang="fr-FR" sz="1600" dirty="0"/>
                     </a:p>
@@ -18311,11 +18303,7 @@
                 <a:p>
                   <a:r>
                     <a:rPr lang="fr-FR" sz="1600" dirty="0" smtClean="0"/>
-                    <a:t>nœud </a:t>
-                  </a:r>
-                  <a:r>
-                    <a:rPr lang="fr-FR" sz="1600" dirty="0" smtClean="0"/>
-                    <a:t>esclave</a:t>
+                    <a:t>nœud esclave</a:t>
                   </a:r>
                   <a:endParaRPr lang="fr-FR" sz="1600" dirty="0"/>
                 </a:p>
@@ -18488,7 +18476,6 @@
                     <a:rPr lang="fr-FR" sz="1600" dirty="0"/>
                     <a:t>point du modèle dynamique</a:t>
                   </a:r>
-                  <a:endParaRPr lang="fr-FR" sz="1600" dirty="0"/>
                 </a:p>
               </p:txBody>
             </p:sp>
@@ -18620,15 +18607,7 @@
                 <a:p>
                   <a:r>
                     <a:rPr lang="fr-FR" sz="1600" dirty="0" smtClean="0"/>
-                    <a:t>Point </a:t>
-                  </a:r>
-                  <a:r>
-                    <a:rPr lang="fr-FR" sz="1600" dirty="0" smtClean="0"/>
-                    <a:t>aux </a:t>
-                  </a:r>
-                  <a:r>
-                    <a:rPr lang="fr-FR" sz="1600" dirty="0" smtClean="0"/>
-                    <a:t>sections du modèle thermomécanique</a:t>
+                    <a:t>Point aux sections du modèle thermomécanique</a:t>
                   </a:r>
                   <a:endParaRPr lang="fr-FR" sz="1600" dirty="0"/>
                 </a:p>
@@ -20521,8 +20500,8 @@
               </p:style>
             </p:cxnSp>
           </p:grpSp>
-          <mc:AlternateContent xmlns:mc="http://schemas.openxmlformats.org/markup-compatibility/2006">
-            <mc:Choice xmlns:a14="http://schemas.microsoft.com/office/drawing/2010/main" Requires="a14">
+          <mc:AlternateContent xmlns:mc="http://schemas.openxmlformats.org/markup-compatibility/2006" xmlns:a14="http://schemas.microsoft.com/office/drawing/2010/main">
+            <mc:Choice Requires="a14">
               <p:sp>
                 <p:nvSpPr>
                   <p:cNvPr id="188" name="ZoneTexte 187"/>
@@ -20585,7 +20564,7 @@
                 </p:txBody>
               </p:sp>
             </mc:Choice>
-            <mc:Fallback>
+            <mc:Fallback xmlns="">
               <p:sp>
                 <p:nvSpPr>
                   <p:cNvPr id="188" name="ZoneTexte 187"/>
@@ -21138,8 +21117,8 @@
               </a:fontRef>
             </p:style>
           </p:cxnSp>
-          <mc:AlternateContent xmlns:mc="http://schemas.openxmlformats.org/markup-compatibility/2006">
-            <mc:Choice xmlns:a14="http://schemas.microsoft.com/office/drawing/2010/main" Requires="a14">
+          <mc:AlternateContent xmlns:mc="http://schemas.openxmlformats.org/markup-compatibility/2006" xmlns:a14="http://schemas.microsoft.com/office/drawing/2010/main">
+            <mc:Choice Requires="a14">
               <p:sp>
                 <p:nvSpPr>
                   <p:cNvPr id="237" name="Zone de texte 153"/>
@@ -21216,7 +21195,7 @@
                 </p:txBody>
               </p:sp>
             </mc:Choice>
-            <mc:Fallback>
+            <mc:Fallback xmlns="">
               <p:sp>
                 <p:nvSpPr>
                   <p:cNvPr id="237" name="Zone de texte 153"/>
@@ -21260,8 +21239,8 @@
               </p:sp>
             </mc:Fallback>
           </mc:AlternateContent>
-          <mc:AlternateContent xmlns:mc="http://schemas.openxmlformats.org/markup-compatibility/2006">
-            <mc:Choice xmlns:a14="http://schemas.microsoft.com/office/drawing/2010/main" Requires="a14">
+          <mc:AlternateContent xmlns:mc="http://schemas.openxmlformats.org/markup-compatibility/2006" xmlns:a14="http://schemas.microsoft.com/office/drawing/2010/main">
+            <mc:Choice Requires="a14">
               <p:sp>
                 <p:nvSpPr>
                   <p:cNvPr id="238" name="Zone de texte 154"/>
@@ -21359,7 +21338,7 @@
                 </p:txBody>
               </p:sp>
             </mc:Choice>
-            <mc:Fallback>
+            <mc:Fallback xmlns="">
               <p:sp>
                 <p:nvSpPr>
                   <p:cNvPr id="238" name="Zone de texte 154"/>
@@ -21403,8 +21382,8 @@
               </p:sp>
             </mc:Fallback>
           </mc:AlternateContent>
-          <mc:AlternateContent xmlns:mc="http://schemas.openxmlformats.org/markup-compatibility/2006">
-            <mc:Choice xmlns:a14="http://schemas.microsoft.com/office/drawing/2010/main" Requires="a14">
+          <mc:AlternateContent xmlns:mc="http://schemas.openxmlformats.org/markup-compatibility/2006" xmlns:a14="http://schemas.microsoft.com/office/drawing/2010/main">
+            <mc:Choice Requires="a14">
               <p:sp>
                 <p:nvSpPr>
                   <p:cNvPr id="239" name="Zone de texte 154"/>
@@ -21482,7 +21461,7 @@
                 </p:txBody>
               </p:sp>
             </mc:Choice>
-            <mc:Fallback>
+            <mc:Fallback xmlns="">
               <p:sp>
                 <p:nvSpPr>
                   <p:cNvPr id="239" name="Zone de texte 154"/>
@@ -22351,8 +22330,8 @@
               </p:style>
             </p:cxnSp>
           </p:grpSp>
-          <mc:AlternateContent xmlns:mc="http://schemas.openxmlformats.org/markup-compatibility/2006">
-            <mc:Choice xmlns:a14="http://schemas.microsoft.com/office/drawing/2010/main" Requires="a14">
+          <mc:AlternateContent xmlns:mc="http://schemas.openxmlformats.org/markup-compatibility/2006" xmlns:a14="http://schemas.microsoft.com/office/drawing/2010/main">
+            <mc:Choice Requires="a14">
               <p:sp>
                 <p:nvSpPr>
                   <p:cNvPr id="134" name="ZoneTexte 133"/>
@@ -22415,7 +22394,7 @@
                 </p:txBody>
               </p:sp>
             </mc:Choice>
-            <mc:Fallback>
+            <mc:Fallback xmlns="">
               <p:sp>
                 <p:nvSpPr>
                   <p:cNvPr id="134" name="ZoneTexte 133"/>
@@ -26085,8 +26064,8 @@
                           </a:fontRef>
                         </p:style>
                       </p:cxnSp>
-                      <mc:AlternateContent xmlns:mc="http://schemas.openxmlformats.org/markup-compatibility/2006">
-                        <mc:Choice xmlns:a14="http://schemas.microsoft.com/office/drawing/2010/main" Requires="a14">
+                      <mc:AlternateContent xmlns:mc="http://schemas.openxmlformats.org/markup-compatibility/2006" xmlns:a14="http://schemas.microsoft.com/office/drawing/2010/main">
+                        <mc:Choice Requires="a14">
                           <p:sp>
                             <p:nvSpPr>
                               <p:cNvPr id="90" name="ZoneTexte 89"/>
@@ -26178,7 +26157,7 @@
                             </p:txBody>
                           </p:sp>
                         </mc:Choice>
-                        <mc:Fallback>
+                        <mc:Fallback xmlns="">
                           <p:sp>
                             <p:nvSpPr>
                               <p:cNvPr id="90" name="ZoneTexte 89"/>
@@ -26218,8 +26197,8 @@
                         </mc:Fallback>
                       </mc:AlternateContent>
                     </p:grpSp>
-                    <mc:AlternateContent xmlns:mc="http://schemas.openxmlformats.org/markup-compatibility/2006">
-                      <mc:Choice xmlns:a14="http://schemas.microsoft.com/office/drawing/2010/main" Requires="a14">
+                    <mc:AlternateContent xmlns:mc="http://schemas.openxmlformats.org/markup-compatibility/2006" xmlns:a14="http://schemas.microsoft.com/office/drawing/2010/main">
+                      <mc:Choice Requires="a14">
                         <p:sp>
                           <p:nvSpPr>
                             <p:cNvPr id="93" name="ZoneTexte 92"/>
@@ -26282,7 +26261,7 @@
                           </p:txBody>
                         </p:sp>
                       </mc:Choice>
-                      <mc:Fallback>
+                      <mc:Fallback xmlns="">
                         <p:sp>
                           <p:nvSpPr>
                             <p:cNvPr id="93" name="ZoneTexte 92"/>
@@ -40419,18 +40398,7 @@
                                       <a:ea typeface="Times New Roman" panose="02020603050405020304" pitchFamily="18" charset="0"/>
                                       <a:cs typeface="Times New Roman" panose="02020603050405020304" pitchFamily="18" charset="0"/>
                                     </a:rPr>
-                                    <m:t>&lt;</m:t>
-                                  </m:r>
-                                  <m:r>
-                                    <a:rPr lang="fr-FR" sz="1000" i="1">
-                                      <a:solidFill>
-                                        <a:schemeClr val="tx1"/>
-                                      </a:solidFill>
-                                      <a:latin typeface="Cambria Math" panose="02040503050406030204" pitchFamily="18" charset="0"/>
-                                      <a:ea typeface="Times New Roman" panose="02020603050405020304" pitchFamily="18" charset="0"/>
-                                      <a:cs typeface="Times New Roman" panose="02020603050405020304" pitchFamily="18" charset="0"/>
-                                    </a:rPr>
-                                    <m:t>1</m:t>
+                                    <m:t>&lt;1</m:t>
                                   </m:r>
                                   <m:sSup>
                                     <m:sSupPr>
@@ -40468,18 +40436,7 @@
                                           <a:ea typeface="Times New Roman" panose="02020603050405020304" pitchFamily="18" charset="0"/>
                                           <a:cs typeface="Times New Roman" panose="02020603050405020304" pitchFamily="18" charset="0"/>
                                         </a:rPr>
-                                        <m:t>−</m:t>
-                                      </m:r>
-                                      <m:r>
-                                        <a:rPr lang="fr-FR" sz="1000" i="1">
-                                          <a:solidFill>
-                                            <a:schemeClr val="tx1"/>
-                                          </a:solidFill>
-                                          <a:latin typeface="Cambria Math" panose="02040503050406030204" pitchFamily="18" charset="0"/>
-                                          <a:ea typeface="Times New Roman" panose="02020603050405020304" pitchFamily="18" charset="0"/>
-                                          <a:cs typeface="Times New Roman" panose="02020603050405020304" pitchFamily="18" charset="0"/>
-                                        </a:rPr>
-                                        <m:t>7</m:t>
+                                        <m:t>−7</m:t>
                                       </m:r>
                                     </m:sup>
                                   </m:sSup>
@@ -40568,18 +40525,7 @@
                                       <a:ea typeface="Times New Roman" panose="02020603050405020304" pitchFamily="18" charset="0"/>
                                       <a:cs typeface="Times New Roman" panose="02020603050405020304" pitchFamily="18" charset="0"/>
                                     </a:rPr>
-                                    <m:t>&lt;</m:t>
-                                  </m:r>
-                                  <m:r>
-                                    <a:rPr lang="fr-FR" sz="1000" i="1">
-                                      <a:solidFill>
-                                        <a:schemeClr val="tx1"/>
-                                      </a:solidFill>
-                                      <a:latin typeface="Cambria Math" panose="02040503050406030204" pitchFamily="18" charset="0"/>
-                                      <a:ea typeface="Times New Roman" panose="02020603050405020304" pitchFamily="18" charset="0"/>
-                                      <a:cs typeface="Times New Roman" panose="02020603050405020304" pitchFamily="18" charset="0"/>
-                                    </a:rPr>
-                                    <m:t>1</m:t>
+                                    <m:t>&lt;1</m:t>
                                   </m:r>
                                   <m:sSup>
                                     <m:sSupPr>
@@ -40617,18 +40563,7 @@
                                           <a:ea typeface="Times New Roman" panose="02020603050405020304" pitchFamily="18" charset="0"/>
                                           <a:cs typeface="Times New Roman" panose="02020603050405020304" pitchFamily="18" charset="0"/>
                                         </a:rPr>
-                                        <m:t>−</m:t>
-                                      </m:r>
-                                      <m:r>
-                                        <a:rPr lang="fr-FR" sz="1000" i="1">
-                                          <a:solidFill>
-                                            <a:schemeClr val="tx1"/>
-                                          </a:solidFill>
-                                          <a:latin typeface="Cambria Math" panose="02040503050406030204" pitchFamily="18" charset="0"/>
-                                          <a:ea typeface="Times New Roman" panose="02020603050405020304" pitchFamily="18" charset="0"/>
-                                          <a:cs typeface="Times New Roman" panose="02020603050405020304" pitchFamily="18" charset="0"/>
-                                        </a:rPr>
-                                        <m:t>3</m:t>
+                                        <m:t>−3</m:t>
                                       </m:r>
                                     </m:sup>
                                   </m:sSup>
@@ -41490,19 +41425,7 @@
                                 <a:rPr lang="fr-FR" sz="1100" i="1">
                                   <a:latin typeface="Cambria Math" panose="02040503050406030204" pitchFamily="18" charset="0"/>
                                 </a:rPr>
-                                <m:t>+</m:t>
-                              </m:r>
-                              <m:r>
-                                <a:rPr lang="fr-FR" sz="1100" i="1">
-                                  <a:latin typeface="Cambria Math" panose="02040503050406030204" pitchFamily="18" charset="0"/>
-                                </a:rPr>
-                                <m:t>1</m:t>
-                              </m:r>
-                              <m:r>
-                                <a:rPr lang="fr-FR" sz="1100" i="1">
-                                  <a:latin typeface="Cambria Math" panose="02040503050406030204" pitchFamily="18" charset="0"/>
-                                </a:rPr>
-                                <m:t>)</m:t>
+                                <m:t>+1)</m:t>
                               </m:r>
                             </m:sub>
                             <m:sup>
@@ -41962,13 +41885,7 @@
                             <a:rPr lang="fr-FR" sz="1000" b="0" i="1" smtClean="0">
                               <a:latin typeface="Cambria Math" panose="02040503050406030204" pitchFamily="18" charset="0"/>
                             </a:rPr>
-                            <m:t>+</m:t>
-                          </m:r>
-                          <m:r>
-                            <a:rPr lang="fr-FR" sz="1000" b="0" i="1" smtClean="0">
-                              <a:latin typeface="Cambria Math" panose="02040503050406030204" pitchFamily="18" charset="0"/>
-                            </a:rPr>
-                            <m:t>1</m:t>
+                            <m:t>+1</m:t>
                           </m:r>
                         </m:oMath>
                       </m:oMathPara>

--- a/CH3. modélisation du rotor/Figures/Figures.pptx
+++ b/CH3. modélisation du rotor/Figures/Figures.pptx
@@ -8,7 +8,7 @@
     <p:sldId id="273" r:id="rId2"/>
     <p:sldId id="270" r:id="rId3"/>
     <p:sldId id="274" r:id="rId4"/>
-    <p:sldId id="258" r:id="rId5"/>
+    <p:sldId id="278" r:id="rId5"/>
     <p:sldId id="259" r:id="rId6"/>
     <p:sldId id="263" r:id="rId7"/>
     <p:sldId id="260" r:id="rId8"/>
@@ -1467,11 +1467,11 @@
           <c:showPercent val="0"/>
           <c:showBubbleSize val="0"/>
         </c:dLbls>
-        <c:axId val="514520704"/>
-        <c:axId val="514517568"/>
+        <c:axId val="472619584"/>
+        <c:axId val="472619976"/>
       </c:scatterChart>
       <c:valAx>
-        <c:axId val="514520704"/>
+        <c:axId val="472619584"/>
         <c:scaling>
           <c:orientation val="minMax"/>
         </c:scaling>
@@ -1582,12 +1582,12 @@
             <a:endParaRPr lang="fr-FR"/>
           </a:p>
         </c:txPr>
-        <c:crossAx val="514517568"/>
+        <c:crossAx val="472619976"/>
         <c:crosses val="autoZero"/>
         <c:crossBetween val="midCat"/>
       </c:valAx>
       <c:valAx>
-        <c:axId val="514517568"/>
+        <c:axId val="472619976"/>
         <c:scaling>
           <c:orientation val="maxMin"/>
           <c:max val="35"/>
@@ -1700,7 +1700,7 @@
             <a:endParaRPr lang="fr-FR"/>
           </a:p>
         </c:txPr>
-        <c:crossAx val="514520704"/>
+        <c:crossAx val="472619584"/>
         <c:crosses val="autoZero"/>
         <c:crossBetween val="midCat"/>
         <c:majorUnit val="10"/>
@@ -7612,11 +7612,11 @@
           <c:showPercent val="0"/>
           <c:showBubbleSize val="0"/>
         </c:dLbls>
-        <c:axId val="514540304"/>
-        <c:axId val="514539128"/>
+        <c:axId val="147628072"/>
+        <c:axId val="147153984"/>
       </c:scatterChart>
       <c:valAx>
-        <c:axId val="514540304"/>
+        <c:axId val="147628072"/>
         <c:scaling>
           <c:orientation val="minMax"/>
           <c:max val="6000"/>
@@ -7700,12 +7700,12 @@
         <c:majorTickMark val="none"/>
         <c:minorTickMark val="none"/>
         <c:tickLblPos val="low"/>
-        <c:crossAx val="514539128"/>
+        <c:crossAx val="147153984"/>
         <c:crosses val="autoZero"/>
         <c:crossBetween val="midCat"/>
       </c:valAx>
       <c:valAx>
-        <c:axId val="514539128"/>
+        <c:axId val="147153984"/>
         <c:scaling>
           <c:logBase val="10"/>
           <c:orientation val="minMax"/>
@@ -7784,7 +7784,7 @@
         <c:majorTickMark val="none"/>
         <c:minorTickMark val="none"/>
         <c:tickLblPos val="nextTo"/>
-        <c:crossAx val="514540304"/>
+        <c:crossAx val="147628072"/>
         <c:crosses val="autoZero"/>
         <c:crossBetween val="midCat"/>
       </c:valAx>
@@ -9554,7 +9554,7 @@
           <a:p>
             <a:fld id="{0AA85B57-4734-4699-BEFC-70C8ADF40FD5}" type="datetimeFigureOut">
               <a:rPr lang="fr-FR" smtClean="0"/>
-              <a:t>18/12/2018</a:t>
+              <a:t>28/12/2018</a:t>
             </a:fld>
             <a:endParaRPr lang="fr-FR"/>
           </a:p>
@@ -9724,7 +9724,7 @@
           <a:p>
             <a:fld id="{0AA85B57-4734-4699-BEFC-70C8ADF40FD5}" type="datetimeFigureOut">
               <a:rPr lang="fr-FR" smtClean="0"/>
-              <a:t>18/12/2018</a:t>
+              <a:t>28/12/2018</a:t>
             </a:fld>
             <a:endParaRPr lang="fr-FR"/>
           </a:p>
@@ -9904,7 +9904,7 @@
           <a:p>
             <a:fld id="{0AA85B57-4734-4699-BEFC-70C8ADF40FD5}" type="datetimeFigureOut">
               <a:rPr lang="fr-FR" smtClean="0"/>
-              <a:t>18/12/2018</a:t>
+              <a:t>28/12/2018</a:t>
             </a:fld>
             <a:endParaRPr lang="fr-FR"/>
           </a:p>
@@ -10074,7 +10074,7 @@
           <a:p>
             <a:fld id="{0AA85B57-4734-4699-BEFC-70C8ADF40FD5}" type="datetimeFigureOut">
               <a:rPr lang="fr-FR" smtClean="0"/>
-              <a:t>18/12/2018</a:t>
+              <a:t>28/12/2018</a:t>
             </a:fld>
             <a:endParaRPr lang="fr-FR"/>
           </a:p>
@@ -10320,7 +10320,7 @@
           <a:p>
             <a:fld id="{0AA85B57-4734-4699-BEFC-70C8ADF40FD5}" type="datetimeFigureOut">
               <a:rPr lang="fr-FR" smtClean="0"/>
-              <a:t>18/12/2018</a:t>
+              <a:t>28/12/2018</a:t>
             </a:fld>
             <a:endParaRPr lang="fr-FR"/>
           </a:p>
@@ -10552,7 +10552,7 @@
           <a:p>
             <a:fld id="{0AA85B57-4734-4699-BEFC-70C8ADF40FD5}" type="datetimeFigureOut">
               <a:rPr lang="fr-FR" smtClean="0"/>
-              <a:t>18/12/2018</a:t>
+              <a:t>28/12/2018</a:t>
             </a:fld>
             <a:endParaRPr lang="fr-FR"/>
           </a:p>
@@ -10919,7 +10919,7 @@
           <a:p>
             <a:fld id="{0AA85B57-4734-4699-BEFC-70C8ADF40FD5}" type="datetimeFigureOut">
               <a:rPr lang="fr-FR" smtClean="0"/>
-              <a:t>18/12/2018</a:t>
+              <a:t>28/12/2018</a:t>
             </a:fld>
             <a:endParaRPr lang="fr-FR"/>
           </a:p>
@@ -11037,7 +11037,7 @@
           <a:p>
             <a:fld id="{0AA85B57-4734-4699-BEFC-70C8ADF40FD5}" type="datetimeFigureOut">
               <a:rPr lang="fr-FR" smtClean="0"/>
-              <a:t>18/12/2018</a:t>
+              <a:t>28/12/2018</a:t>
             </a:fld>
             <a:endParaRPr lang="fr-FR"/>
           </a:p>
@@ -11132,7 +11132,7 @@
           <a:p>
             <a:fld id="{0AA85B57-4734-4699-BEFC-70C8ADF40FD5}" type="datetimeFigureOut">
               <a:rPr lang="fr-FR" smtClean="0"/>
-              <a:t>18/12/2018</a:t>
+              <a:t>28/12/2018</a:t>
             </a:fld>
             <a:endParaRPr lang="fr-FR"/>
           </a:p>
@@ -11409,7 +11409,7 @@
           <a:p>
             <a:fld id="{0AA85B57-4734-4699-BEFC-70C8ADF40FD5}" type="datetimeFigureOut">
               <a:rPr lang="fr-FR" smtClean="0"/>
-              <a:t>18/12/2018</a:t>
+              <a:t>28/12/2018</a:t>
             </a:fld>
             <a:endParaRPr lang="fr-FR"/>
           </a:p>
@@ -11662,7 +11662,7 @@
           <a:p>
             <a:fld id="{0AA85B57-4734-4699-BEFC-70C8ADF40FD5}" type="datetimeFigureOut">
               <a:rPr lang="fr-FR" smtClean="0"/>
-              <a:t>18/12/2018</a:t>
+              <a:t>28/12/2018</a:t>
             </a:fld>
             <a:endParaRPr lang="fr-FR"/>
           </a:p>
@@ -11875,7 +11875,7 @@
           <a:p>
             <a:fld id="{0AA85B57-4734-4699-BEFC-70C8ADF40FD5}" type="datetimeFigureOut">
               <a:rPr lang="fr-FR" smtClean="0"/>
-              <a:t>18/12/2018</a:t>
+              <a:t>28/12/2018</a:t>
             </a:fld>
             <a:endParaRPr lang="fr-FR"/>
           </a:p>
@@ -13772,21 +13772,21 @@
                 <a:gridCol w="1726819">
                   <a:extLst>
                     <a:ext uri="{9D8B030D-6E8A-4147-A177-3AD203B41FA5}">
-                      <a16:colId xmlns="" xmlns:a16="http://schemas.microsoft.com/office/drawing/2014/main" val="20000"/>
+                      <a16:colId xmlns:a16="http://schemas.microsoft.com/office/drawing/2014/main" xmlns="" val="20000"/>
                     </a:ext>
                   </a:extLst>
                 </a:gridCol>
                 <a:gridCol w="1726819">
                   <a:extLst>
                     <a:ext uri="{9D8B030D-6E8A-4147-A177-3AD203B41FA5}">
-                      <a16:colId xmlns="" xmlns:a16="http://schemas.microsoft.com/office/drawing/2014/main" val="20001"/>
+                      <a16:colId xmlns:a16="http://schemas.microsoft.com/office/drawing/2014/main" xmlns="" val="20001"/>
                     </a:ext>
                   </a:extLst>
                 </a:gridCol>
                 <a:gridCol w="1726819">
                   <a:extLst>
                     <a:ext uri="{9D8B030D-6E8A-4147-A177-3AD203B41FA5}">
-                      <a16:colId xmlns="" xmlns:a16="http://schemas.microsoft.com/office/drawing/2014/main" val="20002"/>
+                      <a16:colId xmlns:a16="http://schemas.microsoft.com/office/drawing/2014/main" xmlns="" val="20002"/>
                     </a:ext>
                   </a:extLst>
                 </a:gridCol>
@@ -13914,7 +13914,7 @@
                 </a:tc>
                 <a:extLst>
                   <a:ext uri="{0D108BD9-81ED-4DB2-BD59-A6C34878D82A}">
-                    <a16:rowId xmlns="" xmlns:a16="http://schemas.microsoft.com/office/drawing/2014/main" val="10000"/>
+                    <a16:rowId xmlns:a16="http://schemas.microsoft.com/office/drawing/2014/main" xmlns="" val="10000"/>
                   </a:ext>
                 </a:extLst>
               </a:tr>
@@ -14046,7 +14046,7 @@
                 </a:tc>
                 <a:extLst>
                   <a:ext uri="{0D108BD9-81ED-4DB2-BD59-A6C34878D82A}">
-                    <a16:rowId xmlns="" xmlns:a16="http://schemas.microsoft.com/office/drawing/2014/main" val="10001"/>
+                    <a16:rowId xmlns:a16="http://schemas.microsoft.com/office/drawing/2014/main" xmlns="" val="10001"/>
                   </a:ext>
                 </a:extLst>
               </a:tr>
@@ -14182,7 +14182,7 @@
                 </a:tc>
                 <a:extLst>
                   <a:ext uri="{0D108BD9-81ED-4DB2-BD59-A6C34878D82A}">
-                    <a16:rowId xmlns="" xmlns:a16="http://schemas.microsoft.com/office/drawing/2014/main" val="10002"/>
+                    <a16:rowId xmlns:a16="http://schemas.microsoft.com/office/drawing/2014/main" xmlns="" val="10002"/>
                   </a:ext>
                 </a:extLst>
               </a:tr>
@@ -14346,7 +14346,7 @@
                 </a:tc>
                 <a:extLst>
                   <a:ext uri="{0D108BD9-81ED-4DB2-BD59-A6C34878D82A}">
-                    <a16:rowId xmlns="" xmlns:a16="http://schemas.microsoft.com/office/drawing/2014/main" val="10003"/>
+                    <a16:rowId xmlns:a16="http://schemas.microsoft.com/office/drawing/2014/main" xmlns="" val="10003"/>
                   </a:ext>
                 </a:extLst>
               </a:tr>
@@ -14421,14 +14421,14 @@
                     <a:gridCol w="4728396">
                       <a:extLst>
                         <a:ext uri="{9D8B030D-6E8A-4147-A177-3AD203B41FA5}">
-                          <a16:colId xmlns="" xmlns:a16="http://schemas.microsoft.com/office/drawing/2014/main" val="20000"/>
+                          <a16:colId xmlns:a16="http://schemas.microsoft.com/office/drawing/2014/main" xmlns="" val="20000"/>
                         </a:ext>
                       </a:extLst>
                     </a:gridCol>
                     <a:gridCol w="3399604">
                       <a:extLst>
                         <a:ext uri="{9D8B030D-6E8A-4147-A177-3AD203B41FA5}">
-                          <a16:colId xmlns="" xmlns:a16="http://schemas.microsoft.com/office/drawing/2014/main" val="20001"/>
+                          <a16:colId xmlns:a16="http://schemas.microsoft.com/office/drawing/2014/main" xmlns="" val="20001"/>
                         </a:ext>
                       </a:extLst>
                     </a:gridCol>
@@ -14526,7 +14526,7 @@
                     </a:tc>
                     <a:extLst>
                       <a:ext uri="{0D108BD9-81ED-4DB2-BD59-A6C34878D82A}">
-                        <a16:rowId xmlns="" xmlns:a16="http://schemas.microsoft.com/office/drawing/2014/main" val="10000"/>
+                        <a16:rowId xmlns:a16="http://schemas.microsoft.com/office/drawing/2014/main" xmlns="" val="10000"/>
                       </a:ext>
                     </a:extLst>
                   </a:tr>
@@ -14737,7 +14737,7 @@
                     </a:tc>
                     <a:extLst>
                       <a:ext uri="{0D108BD9-81ED-4DB2-BD59-A6C34878D82A}">
-                        <a16:rowId xmlns="" xmlns:a16="http://schemas.microsoft.com/office/drawing/2014/main" val="10001"/>
+                        <a16:rowId xmlns:a16="http://schemas.microsoft.com/office/drawing/2014/main" xmlns="" val="10001"/>
                       </a:ext>
                     </a:extLst>
                   </a:tr>
@@ -14994,7 +14994,7 @@
                     </a:tc>
                     <a:extLst>
                       <a:ext uri="{0D108BD9-81ED-4DB2-BD59-A6C34878D82A}">
-                        <a16:rowId xmlns="" xmlns:a16="http://schemas.microsoft.com/office/drawing/2014/main" val="10002"/>
+                        <a16:rowId xmlns:a16="http://schemas.microsoft.com/office/drawing/2014/main" xmlns="" val="10002"/>
                       </a:ext>
                     </a:extLst>
                   </a:tr>
@@ -15282,7 +15282,7 @@
                     </a:tc>
                     <a:extLst>
                       <a:ext uri="{0D108BD9-81ED-4DB2-BD59-A6C34878D82A}">
-                        <a16:rowId xmlns="" xmlns:a16="http://schemas.microsoft.com/office/drawing/2014/main" val="10003"/>
+                        <a16:rowId xmlns:a16="http://schemas.microsoft.com/office/drawing/2014/main" xmlns="" val="10003"/>
                       </a:ext>
                     </a:extLst>
                   </a:tr>
@@ -15502,7 +15502,7 @@
                     </a:tc>
                     <a:extLst>
                       <a:ext uri="{0D108BD9-81ED-4DB2-BD59-A6C34878D82A}">
-                        <a16:rowId xmlns="" xmlns:a16="http://schemas.microsoft.com/office/drawing/2014/main" val="10004"/>
+                        <a16:rowId xmlns:a16="http://schemas.microsoft.com/office/drawing/2014/main" xmlns="" val="10004"/>
                       </a:ext>
                     </a:extLst>
                   </a:tr>
@@ -15953,14 +15953,14 @@
                     <a:gridCol w="1726819">
                       <a:extLst>
                         <a:ext uri="{9D8B030D-6E8A-4147-A177-3AD203B41FA5}">
-                          <a16:colId xmlns="" xmlns:a16="http://schemas.microsoft.com/office/drawing/2014/main" val="20000"/>
+                          <a16:colId xmlns:a16="http://schemas.microsoft.com/office/drawing/2014/main" xmlns="" val="20000"/>
                         </a:ext>
                       </a:extLst>
                     </a:gridCol>
                     <a:gridCol w="1726819">
                       <a:extLst>
                         <a:ext uri="{9D8B030D-6E8A-4147-A177-3AD203B41FA5}">
-                          <a16:colId xmlns="" xmlns:a16="http://schemas.microsoft.com/office/drawing/2014/main" val="20001"/>
+                          <a16:colId xmlns:a16="http://schemas.microsoft.com/office/drawing/2014/main" xmlns="" val="20001"/>
                         </a:ext>
                       </a:extLst>
                     </a:gridCol>
@@ -16056,7 +16056,7 @@
                     </a:tc>
                     <a:extLst>
                       <a:ext uri="{0D108BD9-81ED-4DB2-BD59-A6C34878D82A}">
-                        <a16:rowId xmlns="" xmlns:a16="http://schemas.microsoft.com/office/drawing/2014/main" val="10000"/>
+                        <a16:rowId xmlns:a16="http://schemas.microsoft.com/office/drawing/2014/main" xmlns="" val="10000"/>
                       </a:ext>
                     </a:extLst>
                   </a:tr>
@@ -16154,7 +16154,7 @@
                     </a:tc>
                     <a:extLst>
                       <a:ext uri="{0D108BD9-81ED-4DB2-BD59-A6C34878D82A}">
-                        <a16:rowId xmlns="" xmlns:a16="http://schemas.microsoft.com/office/drawing/2014/main" val="10001"/>
+                        <a16:rowId xmlns:a16="http://schemas.microsoft.com/office/drawing/2014/main" xmlns="" val="10001"/>
                       </a:ext>
                     </a:extLst>
                   </a:tr>
@@ -16265,7 +16265,7 @@
                     </a:tc>
                     <a:extLst>
                       <a:ext uri="{0D108BD9-81ED-4DB2-BD59-A6C34878D82A}">
-                        <a16:rowId xmlns="" xmlns:a16="http://schemas.microsoft.com/office/drawing/2014/main" val="10002"/>
+                        <a16:rowId xmlns:a16="http://schemas.microsoft.com/office/drawing/2014/main" xmlns="" val="10002"/>
                       </a:ext>
                     </a:extLst>
                   </a:tr>
@@ -16376,7 +16376,7 @@
                     </a:tc>
                     <a:extLst>
                       <a:ext uri="{0D108BD9-81ED-4DB2-BD59-A6C34878D82A}">
-                        <a16:rowId xmlns="" xmlns:a16="http://schemas.microsoft.com/office/drawing/2014/main" val="10003"/>
+                        <a16:rowId xmlns:a16="http://schemas.microsoft.com/office/drawing/2014/main" xmlns="" val="10003"/>
                       </a:ext>
                     </a:extLst>
                   </a:tr>
@@ -16506,7 +16506,7 @@
                     </a:tc>
                     <a:extLst>
                       <a:ext uri="{0D108BD9-81ED-4DB2-BD59-A6C34878D82A}">
-                        <a16:rowId xmlns="" xmlns:a16="http://schemas.microsoft.com/office/drawing/2014/main" val="10004"/>
+                        <a16:rowId xmlns:a16="http://schemas.microsoft.com/office/drawing/2014/main" xmlns="" val="10004"/>
                       </a:ext>
                     </a:extLst>
                   </a:tr>
@@ -19756,10 +19756,10 @@
           </p:nvGrpSpPr>
           <p:grpSpPr>
             <a:xfrm>
-              <a:off x="2697849" y="2978539"/>
-              <a:ext cx="1147385" cy="1627398"/>
-              <a:chOff x="2666529" y="3675601"/>
-              <a:chExt cx="1147385" cy="1627398"/>
+              <a:off x="2357100" y="2978539"/>
+              <a:ext cx="1488134" cy="1627398"/>
+              <a:chOff x="2325780" y="3675601"/>
+              <a:chExt cx="1488134" cy="1627398"/>
             </a:xfrm>
           </p:grpSpPr>
           <p:cxnSp>
@@ -20500,8 +20500,8 @@
               </p:style>
             </p:cxnSp>
           </p:grpSp>
-          <mc:AlternateContent xmlns:mc="http://schemas.openxmlformats.org/markup-compatibility/2006" xmlns:a14="http://schemas.microsoft.com/office/drawing/2010/main">
-            <mc:Choice Requires="a14">
+          <mc:AlternateContent xmlns:mc="http://schemas.openxmlformats.org/markup-compatibility/2006">
+            <mc:Choice xmlns:a14="http://schemas.microsoft.com/office/drawing/2010/main" Requires="a14">
               <p:sp>
                 <p:nvSpPr>
                   <p:cNvPr id="188" name="ZoneTexte 187"/>
@@ -20510,8 +20510,8 @@
                 </p:nvSpPr>
                 <p:spPr>
                   <a:xfrm>
-                    <a:off x="2666529" y="4701384"/>
-                    <a:ext cx="664990" cy="307777"/>
+                    <a:off x="2325780" y="4691573"/>
+                    <a:ext cx="1054519" cy="307777"/>
                   </a:xfrm>
                   <a:prstGeom prst="rect">
                     <a:avLst/>
@@ -20552,7 +20552,13 @@
                                 <a:rPr lang="fr-FR" sz="1400" b="1" i="1" dirty="0" smtClean="0">
                                   <a:latin typeface="Cambria Math" panose="02040503050406030204" pitchFamily="18" charset="0"/>
                                 </a:rPr>
-                                <m:t>𝒓𝒍𝒎𝒕</m:t>
+                                <m:t>𝒓</m:t>
+                              </m:r>
+                              <m:r>
+                                <a:rPr lang="fr-FR" sz="1400" b="1" i="1" dirty="0" smtClean="0">
+                                  <a:latin typeface="Cambria Math" panose="02040503050406030204" pitchFamily="18" charset="0"/>
+                                </a:rPr>
+                                <m:t>𝒐𝒖𝒍𝒆𝒎𝒆𝒏𝒕</m:t>
                               </m:r>
                             </m:sub>
                           </m:sSub>
@@ -20564,7 +20570,7 @@
                 </p:txBody>
               </p:sp>
             </mc:Choice>
-            <mc:Fallback xmlns="">
+            <mc:Fallback>
               <p:sp>
                 <p:nvSpPr>
                   <p:cNvPr id="188" name="ZoneTexte 187"/>
@@ -20575,8 +20581,8 @@
                 </p:nvSpPr>
                 <p:spPr>
                   <a:xfrm>
-                    <a:off x="2666529" y="4701384"/>
-                    <a:ext cx="664990" cy="307777"/>
+                    <a:off x="2325780" y="4691573"/>
+                    <a:ext cx="1054519" cy="307777"/>
                   </a:xfrm>
                   <a:prstGeom prst="rect">
                     <a:avLst/>
@@ -21013,13 +21019,30 @@
                 </a:spcAft>
               </a:pPr>
               <a:r>
+                <a:rPr lang="fr-FR" dirty="0">
+                  <a:latin typeface="Times New Roman" panose="02020603050405020304" pitchFamily="18" charset="0"/>
+                  <a:ea typeface="Calibri" panose="020F0502020204030204" pitchFamily="34" charset="0"/>
+                  <a:cs typeface="Times New Roman" panose="02020603050405020304" pitchFamily="18" charset="0"/>
+                </a:rPr>
+                <a:t>n</a:t>
+              </a:r>
+              <a:r>
                 <a:rPr lang="fr-FR" sz="1800" dirty="0" smtClean="0">
                   <a:effectLst/>
                   <a:latin typeface="Times New Roman" panose="02020603050405020304" pitchFamily="18" charset="0"/>
                   <a:ea typeface="Calibri" panose="020F0502020204030204" pitchFamily="34" charset="0"/>
                   <a:cs typeface="Times New Roman" panose="02020603050405020304" pitchFamily="18" charset="0"/>
                 </a:rPr>
-                <a:t>Nœuds maître</a:t>
+                <a:t>œuds </a:t>
+              </a:r>
+              <a:r>
+                <a:rPr lang="fr-FR" sz="1800" dirty="0" smtClean="0">
+                  <a:effectLst/>
+                  <a:latin typeface="Times New Roman" panose="02020603050405020304" pitchFamily="18" charset="0"/>
+                  <a:ea typeface="Calibri" panose="020F0502020204030204" pitchFamily="34" charset="0"/>
+                  <a:cs typeface="Times New Roman" panose="02020603050405020304" pitchFamily="18" charset="0"/>
+                </a:rPr>
+                <a:t>maître</a:t>
               </a:r>
               <a:endParaRPr lang="fr-FR" sz="1100" dirty="0">
                 <a:effectLst/>
@@ -22330,8 +22353,8 @@
               </p:style>
             </p:cxnSp>
           </p:grpSp>
-          <mc:AlternateContent xmlns:mc="http://schemas.openxmlformats.org/markup-compatibility/2006" xmlns:a14="http://schemas.microsoft.com/office/drawing/2010/main">
-            <mc:Choice Requires="a14">
+          <mc:AlternateContent xmlns:mc="http://schemas.openxmlformats.org/markup-compatibility/2006">
+            <mc:Choice xmlns:a14="http://schemas.microsoft.com/office/drawing/2010/main" Requires="a14">
               <p:sp>
                 <p:nvSpPr>
                   <p:cNvPr id="134" name="ZoneTexte 133"/>
@@ -22341,7 +22364,7 @@
                 <p:spPr>
                   <a:xfrm>
                     <a:off x="2666529" y="4701384"/>
-                    <a:ext cx="535146" cy="327077"/>
+                    <a:ext cx="772391" cy="327077"/>
                   </a:xfrm>
                   <a:prstGeom prst="rect">
                     <a:avLst/>
@@ -22382,7 +22405,13 @@
                                 <a:rPr lang="fr-FR" sz="1400" b="1" i="1" dirty="0" smtClean="0">
                                   <a:latin typeface="Cambria Math" panose="02040503050406030204" pitchFamily="18" charset="0"/>
                                 </a:rPr>
-                                <m:t>𝒑𝒉</m:t>
+                                <m:t>𝒑</m:t>
+                              </m:r>
+                              <m:r>
+                                <a:rPr lang="fr-FR" sz="1400" b="1" i="1" dirty="0" smtClean="0">
+                                  <a:latin typeface="Cambria Math" panose="02040503050406030204" pitchFamily="18" charset="0"/>
+                                </a:rPr>
+                                <m:t>𝒂𝒍𝒊𝒆𝒓</m:t>
                               </m:r>
                             </m:sub>
                           </m:sSub>
@@ -22394,7 +22423,7 @@
                 </p:txBody>
               </p:sp>
             </mc:Choice>
-            <mc:Fallback xmlns="">
+            <mc:Fallback>
               <p:sp>
                 <p:nvSpPr>
                   <p:cNvPr id="134" name="ZoneTexte 133"/>
@@ -22406,7 +22435,7 @@
                 <p:spPr>
                   <a:xfrm>
                     <a:off x="2666529" y="4701384"/>
-                    <a:ext cx="535146" cy="327077"/>
+                    <a:ext cx="772391" cy="327077"/>
                   </a:xfrm>
                   <a:prstGeom prst="rect">
                     <a:avLst/>
@@ -22414,7 +22443,7 @@
                   <a:blipFill rotWithShape="0">
                     <a:blip r:embed="rId6"/>
                     <a:stretch>
-                      <a:fillRect b="-3704"/>
+                      <a:fillRect/>
                     </a:stretch>
                   </a:blipFill>
                 </p:spPr>
@@ -28251,16 +28280,16 @@
       </p:grpSpPr>
       <p:grpSp>
         <p:nvGrpSpPr>
-          <p:cNvPr id="37" name="Groupe 36"/>
+          <p:cNvPr id="12" name="Groupe 11"/>
           <p:cNvGrpSpPr/>
           <p:nvPr/>
         </p:nvGrpSpPr>
         <p:grpSpPr>
           <a:xfrm>
-            <a:off x="1146808" y="83534"/>
-            <a:ext cx="10142907" cy="3707023"/>
-            <a:chOff x="1356358" y="283559"/>
-            <a:chExt cx="10142907" cy="3707023"/>
+            <a:off x="1105711" y="1347256"/>
+            <a:ext cx="10142907" cy="3724274"/>
+            <a:chOff x="1105711" y="1347256"/>
+            <a:chExt cx="10142907" cy="3724274"/>
           </a:xfrm>
         </p:grpSpPr>
         <p:grpSp>
@@ -28271,10 +28300,10 @@
           </p:nvGrpSpPr>
           <p:grpSpPr>
             <a:xfrm>
-              <a:off x="1356358" y="825351"/>
-              <a:ext cx="9320738" cy="3024574"/>
+              <a:off x="1105711" y="1889048"/>
+              <a:ext cx="9320738" cy="3182482"/>
               <a:chOff x="1356358" y="825351"/>
-              <a:chExt cx="9320738" cy="3024574"/>
+              <a:chExt cx="9320738" cy="3182482"/>
             </a:xfrm>
           </p:grpSpPr>
           <p:grpSp>
@@ -29045,7 +29074,7 @@
             </p:nvSpPr>
             <p:spPr>
               <a:xfrm>
-                <a:off x="3017960" y="3480593"/>
+                <a:off x="3007214" y="3638501"/>
                 <a:ext cx="880241" cy="369332"/>
               </a:xfrm>
               <a:prstGeom prst="rect">
@@ -29075,7 +29104,7 @@
             </p:nvSpPr>
             <p:spPr>
               <a:xfrm>
-                <a:off x="7106781" y="3480593"/>
+                <a:off x="7106781" y="3633401"/>
                 <a:ext cx="880241" cy="369332"/>
               </a:xfrm>
               <a:prstGeom prst="rect">
@@ -29137,10 +29166,10 @@
           </p:nvGrpSpPr>
           <p:grpSpPr>
             <a:xfrm>
-              <a:off x="2159014" y="283559"/>
-              <a:ext cx="9340251" cy="3707023"/>
-              <a:chOff x="2159014" y="283559"/>
-              <a:chExt cx="9340251" cy="3707023"/>
+              <a:off x="3187811" y="1347256"/>
+              <a:ext cx="8060807" cy="3707023"/>
+              <a:chOff x="3438458" y="283559"/>
+              <a:chExt cx="8060807" cy="3707023"/>
             </a:xfrm>
           </p:grpSpPr>
           <p:grpSp>
@@ -29151,10 +29180,10 @@
             </p:nvGrpSpPr>
             <p:grpSpPr>
               <a:xfrm>
-                <a:off x="2159014" y="876430"/>
-                <a:ext cx="1601684" cy="2647406"/>
-                <a:chOff x="1950916" y="1650642"/>
-                <a:chExt cx="1601684" cy="2647406"/>
+                <a:off x="3438458" y="876430"/>
+                <a:ext cx="1342699" cy="2674777"/>
+                <a:chOff x="3230360" y="1650642"/>
+                <a:chExt cx="1342699" cy="2674777"/>
               </a:xfrm>
             </p:grpSpPr>
             <p:cxnSp>
@@ -29164,9 +29193,9 @@
                 <p:nvPr/>
               </p:nvCxnSpPr>
               <p:spPr>
-                <a:xfrm flipH="1">
-                  <a:off x="2413440" y="3313435"/>
-                  <a:ext cx="825797" cy="535643"/>
+                <a:xfrm flipV="1">
+                  <a:off x="3239238" y="2766326"/>
+                  <a:ext cx="843473" cy="547109"/>
                 </a:xfrm>
                 <a:prstGeom prst="straightConnector1">
                   <a:avLst/>
@@ -29190,8 +29219,8 @@
                 </a:fontRef>
               </p:style>
             </p:cxnSp>
-            <mc:AlternateContent xmlns:mc="http://schemas.openxmlformats.org/markup-compatibility/2006" xmlns:a14="http://schemas.microsoft.com/office/drawing/2010/main">
-              <mc:Choice Requires="a14">
+            <mc:AlternateContent xmlns:mc="http://schemas.openxmlformats.org/markup-compatibility/2006">
+              <mc:Choice xmlns:a14="http://schemas.microsoft.com/office/drawing/2010/main" Requires="a14">
                 <p:sp>
                   <p:nvSpPr>
                     <p:cNvPr id="77" name="Zone de texte 153"/>
@@ -29200,7 +29229,7 @@
                   </p:nvSpPr>
                   <p:spPr>
                     <a:xfrm>
-                      <a:off x="3250852" y="2120374"/>
+                      <a:off x="3230360" y="4050769"/>
                       <a:ext cx="301748" cy="274650"/>
                     </a:xfrm>
                     <a:prstGeom prst="rect">
@@ -29250,8 +29279,8 @@
                             <m:jc m:val="centerGroup"/>
                           </m:oMathParaPr>
                           <m:oMath xmlns:m="http://schemas.openxmlformats.org/officeDocument/2006/math">
-                            <m:sSub>
-                              <m:sSubPr>
+                            <m:sSubSup>
+                              <m:sSubSupPr>
                                 <m:ctrlPr>
                                   <a:rPr lang="fr-FR" b="1" i="1" smtClean="0">
                                     <a:latin typeface="Cambria Math" panose="02040503050406030204" pitchFamily="18" charset="0"/>
@@ -29259,7 +29288,7 @@
                                     <a:cs typeface="Times New Roman" panose="02020603050405020304" pitchFamily="18" charset="0"/>
                                   </a:rPr>
                                 </m:ctrlPr>
-                              </m:sSubPr>
+                              </m:sSubSupPr>
                               <m:e>
                                 <m:r>
                                   <a:rPr lang="fr-FR" b="1" i="1" smtClean="0">
@@ -29279,16 +29308,18 @@
                                   </a:rPr>
                                   <m:t>𝒙</m:t>
                                 </m:r>
+                              </m:sub>
+                              <m:sup>
                                 <m:r>
-                                  <a:rPr lang="fr-FR" b="1" i="1" smtClean="0">
+                                  <a:rPr lang="fr-FR" b="1" i="1">
                                     <a:latin typeface="Cambria Math" panose="02040503050406030204" pitchFamily="18" charset="0"/>
                                     <a:ea typeface="SimSun" panose="02010600030101010101" pitchFamily="2" charset="-122"/>
                                     <a:cs typeface="Times New Roman" panose="02020603050405020304" pitchFamily="18" charset="0"/>
                                   </a:rPr>
                                   <m:t>𝟏</m:t>
                                 </m:r>
-                              </m:sub>
-                            </m:sSub>
+                              </m:sup>
+                            </m:sSubSup>
                           </m:oMath>
                         </m:oMathPara>
                       </a14:m>
@@ -29301,7 +29332,7 @@
                   </p:txBody>
                 </p:sp>
               </mc:Choice>
-              <mc:Fallback xmlns="">
+              <mc:Fallback>
                 <p:sp>
                   <p:nvSpPr>
                     <p:cNvPr id="77" name="Zone de texte 153"/>
@@ -29312,7 +29343,7 @@
                   </p:nvSpPr>
                   <p:spPr>
                     <a:xfrm>
-                      <a:off x="3250852" y="2120374"/>
+                      <a:off x="3230360" y="4050769"/>
                       <a:ext cx="301748" cy="274650"/>
                     </a:xfrm>
                     <a:prstGeom prst="rect">
@@ -29321,7 +29352,7 @@
                     <a:blipFill rotWithShape="0">
                       <a:blip r:embed="rId5"/>
                       <a:stretch>
-                        <a:fillRect r="-34000" b="-15556"/>
+                        <a:fillRect r="-6122" b="-17778"/>
                       </a:stretch>
                     </a:blipFill>
                     <a:ln w="6350">
@@ -29345,8 +29376,8 @@
                 </p:sp>
               </mc:Fallback>
             </mc:AlternateContent>
-            <mc:AlternateContent xmlns:mc="http://schemas.openxmlformats.org/markup-compatibility/2006" xmlns:a14="http://schemas.microsoft.com/office/drawing/2010/main">
-              <mc:Choice Requires="a14">
+            <mc:AlternateContent xmlns:mc="http://schemas.openxmlformats.org/markup-compatibility/2006">
+              <mc:Choice xmlns:a14="http://schemas.microsoft.com/office/drawing/2010/main" Requires="a14">
                 <p:sp>
                   <p:nvSpPr>
                     <p:cNvPr id="78" name="Zone de texte 153"/>
@@ -29355,7 +29386,7 @@
                   </p:nvSpPr>
                   <p:spPr>
                     <a:xfrm>
-                      <a:off x="1950916" y="3725191"/>
+                      <a:off x="3983859" y="2545011"/>
                       <a:ext cx="589200" cy="274650"/>
                     </a:xfrm>
                     <a:prstGeom prst="rect">
@@ -29405,8 +29436,8 @@
                             <m:jc m:val="centerGroup"/>
                           </m:oMathParaPr>
                           <m:oMath xmlns:m="http://schemas.openxmlformats.org/officeDocument/2006/math">
-                            <m:sSub>
-                              <m:sSubPr>
+                            <m:sSubSup>
+                              <m:sSubSupPr>
                                 <m:ctrlPr>
                                   <a:rPr lang="fr-FR" b="1" i="1" smtClean="0">
                                     <a:latin typeface="Cambria Math" panose="02040503050406030204" pitchFamily="18" charset="0"/>
@@ -29414,7 +29445,7 @@
                                     <a:cs typeface="Times New Roman" panose="02020603050405020304" pitchFamily="18" charset="0"/>
                                   </a:rPr>
                                 </m:ctrlPr>
-                              </m:sSubPr>
+                              </m:sSubSupPr>
                               <m:e>
                                 <m:r>
                                   <a:rPr lang="fr-FR" b="1" i="1" smtClean="0">
@@ -29434,6 +29465,8 @@
                                   </a:rPr>
                                   <m:t>𝒚</m:t>
                                 </m:r>
+                              </m:sub>
+                              <m:sup>
                                 <m:r>
                                   <a:rPr lang="fr-FR" b="1" i="1" smtClean="0">
                                     <a:latin typeface="Cambria Math" panose="02040503050406030204" pitchFamily="18" charset="0"/>
@@ -29442,8 +29475,8 @@
                                   </a:rPr>
                                   <m:t>𝟏</m:t>
                                 </m:r>
-                              </m:sub>
-                            </m:sSub>
+                              </m:sup>
+                            </m:sSubSup>
                           </m:oMath>
                         </m:oMathPara>
                       </a14:m>
@@ -29456,7 +29489,7 @@
                   </p:txBody>
                 </p:sp>
               </mc:Choice>
-              <mc:Fallback xmlns="">
+              <mc:Fallback>
                 <p:sp>
                   <p:nvSpPr>
                     <p:cNvPr id="78" name="Zone de texte 153"/>
@@ -29467,7 +29500,7 @@
                   </p:nvSpPr>
                   <p:spPr>
                     <a:xfrm>
-                      <a:off x="1950916" y="3725191"/>
+                      <a:off x="3983859" y="2545011"/>
                       <a:ext cx="589200" cy="274650"/>
                     </a:xfrm>
                     <a:prstGeom prst="rect">
@@ -29476,7 +29509,7 @@
                     <a:blipFill rotWithShape="0">
                       <a:blip r:embed="rId6"/>
                       <a:stretch>
-                        <a:fillRect b="-35556"/>
+                        <a:fillRect b="-37778"/>
                       </a:stretch>
                     </a:blipFill>
                     <a:ln w="6350">
@@ -29507,9 +29540,9 @@
                 <p:nvPr/>
               </p:nvCxnSpPr>
               <p:spPr>
-                <a:xfrm flipV="1">
-                  <a:off x="3239237" y="2219218"/>
-                  <a:ext cx="0" cy="1094217"/>
+                <a:xfrm>
+                  <a:off x="3239237" y="3313436"/>
+                  <a:ext cx="0" cy="991333"/>
                 </a:xfrm>
                 <a:prstGeom prst="straightConnector1">
                   <a:avLst/>
@@ -29575,10 +29608,10 @@
             </p:nvGrpSpPr>
             <p:grpSpPr>
               <a:xfrm>
-                <a:off x="6467499" y="825351"/>
-                <a:ext cx="1410754" cy="2698485"/>
-                <a:chOff x="2159834" y="1599563"/>
-                <a:chExt cx="1410754" cy="2698485"/>
+                <a:off x="7546901" y="825351"/>
+                <a:ext cx="1322580" cy="2740102"/>
+                <a:chOff x="3239236" y="1599563"/>
+                <a:chExt cx="1322580" cy="2740102"/>
               </a:xfrm>
             </p:grpSpPr>
             <p:cxnSp>
@@ -29588,9 +29621,9 @@
                 <p:nvPr/>
               </p:nvCxnSpPr>
               <p:spPr>
-                <a:xfrm flipH="1">
-                  <a:off x="2291296" y="3313435"/>
-                  <a:ext cx="947941" cy="614870"/>
+                <a:xfrm flipV="1">
+                  <a:off x="3239238" y="2797148"/>
+                  <a:ext cx="795955" cy="516287"/>
                 </a:xfrm>
                 <a:prstGeom prst="straightConnector1">
                   <a:avLst/>
@@ -29614,8 +29647,8 @@
                 </a:fontRef>
               </p:style>
             </p:cxnSp>
-            <mc:AlternateContent xmlns:mc="http://schemas.openxmlformats.org/markup-compatibility/2006" xmlns:a14="http://schemas.microsoft.com/office/drawing/2010/main">
-              <mc:Choice Requires="a14">
+            <mc:AlternateContent xmlns:mc="http://schemas.openxmlformats.org/markup-compatibility/2006">
+              <mc:Choice xmlns:a14="http://schemas.microsoft.com/office/drawing/2010/main" Requires="a14">
                 <p:sp>
                   <p:nvSpPr>
                     <p:cNvPr id="85" name="Zone de texte 153"/>
@@ -29624,7 +29657,7 @@
                   </p:nvSpPr>
                   <p:spPr>
                     <a:xfrm>
-                      <a:off x="3268840" y="2089968"/>
+                      <a:off x="3239236" y="4064207"/>
                       <a:ext cx="301748" cy="274650"/>
                     </a:xfrm>
                     <a:prstGeom prst="rect">
@@ -29674,8 +29707,8 @@
                             <m:jc m:val="centerGroup"/>
                           </m:oMathParaPr>
                           <m:oMath xmlns:m="http://schemas.openxmlformats.org/officeDocument/2006/math">
-                            <m:sSub>
-                              <m:sSubPr>
+                            <m:sSubSup>
+                              <m:sSubSupPr>
                                 <m:ctrlPr>
                                   <a:rPr lang="fr-FR" b="1" i="1" smtClean="0">
                                     <a:latin typeface="Cambria Math" panose="02040503050406030204" pitchFamily="18" charset="0"/>
@@ -29683,7 +29716,7 @@
                                     <a:cs typeface="Times New Roman" panose="02020603050405020304" pitchFamily="18" charset="0"/>
                                   </a:rPr>
                                 </m:ctrlPr>
-                              </m:sSubPr>
+                              </m:sSubSupPr>
                               <m:e>
                                 <m:r>
                                   <a:rPr lang="fr-FR" b="1" i="1" smtClean="0">
@@ -29703,6 +29736,8 @@
                                   </a:rPr>
                                   <m:t>𝒙</m:t>
                                 </m:r>
+                              </m:sub>
+                              <m:sup>
                                 <m:r>
                                   <a:rPr lang="fr-FR" b="1" i="1" smtClean="0">
                                     <a:latin typeface="Cambria Math" panose="02040503050406030204" pitchFamily="18" charset="0"/>
@@ -29711,8 +29746,8 @@
                                   </a:rPr>
                                   <m:t>𝟐</m:t>
                                 </m:r>
-                              </m:sub>
-                            </m:sSub>
+                              </m:sup>
+                            </m:sSubSup>
                           </m:oMath>
                         </m:oMathPara>
                       </a14:m>
@@ -29725,7 +29760,7 @@
                   </p:txBody>
                 </p:sp>
               </mc:Choice>
-              <mc:Fallback xmlns="">
+              <mc:Fallback>
                 <p:sp>
                   <p:nvSpPr>
                     <p:cNvPr id="85" name="Zone de texte 153"/>
@@ -29736,7 +29771,7 @@
                   </p:nvSpPr>
                   <p:spPr>
                     <a:xfrm>
-                      <a:off x="3268840" y="2089968"/>
+                      <a:off x="3239236" y="4064207"/>
                       <a:ext cx="301748" cy="274650"/>
                     </a:xfrm>
                     <a:prstGeom prst="rect">
@@ -29745,7 +29780,7 @@
                     <a:blipFill rotWithShape="0">
                       <a:blip r:embed="rId7"/>
                       <a:stretch>
-                        <a:fillRect r="-34000" b="-15556"/>
+                        <a:fillRect r="-6122" b="-17778"/>
                       </a:stretch>
                     </a:blipFill>
                     <a:ln w="6350">
@@ -29769,8 +29804,8 @@
                 </p:sp>
               </mc:Fallback>
             </mc:AlternateContent>
-            <mc:AlternateContent xmlns:mc="http://schemas.openxmlformats.org/markup-compatibility/2006" xmlns:a14="http://schemas.microsoft.com/office/drawing/2010/main">
-              <mc:Choice Requires="a14">
+            <mc:AlternateContent xmlns:mc="http://schemas.openxmlformats.org/markup-compatibility/2006">
+              <mc:Choice xmlns:a14="http://schemas.microsoft.com/office/drawing/2010/main" Requires="a14">
                 <p:sp>
                   <p:nvSpPr>
                     <p:cNvPr id="86" name="Zone de texte 153"/>
@@ -29779,7 +29814,7 @@
                   </p:nvSpPr>
                   <p:spPr>
                     <a:xfrm>
-                      <a:off x="2159834" y="3867318"/>
+                      <a:off x="3972616" y="2490151"/>
                       <a:ext cx="589200" cy="274650"/>
                     </a:xfrm>
                     <a:prstGeom prst="rect">
@@ -29829,8 +29864,8 @@
                             <m:jc m:val="centerGroup"/>
                           </m:oMathParaPr>
                           <m:oMath xmlns:m="http://schemas.openxmlformats.org/officeDocument/2006/math">
-                            <m:sSub>
-                              <m:sSubPr>
+                            <m:sSubSup>
+                              <m:sSubSupPr>
                                 <m:ctrlPr>
                                   <a:rPr lang="fr-FR" b="1" i="1" smtClean="0">
                                     <a:latin typeface="Cambria Math" panose="02040503050406030204" pitchFamily="18" charset="0"/>
@@ -29838,7 +29873,7 @@
                                     <a:cs typeface="Times New Roman" panose="02020603050405020304" pitchFamily="18" charset="0"/>
                                   </a:rPr>
                                 </m:ctrlPr>
-                              </m:sSubPr>
+                              </m:sSubSupPr>
                               <m:e>
                                 <m:r>
                                   <a:rPr lang="fr-FR" b="1" i="1" smtClean="0">
@@ -29858,6 +29893,8 @@
                                   </a:rPr>
                                   <m:t>𝒚</m:t>
                                 </m:r>
+                              </m:sub>
+                              <m:sup>
                                 <m:r>
                                   <a:rPr lang="fr-FR" b="1" i="1" smtClean="0">
                                     <a:latin typeface="Cambria Math" panose="02040503050406030204" pitchFamily="18" charset="0"/>
@@ -29866,8 +29903,8 @@
                                   </a:rPr>
                                   <m:t>𝟐</m:t>
                                 </m:r>
-                              </m:sub>
-                            </m:sSub>
+                              </m:sup>
+                            </m:sSubSup>
                           </m:oMath>
                         </m:oMathPara>
                       </a14:m>
@@ -29880,7 +29917,7 @@
                   </p:txBody>
                 </p:sp>
               </mc:Choice>
-              <mc:Fallback xmlns="">
+              <mc:Fallback>
                 <p:sp>
                   <p:nvSpPr>
                     <p:cNvPr id="86" name="Zone de texte 153"/>
@@ -29891,7 +29928,7 @@
                   </p:nvSpPr>
                   <p:spPr>
                     <a:xfrm>
-                      <a:off x="2159834" y="3867318"/>
+                      <a:off x="3972616" y="2490151"/>
                       <a:ext cx="589200" cy="274650"/>
                     </a:xfrm>
                     <a:prstGeom prst="rect">
@@ -29900,7 +29937,7 @@
                     <a:blipFill rotWithShape="0">
                       <a:blip r:embed="rId8"/>
                       <a:stretch>
-                        <a:fillRect b="-35556"/>
+                        <a:fillRect b="-37778"/>
                       </a:stretch>
                     </a:blipFill>
                     <a:ln w="6350">
@@ -29931,9 +29968,9 @@
                 <p:nvPr/>
               </p:nvCxnSpPr>
               <p:spPr>
-                <a:xfrm flipV="1">
-                  <a:off x="3239237" y="2254500"/>
-                  <a:ext cx="0" cy="1058935"/>
+                <a:xfrm>
+                  <a:off x="3239237" y="3313436"/>
+                  <a:ext cx="0" cy="1026229"/>
                 </a:xfrm>
                 <a:prstGeom prst="straightConnector1">
                   <a:avLst/>
@@ -31194,7 +31231,7 @@
     </p:spTree>
     <p:extLst>
       <p:ext uri="{BB962C8B-B14F-4D97-AF65-F5344CB8AC3E}">
-        <p14:creationId xmlns:p14="http://schemas.microsoft.com/office/powerpoint/2010/main" val="3257001627"/>
+        <p14:creationId xmlns:p14="http://schemas.microsoft.com/office/powerpoint/2010/main" val="4152708583"/>
       </p:ext>
     </p:extLst>
   </p:cSld>

--- a/CH3. modélisation du rotor/Figures/Figures.pptx
+++ b/CH3. modélisation du rotor/Figures/Figures.pptx
@@ -14,7 +14,7 @@
     <p:sldId id="260" r:id="rId8"/>
     <p:sldId id="266" r:id="rId9"/>
     <p:sldId id="261" r:id="rId10"/>
-    <p:sldId id="265" r:id="rId11"/>
+    <p:sldId id="279" r:id="rId11"/>
     <p:sldId id="267" r:id="rId12"/>
     <p:sldId id="264" r:id="rId13"/>
     <p:sldId id="268" r:id="rId14"/>
@@ -1467,11 +1467,11 @@
           <c:showPercent val="0"/>
           <c:showBubbleSize val="0"/>
         </c:dLbls>
-        <c:axId val="472619584"/>
-        <c:axId val="472619976"/>
+        <c:axId val="188225216"/>
+        <c:axId val="188219728"/>
       </c:scatterChart>
       <c:valAx>
-        <c:axId val="472619584"/>
+        <c:axId val="188225216"/>
         <c:scaling>
           <c:orientation val="minMax"/>
         </c:scaling>
@@ -1582,12 +1582,12 @@
             <a:endParaRPr lang="fr-FR"/>
           </a:p>
         </c:txPr>
-        <c:crossAx val="472619976"/>
+        <c:crossAx val="188219728"/>
         <c:crosses val="autoZero"/>
         <c:crossBetween val="midCat"/>
       </c:valAx>
       <c:valAx>
-        <c:axId val="472619976"/>
+        <c:axId val="188219728"/>
         <c:scaling>
           <c:orientation val="maxMin"/>
           <c:max val="35"/>
@@ -1700,7 +1700,7 @@
             <a:endParaRPr lang="fr-FR"/>
           </a:p>
         </c:txPr>
-        <c:crossAx val="472619584"/>
+        <c:crossAx val="188225216"/>
         <c:crosses val="autoZero"/>
         <c:crossBetween val="midCat"/>
         <c:majorUnit val="10"/>
@@ -7612,11 +7612,11 @@
           <c:showPercent val="0"/>
           <c:showBubbleSize val="0"/>
         </c:dLbls>
-        <c:axId val="147628072"/>
-        <c:axId val="147153984"/>
+        <c:axId val="155839960"/>
+        <c:axId val="155819056"/>
       </c:scatterChart>
       <c:valAx>
-        <c:axId val="147628072"/>
+        <c:axId val="155839960"/>
         <c:scaling>
           <c:orientation val="minMax"/>
           <c:max val="6000"/>
@@ -7700,12 +7700,12 @@
         <c:majorTickMark val="none"/>
         <c:minorTickMark val="none"/>
         <c:tickLblPos val="low"/>
-        <c:crossAx val="147153984"/>
+        <c:crossAx val="155819056"/>
         <c:crosses val="autoZero"/>
         <c:crossBetween val="midCat"/>
       </c:valAx>
       <c:valAx>
-        <c:axId val="147153984"/>
+        <c:axId val="155819056"/>
         <c:scaling>
           <c:logBase val="10"/>
           <c:orientation val="minMax"/>
@@ -7784,7 +7784,7 @@
         <c:majorTickMark val="none"/>
         <c:minorTickMark val="none"/>
         <c:tickLblPos val="nextTo"/>
-        <c:crossAx val="147628072"/>
+        <c:crossAx val="155839960"/>
         <c:crosses val="autoZero"/>
         <c:crossBetween val="midCat"/>
       </c:valAx>
@@ -9554,7 +9554,7 @@
           <a:p>
             <a:fld id="{0AA85B57-4734-4699-BEFC-70C8ADF40FD5}" type="datetimeFigureOut">
               <a:rPr lang="fr-FR" smtClean="0"/>
-              <a:t>28/12/2018</a:t>
+              <a:t>21/01/2019</a:t>
             </a:fld>
             <a:endParaRPr lang="fr-FR"/>
           </a:p>
@@ -9724,7 +9724,7 @@
           <a:p>
             <a:fld id="{0AA85B57-4734-4699-BEFC-70C8ADF40FD5}" type="datetimeFigureOut">
               <a:rPr lang="fr-FR" smtClean="0"/>
-              <a:t>28/12/2018</a:t>
+              <a:t>21/01/2019</a:t>
             </a:fld>
             <a:endParaRPr lang="fr-FR"/>
           </a:p>
@@ -9904,7 +9904,7 @@
           <a:p>
             <a:fld id="{0AA85B57-4734-4699-BEFC-70C8ADF40FD5}" type="datetimeFigureOut">
               <a:rPr lang="fr-FR" smtClean="0"/>
-              <a:t>28/12/2018</a:t>
+              <a:t>21/01/2019</a:t>
             </a:fld>
             <a:endParaRPr lang="fr-FR"/>
           </a:p>
@@ -10074,7 +10074,7 @@
           <a:p>
             <a:fld id="{0AA85B57-4734-4699-BEFC-70C8ADF40FD5}" type="datetimeFigureOut">
               <a:rPr lang="fr-FR" smtClean="0"/>
-              <a:t>28/12/2018</a:t>
+              <a:t>21/01/2019</a:t>
             </a:fld>
             <a:endParaRPr lang="fr-FR"/>
           </a:p>
@@ -10320,7 +10320,7 @@
           <a:p>
             <a:fld id="{0AA85B57-4734-4699-BEFC-70C8ADF40FD5}" type="datetimeFigureOut">
               <a:rPr lang="fr-FR" smtClean="0"/>
-              <a:t>28/12/2018</a:t>
+              <a:t>21/01/2019</a:t>
             </a:fld>
             <a:endParaRPr lang="fr-FR"/>
           </a:p>
@@ -10552,7 +10552,7 @@
           <a:p>
             <a:fld id="{0AA85B57-4734-4699-BEFC-70C8ADF40FD5}" type="datetimeFigureOut">
               <a:rPr lang="fr-FR" smtClean="0"/>
-              <a:t>28/12/2018</a:t>
+              <a:t>21/01/2019</a:t>
             </a:fld>
             <a:endParaRPr lang="fr-FR"/>
           </a:p>
@@ -10919,7 +10919,7 @@
           <a:p>
             <a:fld id="{0AA85B57-4734-4699-BEFC-70C8ADF40FD5}" type="datetimeFigureOut">
               <a:rPr lang="fr-FR" smtClean="0"/>
-              <a:t>28/12/2018</a:t>
+              <a:t>21/01/2019</a:t>
             </a:fld>
             <a:endParaRPr lang="fr-FR"/>
           </a:p>
@@ -11037,7 +11037,7 @@
           <a:p>
             <a:fld id="{0AA85B57-4734-4699-BEFC-70C8ADF40FD5}" type="datetimeFigureOut">
               <a:rPr lang="fr-FR" smtClean="0"/>
-              <a:t>28/12/2018</a:t>
+              <a:t>21/01/2019</a:t>
             </a:fld>
             <a:endParaRPr lang="fr-FR"/>
           </a:p>
@@ -11132,7 +11132,7 @@
           <a:p>
             <a:fld id="{0AA85B57-4734-4699-BEFC-70C8ADF40FD5}" type="datetimeFigureOut">
               <a:rPr lang="fr-FR" smtClean="0"/>
-              <a:t>28/12/2018</a:t>
+              <a:t>21/01/2019</a:t>
             </a:fld>
             <a:endParaRPr lang="fr-FR"/>
           </a:p>
@@ -11409,7 +11409,7 @@
           <a:p>
             <a:fld id="{0AA85B57-4734-4699-BEFC-70C8ADF40FD5}" type="datetimeFigureOut">
               <a:rPr lang="fr-FR" smtClean="0"/>
-              <a:t>28/12/2018</a:t>
+              <a:t>21/01/2019</a:t>
             </a:fld>
             <a:endParaRPr lang="fr-FR"/>
           </a:p>
@@ -11662,7 +11662,7 @@
           <a:p>
             <a:fld id="{0AA85B57-4734-4699-BEFC-70C8ADF40FD5}" type="datetimeFigureOut">
               <a:rPr lang="fr-FR" smtClean="0"/>
-              <a:t>28/12/2018</a:t>
+              <a:t>21/01/2019</a:t>
             </a:fld>
             <a:endParaRPr lang="fr-FR"/>
           </a:p>
@@ -11875,7 +11875,7 @@
           <a:p>
             <a:fld id="{0AA85B57-4734-4699-BEFC-70C8ADF40FD5}" type="datetimeFigureOut">
               <a:rPr lang="fr-FR" smtClean="0"/>
-              <a:t>28/12/2018</a:t>
+              <a:t>21/01/2019</a:t>
             </a:fld>
             <a:endParaRPr lang="fr-FR"/>
           </a:p>
@@ -13106,153 +13106,690 @@
       </p:grpSpPr>
       <p:grpSp>
         <p:nvGrpSpPr>
-          <p:cNvPr id="23" name="Groupe 22"/>
+          <p:cNvPr id="80" name="Groupe 79"/>
           <p:cNvGrpSpPr/>
           <p:nvPr/>
         </p:nvGrpSpPr>
         <p:grpSpPr>
           <a:xfrm>
-            <a:off x="3378486" y="1845020"/>
-            <a:ext cx="4631524" cy="2387933"/>
-            <a:chOff x="3378486" y="1845020"/>
-            <a:chExt cx="4631524" cy="2387933"/>
+            <a:off x="2455040" y="1053713"/>
+            <a:ext cx="6752314" cy="4821552"/>
+            <a:chOff x="2455040" y="1053713"/>
+            <a:chExt cx="6752314" cy="4821552"/>
           </a:xfrm>
         </p:grpSpPr>
         <p:grpSp>
           <p:nvGrpSpPr>
-            <p:cNvPr id="21" name="Groupe 20"/>
+            <p:cNvPr id="81" name="Groupe 80"/>
             <p:cNvGrpSpPr/>
             <p:nvPr/>
           </p:nvGrpSpPr>
           <p:grpSpPr>
             <a:xfrm>
-              <a:off x="3378486" y="1845020"/>
-              <a:ext cx="3289254" cy="2387933"/>
-              <a:chOff x="2505182" y="2605307"/>
-              <a:chExt cx="3289254" cy="2387933"/>
+              <a:off x="3235826" y="1119187"/>
+              <a:ext cx="5062520" cy="4756078"/>
+              <a:chOff x="790577" y="379448"/>
+              <a:chExt cx="5062520" cy="4756078"/>
             </a:xfrm>
           </p:grpSpPr>
           <p:grpSp>
             <p:nvGrpSpPr>
-              <p:cNvPr id="19" name="Groupe 18"/>
+              <p:cNvPr id="95" name="Groupe 94"/>
               <p:cNvGrpSpPr/>
               <p:nvPr/>
             </p:nvGrpSpPr>
             <p:grpSpPr>
               <a:xfrm>
-                <a:off x="2505182" y="2605307"/>
-                <a:ext cx="3289254" cy="2387933"/>
-                <a:chOff x="2505182" y="2605307"/>
-                <a:chExt cx="3289254" cy="2387933"/>
+                <a:off x="1295695" y="930855"/>
+                <a:ext cx="3865818" cy="3865818"/>
+                <a:chOff x="1744407" y="1446219"/>
+                <a:chExt cx="3865818" cy="3865818"/>
               </a:xfrm>
             </p:grpSpPr>
-            <p:cxnSp>
-              <p:nvCxnSpPr>
-                <p:cNvPr id="5" name="Connecteur droit avec flèche 4"/>
-                <p:cNvCxnSpPr/>
+            <p:sp>
+              <p:nvSpPr>
+                <p:cNvPr id="105" name="Ellipse 104"/>
+                <p:cNvSpPr/>
                 <p:nvPr/>
-              </p:nvCxnSpPr>
+              </p:nvSpPr>
               <p:spPr>
-                <a:xfrm flipV="1">
-                  <a:off x="2887038" y="2917861"/>
-                  <a:ext cx="0" cy="2075379"/>
+                <a:xfrm>
+                  <a:off x="1744407" y="1446219"/>
+                  <a:ext cx="3865818" cy="3865818"/>
                 </a:xfrm>
-                <a:prstGeom prst="straightConnector1">
+                <a:prstGeom prst="ellipse">
                   <a:avLst/>
                 </a:prstGeom>
-                <a:ln>
-                  <a:tailEnd type="triangle"/>
+                <a:solidFill>
+                  <a:schemeClr val="bg1">
+                    <a:lumMod val="75000"/>
+                  </a:schemeClr>
+                </a:solidFill>
+                <a:ln w="19050">
+                  <a:solidFill>
+                    <a:schemeClr val="tx1"/>
+                  </a:solidFill>
                 </a:ln>
               </p:spPr>
               <p:style>
-                <a:lnRef idx="1">
+                <a:lnRef idx="2">
+                  <a:schemeClr val="accent1">
+                    <a:shade val="50000"/>
+                  </a:schemeClr>
+                </a:lnRef>
+                <a:fillRef idx="1">
+                  <a:schemeClr val="accent1"/>
+                </a:fillRef>
+                <a:effectRef idx="0">
+                  <a:schemeClr val="accent1"/>
+                </a:effectRef>
+                <a:fontRef idx="minor">
+                  <a:schemeClr val="lt1"/>
+                </a:fontRef>
+              </p:style>
+              <p:txBody>
+                <a:bodyPr rtlCol="0" anchor="ctr"/>
+                <a:lstStyle/>
+                <a:p>
+                  <a:pPr algn="ctr"/>
+                  <a:endParaRPr lang="fr-FR"/>
+                </a:p>
+              </p:txBody>
+            </p:sp>
+            <p:sp>
+              <p:nvSpPr>
+                <p:cNvPr id="106" name="Ellipse 105"/>
+                <p:cNvSpPr/>
+                <p:nvPr/>
+              </p:nvSpPr>
+              <p:spPr>
+                <a:xfrm>
+                  <a:off x="1915857" y="1589094"/>
+                  <a:ext cx="3541968" cy="3541968"/>
+                </a:xfrm>
+                <a:prstGeom prst="ellipse">
+                  <a:avLst/>
+                </a:prstGeom>
+                <a:solidFill>
+                  <a:schemeClr val="bg1"/>
+                </a:solidFill>
+                <a:ln w="19050">
+                  <a:solidFill>
+                    <a:schemeClr val="tx1"/>
+                  </a:solidFill>
+                </a:ln>
+              </p:spPr>
+              <p:style>
+                <a:lnRef idx="2">
+                  <a:schemeClr val="accent1">
+                    <a:shade val="50000"/>
+                  </a:schemeClr>
+                </a:lnRef>
+                <a:fillRef idx="1">
+                  <a:schemeClr val="accent1"/>
+                </a:fillRef>
+                <a:effectRef idx="0">
+                  <a:schemeClr val="accent1"/>
+                </a:effectRef>
+                <a:fontRef idx="minor">
+                  <a:schemeClr val="lt1"/>
+                </a:fontRef>
+              </p:style>
+              <p:txBody>
+                <a:bodyPr rtlCol="0" anchor="ctr"/>
+                <a:lstStyle/>
+                <a:p>
+                  <a:pPr algn="ctr"/>
+                  <a:endParaRPr lang="fr-FR"/>
+                </a:p>
+              </p:txBody>
+            </p:sp>
+          </p:grpSp>
+          <p:grpSp>
+            <p:nvGrpSpPr>
+              <p:cNvPr id="96" name="Groupe 95"/>
+              <p:cNvGrpSpPr/>
+              <p:nvPr/>
+            </p:nvGrpSpPr>
+            <p:grpSpPr>
+              <a:xfrm>
+                <a:off x="790577" y="379448"/>
+                <a:ext cx="5062520" cy="4756078"/>
+                <a:chOff x="2943314" y="-133329"/>
+                <a:chExt cx="5062520" cy="4756078"/>
+              </a:xfrm>
+            </p:grpSpPr>
+            <p:grpSp>
+              <p:nvGrpSpPr>
+                <p:cNvPr id="97" name="Groupe 96"/>
+                <p:cNvGrpSpPr/>
+                <p:nvPr/>
+              </p:nvGrpSpPr>
+              <p:grpSpPr>
+                <a:xfrm>
+                  <a:off x="2943314" y="-84152"/>
+                  <a:ext cx="5062520" cy="4706901"/>
+                  <a:chOff x="6005425" y="972635"/>
+                  <a:chExt cx="4096191" cy="4234005"/>
+                </a:xfrm>
+              </p:grpSpPr>
+              <p:grpSp>
+                <p:nvGrpSpPr>
+                  <p:cNvPr id="100" name="Groupe 99"/>
+                  <p:cNvGrpSpPr/>
+                  <p:nvPr/>
+                </p:nvGrpSpPr>
+                <p:grpSpPr>
+                  <a:xfrm>
+                    <a:off x="6005425" y="972635"/>
+                    <a:ext cx="3868851" cy="4189769"/>
+                    <a:chOff x="-937798" y="-983573"/>
+                    <a:chExt cx="3871157" cy="4191934"/>
+                  </a:xfrm>
+                </p:grpSpPr>
+                <p:cxnSp>
+                  <p:nvCxnSpPr>
+                    <p:cNvPr id="103" name="Connecteur droit avec flèche 102"/>
+                    <p:cNvCxnSpPr/>
+                    <p:nvPr/>
+                  </p:nvCxnSpPr>
+                  <p:spPr>
+                    <a:xfrm>
+                      <a:off x="-937798" y="1182414"/>
+                      <a:ext cx="3871157" cy="0"/>
+                    </a:xfrm>
+                    <a:prstGeom prst="straightConnector1">
+                      <a:avLst/>
+                    </a:prstGeom>
+                    <a:ln w="38100">
+                      <a:solidFill>
+                        <a:schemeClr val="tx1"/>
+                      </a:solidFill>
+                      <a:tailEnd type="triangle"/>
+                    </a:ln>
+                  </p:spPr>
+                  <p:style>
+                    <a:lnRef idx="1">
+                      <a:schemeClr val="accent1"/>
+                    </a:lnRef>
+                    <a:fillRef idx="0">
+                      <a:schemeClr val="accent1"/>
+                    </a:fillRef>
+                    <a:effectRef idx="0">
+                      <a:schemeClr val="accent1"/>
+                    </a:effectRef>
+                    <a:fontRef idx="minor">
+                      <a:schemeClr val="tx1"/>
+                    </a:fontRef>
+                  </p:style>
+                </p:cxnSp>
+                <p:cxnSp>
+                  <p:nvCxnSpPr>
+                    <p:cNvPr id="104" name="Connecteur droit avec flèche 103"/>
+                    <p:cNvCxnSpPr/>
+                    <p:nvPr/>
+                  </p:nvCxnSpPr>
+                  <p:spPr>
+                    <a:xfrm>
+                      <a:off x="1052702" y="-983573"/>
+                      <a:ext cx="0" cy="4191934"/>
+                    </a:xfrm>
+                    <a:prstGeom prst="straightConnector1">
+                      <a:avLst/>
+                    </a:prstGeom>
+                    <a:ln w="38100">
+                      <a:solidFill>
+                        <a:schemeClr val="tx1"/>
+                      </a:solidFill>
+                      <a:tailEnd type="triangle"/>
+                    </a:ln>
+                  </p:spPr>
+                  <p:style>
+                    <a:lnRef idx="1">
+                      <a:schemeClr val="accent1"/>
+                    </a:lnRef>
+                    <a:fillRef idx="0">
+                      <a:schemeClr val="accent1"/>
+                    </a:fillRef>
+                    <a:effectRef idx="0">
+                      <a:schemeClr val="accent1"/>
+                    </a:effectRef>
+                    <a:fontRef idx="minor">
+                      <a:schemeClr val="tx1"/>
+                    </a:fontRef>
+                  </p:style>
+                </p:cxnSp>
+              </p:grpSp>
+              <mc:AlternateContent xmlns:mc="http://schemas.openxmlformats.org/markup-compatibility/2006">
+                <mc:Choice xmlns:a14="http://schemas.microsoft.com/office/drawing/2010/main" Requires="a14">
+                  <p:sp>
+                    <p:nvSpPr>
+                      <p:cNvPr id="101" name="Zone de texte 153"/>
+                      <p:cNvSpPr txBox="1"/>
+                      <p:nvPr/>
+                    </p:nvSpPr>
+                    <p:spPr>
+                      <a:xfrm>
+                        <a:off x="7978084" y="4931990"/>
+                        <a:ext cx="301748" cy="274650"/>
+                      </a:xfrm>
+                      <a:prstGeom prst="rect">
+                        <a:avLst/>
+                      </a:prstGeom>
+                      <a:noFill/>
+                      <a:ln w="6350">
+                        <a:noFill/>
+                      </a:ln>
+                      <a:effectLst/>
+                    </p:spPr>
+                    <p:style>
+                      <a:lnRef idx="0">
+                        <a:schemeClr val="accent1"/>
+                      </a:lnRef>
+                      <a:fillRef idx="0">
+                        <a:schemeClr val="accent1"/>
+                      </a:fillRef>
+                      <a:effectRef idx="0">
+                        <a:schemeClr val="accent1"/>
+                      </a:effectRef>
+                      <a:fontRef idx="minor">
+                        <a:schemeClr val="dk1"/>
+                      </a:fontRef>
+                    </p:style>
+                    <p:txBody>
+                      <a:bodyPr rot="0" spcFirstLastPara="0" vert="horz" wrap="square" lIns="91440" tIns="45720" rIns="91440" bIns="45720" numCol="1" spcCol="0" rtlCol="0" fromWordArt="0" anchor="t" anchorCtr="0" forceAA="0" compatLnSpc="1">
+                        <a:prstTxWarp prst="textNoShape">
+                          <a:avLst/>
+                        </a:prstTxWarp>
+                        <a:noAutofit/>
+                      </a:bodyPr>
+                      <a:lstStyle/>
+                      <a:p>
+                        <a:pPr>
+                          <a:lnSpc>
+                            <a:spcPct val="107000"/>
+                          </a:lnSpc>
+                          <a:spcAft>
+                            <a:spcPts val="800"/>
+                          </a:spcAft>
+                        </a:pPr>
+                        <a14:m>
+                          <m:oMathPara xmlns:m="http://schemas.openxmlformats.org/officeDocument/2006/math">
+                            <m:oMathParaPr>
+                              <m:jc m:val="centerGroup"/>
+                            </m:oMathParaPr>
+                            <m:oMath xmlns:m="http://schemas.openxmlformats.org/officeDocument/2006/math">
+                              <m:r>
+                                <a:rPr lang="fr-FR" sz="2400" b="0" i="1" smtClean="0">
+                                  <a:effectLst/>
+                                  <a:latin typeface="Cambria Math" panose="02040503050406030204" pitchFamily="18" charset="0"/>
+                                  <a:ea typeface="Calibri" panose="020F0502020204030204" pitchFamily="34" charset="0"/>
+                                  <a:cs typeface="Times New Roman" panose="02020603050405020304" pitchFamily="18" charset="0"/>
+                                </a:rPr>
+                                <m:t>𝑋</m:t>
+                              </m:r>
+                            </m:oMath>
+                          </m:oMathPara>
+                        </a14:m>
+                        <a:endParaRPr lang="fr-FR" sz="2400" dirty="0">
+                          <a:effectLst/>
+                          <a:ea typeface="Calibri" panose="020F0502020204030204" pitchFamily="34" charset="0"/>
+                          <a:cs typeface="Times New Roman" panose="02020603050405020304" pitchFamily="18" charset="0"/>
+                        </a:endParaRPr>
+                      </a:p>
+                      <a:p>
+                        <a:pPr>
+                          <a:lnSpc>
+                            <a:spcPct val="107000"/>
+                          </a:lnSpc>
+                          <a:spcAft>
+                            <a:spcPts val="800"/>
+                          </a:spcAft>
+                        </a:pPr>
+                        <a:r>
+                          <a:rPr lang="fr-FR" sz="2400" dirty="0">
+                            <a:effectLst/>
+                            <a:ea typeface="Calibri" panose="020F0502020204030204" pitchFamily="34" charset="0"/>
+                            <a:cs typeface="Times New Roman" panose="02020603050405020304" pitchFamily="18" charset="0"/>
+                          </a:rPr>
+                          <a:t> </a:t>
+                        </a:r>
+                      </a:p>
+                    </p:txBody>
+                  </p:sp>
+                </mc:Choice>
+                <mc:Fallback>
+                  <p:sp>
+                    <p:nvSpPr>
+                      <p:cNvPr id="101" name="Zone de texte 153"/>
+                      <p:cNvSpPr txBox="1">
+                        <a:spLocks noRot="1" noChangeAspect="1" noMove="1" noResize="1" noEditPoints="1" noAdjustHandles="1" noChangeArrowheads="1" noChangeShapeType="1" noTextEdit="1"/>
+                      </p:cNvSpPr>
+                      <p:nvPr/>
+                    </p:nvSpPr>
+                    <p:spPr>
+                      <a:xfrm>
+                        <a:off x="7978084" y="4931990"/>
+                        <a:ext cx="301748" cy="274650"/>
+                      </a:xfrm>
+                      <a:prstGeom prst="rect">
+                        <a:avLst/>
+                      </a:prstGeom>
+                      <a:blipFill rotWithShape="0">
+                        <a:blip r:embed="rId2"/>
+                        <a:stretch>
+                          <a:fillRect b="-12000"/>
+                        </a:stretch>
+                      </a:blipFill>
+                      <a:ln w="6350">
+                        <a:noFill/>
+                      </a:ln>
+                      <a:effectLst/>
+                    </p:spPr>
+                    <p:txBody>
+                      <a:bodyPr/>
+                      <a:lstStyle/>
+                      <a:p>
+                        <a:r>
+                          <a:rPr lang="fr-FR">
+                            <a:noFill/>
+                          </a:rPr>
+                          <a:t> </a:t>
+                        </a:r>
+                      </a:p>
+                    </p:txBody>
+                  </p:sp>
+                </mc:Fallback>
+              </mc:AlternateContent>
+              <mc:AlternateContent xmlns:mc="http://schemas.openxmlformats.org/markup-compatibility/2006">
+                <mc:Choice xmlns:a14="http://schemas.microsoft.com/office/drawing/2010/main" Requires="a14">
+                  <p:sp>
+                    <p:nvSpPr>
+                      <p:cNvPr id="102" name="Zone de texte 154"/>
+                      <p:cNvSpPr txBox="1"/>
+                      <p:nvPr/>
+                    </p:nvSpPr>
+                    <p:spPr>
+                      <a:xfrm>
+                        <a:off x="9799868" y="2749962"/>
+                        <a:ext cx="301748" cy="274650"/>
+                      </a:xfrm>
+                      <a:prstGeom prst="rect">
+                        <a:avLst/>
+                      </a:prstGeom>
+                      <a:noFill/>
+                      <a:ln w="6350">
+                        <a:noFill/>
+                      </a:ln>
+                      <a:effectLst/>
+                    </p:spPr>
+                    <p:style>
+                      <a:lnRef idx="0">
+                        <a:schemeClr val="accent1"/>
+                      </a:lnRef>
+                      <a:fillRef idx="0">
+                        <a:schemeClr val="accent1"/>
+                      </a:fillRef>
+                      <a:effectRef idx="0">
+                        <a:schemeClr val="accent1"/>
+                      </a:effectRef>
+                      <a:fontRef idx="minor">
+                        <a:schemeClr val="dk1"/>
+                      </a:fontRef>
+                    </p:style>
+                    <p:txBody>
+                      <a:bodyPr rot="0" spcFirstLastPara="0" vert="horz" wrap="square" lIns="91440" tIns="45720" rIns="91440" bIns="45720" numCol="1" spcCol="0" rtlCol="0" fromWordArt="0" anchor="t" anchorCtr="0" forceAA="0" compatLnSpc="1">
+                        <a:prstTxWarp prst="textNoShape">
+                          <a:avLst/>
+                        </a:prstTxWarp>
+                        <a:noAutofit/>
+                      </a:bodyPr>
+                      <a:lstStyle/>
+                      <a:p>
+                        <a:pPr>
+                          <a:lnSpc>
+                            <a:spcPct val="107000"/>
+                          </a:lnSpc>
+                          <a:spcAft>
+                            <a:spcPts val="800"/>
+                          </a:spcAft>
+                        </a:pPr>
+                        <a14:m>
+                          <m:oMathPara xmlns:m="http://schemas.openxmlformats.org/officeDocument/2006/math">
+                            <m:oMathParaPr>
+                              <m:jc m:val="centerGroup"/>
+                            </m:oMathParaPr>
+                            <m:oMath xmlns:m="http://schemas.openxmlformats.org/officeDocument/2006/math">
+                              <m:r>
+                                <a:rPr lang="fr-FR" sz="2400" b="0" i="1" smtClean="0">
+                                  <a:effectLst/>
+                                  <a:latin typeface="Cambria Math" panose="02040503050406030204" pitchFamily="18" charset="0"/>
+                                  <a:ea typeface="Calibri" panose="020F0502020204030204" pitchFamily="34" charset="0"/>
+                                  <a:cs typeface="Times New Roman" panose="02020603050405020304" pitchFamily="18" charset="0"/>
+                                </a:rPr>
+                                <m:t>𝑌</m:t>
+                              </m:r>
+                            </m:oMath>
+                          </m:oMathPara>
+                        </a14:m>
+                        <a:endParaRPr lang="fr-FR" sz="2400" dirty="0">
+                          <a:effectLst/>
+                          <a:ea typeface="Calibri" panose="020F0502020204030204" pitchFamily="34" charset="0"/>
+                          <a:cs typeface="Times New Roman" panose="02020603050405020304" pitchFamily="18" charset="0"/>
+                        </a:endParaRPr>
+                      </a:p>
+                      <a:p>
+                        <a:pPr>
+                          <a:lnSpc>
+                            <a:spcPct val="107000"/>
+                          </a:lnSpc>
+                          <a:spcAft>
+                            <a:spcPts val="800"/>
+                          </a:spcAft>
+                        </a:pPr>
+                        <a:r>
+                          <a:rPr lang="fr-FR" sz="2400" dirty="0">
+                            <a:effectLst/>
+                            <a:ea typeface="Calibri" panose="020F0502020204030204" pitchFamily="34" charset="0"/>
+                            <a:cs typeface="Times New Roman" panose="02020603050405020304" pitchFamily="18" charset="0"/>
+                          </a:rPr>
+                          <a:t> </a:t>
+                        </a:r>
+                      </a:p>
+                    </p:txBody>
+                  </p:sp>
+                </mc:Choice>
+                <mc:Fallback>
+                  <p:sp>
+                    <p:nvSpPr>
+                      <p:cNvPr id="102" name="Zone de texte 154"/>
+                      <p:cNvSpPr txBox="1">
+                        <a:spLocks noRot="1" noChangeAspect="1" noMove="1" noResize="1" noEditPoints="1" noAdjustHandles="1" noChangeArrowheads="1" noChangeShapeType="1" noTextEdit="1"/>
+                      </p:cNvSpPr>
+                      <p:nvPr/>
+                    </p:nvSpPr>
+                    <p:spPr>
+                      <a:xfrm>
+                        <a:off x="9799868" y="2749962"/>
+                        <a:ext cx="301748" cy="274650"/>
+                      </a:xfrm>
+                      <a:prstGeom prst="rect">
+                        <a:avLst/>
+                      </a:prstGeom>
+                      <a:blipFill rotWithShape="0">
+                        <a:blip r:embed="rId3"/>
+                        <a:stretch>
+                          <a:fillRect b="-12000"/>
+                        </a:stretch>
+                      </a:blipFill>
+                      <a:ln w="6350">
+                        <a:noFill/>
+                      </a:ln>
+                      <a:effectLst/>
+                    </p:spPr>
+                    <p:txBody>
+                      <a:bodyPr/>
+                      <a:lstStyle/>
+                      <a:p>
+                        <a:r>
+                          <a:rPr lang="fr-FR">
+                            <a:noFill/>
+                          </a:rPr>
+                          <a:t> </a:t>
+                        </a:r>
+                      </a:p>
+                    </p:txBody>
+                  </p:sp>
+                </mc:Fallback>
+              </mc:AlternateContent>
+            </p:grpSp>
+            <p:sp>
+              <p:nvSpPr>
+                <p:cNvPr id="98" name="Arc 97"/>
+                <p:cNvSpPr/>
+                <p:nvPr/>
+              </p:nvSpPr>
+              <p:spPr>
+                <a:xfrm rot="13411610">
+                  <a:off x="4701168" y="97926"/>
+                  <a:ext cx="962471" cy="1002521"/>
+                </a:xfrm>
+                <a:prstGeom prst="arc">
+                  <a:avLst>
+                    <a:gd name="adj1" fmla="val 21020445"/>
+                    <a:gd name="adj2" fmla="val 4480889"/>
+                  </a:avLst>
+                </a:prstGeom>
+                <a:ln>
+                  <a:prstDash val="solid"/>
+                  <a:headEnd type="triangle"/>
+                </a:ln>
+              </p:spPr>
+              <p:style>
+                <a:lnRef idx="3">
                   <a:schemeClr val="dk1"/>
                 </a:lnRef>
                 <a:fillRef idx="0">
                   <a:schemeClr val="dk1"/>
                 </a:fillRef>
-                <a:effectRef idx="0">
+                <a:effectRef idx="2">
                   <a:schemeClr val="dk1"/>
                 </a:effectRef>
                 <a:fontRef idx="minor">
                   <a:schemeClr val="tx1"/>
                 </a:fontRef>
               </p:style>
-            </p:cxnSp>
-            <p:cxnSp>
-              <p:nvCxnSpPr>
-                <p:cNvPr id="7" name="Connecteur droit avec flèche 6"/>
-                <p:cNvCxnSpPr/>
-                <p:nvPr/>
-              </p:nvCxnSpPr>
-              <p:spPr>
-                <a:xfrm flipV="1">
-                  <a:off x="2505182" y="4592519"/>
-                  <a:ext cx="2970944" cy="18868"/>
-                </a:xfrm>
-                <a:prstGeom prst="straightConnector1">
-                  <a:avLst/>
-                </a:prstGeom>
-                <a:ln>
-                  <a:tailEnd type="triangle"/>
-                </a:ln>
-              </p:spPr>
-              <p:style>
-                <a:lnRef idx="1">
-                  <a:schemeClr val="dk1"/>
-                </a:lnRef>
-                <a:fillRef idx="0">
-                  <a:schemeClr val="dk1"/>
-                </a:fillRef>
-                <a:effectRef idx="0">
-                  <a:schemeClr val="dk1"/>
-                </a:effectRef>
-                <a:fontRef idx="minor">
-                  <a:schemeClr val="tx1"/>
-                </a:fontRef>
-              </p:style>
-            </p:cxnSp>
+              <p:txBody>
+                <a:bodyPr rot="0" spcFirstLastPara="0" vert="horz" wrap="square" lIns="91440" tIns="45720" rIns="91440" bIns="45720" numCol="1" spcCol="0" rtlCol="0" fromWordArt="0" anchor="ctr" anchorCtr="0" forceAA="0" compatLnSpc="1">
+                  <a:prstTxWarp prst="textNoShape">
+                    <a:avLst/>
+                  </a:prstTxWarp>
+                  <a:noAutofit/>
+                </a:bodyPr>
+                <a:lstStyle/>
+                <a:p>
+                  <a:endParaRPr lang="fr-FR" sz="4000"/>
+                </a:p>
+              </p:txBody>
+            </p:sp>
             <mc:AlternateContent xmlns:mc="http://schemas.openxmlformats.org/markup-compatibility/2006" xmlns:a14="http://schemas.microsoft.com/office/drawing/2010/main">
               <mc:Choice Requires="a14">
                 <p:sp>
                   <p:nvSpPr>
-                    <p:cNvPr id="14" name="ZoneTexte 13"/>
+                    <p:cNvPr id="99" name="Zone de texte 172"/>
                     <p:cNvSpPr txBox="1"/>
                     <p:nvPr/>
                   </p:nvSpPr>
                   <p:spPr>
                     <a:xfrm>
-                      <a:off x="2506549" y="2605307"/>
-                      <a:ext cx="380489" cy="369332"/>
+                      <a:off x="4535910" y="-133329"/>
+                      <a:ext cx="290213" cy="370432"/>
                     </a:xfrm>
                     <a:prstGeom prst="rect">
                       <a:avLst/>
                     </a:prstGeom>
                     <a:noFill/>
+                    <a:ln w="6350">
+                      <a:noFill/>
+                    </a:ln>
+                    <a:effectLst/>
                   </p:spPr>
+                  <p:style>
+                    <a:lnRef idx="0">
+                      <a:schemeClr val="accent1"/>
+                    </a:lnRef>
+                    <a:fillRef idx="0">
+                      <a:schemeClr val="accent1"/>
+                    </a:fillRef>
+                    <a:effectRef idx="0">
+                      <a:schemeClr val="accent1"/>
+                    </a:effectRef>
+                    <a:fontRef idx="minor">
+                      <a:schemeClr val="dk1"/>
+                    </a:fontRef>
+                  </p:style>
                   <p:txBody>
-                    <a:bodyPr wrap="none" rtlCol="0">
-                      <a:spAutoFit/>
+                    <a:bodyPr rot="0" spcFirstLastPara="0" vert="horz" wrap="square" lIns="91440" tIns="45720" rIns="91440" bIns="45720" numCol="1" spcCol="0" rtlCol="0" fromWordArt="0" anchor="t" anchorCtr="0" forceAA="0" compatLnSpc="1">
+                      <a:prstTxWarp prst="textNoShape">
+                        <a:avLst/>
+                      </a:prstTxWarp>
+                      <a:noAutofit/>
                     </a:bodyPr>
                     <a:lstStyle/>
                     <a:p>
-                      <a:pPr/>
+                      <a:pPr>
+                        <a:lnSpc>
+                          <a:spcPct val="107000"/>
+                        </a:lnSpc>
+                        <a:spcAft>
+                          <a:spcPts val="800"/>
+                        </a:spcAft>
+                      </a:pPr>
                       <a14:m>
                         <m:oMathPara xmlns:m="http://schemas.openxmlformats.org/officeDocument/2006/math">
                           <m:oMathParaPr>
                             <m:jc m:val="centerGroup"/>
                           </m:oMathParaPr>
                           <m:oMath xmlns:m="http://schemas.openxmlformats.org/officeDocument/2006/math">
-                            <m:r>
-                              <a:rPr lang="fr-FR" i="1" dirty="0" smtClean="0">
-                                <a:latin typeface="Cambria Math" panose="02040503050406030204" pitchFamily="18" charset="0"/>
-                              </a:rPr>
-                              <m:t>𝑇</m:t>
-                            </m:r>
+                            <m:sSup>
+                              <m:sSupPr>
+                                <m:ctrlPr>
+                                  <a:rPr lang="fr-FR" sz="2400" b="0" i="1" smtClean="0">
+                                    <a:latin typeface="Cambria Math" panose="02040503050406030204" pitchFamily="18" charset="0"/>
+                                    <a:ea typeface="Calibri" panose="020F0502020204030204" pitchFamily="34" charset="0"/>
+                                    <a:cs typeface="Times New Roman" panose="02020603050405020304" pitchFamily="18" charset="0"/>
+                                  </a:rPr>
+                                </m:ctrlPr>
+                              </m:sSupPr>
+                              <m:e>
+                                <m:r>
+                                  <a:rPr lang="fr-FR" sz="2400" i="1" smtClean="0">
+                                    <a:latin typeface="Cambria Math" panose="02040503050406030204" pitchFamily="18" charset="0"/>
+                                    <a:ea typeface="Calibri" panose="020F0502020204030204" pitchFamily="34" charset="0"/>
+                                    <a:cs typeface="Times New Roman" panose="02020603050405020304" pitchFamily="18" charset="0"/>
+                                  </a:rPr>
+                                  <m:t>𝜃</m:t>
+                                </m:r>
+                              </m:e>
+                              <m:sup>
+                                <m:r>
+                                  <a:rPr lang="fr-FR" sz="2400" b="0" i="1" smtClean="0">
+                                    <a:latin typeface="Cambria Math" panose="02040503050406030204" pitchFamily="18" charset="0"/>
+                                    <a:ea typeface="Calibri" panose="020F0502020204030204" pitchFamily="34" charset="0"/>
+                                    <a:cs typeface="Times New Roman" panose="02020603050405020304" pitchFamily="18" charset="0"/>
+                                  </a:rPr>
+                                  <m:t>∗</m:t>
+                                </m:r>
+                              </m:sup>
+                            </m:sSup>
                           </m:oMath>
                         </m:oMathPara>
                       </a14:m>
-                      <a:endParaRPr lang="fr-FR" dirty="0"/>
+                      <a:endParaRPr lang="fr-FR" sz="2400" dirty="0">
+                        <a:effectLst/>
+                        <a:ea typeface="Calibri" panose="020F0502020204030204" pitchFamily="34" charset="0"/>
+                        <a:cs typeface="Times New Roman" panose="02020603050405020304" pitchFamily="18" charset="0"/>
+                      </a:endParaRPr>
                     </a:p>
                   </p:txBody>
                 </p:sp>
@@ -13260,7 +13797,7 @@
               <mc:Fallback xmlns="">
                 <p:sp>
                   <p:nvSpPr>
-                    <p:cNvPr id="14" name="ZoneTexte 13"/>
+                    <p:cNvPr id="20" name="Zone de texte 172"/>
                     <p:cNvSpPr txBox="1">
                       <a:spLocks noRot="1" noChangeAspect="1" noMove="1" noResize="1" noEditPoints="1" noAdjustHandles="1" noChangeArrowheads="1" noChangeShapeType="1" noTextEdit="1"/>
                     </p:cNvSpPr>
@@ -13268,102 +13805,22 @@
                   </p:nvSpPr>
                   <p:spPr>
                     <a:xfrm>
-                      <a:off x="2506549" y="2605307"/>
-                      <a:ext cx="380489" cy="369332"/>
+                      <a:off x="4535910" y="-133329"/>
+                      <a:ext cx="290213" cy="370432"/>
                     </a:xfrm>
                     <a:prstGeom prst="rect">
                       <a:avLst/>
                     </a:prstGeom>
                     <a:blipFill rotWithShape="0">
-                      <a:blip r:embed="rId2"/>
+                      <a:blip r:embed="rId4"/>
                       <a:stretch>
-                        <a:fillRect/>
+                        <a:fillRect r="-29167"/>
                       </a:stretch>
                     </a:blipFill>
-                  </p:spPr>
-                  <p:txBody>
-                    <a:bodyPr/>
-                    <a:lstStyle/>
-                    <a:p>
-                      <a:r>
-                        <a:rPr lang="fr-FR">
-                          <a:noFill/>
-                        </a:rPr>
-                        <a:t> </a:t>
-                      </a:r>
-                    </a:p>
-                  </p:txBody>
-                </p:sp>
-              </mc:Fallback>
-            </mc:AlternateContent>
-            <mc:AlternateContent xmlns:mc="http://schemas.openxmlformats.org/markup-compatibility/2006" xmlns:a14="http://schemas.microsoft.com/office/drawing/2010/main">
-              <mc:Choice Requires="a14">
-                <p:sp>
-                  <p:nvSpPr>
-                    <p:cNvPr id="15" name="ZoneTexte 14"/>
-                    <p:cNvSpPr txBox="1"/>
-                    <p:nvPr/>
-                  </p:nvSpPr>
-                  <p:spPr>
-                    <a:xfrm>
-                      <a:off x="5402149" y="4592519"/>
-                      <a:ext cx="392287" cy="369332"/>
-                    </a:xfrm>
-                    <a:prstGeom prst="rect">
-                      <a:avLst/>
-                    </a:prstGeom>
-                    <a:noFill/>
-                  </p:spPr>
-                  <p:txBody>
-                    <a:bodyPr wrap="none" rtlCol="0">
-                      <a:spAutoFit/>
-                    </a:bodyPr>
-                    <a:lstStyle/>
-                    <a:p>
-                      <a:pPr/>
-                      <a14:m>
-                        <m:oMathPara xmlns:m="http://schemas.openxmlformats.org/officeDocument/2006/math">
-                          <m:oMathParaPr>
-                            <m:jc m:val="centerGroup"/>
-                          </m:oMathParaPr>
-                          <m:oMath xmlns:m="http://schemas.openxmlformats.org/officeDocument/2006/math">
-                            <m:r>
-                              <a:rPr lang="fr-FR" b="0" i="1" smtClean="0">
-                                <a:latin typeface="Cambria Math" panose="02040503050406030204" pitchFamily="18" charset="0"/>
-                              </a:rPr>
-                              <m:t>𝑋</m:t>
-                            </m:r>
-                          </m:oMath>
-                        </m:oMathPara>
-                      </a14:m>
-                      <a:endParaRPr lang="fr-FR" dirty="0"/>
-                    </a:p>
-                  </p:txBody>
-                </p:sp>
-              </mc:Choice>
-              <mc:Fallback xmlns="">
-                <p:sp>
-                  <p:nvSpPr>
-                    <p:cNvPr id="15" name="ZoneTexte 14"/>
-                    <p:cNvSpPr txBox="1">
-                      <a:spLocks noRot="1" noChangeAspect="1" noMove="1" noResize="1" noEditPoints="1" noAdjustHandles="1" noChangeArrowheads="1" noChangeShapeType="1" noTextEdit="1"/>
-                    </p:cNvSpPr>
-                    <p:nvPr/>
-                  </p:nvSpPr>
-                  <p:spPr>
-                    <a:xfrm>
-                      <a:off x="5402149" y="4592519"/>
-                      <a:ext cx="392287" cy="369332"/>
-                    </a:xfrm>
-                    <a:prstGeom prst="rect">
-                      <a:avLst/>
-                    </a:prstGeom>
-                    <a:blipFill rotWithShape="0">
-                      <a:blip r:embed="rId3"/>
-                      <a:stretch>
-                        <a:fillRect/>
-                      </a:stretch>
-                    </a:blipFill>
+                    <a:ln w="6350">
+                      <a:noFill/>
+                    </a:ln>
+                    <a:effectLst/>
                   </p:spPr>
                   <p:txBody>
                     <a:bodyPr/>
@@ -13381,170 +13838,289 @@
               </mc:Fallback>
             </mc:AlternateContent>
           </p:grpSp>
+        </p:grpSp>
+        <p:sp>
+          <p:nvSpPr>
+            <p:cNvPr id="82" name="ZoneTexte 81"/>
+            <p:cNvSpPr txBox="1"/>
+            <p:nvPr/>
+          </p:nvSpPr>
+          <p:spPr>
+            <a:xfrm>
+              <a:off x="7807675" y="1053713"/>
+              <a:ext cx="1399679" cy="461665"/>
+            </a:xfrm>
+            <a:prstGeom prst="rect">
+              <a:avLst/>
+            </a:prstGeom>
+            <a:noFill/>
+          </p:spPr>
+          <p:txBody>
+            <a:bodyPr wrap="none" rtlCol="0">
+              <a:spAutoFit/>
+            </a:bodyPr>
+            <a:lstStyle/>
+            <a:p>
+              <a:r>
+                <a:rPr lang="fr-FR" sz="2400" dirty="0" smtClean="0"/>
+                <a:t>Coussinet</a:t>
+              </a:r>
+              <a:endParaRPr lang="fr-FR" sz="2400" dirty="0"/>
+            </a:p>
+          </p:txBody>
+        </p:sp>
+        <p:cxnSp>
+          <p:nvCxnSpPr>
+            <p:cNvPr id="83" name="Connecteur en arc 82"/>
+            <p:cNvCxnSpPr>
+              <a:stCxn id="82" idx="1"/>
+              <a:endCxn id="105" idx="7"/>
+            </p:cNvCxnSpPr>
+            <p:nvPr/>
+          </p:nvCxnSpPr>
+          <p:spPr>
+            <a:xfrm rot="10800000" flipV="1">
+              <a:off x="7040627" y="1284546"/>
+              <a:ext cx="767049" cy="952184"/>
+            </a:xfrm>
+            <a:prstGeom prst="curvedConnector2">
+              <a:avLst/>
+            </a:prstGeom>
+            <a:ln w="28575">
+              <a:solidFill>
+                <a:schemeClr val="tx1"/>
+              </a:solidFill>
+              <a:tailEnd type="triangle"/>
+            </a:ln>
+          </p:spPr>
+          <p:style>
+            <a:lnRef idx="1">
+              <a:schemeClr val="accent1"/>
+            </a:lnRef>
+            <a:fillRef idx="0">
+              <a:schemeClr val="accent1"/>
+            </a:fillRef>
+            <a:effectRef idx="0">
+              <a:schemeClr val="accent1"/>
+            </a:effectRef>
+            <a:fontRef idx="minor">
+              <a:schemeClr val="tx1"/>
+            </a:fontRef>
+          </p:style>
+        </p:cxnSp>
+        <p:sp>
+          <p:nvSpPr>
+            <p:cNvPr id="84" name="ZoneTexte 83"/>
+            <p:cNvSpPr txBox="1"/>
+            <p:nvPr/>
+          </p:nvSpPr>
+          <p:spPr>
+            <a:xfrm>
+              <a:off x="2455040" y="1798657"/>
+              <a:ext cx="931792" cy="461665"/>
+            </a:xfrm>
+            <a:prstGeom prst="rect">
+              <a:avLst/>
+            </a:prstGeom>
+            <a:noFill/>
+          </p:spPr>
+          <p:txBody>
+            <a:bodyPr wrap="square" rtlCol="0">
+              <a:spAutoFit/>
+            </a:bodyPr>
+            <a:lstStyle/>
+            <a:p>
+              <a:pPr algn="ctr"/>
+              <a:r>
+                <a:rPr lang="fr-FR" sz="2400" dirty="0" smtClean="0">
+                  <a:solidFill>
+                    <a:srgbClr val="0070C0"/>
+                  </a:solidFill>
+                </a:rPr>
+                <a:t>Rotor</a:t>
+              </a:r>
+              <a:endParaRPr lang="fr-FR" sz="1400" dirty="0">
+                <a:solidFill>
+                  <a:srgbClr val="0070C0"/>
+                </a:solidFill>
+              </a:endParaRPr>
+            </a:p>
+          </p:txBody>
+        </p:sp>
+        <p:cxnSp>
+          <p:nvCxnSpPr>
+            <p:cNvPr id="85" name="Connecteur en arc 84"/>
+            <p:cNvCxnSpPr>
+              <a:stCxn id="84" idx="3"/>
+              <a:endCxn id="89" idx="1"/>
+            </p:cNvCxnSpPr>
+            <p:nvPr/>
+          </p:nvCxnSpPr>
+          <p:spPr>
+            <a:xfrm>
+              <a:off x="3386832" y="2029490"/>
+              <a:ext cx="1563697" cy="791288"/>
+            </a:xfrm>
+            <a:prstGeom prst="curvedConnector2">
+              <a:avLst/>
+            </a:prstGeom>
+            <a:ln w="28575">
+              <a:solidFill>
+                <a:srgbClr val="0070C0"/>
+              </a:solidFill>
+              <a:tailEnd type="triangle"/>
+            </a:ln>
+          </p:spPr>
+          <p:style>
+            <a:lnRef idx="1">
+              <a:schemeClr val="accent1"/>
+            </a:lnRef>
+            <a:fillRef idx="0">
+              <a:schemeClr val="accent1"/>
+            </a:fillRef>
+            <a:effectRef idx="0">
+              <a:schemeClr val="accent1"/>
+            </a:effectRef>
+            <a:fontRef idx="minor">
+              <a:schemeClr val="tx1"/>
+            </a:fontRef>
+          </p:style>
+        </p:cxnSp>
+        <p:grpSp>
+          <p:nvGrpSpPr>
+            <p:cNvPr id="86" name="Groupe 85"/>
+            <p:cNvGrpSpPr/>
+            <p:nvPr/>
+          </p:nvGrpSpPr>
+          <p:grpSpPr>
+            <a:xfrm>
+              <a:off x="4634204" y="1821826"/>
+              <a:ext cx="3177864" cy="3430055"/>
+              <a:chOff x="2543007" y="1309665"/>
+              <a:chExt cx="3177864" cy="3430055"/>
+            </a:xfrm>
+          </p:grpSpPr>
+          <p:sp>
+            <p:nvSpPr>
+              <p:cNvPr id="89" name="Ellipse 88"/>
+              <p:cNvSpPr/>
+              <p:nvPr/>
+            </p:nvSpPr>
+            <p:spPr>
+              <a:xfrm>
+                <a:off x="2543007" y="1992292"/>
+                <a:ext cx="2160000" cy="2160000"/>
+              </a:xfrm>
+              <a:prstGeom prst="ellipse">
+                <a:avLst/>
+              </a:prstGeom>
+              <a:solidFill>
+                <a:schemeClr val="accent1">
+                  <a:lumMod val="60000"/>
+                  <a:lumOff val="40000"/>
+                </a:schemeClr>
+              </a:solidFill>
+              <a:ln w="38100">
+                <a:solidFill>
+                  <a:schemeClr val="accent1">
+                    <a:lumMod val="60000"/>
+                    <a:lumOff val="40000"/>
+                  </a:schemeClr>
+                </a:solidFill>
+              </a:ln>
+            </p:spPr>
+            <p:style>
+              <a:lnRef idx="2">
+                <a:schemeClr val="accent1">
+                  <a:shade val="50000"/>
+                </a:schemeClr>
+              </a:lnRef>
+              <a:fillRef idx="1">
+                <a:schemeClr val="accent1"/>
+              </a:fillRef>
+              <a:effectRef idx="0">
+                <a:schemeClr val="accent1"/>
+              </a:effectRef>
+              <a:fontRef idx="minor">
+                <a:schemeClr val="lt1"/>
+              </a:fontRef>
+            </p:style>
+            <p:txBody>
+              <a:bodyPr rtlCol="0" anchor="ctr"/>
+              <a:lstStyle/>
+              <a:p>
+                <a:pPr algn="ctr"/>
+                <a:endParaRPr lang="fr-FR"/>
+              </a:p>
+            </p:txBody>
+          </p:sp>
           <p:grpSp>
             <p:nvGrpSpPr>
-              <p:cNvPr id="20" name="Groupe 19"/>
+              <p:cNvPr id="90" name="Groupe 89"/>
               <p:cNvGrpSpPr/>
               <p:nvPr/>
             </p:nvGrpSpPr>
             <p:grpSpPr>
               <a:xfrm>
-                <a:off x="2887038" y="3154421"/>
-                <a:ext cx="2383642" cy="1078533"/>
-                <a:chOff x="2887038" y="3154421"/>
-                <a:chExt cx="2383642" cy="1078533"/>
+                <a:off x="3601537" y="1561672"/>
+                <a:ext cx="1675177" cy="3111875"/>
+                <a:chOff x="3601537" y="1561672"/>
+                <a:chExt cx="1675177" cy="3111875"/>
               </a:xfrm>
             </p:grpSpPr>
             <p:cxnSp>
               <p:nvCxnSpPr>
-                <p:cNvPr id="12" name="Connecteur droit 11"/>
+                <p:cNvPr id="93" name="Connecteur droit avec flèche 92"/>
                 <p:cNvCxnSpPr/>
                 <p:nvPr/>
               </p:nvCxnSpPr>
               <p:spPr>
-                <a:xfrm flipV="1">
-                  <a:off x="2887038" y="3339087"/>
-                  <a:ext cx="2383642" cy="893867"/>
+                <a:xfrm>
+                  <a:off x="3601537" y="3047038"/>
+                  <a:ext cx="1527646" cy="1626509"/>
                 </a:xfrm>
-                <a:prstGeom prst="line">
+                <a:prstGeom prst="straightConnector1">
                   <a:avLst/>
                 </a:prstGeom>
-                <a:ln w="38100"/>
+                <a:ln w="38100">
+                  <a:solidFill>
+                    <a:srgbClr val="0070C0"/>
+                  </a:solidFill>
+                  <a:tailEnd type="triangle"/>
+                </a:ln>
               </p:spPr>
               <p:style>
                 <a:lnRef idx="1">
-                  <a:schemeClr val="dk1"/>
+                  <a:schemeClr val="accent1"/>
                 </a:lnRef>
                 <a:fillRef idx="0">
-                  <a:schemeClr val="dk1"/>
+                  <a:schemeClr val="accent1"/>
                 </a:fillRef>
                 <a:effectRef idx="0">
-                  <a:schemeClr val="dk1"/>
+                  <a:schemeClr val="accent1"/>
                 </a:effectRef>
                 <a:fontRef idx="minor">
                   <a:schemeClr val="tx1"/>
                 </a:fontRef>
               </p:style>
             </p:cxnSp>
-            <mc:AlternateContent xmlns:mc="http://schemas.openxmlformats.org/markup-compatibility/2006" xmlns:a14="http://schemas.microsoft.com/office/drawing/2010/main">
-              <mc:Choice Requires="a14">
-                <p:sp>
-                  <p:nvSpPr>
-                    <p:cNvPr id="16" name="ZoneTexte 15"/>
-                    <p:cNvSpPr txBox="1"/>
-                    <p:nvPr/>
-                  </p:nvSpPr>
-                  <p:spPr>
-                    <a:xfrm>
-                      <a:off x="3828491" y="3154421"/>
-                      <a:ext cx="599672" cy="407035"/>
-                    </a:xfrm>
-                    <a:prstGeom prst="rect">
-                      <a:avLst/>
-                    </a:prstGeom>
-                    <a:noFill/>
-                  </p:spPr>
-                  <p:txBody>
-                    <a:bodyPr wrap="square" rtlCol="0">
-                      <a:spAutoFit/>
-                    </a:bodyPr>
-                    <a:lstStyle/>
-                    <a:p>
-                      <a:pPr/>
-                      <a14:m>
-                        <m:oMathPara xmlns:m="http://schemas.openxmlformats.org/officeDocument/2006/math">
-                          <m:oMathParaPr>
-                            <m:jc m:val="centerGroup"/>
-                          </m:oMathParaPr>
-                          <m:oMath xmlns:m="http://schemas.openxmlformats.org/officeDocument/2006/math">
-                            <m:acc>
-                              <m:accPr>
-                                <m:chr m:val="⃖"/>
-                                <m:ctrlPr>
-                                  <a:rPr lang="fr-FR" i="1" dirty="0" smtClean="0">
-                                    <a:solidFill>
-                                      <a:srgbClr val="FF0000"/>
-                                    </a:solidFill>
-                                    <a:latin typeface="Cambria Math" panose="02040503050406030204" pitchFamily="18" charset="0"/>
-                                  </a:rPr>
-                                </m:ctrlPr>
-                              </m:accPr>
-                              <m:e>
-                                <m:r>
-                                  <a:rPr lang="el-GR" i="1" dirty="0">
-                                    <a:solidFill>
-                                      <a:srgbClr val="FF0000"/>
-                                    </a:solidFill>
-                                    <a:latin typeface="Cambria Math" panose="02040503050406030204" pitchFamily="18" charset="0"/>
-                                  </a:rPr>
-                                  <m:t>𝜙</m:t>
-                                </m:r>
-                              </m:e>
-                            </m:acc>
-                          </m:oMath>
-                        </m:oMathPara>
-                      </a14:m>
-                      <a:endParaRPr lang="fr-FR" dirty="0"/>
-                    </a:p>
-                  </p:txBody>
-                </p:sp>
-              </mc:Choice>
-              <mc:Fallback xmlns="">
-                <p:sp>
-                  <p:nvSpPr>
-                    <p:cNvPr id="16" name="ZoneTexte 15"/>
-                    <p:cNvSpPr txBox="1">
-                      <a:spLocks noRot="1" noChangeAspect="1" noMove="1" noResize="1" noEditPoints="1" noAdjustHandles="1" noChangeArrowheads="1" noChangeShapeType="1" noTextEdit="1"/>
-                    </p:cNvSpPr>
-                    <p:nvPr/>
-                  </p:nvSpPr>
-                  <p:spPr>
-                    <a:xfrm>
-                      <a:off x="3828491" y="3154421"/>
-                      <a:ext cx="599672" cy="407035"/>
-                    </a:xfrm>
-                    <a:prstGeom prst="rect">
-                      <a:avLst/>
-                    </a:prstGeom>
-                    <a:blipFill>
-                      <a:blip r:embed="rId4"/>
-                      <a:stretch>
-                        <a:fillRect b="-11940"/>
-                      </a:stretch>
-                    </a:blipFill>
-                  </p:spPr>
-                  <p:txBody>
-                    <a:bodyPr/>
-                    <a:lstStyle/>
-                    <a:p>
-                      <a:r>
-                        <a:rPr lang="en-US">
-                          <a:noFill/>
-                        </a:rPr>
-                        <a:t> </a:t>
-                      </a:r>
-                    </a:p>
-                  </p:txBody>
-                </p:sp>
-              </mc:Fallback>
-            </mc:AlternateContent>
             <p:cxnSp>
               <p:nvCxnSpPr>
-                <p:cNvPr id="18" name="Connecteur droit avec flèche 17"/>
+                <p:cNvPr id="94" name="Connecteur droit avec flèche 93"/>
                 <p:cNvCxnSpPr/>
                 <p:nvPr/>
               </p:nvCxnSpPr>
               <p:spPr>
-                <a:xfrm flipH="1">
-                  <a:off x="3276668" y="3673004"/>
-                  <a:ext cx="1703317" cy="0"/>
+                <a:xfrm flipV="1">
+                  <a:off x="3623007" y="1561672"/>
+                  <a:ext cx="1653707" cy="1499848"/>
                 </a:xfrm>
                 <a:prstGeom prst="straightConnector1">
                   <a:avLst/>
                 </a:prstGeom>
                 <a:ln w="38100">
                   <a:solidFill>
-                    <a:srgbClr val="FF0000"/>
+                    <a:srgbClr val="0070C0"/>
                   </a:solidFill>
                   <a:tailEnd type="triangle"/>
                 </a:ln>
@@ -13565,112 +14141,432 @@
               </p:style>
             </p:cxnSp>
           </p:grpSp>
+          <mc:AlternateContent xmlns:mc="http://schemas.openxmlformats.org/markup-compatibility/2006">
+            <mc:Choice xmlns:a14="http://schemas.microsoft.com/office/drawing/2010/main" Requires="a14">
+              <p:sp>
+                <p:nvSpPr>
+                  <p:cNvPr id="91" name="Zone de texte 153"/>
+                  <p:cNvSpPr txBox="1"/>
+                  <p:nvPr/>
+                </p:nvSpPr>
+                <p:spPr>
+                  <a:xfrm>
+                    <a:off x="5090247" y="4434394"/>
+                    <a:ext cx="372933" cy="305326"/>
+                  </a:xfrm>
+                  <a:prstGeom prst="rect">
+                    <a:avLst/>
+                  </a:prstGeom>
+                  <a:noFill/>
+                  <a:ln w="6350">
+                    <a:noFill/>
+                  </a:ln>
+                  <a:effectLst/>
+                </p:spPr>
+                <p:style>
+                  <a:lnRef idx="0">
+                    <a:schemeClr val="accent1"/>
+                  </a:lnRef>
+                  <a:fillRef idx="0">
+                    <a:schemeClr val="accent1"/>
+                  </a:fillRef>
+                  <a:effectRef idx="0">
+                    <a:schemeClr val="accent1"/>
+                  </a:effectRef>
+                  <a:fontRef idx="minor">
+                    <a:schemeClr val="dk1"/>
+                  </a:fontRef>
+                </p:style>
+                <p:txBody>
+                  <a:bodyPr rot="0" spcFirstLastPara="0" vert="horz" wrap="square" lIns="91440" tIns="45720" rIns="91440" bIns="45720" numCol="1" spcCol="0" rtlCol="0" fromWordArt="0" anchor="t" anchorCtr="0" forceAA="0" compatLnSpc="1">
+                    <a:prstTxWarp prst="textNoShape">
+                      <a:avLst/>
+                    </a:prstTxWarp>
+                    <a:noAutofit/>
+                  </a:bodyPr>
+                  <a:lstStyle/>
+                  <a:p>
+                    <a:pPr>
+                      <a:lnSpc>
+                        <a:spcPct val="107000"/>
+                      </a:lnSpc>
+                      <a:spcAft>
+                        <a:spcPts val="800"/>
+                      </a:spcAft>
+                    </a:pPr>
+                    <a14:m>
+                      <m:oMathPara xmlns:m="http://schemas.openxmlformats.org/officeDocument/2006/math">
+                        <m:oMathParaPr>
+                          <m:jc m:val="centerGroup"/>
+                        </m:oMathParaPr>
+                        <m:oMath xmlns:m="http://schemas.openxmlformats.org/officeDocument/2006/math">
+                          <m:r>
+                            <a:rPr lang="fr-FR" sz="2400" b="0" i="1" smtClean="0">
+                              <a:solidFill>
+                                <a:srgbClr val="0070C0"/>
+                              </a:solidFill>
+                              <a:effectLst/>
+                              <a:latin typeface="Cambria Math" panose="02040503050406030204" pitchFamily="18" charset="0"/>
+                              <a:ea typeface="Calibri" panose="020F0502020204030204" pitchFamily="34" charset="0"/>
+                              <a:cs typeface="Times New Roman" panose="02020603050405020304" pitchFamily="18" charset="0"/>
+                            </a:rPr>
+                            <m:t>𝑟</m:t>
+                          </m:r>
+                        </m:oMath>
+                      </m:oMathPara>
+                    </a14:m>
+                    <a:endParaRPr lang="fr-FR" sz="2400" dirty="0">
+                      <a:solidFill>
+                        <a:srgbClr val="0070C0"/>
+                      </a:solidFill>
+                      <a:effectLst/>
+                      <a:ea typeface="Calibri" panose="020F0502020204030204" pitchFamily="34" charset="0"/>
+                      <a:cs typeface="Times New Roman" panose="02020603050405020304" pitchFamily="18" charset="0"/>
+                    </a:endParaRPr>
+                  </a:p>
+                  <a:p>
+                    <a:pPr>
+                      <a:lnSpc>
+                        <a:spcPct val="107000"/>
+                      </a:lnSpc>
+                      <a:spcAft>
+                        <a:spcPts val="800"/>
+                      </a:spcAft>
+                    </a:pPr>
+                    <a:r>
+                      <a:rPr lang="fr-FR" sz="2400" dirty="0">
+                        <a:effectLst/>
+                        <a:ea typeface="Calibri" panose="020F0502020204030204" pitchFamily="34" charset="0"/>
+                        <a:cs typeface="Times New Roman" panose="02020603050405020304" pitchFamily="18" charset="0"/>
+                      </a:rPr>
+                      <a:t> </a:t>
+                    </a:r>
+                  </a:p>
+                </p:txBody>
+              </p:sp>
+            </mc:Choice>
+            <mc:Fallback>
+              <p:sp>
+                <p:nvSpPr>
+                  <p:cNvPr id="91" name="Zone de texte 153"/>
+                  <p:cNvSpPr txBox="1">
+                    <a:spLocks noRot="1" noChangeAspect="1" noMove="1" noResize="1" noEditPoints="1" noAdjustHandles="1" noChangeArrowheads="1" noChangeShapeType="1" noTextEdit="1"/>
+                  </p:cNvSpPr>
+                  <p:nvPr/>
+                </p:nvSpPr>
+                <p:spPr>
+                  <a:xfrm>
+                    <a:off x="5090247" y="4434394"/>
+                    <a:ext cx="372933" cy="305326"/>
+                  </a:xfrm>
+                  <a:prstGeom prst="rect">
+                    <a:avLst/>
+                  </a:prstGeom>
+                  <a:blipFill rotWithShape="0">
+                    <a:blip r:embed="rId5"/>
+                    <a:stretch>
+                      <a:fillRect b="-9804"/>
+                    </a:stretch>
+                  </a:blipFill>
+                  <a:ln w="6350">
+                    <a:noFill/>
+                  </a:ln>
+                  <a:effectLst/>
+                </p:spPr>
+                <p:txBody>
+                  <a:bodyPr/>
+                  <a:lstStyle/>
+                  <a:p>
+                    <a:r>
+                      <a:rPr lang="fr-FR">
+                        <a:noFill/>
+                      </a:rPr>
+                      <a:t> </a:t>
+                    </a:r>
+                  </a:p>
+                </p:txBody>
+              </p:sp>
+            </mc:Fallback>
+          </mc:AlternateContent>
+          <mc:AlternateContent xmlns:mc="http://schemas.openxmlformats.org/markup-compatibility/2006">
+            <mc:Choice xmlns:a14="http://schemas.microsoft.com/office/drawing/2010/main" Requires="a14">
+              <p:sp>
+                <p:nvSpPr>
+                  <p:cNvPr id="92" name="Zone de texte 153"/>
+                  <p:cNvSpPr txBox="1"/>
+                  <p:nvPr/>
+                </p:nvSpPr>
+                <p:spPr>
+                  <a:xfrm>
+                    <a:off x="5274905" y="1309665"/>
+                    <a:ext cx="445966" cy="485203"/>
+                  </a:xfrm>
+                  <a:prstGeom prst="rect">
+                    <a:avLst/>
+                  </a:prstGeom>
+                  <a:noFill/>
+                  <a:ln w="6350">
+                    <a:noFill/>
+                  </a:ln>
+                  <a:effectLst/>
+                </p:spPr>
+                <p:style>
+                  <a:lnRef idx="0">
+                    <a:schemeClr val="accent1"/>
+                  </a:lnRef>
+                  <a:fillRef idx="0">
+                    <a:schemeClr val="accent1"/>
+                  </a:fillRef>
+                  <a:effectRef idx="0">
+                    <a:schemeClr val="accent1"/>
+                  </a:effectRef>
+                  <a:fontRef idx="minor">
+                    <a:schemeClr val="dk1"/>
+                  </a:fontRef>
+                </p:style>
+                <p:txBody>
+                  <a:bodyPr rot="0" spcFirstLastPara="0" vert="horz" wrap="square" lIns="91440" tIns="45720" rIns="91440" bIns="45720" numCol="1" spcCol="0" rtlCol="0" fromWordArt="0" anchor="t" anchorCtr="0" forceAA="0" compatLnSpc="1">
+                    <a:prstTxWarp prst="textNoShape">
+                      <a:avLst/>
+                    </a:prstTxWarp>
+                    <a:noAutofit/>
+                  </a:bodyPr>
+                  <a:lstStyle/>
+                  <a:p>
+                    <a:pPr>
+                      <a:lnSpc>
+                        <a:spcPct val="107000"/>
+                      </a:lnSpc>
+                      <a:spcAft>
+                        <a:spcPts val="800"/>
+                      </a:spcAft>
+                    </a:pPr>
+                    <a14:m>
+                      <m:oMathPara xmlns:m="http://schemas.openxmlformats.org/officeDocument/2006/math">
+                        <m:oMathParaPr>
+                          <m:jc m:val="centerGroup"/>
+                        </m:oMathParaPr>
+                        <m:oMath xmlns:m="http://schemas.openxmlformats.org/officeDocument/2006/math">
+                          <m:r>
+                            <a:rPr lang="fr-FR" sz="2400" b="0" i="1" smtClean="0">
+                              <a:solidFill>
+                                <a:srgbClr val="0070C0"/>
+                              </a:solidFill>
+                              <a:effectLst/>
+                              <a:latin typeface="Cambria Math" panose="02040503050406030204" pitchFamily="18" charset="0"/>
+                              <a:ea typeface="Calibri" panose="020F0502020204030204" pitchFamily="34" charset="0"/>
+                              <a:cs typeface="Times New Roman" panose="02020603050405020304" pitchFamily="18" charset="0"/>
+                            </a:rPr>
+                            <m:t>𝑡</m:t>
+                          </m:r>
+                        </m:oMath>
+                      </m:oMathPara>
+                    </a14:m>
+                    <a:endParaRPr lang="fr-FR" sz="2400" dirty="0">
+                      <a:solidFill>
+                        <a:srgbClr val="0070C0"/>
+                      </a:solidFill>
+                      <a:effectLst/>
+                      <a:ea typeface="Calibri" panose="020F0502020204030204" pitchFamily="34" charset="0"/>
+                      <a:cs typeface="Times New Roman" panose="02020603050405020304" pitchFamily="18" charset="0"/>
+                    </a:endParaRPr>
+                  </a:p>
+                  <a:p>
+                    <a:pPr>
+                      <a:lnSpc>
+                        <a:spcPct val="107000"/>
+                      </a:lnSpc>
+                      <a:spcAft>
+                        <a:spcPts val="800"/>
+                      </a:spcAft>
+                    </a:pPr>
+                    <a:r>
+                      <a:rPr lang="fr-FR" sz="2400" dirty="0">
+                        <a:effectLst/>
+                        <a:ea typeface="Calibri" panose="020F0502020204030204" pitchFamily="34" charset="0"/>
+                        <a:cs typeface="Times New Roman" panose="02020603050405020304" pitchFamily="18" charset="0"/>
+                      </a:rPr>
+                      <a:t> </a:t>
+                    </a:r>
+                  </a:p>
+                </p:txBody>
+              </p:sp>
+            </mc:Choice>
+            <mc:Fallback>
+              <p:sp>
+                <p:nvSpPr>
+                  <p:cNvPr id="92" name="Zone de texte 153"/>
+                  <p:cNvSpPr txBox="1">
+                    <a:spLocks noRot="1" noChangeAspect="1" noMove="1" noResize="1" noEditPoints="1" noAdjustHandles="1" noChangeArrowheads="1" noChangeShapeType="1" noTextEdit="1"/>
+                  </p:cNvSpPr>
+                  <p:nvPr/>
+                </p:nvSpPr>
+                <p:spPr>
+                  <a:xfrm>
+                    <a:off x="5274905" y="1309665"/>
+                    <a:ext cx="445966" cy="485203"/>
+                  </a:xfrm>
+                  <a:prstGeom prst="rect">
+                    <a:avLst/>
+                  </a:prstGeom>
+                  <a:blipFill rotWithShape="0">
+                    <a:blip r:embed="rId6"/>
+                    <a:stretch>
+                      <a:fillRect/>
+                    </a:stretch>
+                  </a:blipFill>
+                  <a:ln w="6350">
+                    <a:noFill/>
+                  </a:ln>
+                  <a:effectLst/>
+                </p:spPr>
+                <p:txBody>
+                  <a:bodyPr/>
+                  <a:lstStyle/>
+                  <a:p>
+                    <a:r>
+                      <a:rPr lang="fr-FR">
+                        <a:noFill/>
+                      </a:rPr>
+                      <a:t> </a:t>
+                    </a:r>
+                  </a:p>
+                </p:txBody>
+              </p:sp>
+            </mc:Fallback>
+          </mc:AlternateContent>
         </p:grpSp>
-        <mc:AlternateContent xmlns:mc="http://schemas.openxmlformats.org/markup-compatibility/2006" xmlns:a14="http://schemas.microsoft.com/office/drawing/2010/main">
-          <mc:Choice Requires="a14">
+        <p:sp>
+          <p:nvSpPr>
+            <p:cNvPr id="87" name="Arc 86"/>
+            <p:cNvSpPr/>
+            <p:nvPr/>
+          </p:nvSpPr>
+          <p:spPr>
+            <a:xfrm rot="5724824">
+              <a:off x="4616415" y="2562622"/>
+              <a:ext cx="2356831" cy="2356831"/>
+            </a:xfrm>
+            <a:prstGeom prst="arc">
+              <a:avLst>
+                <a:gd name="adj1" fmla="val 18552621"/>
+                <a:gd name="adj2" fmla="val 0"/>
+              </a:avLst>
+            </a:prstGeom>
+            <a:ln w="38100">
+              <a:solidFill>
+                <a:schemeClr val="tx1"/>
+              </a:solidFill>
+              <a:headEnd type="arrow"/>
+            </a:ln>
+          </p:spPr>
+          <p:style>
+            <a:lnRef idx="1">
+              <a:schemeClr val="accent1"/>
+            </a:lnRef>
+            <a:fillRef idx="0">
+              <a:schemeClr val="accent1"/>
+            </a:fillRef>
+            <a:effectRef idx="0">
+              <a:schemeClr val="accent1"/>
+            </a:effectRef>
+            <a:fontRef idx="minor">
+              <a:schemeClr val="tx1"/>
+            </a:fontRef>
+          </p:style>
+          <p:txBody>
+            <a:bodyPr rtlCol="0" anchor="ctr"/>
+            <a:lstStyle/>
+            <a:p>
+              <a:pPr algn="ctr"/>
+              <a:endParaRPr lang="fr-FR"/>
+            </a:p>
+          </p:txBody>
+        </p:sp>
+        <mc:AlternateContent xmlns:mc="http://schemas.openxmlformats.org/markup-compatibility/2006">
+          <mc:Choice xmlns:a14="http://schemas.microsoft.com/office/drawing/2010/main" Requires="a14">
             <p:sp>
               <p:nvSpPr>
-                <p:cNvPr id="22" name="ZoneTexte 21"/>
+                <p:cNvPr id="88" name="Zone de texte 153"/>
                 <p:cNvSpPr txBox="1"/>
                 <p:nvPr/>
               </p:nvSpPr>
               <p:spPr>
                 <a:xfrm>
-                  <a:off x="6794741" y="2763674"/>
-                  <a:ext cx="1215269" cy="524118"/>
+                  <a:off x="5949983" y="4712208"/>
+                  <a:ext cx="650214" cy="511035"/>
                 </a:xfrm>
                 <a:prstGeom prst="rect">
                   <a:avLst/>
                 </a:prstGeom>
                 <a:noFill/>
+                <a:ln w="6350">
+                  <a:noFill/>
+                </a:ln>
+                <a:effectLst/>
               </p:spPr>
+              <p:style>
+                <a:lnRef idx="0">
+                  <a:schemeClr val="accent1"/>
+                </a:lnRef>
+                <a:fillRef idx="0">
+                  <a:schemeClr val="accent1"/>
+                </a:fillRef>
+                <a:effectRef idx="0">
+                  <a:schemeClr val="accent1"/>
+                </a:effectRef>
+                <a:fontRef idx="minor">
+                  <a:schemeClr val="dk1"/>
+                </a:fontRef>
+              </p:style>
               <p:txBody>
-                <a:bodyPr wrap="none" lIns="0" tIns="0" rIns="0" bIns="0" rtlCol="0">
-                  <a:spAutoFit/>
+                <a:bodyPr rot="0" spcFirstLastPara="0" vert="horz" wrap="square" lIns="91440" tIns="45720" rIns="91440" bIns="45720" numCol="1" spcCol="0" rtlCol="0" fromWordArt="0" anchor="t" anchorCtr="0" forceAA="0" compatLnSpc="1">
+                  <a:prstTxWarp prst="textNoShape">
+                    <a:avLst/>
+                  </a:prstTxWarp>
+                  <a:noAutofit/>
                 </a:bodyPr>
                 <a:lstStyle/>
                 <a:p>
-                  <a:pPr/>
+                  <a:pPr>
+                    <a:lnSpc>
+                      <a:spcPct val="107000"/>
+                    </a:lnSpc>
+                    <a:spcAft>
+                      <a:spcPts val="800"/>
+                    </a:spcAft>
+                  </a:pPr>
                   <a14:m>
                     <m:oMathPara xmlns:m="http://schemas.openxmlformats.org/officeDocument/2006/math">
                       <m:oMathParaPr>
                         <m:jc m:val="centerGroup"/>
                       </m:oMathParaPr>
                       <m:oMath xmlns:m="http://schemas.openxmlformats.org/officeDocument/2006/math">
-                        <m:sSub>
-                          <m:sSubPr>
-                            <m:ctrlPr>
-                              <a:rPr lang="fr-FR" b="0" i="1" smtClean="0">
-                                <a:latin typeface="Cambria Math" panose="02040503050406030204" pitchFamily="18" charset="0"/>
-                              </a:rPr>
-                            </m:ctrlPr>
-                          </m:sSubPr>
-                          <m:e>
-                            <m:r>
-                              <a:rPr lang="fr-FR" b="0" i="1" smtClean="0">
-                                <a:latin typeface="Cambria Math" panose="02040503050406030204" pitchFamily="18" charset="0"/>
-                              </a:rPr>
-                              <m:t>𝑞</m:t>
-                            </m:r>
-                          </m:e>
-                          <m:sub>
-                            <m:r>
-                              <a:rPr lang="fr-FR" b="0" i="1" smtClean="0">
-                                <a:latin typeface="Cambria Math" panose="02040503050406030204" pitchFamily="18" charset="0"/>
-                              </a:rPr>
-                              <m:t>𝑋</m:t>
-                            </m:r>
-                          </m:sub>
-                        </m:sSub>
                         <m:r>
-                          <a:rPr lang="fr-FR" b="0" i="1" smtClean="0">
+                          <a:rPr lang="fr-FR" sz="2400" b="0" i="1" smtClean="0">
+                            <a:effectLst/>
                             <a:latin typeface="Cambria Math" panose="02040503050406030204" pitchFamily="18" charset="0"/>
+                            <a:ea typeface="Calibri" panose="020F0502020204030204" pitchFamily="34" charset="0"/>
+                            <a:cs typeface="Times New Roman" panose="02020603050405020304" pitchFamily="18" charset="0"/>
                           </a:rPr>
-                          <m:t>=−</m:t>
+                          <m:t>𝜑</m:t>
                         </m:r>
-                        <m:r>
-                          <a:rPr lang="fr-FR" b="0" i="1" smtClean="0">
-                            <a:latin typeface="Cambria Math" panose="02040503050406030204" pitchFamily="18" charset="0"/>
-                          </a:rPr>
-                          <m:t>𝜆</m:t>
-                        </m:r>
-                        <m:f>
-                          <m:fPr>
-                            <m:ctrlPr>
-                              <a:rPr lang="fr-FR" b="0" i="1" smtClean="0">
-                                <a:latin typeface="Cambria Math" panose="02040503050406030204" pitchFamily="18" charset="0"/>
-                              </a:rPr>
-                            </m:ctrlPr>
-                          </m:fPr>
-                          <m:num>
-                            <m:r>
-                              <a:rPr lang="fr-FR" b="0" i="1" smtClean="0">
-                                <a:latin typeface="Cambria Math" panose="02040503050406030204" pitchFamily="18" charset="0"/>
-                              </a:rPr>
-                              <m:t>𝑑𝑇</m:t>
-                            </m:r>
-                          </m:num>
-                          <m:den>
-                            <m:r>
-                              <a:rPr lang="fr-FR" b="0" i="1" smtClean="0">
-                                <a:latin typeface="Cambria Math" panose="02040503050406030204" pitchFamily="18" charset="0"/>
-                              </a:rPr>
-                              <m:t>𝑑𝑋</m:t>
-                            </m:r>
-                          </m:den>
-                        </m:f>
                       </m:oMath>
                     </m:oMathPara>
                   </a14:m>
-                  <a:endParaRPr lang="fr-FR" dirty="0"/>
+                  <a:endParaRPr lang="fr-FR" sz="2400" dirty="0">
+                    <a:effectLst/>
+                    <a:ea typeface="Calibri" panose="020F0502020204030204" pitchFamily="34" charset="0"/>
+                    <a:cs typeface="Times New Roman" panose="02020603050405020304" pitchFamily="18" charset="0"/>
+                  </a:endParaRPr>
                 </a:p>
               </p:txBody>
             </p:sp>
           </mc:Choice>
-          <mc:Fallback xmlns="">
+          <mc:Fallback>
             <p:sp>
               <p:nvSpPr>
-                <p:cNvPr id="22" name="ZoneTexte 21"/>
+                <p:cNvPr id="88" name="Zone de texte 153"/>
                 <p:cNvSpPr txBox="1">
                   <a:spLocks noRot="1" noChangeAspect="1" noMove="1" noResize="1" noEditPoints="1" noAdjustHandles="1" noChangeArrowheads="1" noChangeShapeType="1" noTextEdit="1"/>
                 </p:cNvSpPr>
@@ -13678,18 +14574,22 @@
               </p:nvSpPr>
               <p:spPr>
                 <a:xfrm>
-                  <a:off x="6794741" y="2763674"/>
-                  <a:ext cx="1215269" cy="524118"/>
+                  <a:off x="5949983" y="4712208"/>
+                  <a:ext cx="650214" cy="511035"/>
                 </a:xfrm>
                 <a:prstGeom prst="rect">
                   <a:avLst/>
                 </a:prstGeom>
                 <a:blipFill rotWithShape="0">
-                  <a:blip r:embed="rId5"/>
+                  <a:blip r:embed="rId7"/>
                   <a:stretch>
                     <a:fillRect/>
                   </a:stretch>
                 </a:blipFill>
+                <a:ln w="6350">
+                  <a:noFill/>
+                </a:ln>
+                <a:effectLst/>
               </p:spPr>
               <p:txBody>
                 <a:bodyPr/>
@@ -13710,20 +14610,13 @@
     </p:spTree>
     <p:extLst>
       <p:ext uri="{BB962C8B-B14F-4D97-AF65-F5344CB8AC3E}">
-        <p14:creationId xmlns:p14="http://schemas.microsoft.com/office/powerpoint/2010/main" val="2848021996"/>
+        <p14:creationId xmlns:p14="http://schemas.microsoft.com/office/powerpoint/2010/main" val="2656358430"/>
       </p:ext>
     </p:extLst>
   </p:cSld>
   <p:clrMapOvr>
     <a:masterClrMapping/>
   </p:clrMapOvr>
-  <p:timing>
-    <p:tnLst>
-      <p:par>
-        <p:cTn id="1" dur="indefinite" restart="never" nodeType="tmRoot"/>
-      </p:par>
-    </p:tnLst>
-  </p:timing>
 </p:sld>
 </file>
 
@@ -13772,21 +14665,21 @@
                 <a:gridCol w="1726819">
                   <a:extLst>
                     <a:ext uri="{9D8B030D-6E8A-4147-A177-3AD203B41FA5}">
-                      <a16:colId xmlns:a16="http://schemas.microsoft.com/office/drawing/2014/main" xmlns="" val="20000"/>
+                      <a16:colId xmlns="" xmlns:a16="http://schemas.microsoft.com/office/drawing/2014/main" val="20000"/>
                     </a:ext>
                   </a:extLst>
                 </a:gridCol>
                 <a:gridCol w="1726819">
                   <a:extLst>
                     <a:ext uri="{9D8B030D-6E8A-4147-A177-3AD203B41FA5}">
-                      <a16:colId xmlns:a16="http://schemas.microsoft.com/office/drawing/2014/main" xmlns="" val="20001"/>
+                      <a16:colId xmlns="" xmlns:a16="http://schemas.microsoft.com/office/drawing/2014/main" val="20001"/>
                     </a:ext>
                   </a:extLst>
                 </a:gridCol>
                 <a:gridCol w="1726819">
                   <a:extLst>
                     <a:ext uri="{9D8B030D-6E8A-4147-A177-3AD203B41FA5}">
-                      <a16:colId xmlns:a16="http://schemas.microsoft.com/office/drawing/2014/main" xmlns="" val="20002"/>
+                      <a16:colId xmlns="" xmlns:a16="http://schemas.microsoft.com/office/drawing/2014/main" val="20002"/>
                     </a:ext>
                   </a:extLst>
                 </a:gridCol>
@@ -13914,7 +14807,7 @@
                 </a:tc>
                 <a:extLst>
                   <a:ext uri="{0D108BD9-81ED-4DB2-BD59-A6C34878D82A}">
-                    <a16:rowId xmlns:a16="http://schemas.microsoft.com/office/drawing/2014/main" xmlns="" val="10000"/>
+                    <a16:rowId xmlns="" xmlns:a16="http://schemas.microsoft.com/office/drawing/2014/main" val="10000"/>
                   </a:ext>
                 </a:extLst>
               </a:tr>
@@ -14046,7 +14939,7 @@
                 </a:tc>
                 <a:extLst>
                   <a:ext uri="{0D108BD9-81ED-4DB2-BD59-A6C34878D82A}">
-                    <a16:rowId xmlns:a16="http://schemas.microsoft.com/office/drawing/2014/main" xmlns="" val="10001"/>
+                    <a16:rowId xmlns="" xmlns:a16="http://schemas.microsoft.com/office/drawing/2014/main" val="10001"/>
                   </a:ext>
                 </a:extLst>
               </a:tr>
@@ -14182,7 +15075,7 @@
                 </a:tc>
                 <a:extLst>
                   <a:ext uri="{0D108BD9-81ED-4DB2-BD59-A6C34878D82A}">
-                    <a16:rowId xmlns:a16="http://schemas.microsoft.com/office/drawing/2014/main" xmlns="" val="10002"/>
+                    <a16:rowId xmlns="" xmlns:a16="http://schemas.microsoft.com/office/drawing/2014/main" val="10002"/>
                   </a:ext>
                 </a:extLst>
               </a:tr>
@@ -14346,7 +15239,7 @@
                 </a:tc>
                 <a:extLst>
                   <a:ext uri="{0D108BD9-81ED-4DB2-BD59-A6C34878D82A}">
-                    <a16:rowId xmlns:a16="http://schemas.microsoft.com/office/drawing/2014/main" xmlns="" val="10003"/>
+                    <a16:rowId xmlns="" xmlns:a16="http://schemas.microsoft.com/office/drawing/2014/main" val="10003"/>
                   </a:ext>
                 </a:extLst>
               </a:tr>
@@ -14421,14 +15314,14 @@
                     <a:gridCol w="4728396">
                       <a:extLst>
                         <a:ext uri="{9D8B030D-6E8A-4147-A177-3AD203B41FA5}">
-                          <a16:colId xmlns:a16="http://schemas.microsoft.com/office/drawing/2014/main" xmlns="" val="20000"/>
+                          <a16:colId xmlns="" xmlns:a16="http://schemas.microsoft.com/office/drawing/2014/main" val="20000"/>
                         </a:ext>
                       </a:extLst>
                     </a:gridCol>
                     <a:gridCol w="3399604">
                       <a:extLst>
                         <a:ext uri="{9D8B030D-6E8A-4147-A177-3AD203B41FA5}">
-                          <a16:colId xmlns:a16="http://schemas.microsoft.com/office/drawing/2014/main" xmlns="" val="20001"/>
+                          <a16:colId xmlns="" xmlns:a16="http://schemas.microsoft.com/office/drawing/2014/main" val="20001"/>
                         </a:ext>
                       </a:extLst>
                     </a:gridCol>
@@ -14526,7 +15419,7 @@
                     </a:tc>
                     <a:extLst>
                       <a:ext uri="{0D108BD9-81ED-4DB2-BD59-A6C34878D82A}">
-                        <a16:rowId xmlns:a16="http://schemas.microsoft.com/office/drawing/2014/main" xmlns="" val="10000"/>
+                        <a16:rowId xmlns="" xmlns:a16="http://schemas.microsoft.com/office/drawing/2014/main" val="10000"/>
                       </a:ext>
                     </a:extLst>
                   </a:tr>
@@ -14737,7 +15630,7 @@
                     </a:tc>
                     <a:extLst>
                       <a:ext uri="{0D108BD9-81ED-4DB2-BD59-A6C34878D82A}">
-                        <a16:rowId xmlns:a16="http://schemas.microsoft.com/office/drawing/2014/main" xmlns="" val="10001"/>
+                        <a16:rowId xmlns="" xmlns:a16="http://schemas.microsoft.com/office/drawing/2014/main" val="10001"/>
                       </a:ext>
                     </a:extLst>
                   </a:tr>
@@ -14994,7 +15887,7 @@
                     </a:tc>
                     <a:extLst>
                       <a:ext uri="{0D108BD9-81ED-4DB2-BD59-A6C34878D82A}">
-                        <a16:rowId xmlns:a16="http://schemas.microsoft.com/office/drawing/2014/main" xmlns="" val="10002"/>
+                        <a16:rowId xmlns="" xmlns:a16="http://schemas.microsoft.com/office/drawing/2014/main" val="10002"/>
                       </a:ext>
                     </a:extLst>
                   </a:tr>
@@ -15282,7 +16175,7 @@
                     </a:tc>
                     <a:extLst>
                       <a:ext uri="{0D108BD9-81ED-4DB2-BD59-A6C34878D82A}">
-                        <a16:rowId xmlns:a16="http://schemas.microsoft.com/office/drawing/2014/main" xmlns="" val="10003"/>
+                        <a16:rowId xmlns="" xmlns:a16="http://schemas.microsoft.com/office/drawing/2014/main" val="10003"/>
                       </a:ext>
                     </a:extLst>
                   </a:tr>
@@ -15502,7 +16395,7 @@
                     </a:tc>
                     <a:extLst>
                       <a:ext uri="{0D108BD9-81ED-4DB2-BD59-A6C34878D82A}">
-                        <a16:rowId xmlns:a16="http://schemas.microsoft.com/office/drawing/2014/main" xmlns="" val="10004"/>
+                        <a16:rowId xmlns="" xmlns:a16="http://schemas.microsoft.com/office/drawing/2014/main" val="10004"/>
                       </a:ext>
                     </a:extLst>
                   </a:tr>
@@ -15953,14 +16846,14 @@
                     <a:gridCol w="1726819">
                       <a:extLst>
                         <a:ext uri="{9D8B030D-6E8A-4147-A177-3AD203B41FA5}">
-                          <a16:colId xmlns:a16="http://schemas.microsoft.com/office/drawing/2014/main" xmlns="" val="20000"/>
+                          <a16:colId xmlns="" xmlns:a16="http://schemas.microsoft.com/office/drawing/2014/main" val="20000"/>
                         </a:ext>
                       </a:extLst>
                     </a:gridCol>
                     <a:gridCol w="1726819">
                       <a:extLst>
                         <a:ext uri="{9D8B030D-6E8A-4147-A177-3AD203B41FA5}">
-                          <a16:colId xmlns:a16="http://schemas.microsoft.com/office/drawing/2014/main" xmlns="" val="20001"/>
+                          <a16:colId xmlns="" xmlns:a16="http://schemas.microsoft.com/office/drawing/2014/main" val="20001"/>
                         </a:ext>
                       </a:extLst>
                     </a:gridCol>
@@ -16056,7 +16949,7 @@
                     </a:tc>
                     <a:extLst>
                       <a:ext uri="{0D108BD9-81ED-4DB2-BD59-A6C34878D82A}">
-                        <a16:rowId xmlns:a16="http://schemas.microsoft.com/office/drawing/2014/main" xmlns="" val="10000"/>
+                        <a16:rowId xmlns="" xmlns:a16="http://schemas.microsoft.com/office/drawing/2014/main" val="10000"/>
                       </a:ext>
                     </a:extLst>
                   </a:tr>
@@ -16154,7 +17047,7 @@
                     </a:tc>
                     <a:extLst>
                       <a:ext uri="{0D108BD9-81ED-4DB2-BD59-A6C34878D82A}">
-                        <a16:rowId xmlns:a16="http://schemas.microsoft.com/office/drawing/2014/main" xmlns="" val="10001"/>
+                        <a16:rowId xmlns="" xmlns:a16="http://schemas.microsoft.com/office/drawing/2014/main" val="10001"/>
                       </a:ext>
                     </a:extLst>
                   </a:tr>
@@ -16265,7 +17158,7 @@
                     </a:tc>
                     <a:extLst>
                       <a:ext uri="{0D108BD9-81ED-4DB2-BD59-A6C34878D82A}">
-                        <a16:rowId xmlns:a16="http://schemas.microsoft.com/office/drawing/2014/main" xmlns="" val="10002"/>
+                        <a16:rowId xmlns="" xmlns:a16="http://schemas.microsoft.com/office/drawing/2014/main" val="10002"/>
                       </a:ext>
                     </a:extLst>
                   </a:tr>
@@ -16376,7 +17269,7 @@
                     </a:tc>
                     <a:extLst>
                       <a:ext uri="{0D108BD9-81ED-4DB2-BD59-A6C34878D82A}">
-                        <a16:rowId xmlns:a16="http://schemas.microsoft.com/office/drawing/2014/main" xmlns="" val="10003"/>
+                        <a16:rowId xmlns="" xmlns:a16="http://schemas.microsoft.com/office/drawing/2014/main" val="10003"/>
                       </a:ext>
                     </a:extLst>
                   </a:tr>
@@ -16506,7 +17399,7 @@
                     </a:tc>
                     <a:extLst>
                       <a:ext uri="{0D108BD9-81ED-4DB2-BD59-A6C34878D82A}">
-                        <a16:rowId xmlns:a16="http://schemas.microsoft.com/office/drawing/2014/main" xmlns="" val="10004"/>
+                        <a16:rowId xmlns="" xmlns:a16="http://schemas.microsoft.com/office/drawing/2014/main" val="10004"/>
                       </a:ext>
                     </a:extLst>
                   </a:tr>
@@ -20500,8 +21393,8 @@
               </p:style>
             </p:cxnSp>
           </p:grpSp>
-          <mc:AlternateContent xmlns:mc="http://schemas.openxmlformats.org/markup-compatibility/2006">
-            <mc:Choice xmlns:a14="http://schemas.microsoft.com/office/drawing/2010/main" Requires="a14">
+          <mc:AlternateContent xmlns:mc="http://schemas.openxmlformats.org/markup-compatibility/2006" xmlns:a14="http://schemas.microsoft.com/office/drawing/2010/main">
+            <mc:Choice Requires="a14">
               <p:sp>
                 <p:nvSpPr>
                   <p:cNvPr id="188" name="ZoneTexte 187"/>
@@ -20552,13 +21445,7 @@
                                 <a:rPr lang="fr-FR" sz="1400" b="1" i="1" dirty="0" smtClean="0">
                                   <a:latin typeface="Cambria Math" panose="02040503050406030204" pitchFamily="18" charset="0"/>
                                 </a:rPr>
-                                <m:t>𝒓</m:t>
-                              </m:r>
-                              <m:r>
-                                <a:rPr lang="fr-FR" sz="1400" b="1" i="1" dirty="0" smtClean="0">
-                                  <a:latin typeface="Cambria Math" panose="02040503050406030204" pitchFamily="18" charset="0"/>
-                                </a:rPr>
-                                <m:t>𝒐𝒖𝒍𝒆𝒎𝒆𝒏𝒕</m:t>
+                                <m:t>𝒓𝒐𝒖𝒍𝒆𝒎𝒆𝒏𝒕</m:t>
                               </m:r>
                             </m:sub>
                           </m:sSub>
@@ -20570,7 +21457,7 @@
                 </p:txBody>
               </p:sp>
             </mc:Choice>
-            <mc:Fallback>
+            <mc:Fallback xmlns="">
               <p:sp>
                 <p:nvSpPr>
                   <p:cNvPr id="188" name="ZoneTexte 187"/>
@@ -21033,16 +21920,7 @@
                   <a:ea typeface="Calibri" panose="020F0502020204030204" pitchFamily="34" charset="0"/>
                   <a:cs typeface="Times New Roman" panose="02020603050405020304" pitchFamily="18" charset="0"/>
                 </a:rPr>
-                <a:t>œuds </a:t>
-              </a:r>
-              <a:r>
-                <a:rPr lang="fr-FR" sz="1800" dirty="0" smtClean="0">
-                  <a:effectLst/>
-                  <a:latin typeface="Times New Roman" panose="02020603050405020304" pitchFamily="18" charset="0"/>
-                  <a:ea typeface="Calibri" panose="020F0502020204030204" pitchFamily="34" charset="0"/>
-                  <a:cs typeface="Times New Roman" panose="02020603050405020304" pitchFamily="18" charset="0"/>
-                </a:rPr>
-                <a:t>maître</a:t>
+                <a:t>œuds maître</a:t>
               </a:r>
               <a:endParaRPr lang="fr-FR" sz="1100" dirty="0">
                 <a:effectLst/>
@@ -22353,8 +23231,8 @@
               </p:style>
             </p:cxnSp>
           </p:grpSp>
-          <mc:AlternateContent xmlns:mc="http://schemas.openxmlformats.org/markup-compatibility/2006">
-            <mc:Choice xmlns:a14="http://schemas.microsoft.com/office/drawing/2010/main" Requires="a14">
+          <mc:AlternateContent xmlns:mc="http://schemas.openxmlformats.org/markup-compatibility/2006" xmlns:a14="http://schemas.microsoft.com/office/drawing/2010/main">
+            <mc:Choice Requires="a14">
               <p:sp>
                 <p:nvSpPr>
                   <p:cNvPr id="134" name="ZoneTexte 133"/>
@@ -22405,13 +23283,7 @@
                                 <a:rPr lang="fr-FR" sz="1400" b="1" i="1" dirty="0" smtClean="0">
                                   <a:latin typeface="Cambria Math" panose="02040503050406030204" pitchFamily="18" charset="0"/>
                                 </a:rPr>
-                                <m:t>𝒑</m:t>
-                              </m:r>
-                              <m:r>
-                                <a:rPr lang="fr-FR" sz="1400" b="1" i="1" dirty="0" smtClean="0">
-                                  <a:latin typeface="Cambria Math" panose="02040503050406030204" pitchFamily="18" charset="0"/>
-                                </a:rPr>
-                                <m:t>𝒂𝒍𝒊𝒆𝒓</m:t>
+                                <m:t>𝒑𝒂𝒍𝒊𝒆𝒓</m:t>
                               </m:r>
                             </m:sub>
                           </m:sSub>
@@ -22423,7 +23295,7 @@
                 </p:txBody>
               </p:sp>
             </mc:Choice>
-            <mc:Fallback>
+            <mc:Fallback xmlns="">
               <p:sp>
                 <p:nvSpPr>
                   <p:cNvPr id="134" name="ZoneTexte 133"/>
@@ -25098,21 +25970,21 @@
       </p:grpSpPr>
       <p:grpSp>
         <p:nvGrpSpPr>
-          <p:cNvPr id="146" name="Groupe 145"/>
+          <p:cNvPr id="3" name="Groupe 2"/>
           <p:cNvGrpSpPr/>
           <p:nvPr/>
         </p:nvGrpSpPr>
         <p:grpSpPr>
           <a:xfrm>
-            <a:off x="1688384" y="997858"/>
-            <a:ext cx="8888922" cy="3130528"/>
-            <a:chOff x="1688384" y="997858"/>
-            <a:chExt cx="8888922" cy="3130528"/>
+            <a:off x="963552" y="997858"/>
+            <a:ext cx="9613754" cy="3130528"/>
+            <a:chOff x="963552" y="997858"/>
+            <a:chExt cx="9613754" cy="3130528"/>
           </a:xfrm>
         </p:grpSpPr>
         <p:grpSp>
           <p:nvGrpSpPr>
-            <p:cNvPr id="132" name="Groupe 131"/>
+            <p:cNvPr id="146" name="Groupe 145"/>
             <p:cNvGrpSpPr/>
             <p:nvPr/>
           </p:nvGrpSpPr>
@@ -25120,102 +25992,19 @@
             <a:xfrm>
               <a:off x="1688384" y="997858"/>
               <a:ext cx="8888922" cy="3130528"/>
-              <a:chOff x="1602659" y="1093108"/>
+              <a:chOff x="1688384" y="997858"/>
               <a:chExt cx="8888922" cy="3130528"/>
             </a:xfrm>
           </p:grpSpPr>
           <p:grpSp>
             <p:nvGrpSpPr>
-              <p:cNvPr id="11" name="Groupe 10"/>
+              <p:cNvPr id="132" name="Groupe 131"/>
               <p:cNvGrpSpPr/>
               <p:nvPr/>
             </p:nvGrpSpPr>
             <p:grpSpPr>
               <a:xfrm>
-                <a:off x="7989750" y="1927320"/>
-                <a:ext cx="1435347" cy="886384"/>
-                <a:chOff x="6827104" y="3499267"/>
-                <a:chExt cx="1435347" cy="886384"/>
-              </a:xfrm>
-            </p:grpSpPr>
-            <p:sp>
-              <p:nvSpPr>
-                <p:cNvPr id="15" name="ZoneTexte 14"/>
-                <p:cNvSpPr txBox="1"/>
-                <p:nvPr/>
-              </p:nvSpPr>
-              <p:spPr>
-                <a:xfrm>
-                  <a:off x="6827104" y="3499267"/>
-                  <a:ext cx="1339213" cy="369332"/>
-                </a:xfrm>
-                <a:prstGeom prst="rect">
-                  <a:avLst/>
-                </a:prstGeom>
-                <a:noFill/>
-              </p:spPr>
-              <p:txBody>
-                <a:bodyPr wrap="none" rtlCol="0">
-                  <a:spAutoFit/>
-                </a:bodyPr>
-                <a:lstStyle/>
-                <a:p>
-                  <a:r>
-                    <a:rPr lang="fr-FR" dirty="0" smtClean="0"/>
-                    <a:t>Fibre neutre</a:t>
-                  </a:r>
-                  <a:endParaRPr lang="fr-FR" dirty="0"/>
-                </a:p>
-              </p:txBody>
-            </p:sp>
-            <p:cxnSp>
-              <p:nvCxnSpPr>
-                <p:cNvPr id="16" name="Connecteur en arc 15"/>
-                <p:cNvCxnSpPr>
-                  <a:stCxn id="15" idx="2"/>
-                </p:cNvCxnSpPr>
-                <p:nvPr/>
-              </p:nvCxnSpPr>
-              <p:spPr>
-                <a:xfrm rot="16200000" flipH="1">
-                  <a:off x="7621055" y="3744254"/>
-                  <a:ext cx="517052" cy="765741"/>
-                </a:xfrm>
-                <a:prstGeom prst="curvedConnector2">
-                  <a:avLst/>
-                </a:prstGeom>
-                <a:ln>
-                  <a:solidFill>
-                    <a:schemeClr val="tx1"/>
-                  </a:solidFill>
-                  <a:tailEnd type="triangle"/>
-                </a:ln>
-              </p:spPr>
-              <p:style>
-                <a:lnRef idx="1">
-                  <a:schemeClr val="accent1"/>
-                </a:lnRef>
-                <a:fillRef idx="0">
-                  <a:schemeClr val="accent1"/>
-                </a:fillRef>
-                <a:effectRef idx="0">
-                  <a:schemeClr val="accent1"/>
-                </a:effectRef>
-                <a:fontRef idx="minor">
-                  <a:schemeClr val="tx1"/>
-                </a:fontRef>
-              </p:style>
-            </p:cxnSp>
-          </p:grpSp>
-          <p:grpSp>
-            <p:nvGrpSpPr>
-              <p:cNvPr id="131" name="Groupe 130"/>
-              <p:cNvGrpSpPr/>
-              <p:nvPr/>
-            </p:nvGrpSpPr>
-            <p:grpSpPr>
-              <a:xfrm>
-                <a:off x="1602659" y="1093108"/>
+                <a:off x="1688384" y="997858"/>
                 <a:ext cx="8888922" cy="3130528"/>
                 <a:chOff x="1602659" y="1093108"/>
                 <a:chExt cx="8888922" cy="3130528"/>
@@ -25223,7 +26012,90 @@
             </p:grpSpPr>
             <p:grpSp>
               <p:nvGrpSpPr>
-                <p:cNvPr id="98" name="Groupe 97"/>
+                <p:cNvPr id="11" name="Groupe 10"/>
+                <p:cNvGrpSpPr/>
+                <p:nvPr/>
+              </p:nvGrpSpPr>
+              <p:grpSpPr>
+                <a:xfrm>
+                  <a:off x="7989750" y="1927320"/>
+                  <a:ext cx="1435347" cy="886384"/>
+                  <a:chOff x="6827104" y="3499267"/>
+                  <a:chExt cx="1435347" cy="886384"/>
+                </a:xfrm>
+              </p:grpSpPr>
+              <p:sp>
+                <p:nvSpPr>
+                  <p:cNvPr id="15" name="ZoneTexte 14"/>
+                  <p:cNvSpPr txBox="1"/>
+                  <p:nvPr/>
+                </p:nvSpPr>
+                <p:spPr>
+                  <a:xfrm>
+                    <a:off x="6827104" y="3499267"/>
+                    <a:ext cx="1339213" cy="369332"/>
+                  </a:xfrm>
+                  <a:prstGeom prst="rect">
+                    <a:avLst/>
+                  </a:prstGeom>
+                  <a:noFill/>
+                </p:spPr>
+                <p:txBody>
+                  <a:bodyPr wrap="none" rtlCol="0">
+                    <a:spAutoFit/>
+                  </a:bodyPr>
+                  <a:lstStyle/>
+                  <a:p>
+                    <a:r>
+                      <a:rPr lang="fr-FR" dirty="0" smtClean="0"/>
+                      <a:t>Fibre neutre</a:t>
+                    </a:r>
+                    <a:endParaRPr lang="fr-FR" dirty="0"/>
+                  </a:p>
+                </p:txBody>
+              </p:sp>
+              <p:cxnSp>
+                <p:nvCxnSpPr>
+                  <p:cNvPr id="16" name="Connecteur en arc 15"/>
+                  <p:cNvCxnSpPr>
+                    <a:stCxn id="15" idx="2"/>
+                  </p:cNvCxnSpPr>
+                  <p:nvPr/>
+                </p:nvCxnSpPr>
+                <p:spPr>
+                  <a:xfrm rot="16200000" flipH="1">
+                    <a:off x="7621055" y="3744254"/>
+                    <a:ext cx="517052" cy="765741"/>
+                  </a:xfrm>
+                  <a:prstGeom prst="curvedConnector2">
+                    <a:avLst/>
+                  </a:prstGeom>
+                  <a:ln>
+                    <a:solidFill>
+                      <a:schemeClr val="tx1"/>
+                    </a:solidFill>
+                    <a:tailEnd type="triangle"/>
+                  </a:ln>
+                </p:spPr>
+                <p:style>
+                  <a:lnRef idx="1">
+                    <a:schemeClr val="accent1"/>
+                  </a:lnRef>
+                  <a:fillRef idx="0">
+                    <a:schemeClr val="accent1"/>
+                  </a:fillRef>
+                  <a:effectRef idx="0">
+                    <a:schemeClr val="accent1"/>
+                  </a:effectRef>
+                  <a:fontRef idx="minor">
+                    <a:schemeClr val="tx1"/>
+                  </a:fontRef>
+                </p:style>
+              </p:cxnSp>
+            </p:grpSp>
+            <p:grpSp>
+              <p:nvGrpSpPr>
+                <p:cNvPr id="131" name="Groupe 130"/>
                 <p:cNvGrpSpPr/>
                 <p:nvPr/>
               </p:nvGrpSpPr>
@@ -25237,21 +26109,21 @@
               </p:grpSpPr>
               <p:grpSp>
                 <p:nvGrpSpPr>
-                  <p:cNvPr id="97" name="Groupe 96"/>
+                  <p:cNvPr id="98" name="Groupe 97"/>
                   <p:cNvGrpSpPr/>
                   <p:nvPr/>
                 </p:nvGrpSpPr>
                 <p:grpSpPr>
                   <a:xfrm>
-                    <a:off x="1819348" y="1093108"/>
-                    <a:ext cx="8351958" cy="3130528"/>
-                    <a:chOff x="1819348" y="1093108"/>
-                    <a:chExt cx="8351958" cy="3130528"/>
+                    <a:off x="1602659" y="1093108"/>
+                    <a:ext cx="8888922" cy="3130528"/>
+                    <a:chOff x="1602659" y="1093108"/>
+                    <a:chExt cx="8888922" cy="3130528"/>
                   </a:xfrm>
                 </p:grpSpPr>
                 <p:grpSp>
                   <p:nvGrpSpPr>
-                    <p:cNvPr id="95" name="Groupe 94"/>
+                    <p:cNvPr id="97" name="Groupe 96"/>
                     <p:cNvGrpSpPr/>
                     <p:nvPr/>
                   </p:nvGrpSpPr>
@@ -25265,127 +26137,212 @@
                   </p:grpSpPr>
                   <p:grpSp>
                     <p:nvGrpSpPr>
-                      <p:cNvPr id="12" name="Groupe 11"/>
+                      <p:cNvPr id="95" name="Groupe 94"/>
                       <p:cNvGrpSpPr/>
                       <p:nvPr/>
                     </p:nvGrpSpPr>
                     <p:grpSpPr>
                       <a:xfrm>
-                        <a:off x="3951762" y="2986631"/>
-                        <a:ext cx="1676741" cy="1179463"/>
-                        <a:chOff x="2789116" y="4558578"/>
-                        <a:chExt cx="1676741" cy="1179463"/>
-                      </a:xfrm>
-                    </p:grpSpPr>
-                    <p:sp>
-                      <p:nvSpPr>
-                        <p:cNvPr id="13" name="ZoneTexte 12"/>
-                        <p:cNvSpPr txBox="1"/>
-                        <p:nvPr/>
-                      </p:nvSpPr>
-                      <p:spPr>
-                        <a:xfrm>
-                          <a:off x="2789116" y="5368709"/>
-                          <a:ext cx="1676741" cy="369332"/>
-                        </a:xfrm>
-                        <a:prstGeom prst="rect">
-                          <a:avLst/>
-                        </a:prstGeom>
-                        <a:noFill/>
-                      </p:spPr>
-                      <p:txBody>
-                        <a:bodyPr wrap="none" rtlCol="0">
-                          <a:spAutoFit/>
-                        </a:bodyPr>
-                        <a:lstStyle/>
-                        <a:p>
-                          <a:r>
-                            <a:rPr lang="fr-FR" dirty="0" smtClean="0"/>
-                            <a:t>Axe de rotation</a:t>
-                          </a:r>
-                          <a:endParaRPr lang="fr-FR" dirty="0"/>
-                        </a:p>
-                      </p:txBody>
-                    </p:sp>
-                    <p:cxnSp>
-                      <p:nvCxnSpPr>
-                        <p:cNvPr id="14" name="Connecteur en arc 13"/>
-                        <p:cNvCxnSpPr>
-                          <a:stCxn id="13" idx="0"/>
-                        </p:cNvCxnSpPr>
-                        <p:nvPr/>
-                      </p:nvCxnSpPr>
-                      <p:spPr>
-                        <a:xfrm rot="16200000" flipV="1">
-                          <a:off x="2859456" y="4600678"/>
-                          <a:ext cx="810131" cy="725932"/>
-                        </a:xfrm>
-                        <a:prstGeom prst="curvedConnector3">
-                          <a:avLst>
-                            <a:gd name="adj1" fmla="val 50000"/>
-                          </a:avLst>
-                        </a:prstGeom>
-                        <a:ln>
-                          <a:solidFill>
-                            <a:schemeClr val="tx1"/>
-                          </a:solidFill>
-                          <a:tailEnd type="triangle"/>
-                        </a:ln>
-                      </p:spPr>
-                      <p:style>
-                        <a:lnRef idx="1">
-                          <a:schemeClr val="accent1"/>
-                        </a:lnRef>
-                        <a:fillRef idx="0">
-                          <a:schemeClr val="accent1"/>
-                        </a:fillRef>
-                        <a:effectRef idx="0">
-                          <a:schemeClr val="accent1"/>
-                        </a:effectRef>
-                        <a:fontRef idx="minor">
-                          <a:schemeClr val="tx1"/>
-                        </a:fontRef>
-                      </p:style>
-                    </p:cxnSp>
-                  </p:grpSp>
-                  <p:grpSp>
-                    <p:nvGrpSpPr>
-                      <p:cNvPr id="51" name="Groupe 50"/>
-                      <p:cNvGrpSpPr/>
-                      <p:nvPr/>
-                    </p:nvGrpSpPr>
-                    <p:grpSpPr>
-                      <a:xfrm>
-                        <a:off x="1819348" y="2513843"/>
-                        <a:ext cx="5370326" cy="929845"/>
-                        <a:chOff x="1736332" y="4541007"/>
-                        <a:chExt cx="5370326" cy="929845"/>
+                        <a:off x="1819348" y="1093108"/>
+                        <a:ext cx="8351958" cy="3130528"/>
+                        <a:chOff x="1819348" y="1093108"/>
+                        <a:chExt cx="8351958" cy="3130528"/>
                       </a:xfrm>
                     </p:grpSpPr>
                     <p:grpSp>
                       <p:nvGrpSpPr>
-                        <p:cNvPr id="35" name="Groupe 34"/>
+                        <p:cNvPr id="12" name="Groupe 11"/>
                         <p:cNvGrpSpPr/>
                         <p:nvPr/>
                       </p:nvGrpSpPr>
                       <p:grpSpPr>
                         <a:xfrm>
-                          <a:off x="1736332" y="4541007"/>
-                          <a:ext cx="5359145" cy="929845"/>
-                          <a:chOff x="1736332" y="4541007"/>
-                          <a:chExt cx="5359145" cy="929845"/>
+                          <a:off x="3951762" y="2986631"/>
+                          <a:ext cx="1676741" cy="1179463"/>
+                          <a:chOff x="2789116" y="4558578"/>
+                          <a:chExt cx="1676741" cy="1179463"/>
                         </a:xfrm>
                       </p:grpSpPr>
+                      <p:sp>
+                        <p:nvSpPr>
+                          <p:cNvPr id="13" name="ZoneTexte 12"/>
+                          <p:cNvSpPr txBox="1"/>
+                          <p:nvPr/>
+                        </p:nvSpPr>
+                        <p:spPr>
+                          <a:xfrm>
+                            <a:off x="2789116" y="5368709"/>
+                            <a:ext cx="1676741" cy="369332"/>
+                          </a:xfrm>
+                          <a:prstGeom prst="rect">
+                            <a:avLst/>
+                          </a:prstGeom>
+                          <a:noFill/>
+                        </p:spPr>
+                        <p:txBody>
+                          <a:bodyPr wrap="none" rtlCol="0">
+                            <a:spAutoFit/>
+                          </a:bodyPr>
+                          <a:lstStyle/>
+                          <a:p>
+                            <a:r>
+                              <a:rPr lang="fr-FR" dirty="0" smtClean="0"/>
+                              <a:t>Axe de rotation</a:t>
+                            </a:r>
+                            <a:endParaRPr lang="fr-FR" dirty="0"/>
+                          </a:p>
+                        </p:txBody>
+                      </p:sp>
                       <p:cxnSp>
                         <p:nvCxnSpPr>
-                          <p:cNvPr id="32" name="Connecteur droit 31"/>
+                          <p:cNvPr id="14" name="Connecteur en arc 13"/>
+                          <p:cNvCxnSpPr>
+                            <a:stCxn id="13" idx="0"/>
+                          </p:cNvCxnSpPr>
+                          <p:nvPr/>
+                        </p:nvCxnSpPr>
+                        <p:spPr>
+                          <a:xfrm rot="16200000" flipV="1">
+                            <a:off x="2859456" y="4600678"/>
+                            <a:ext cx="810131" cy="725932"/>
+                          </a:xfrm>
+                          <a:prstGeom prst="curvedConnector3">
+                            <a:avLst>
+                              <a:gd name="adj1" fmla="val 50000"/>
+                            </a:avLst>
+                          </a:prstGeom>
+                          <a:ln>
+                            <a:solidFill>
+                              <a:schemeClr val="tx1"/>
+                            </a:solidFill>
+                            <a:tailEnd type="triangle"/>
+                          </a:ln>
+                        </p:spPr>
+                        <p:style>
+                          <a:lnRef idx="1">
+                            <a:schemeClr val="accent1"/>
+                          </a:lnRef>
+                          <a:fillRef idx="0">
+                            <a:schemeClr val="accent1"/>
+                          </a:fillRef>
+                          <a:effectRef idx="0">
+                            <a:schemeClr val="accent1"/>
+                          </a:effectRef>
+                          <a:fontRef idx="minor">
+                            <a:schemeClr val="tx1"/>
+                          </a:fontRef>
+                        </p:style>
+                      </p:cxnSp>
+                    </p:grpSp>
+                    <p:grpSp>
+                      <p:nvGrpSpPr>
+                        <p:cNvPr id="51" name="Groupe 50"/>
+                        <p:cNvGrpSpPr/>
+                        <p:nvPr/>
+                      </p:nvGrpSpPr>
+                      <p:grpSpPr>
+                        <a:xfrm>
+                          <a:off x="1819348" y="2513843"/>
+                          <a:ext cx="5370326" cy="929845"/>
+                          <a:chOff x="1736332" y="4541007"/>
+                          <a:chExt cx="5370326" cy="929845"/>
+                        </a:xfrm>
+                      </p:grpSpPr>
+                      <p:grpSp>
+                        <p:nvGrpSpPr>
+                          <p:cNvPr id="35" name="Groupe 34"/>
+                          <p:cNvGrpSpPr/>
+                          <p:nvPr/>
+                        </p:nvGrpSpPr>
+                        <p:grpSpPr>
+                          <a:xfrm>
+                            <a:off x="1736332" y="4541007"/>
+                            <a:ext cx="5359145" cy="929845"/>
+                            <a:chOff x="1736332" y="4541007"/>
+                            <a:chExt cx="5359145" cy="929845"/>
+                          </a:xfrm>
+                        </p:grpSpPr>
+                        <p:cxnSp>
+                          <p:nvCxnSpPr>
+                            <p:cNvPr id="32" name="Connecteur droit 31"/>
+                            <p:cNvCxnSpPr/>
+                            <p:nvPr/>
+                          </p:nvCxnSpPr>
+                          <p:spPr>
+                            <a:xfrm>
+                              <a:off x="1783738" y="4541007"/>
+                              <a:ext cx="5311739" cy="304681"/>
+                            </a:xfrm>
+                            <a:prstGeom prst="line">
+                              <a:avLst/>
+                            </a:prstGeom>
+                            <a:ln w="19050">
+                              <a:solidFill>
+                                <a:schemeClr val="tx1"/>
+                              </a:solidFill>
+                            </a:ln>
+                          </p:spPr>
+                          <p:style>
+                            <a:lnRef idx="1">
+                              <a:schemeClr val="accent1"/>
+                            </a:lnRef>
+                            <a:fillRef idx="0">
+                              <a:schemeClr val="accent1"/>
+                            </a:fillRef>
+                            <a:effectRef idx="0">
+                              <a:schemeClr val="accent1"/>
+                            </a:effectRef>
+                            <a:fontRef idx="minor">
+                              <a:schemeClr val="tx1"/>
+                            </a:fontRef>
+                          </p:style>
+                        </p:cxnSp>
+                        <p:cxnSp>
+                          <p:nvCxnSpPr>
+                            <p:cNvPr id="33" name="Connecteur droit 32"/>
+                            <p:cNvCxnSpPr/>
+                            <p:nvPr/>
+                          </p:nvCxnSpPr>
+                          <p:spPr>
+                            <a:xfrm>
+                              <a:off x="1736332" y="5130514"/>
+                              <a:ext cx="5306731" cy="340338"/>
+                            </a:xfrm>
+                            <a:prstGeom prst="line">
+                              <a:avLst/>
+                            </a:prstGeom>
+                            <a:ln w="19050">
+                              <a:solidFill>
+                                <a:schemeClr val="tx1"/>
+                              </a:solidFill>
+                            </a:ln>
+                          </p:spPr>
+                          <p:style>
+                            <a:lnRef idx="1">
+                              <a:schemeClr val="accent1"/>
+                            </a:lnRef>
+                            <a:fillRef idx="0">
+                              <a:schemeClr val="accent1"/>
+                            </a:fillRef>
+                            <a:effectRef idx="0">
+                              <a:schemeClr val="accent1"/>
+                            </a:effectRef>
+                            <a:fontRef idx="minor">
+                              <a:schemeClr val="tx1"/>
+                            </a:fontRef>
+                          </p:style>
+                        </p:cxnSp>
+                      </p:grpSp>
+                      <p:cxnSp>
+                        <p:nvCxnSpPr>
+                          <p:cNvPr id="37" name="Connecteur droit 36"/>
                           <p:cNvCxnSpPr/>
                           <p:nvPr/>
                         </p:nvCxnSpPr>
                         <p:spPr>
-                          <a:xfrm>
-                            <a:off x="1783738" y="4541007"/>
-                            <a:ext cx="5311739" cy="304681"/>
+                          <a:xfrm flipH="1">
+                            <a:off x="1736332" y="4547839"/>
+                            <a:ext cx="49909" cy="582675"/>
                           </a:xfrm>
                           <a:prstGeom prst="line">
                             <a:avLst/>
@@ -25413,14 +26370,259 @@
                       </p:cxnSp>
                       <p:cxnSp>
                         <p:nvCxnSpPr>
-                          <p:cNvPr id="33" name="Connecteur droit 32"/>
+                          <p:cNvPr id="38" name="Connecteur droit 37"/>
+                          <p:cNvCxnSpPr/>
+                          <p:nvPr/>
+                        </p:nvCxnSpPr>
+                        <p:spPr>
+                          <a:xfrm flipH="1">
+                            <a:off x="2412714" y="4582789"/>
+                            <a:ext cx="49909" cy="582675"/>
+                          </a:xfrm>
+                          <a:prstGeom prst="line">
+                            <a:avLst/>
+                          </a:prstGeom>
+                          <a:ln w="19050">
+                            <a:solidFill>
+                              <a:schemeClr val="tx1"/>
+                            </a:solidFill>
+                          </a:ln>
+                        </p:spPr>
+                        <p:style>
+                          <a:lnRef idx="1">
+                            <a:schemeClr val="accent1"/>
+                          </a:lnRef>
+                          <a:fillRef idx="0">
+                            <a:schemeClr val="accent1"/>
+                          </a:fillRef>
+                          <a:effectRef idx="0">
+                            <a:schemeClr val="accent1"/>
+                          </a:effectRef>
+                          <a:fontRef idx="minor">
+                            <a:schemeClr val="tx1"/>
+                          </a:fontRef>
+                        </p:style>
+                      </p:cxnSp>
+                      <p:cxnSp>
+                        <p:nvCxnSpPr>
+                          <p:cNvPr id="39" name="Connecteur droit 38"/>
+                          <p:cNvCxnSpPr/>
+                          <p:nvPr/>
+                        </p:nvCxnSpPr>
+                        <p:spPr>
+                          <a:xfrm flipH="1">
+                            <a:off x="3084711" y="4607130"/>
+                            <a:ext cx="47518" cy="606587"/>
+                          </a:xfrm>
+                          <a:prstGeom prst="line">
+                            <a:avLst/>
+                          </a:prstGeom>
+                          <a:ln w="19050">
+                            <a:solidFill>
+                              <a:schemeClr val="tx1"/>
+                            </a:solidFill>
+                          </a:ln>
+                        </p:spPr>
+                        <p:style>
+                          <a:lnRef idx="1">
+                            <a:schemeClr val="accent1"/>
+                          </a:lnRef>
+                          <a:fillRef idx="0">
+                            <a:schemeClr val="accent1"/>
+                          </a:fillRef>
+                          <a:effectRef idx="0">
+                            <a:schemeClr val="accent1"/>
+                          </a:effectRef>
+                          <a:fontRef idx="minor">
+                            <a:schemeClr val="tx1"/>
+                          </a:fontRef>
+                        </p:style>
+                      </p:cxnSp>
+                      <p:cxnSp>
+                        <p:nvCxnSpPr>
+                          <p:cNvPr id="40" name="Connecteur droit 39"/>
+                          <p:cNvCxnSpPr/>
+                          <p:nvPr/>
+                        </p:nvCxnSpPr>
+                        <p:spPr>
+                          <a:xfrm flipH="1">
+                            <a:off x="3756706" y="4667695"/>
+                            <a:ext cx="31034" cy="593207"/>
+                          </a:xfrm>
+                          <a:prstGeom prst="line">
+                            <a:avLst/>
+                          </a:prstGeom>
+                          <a:ln w="19050">
+                            <a:solidFill>
+                              <a:schemeClr val="tx1"/>
+                            </a:solidFill>
+                          </a:ln>
+                        </p:spPr>
+                        <p:style>
+                          <a:lnRef idx="1">
+                            <a:schemeClr val="accent1"/>
+                          </a:lnRef>
+                          <a:fillRef idx="0">
+                            <a:schemeClr val="accent1"/>
+                          </a:fillRef>
+                          <a:effectRef idx="0">
+                            <a:schemeClr val="accent1"/>
+                          </a:effectRef>
+                          <a:fontRef idx="minor">
+                            <a:schemeClr val="tx1"/>
+                          </a:fontRef>
+                        </p:style>
+                      </p:cxnSp>
+                      <p:cxnSp>
+                        <p:nvCxnSpPr>
+                          <p:cNvPr id="41" name="Connecteur droit 40"/>
+                          <p:cNvCxnSpPr/>
+                          <p:nvPr/>
+                        </p:nvCxnSpPr>
+                        <p:spPr>
+                          <a:xfrm flipH="1">
+                            <a:off x="4365996" y="4689931"/>
+                            <a:ext cx="47555" cy="610752"/>
+                          </a:xfrm>
+                          <a:prstGeom prst="line">
+                            <a:avLst/>
+                          </a:prstGeom>
+                          <a:ln w="19050">
+                            <a:solidFill>
+                              <a:schemeClr val="tx1"/>
+                            </a:solidFill>
+                          </a:ln>
+                        </p:spPr>
+                        <p:style>
+                          <a:lnRef idx="1">
+                            <a:schemeClr val="accent1"/>
+                          </a:lnRef>
+                          <a:fillRef idx="0">
+                            <a:schemeClr val="accent1"/>
+                          </a:fillRef>
+                          <a:effectRef idx="0">
+                            <a:schemeClr val="accent1"/>
+                          </a:effectRef>
+                          <a:fontRef idx="minor">
+                            <a:schemeClr val="tx1"/>
+                          </a:fontRef>
+                        </p:style>
+                      </p:cxnSp>
+                      <p:cxnSp>
+                        <p:nvCxnSpPr>
+                          <p:cNvPr id="42" name="Connecteur droit 41"/>
+                          <p:cNvCxnSpPr/>
+                          <p:nvPr/>
+                        </p:nvCxnSpPr>
+                        <p:spPr>
+                          <a:xfrm flipH="1">
+                            <a:off x="5046423" y="4730727"/>
+                            <a:ext cx="29236" cy="616143"/>
+                          </a:xfrm>
+                          <a:prstGeom prst="line">
+                            <a:avLst/>
+                          </a:prstGeom>
+                          <a:ln w="19050">
+                            <a:solidFill>
+                              <a:schemeClr val="tx1"/>
+                            </a:solidFill>
+                          </a:ln>
+                        </p:spPr>
+                        <p:style>
+                          <a:lnRef idx="1">
+                            <a:schemeClr val="accent1"/>
+                          </a:lnRef>
+                          <a:fillRef idx="0">
+                            <a:schemeClr val="accent1"/>
+                          </a:fillRef>
+                          <a:effectRef idx="0">
+                            <a:schemeClr val="accent1"/>
+                          </a:effectRef>
+                          <a:fontRef idx="minor">
+                            <a:schemeClr val="tx1"/>
+                          </a:fontRef>
+                        </p:style>
+                      </p:cxnSp>
+                      <p:cxnSp>
+                        <p:nvCxnSpPr>
+                          <p:cNvPr id="43" name="Connecteur droit 42"/>
+                          <p:cNvCxnSpPr/>
+                          <p:nvPr/>
+                        </p:nvCxnSpPr>
+                        <p:spPr>
+                          <a:xfrm flipH="1">
+                            <a:off x="5703824" y="4777440"/>
+                            <a:ext cx="27733" cy="601447"/>
+                          </a:xfrm>
+                          <a:prstGeom prst="line">
+                            <a:avLst/>
+                          </a:prstGeom>
+                          <a:ln w="19050">
+                            <a:solidFill>
+                              <a:schemeClr val="tx1"/>
+                            </a:solidFill>
+                          </a:ln>
+                        </p:spPr>
+                        <p:style>
+                          <a:lnRef idx="1">
+                            <a:schemeClr val="accent1"/>
+                          </a:lnRef>
+                          <a:fillRef idx="0">
+                            <a:schemeClr val="accent1"/>
+                          </a:fillRef>
+                          <a:effectRef idx="0">
+                            <a:schemeClr val="accent1"/>
+                          </a:effectRef>
+                          <a:fontRef idx="minor">
+                            <a:schemeClr val="tx1"/>
+                          </a:fontRef>
+                        </p:style>
+                      </p:cxnSp>
+                      <p:cxnSp>
+                        <p:nvCxnSpPr>
+                          <p:cNvPr id="44" name="Connecteur droit 43"/>
+                          <p:cNvCxnSpPr/>
+                          <p:nvPr/>
+                        </p:nvCxnSpPr>
+                        <p:spPr>
+                          <a:xfrm flipH="1">
+                            <a:off x="6429447" y="4808405"/>
+                            <a:ext cx="20034" cy="610456"/>
+                          </a:xfrm>
+                          <a:prstGeom prst="line">
+                            <a:avLst/>
+                          </a:prstGeom>
+                          <a:ln w="19050">
+                            <a:solidFill>
+                              <a:schemeClr val="tx1"/>
+                            </a:solidFill>
+                          </a:ln>
+                        </p:spPr>
+                        <p:style>
+                          <a:lnRef idx="1">
+                            <a:schemeClr val="accent1"/>
+                          </a:lnRef>
+                          <a:fillRef idx="0">
+                            <a:schemeClr val="accent1"/>
+                          </a:fillRef>
+                          <a:effectRef idx="0">
+                            <a:schemeClr val="accent1"/>
+                          </a:effectRef>
+                          <a:fontRef idx="minor">
+                            <a:schemeClr val="tx1"/>
+                          </a:fontRef>
+                        </p:style>
+                      </p:cxnSp>
+                      <p:cxnSp>
+                        <p:nvCxnSpPr>
+                          <p:cNvPr id="45" name="Connecteur droit 44"/>
                           <p:cNvCxnSpPr/>
                           <p:nvPr/>
                         </p:nvCxnSpPr>
                         <p:spPr>
                           <a:xfrm>
-                            <a:off x="1736332" y="5130514"/>
-                            <a:ext cx="5306731" cy="340338"/>
+                            <a:off x="7085345" y="4845123"/>
+                            <a:ext cx="21313" cy="625729"/>
                           </a:xfrm>
                           <a:prstGeom prst="line">
                             <a:avLst/>
@@ -25447,339 +26649,9 @@
                         </p:style>
                       </p:cxnSp>
                     </p:grpSp>
-                    <p:cxnSp>
-                      <p:nvCxnSpPr>
-                        <p:cNvPr id="37" name="Connecteur droit 36"/>
-                        <p:cNvCxnSpPr/>
-                        <p:nvPr/>
-                      </p:nvCxnSpPr>
-                      <p:spPr>
-                        <a:xfrm flipH="1">
-                          <a:off x="1736332" y="4547839"/>
-                          <a:ext cx="49909" cy="582675"/>
-                        </a:xfrm>
-                        <a:prstGeom prst="line">
-                          <a:avLst/>
-                        </a:prstGeom>
-                        <a:ln w="19050">
-                          <a:solidFill>
-                            <a:schemeClr val="tx1"/>
-                          </a:solidFill>
-                        </a:ln>
-                      </p:spPr>
-                      <p:style>
-                        <a:lnRef idx="1">
-                          <a:schemeClr val="accent1"/>
-                        </a:lnRef>
-                        <a:fillRef idx="0">
-                          <a:schemeClr val="accent1"/>
-                        </a:fillRef>
-                        <a:effectRef idx="0">
-                          <a:schemeClr val="accent1"/>
-                        </a:effectRef>
-                        <a:fontRef idx="minor">
-                          <a:schemeClr val="tx1"/>
-                        </a:fontRef>
-                      </p:style>
-                    </p:cxnSp>
-                    <p:cxnSp>
-                      <p:nvCxnSpPr>
-                        <p:cNvPr id="38" name="Connecteur droit 37"/>
-                        <p:cNvCxnSpPr/>
-                        <p:nvPr/>
-                      </p:nvCxnSpPr>
-                      <p:spPr>
-                        <a:xfrm flipH="1">
-                          <a:off x="2412714" y="4582789"/>
-                          <a:ext cx="49909" cy="582675"/>
-                        </a:xfrm>
-                        <a:prstGeom prst="line">
-                          <a:avLst/>
-                        </a:prstGeom>
-                        <a:ln w="19050">
-                          <a:solidFill>
-                            <a:schemeClr val="tx1"/>
-                          </a:solidFill>
-                        </a:ln>
-                      </p:spPr>
-                      <p:style>
-                        <a:lnRef idx="1">
-                          <a:schemeClr val="accent1"/>
-                        </a:lnRef>
-                        <a:fillRef idx="0">
-                          <a:schemeClr val="accent1"/>
-                        </a:fillRef>
-                        <a:effectRef idx="0">
-                          <a:schemeClr val="accent1"/>
-                        </a:effectRef>
-                        <a:fontRef idx="minor">
-                          <a:schemeClr val="tx1"/>
-                        </a:fontRef>
-                      </p:style>
-                    </p:cxnSp>
-                    <p:cxnSp>
-                      <p:nvCxnSpPr>
-                        <p:cNvPr id="39" name="Connecteur droit 38"/>
-                        <p:cNvCxnSpPr/>
-                        <p:nvPr/>
-                      </p:nvCxnSpPr>
-                      <p:spPr>
-                        <a:xfrm flipH="1">
-                          <a:off x="3084711" y="4607130"/>
-                          <a:ext cx="47518" cy="606587"/>
-                        </a:xfrm>
-                        <a:prstGeom prst="line">
-                          <a:avLst/>
-                        </a:prstGeom>
-                        <a:ln w="19050">
-                          <a:solidFill>
-                            <a:schemeClr val="tx1"/>
-                          </a:solidFill>
-                        </a:ln>
-                      </p:spPr>
-                      <p:style>
-                        <a:lnRef idx="1">
-                          <a:schemeClr val="accent1"/>
-                        </a:lnRef>
-                        <a:fillRef idx="0">
-                          <a:schemeClr val="accent1"/>
-                        </a:fillRef>
-                        <a:effectRef idx="0">
-                          <a:schemeClr val="accent1"/>
-                        </a:effectRef>
-                        <a:fontRef idx="minor">
-                          <a:schemeClr val="tx1"/>
-                        </a:fontRef>
-                      </p:style>
-                    </p:cxnSp>
-                    <p:cxnSp>
-                      <p:nvCxnSpPr>
-                        <p:cNvPr id="40" name="Connecteur droit 39"/>
-                        <p:cNvCxnSpPr/>
-                        <p:nvPr/>
-                      </p:nvCxnSpPr>
-                      <p:spPr>
-                        <a:xfrm flipH="1">
-                          <a:off x="3756706" y="4667695"/>
-                          <a:ext cx="31034" cy="593207"/>
-                        </a:xfrm>
-                        <a:prstGeom prst="line">
-                          <a:avLst/>
-                        </a:prstGeom>
-                        <a:ln w="19050">
-                          <a:solidFill>
-                            <a:schemeClr val="tx1"/>
-                          </a:solidFill>
-                        </a:ln>
-                      </p:spPr>
-                      <p:style>
-                        <a:lnRef idx="1">
-                          <a:schemeClr val="accent1"/>
-                        </a:lnRef>
-                        <a:fillRef idx="0">
-                          <a:schemeClr val="accent1"/>
-                        </a:fillRef>
-                        <a:effectRef idx="0">
-                          <a:schemeClr val="accent1"/>
-                        </a:effectRef>
-                        <a:fontRef idx="minor">
-                          <a:schemeClr val="tx1"/>
-                        </a:fontRef>
-                      </p:style>
-                    </p:cxnSp>
-                    <p:cxnSp>
-                      <p:nvCxnSpPr>
-                        <p:cNvPr id="41" name="Connecteur droit 40"/>
-                        <p:cNvCxnSpPr/>
-                        <p:nvPr/>
-                      </p:nvCxnSpPr>
-                      <p:spPr>
-                        <a:xfrm flipH="1">
-                          <a:off x="4365996" y="4689931"/>
-                          <a:ext cx="47555" cy="610752"/>
-                        </a:xfrm>
-                        <a:prstGeom prst="line">
-                          <a:avLst/>
-                        </a:prstGeom>
-                        <a:ln w="19050">
-                          <a:solidFill>
-                            <a:schemeClr val="tx1"/>
-                          </a:solidFill>
-                        </a:ln>
-                      </p:spPr>
-                      <p:style>
-                        <a:lnRef idx="1">
-                          <a:schemeClr val="accent1"/>
-                        </a:lnRef>
-                        <a:fillRef idx="0">
-                          <a:schemeClr val="accent1"/>
-                        </a:fillRef>
-                        <a:effectRef idx="0">
-                          <a:schemeClr val="accent1"/>
-                        </a:effectRef>
-                        <a:fontRef idx="minor">
-                          <a:schemeClr val="tx1"/>
-                        </a:fontRef>
-                      </p:style>
-                    </p:cxnSp>
-                    <p:cxnSp>
-                      <p:nvCxnSpPr>
-                        <p:cNvPr id="42" name="Connecteur droit 41"/>
-                        <p:cNvCxnSpPr/>
-                        <p:nvPr/>
-                      </p:nvCxnSpPr>
-                      <p:spPr>
-                        <a:xfrm flipH="1">
-                          <a:off x="5046423" y="4730727"/>
-                          <a:ext cx="29236" cy="616143"/>
-                        </a:xfrm>
-                        <a:prstGeom prst="line">
-                          <a:avLst/>
-                        </a:prstGeom>
-                        <a:ln w="19050">
-                          <a:solidFill>
-                            <a:schemeClr val="tx1"/>
-                          </a:solidFill>
-                        </a:ln>
-                      </p:spPr>
-                      <p:style>
-                        <a:lnRef idx="1">
-                          <a:schemeClr val="accent1"/>
-                        </a:lnRef>
-                        <a:fillRef idx="0">
-                          <a:schemeClr val="accent1"/>
-                        </a:fillRef>
-                        <a:effectRef idx="0">
-                          <a:schemeClr val="accent1"/>
-                        </a:effectRef>
-                        <a:fontRef idx="minor">
-                          <a:schemeClr val="tx1"/>
-                        </a:fontRef>
-                      </p:style>
-                    </p:cxnSp>
-                    <p:cxnSp>
-                      <p:nvCxnSpPr>
-                        <p:cNvPr id="43" name="Connecteur droit 42"/>
-                        <p:cNvCxnSpPr/>
-                        <p:nvPr/>
-                      </p:nvCxnSpPr>
-                      <p:spPr>
-                        <a:xfrm flipH="1">
-                          <a:off x="5703824" y="4777440"/>
-                          <a:ext cx="27733" cy="601447"/>
-                        </a:xfrm>
-                        <a:prstGeom prst="line">
-                          <a:avLst/>
-                        </a:prstGeom>
-                        <a:ln w="19050">
-                          <a:solidFill>
-                            <a:schemeClr val="tx1"/>
-                          </a:solidFill>
-                        </a:ln>
-                      </p:spPr>
-                      <p:style>
-                        <a:lnRef idx="1">
-                          <a:schemeClr val="accent1"/>
-                        </a:lnRef>
-                        <a:fillRef idx="0">
-                          <a:schemeClr val="accent1"/>
-                        </a:fillRef>
-                        <a:effectRef idx="0">
-                          <a:schemeClr val="accent1"/>
-                        </a:effectRef>
-                        <a:fontRef idx="minor">
-                          <a:schemeClr val="tx1"/>
-                        </a:fontRef>
-                      </p:style>
-                    </p:cxnSp>
-                    <p:cxnSp>
-                      <p:nvCxnSpPr>
-                        <p:cNvPr id="44" name="Connecteur droit 43"/>
-                        <p:cNvCxnSpPr/>
-                        <p:nvPr/>
-                      </p:nvCxnSpPr>
-                      <p:spPr>
-                        <a:xfrm flipH="1">
-                          <a:off x="6429447" y="4808405"/>
-                          <a:ext cx="20034" cy="610456"/>
-                        </a:xfrm>
-                        <a:prstGeom prst="line">
-                          <a:avLst/>
-                        </a:prstGeom>
-                        <a:ln w="19050">
-                          <a:solidFill>
-                            <a:schemeClr val="tx1"/>
-                          </a:solidFill>
-                        </a:ln>
-                      </p:spPr>
-                      <p:style>
-                        <a:lnRef idx="1">
-                          <a:schemeClr val="accent1"/>
-                        </a:lnRef>
-                        <a:fillRef idx="0">
-                          <a:schemeClr val="accent1"/>
-                        </a:fillRef>
-                        <a:effectRef idx="0">
-                          <a:schemeClr val="accent1"/>
-                        </a:effectRef>
-                        <a:fontRef idx="minor">
-                          <a:schemeClr val="tx1"/>
-                        </a:fontRef>
-                      </p:style>
-                    </p:cxnSp>
-                    <p:cxnSp>
-                      <p:nvCxnSpPr>
-                        <p:cNvPr id="45" name="Connecteur droit 44"/>
-                        <p:cNvCxnSpPr/>
-                        <p:nvPr/>
-                      </p:nvCxnSpPr>
-                      <p:spPr>
-                        <a:xfrm>
-                          <a:off x="7085345" y="4845123"/>
-                          <a:ext cx="21313" cy="625729"/>
-                        </a:xfrm>
-                        <a:prstGeom prst="line">
-                          <a:avLst/>
-                        </a:prstGeom>
-                        <a:ln w="19050">
-                          <a:solidFill>
-                            <a:schemeClr val="tx1"/>
-                          </a:solidFill>
-                        </a:ln>
-                      </p:spPr>
-                      <p:style>
-                        <a:lnRef idx="1">
-                          <a:schemeClr val="accent1"/>
-                        </a:lnRef>
-                        <a:fillRef idx="0">
-                          <a:schemeClr val="accent1"/>
-                        </a:fillRef>
-                        <a:effectRef idx="0">
-                          <a:schemeClr val="accent1"/>
-                        </a:effectRef>
-                        <a:fontRef idx="minor">
-                          <a:schemeClr val="tx1"/>
-                        </a:fontRef>
-                      </p:style>
-                    </p:cxnSp>
-                  </p:grpSp>
-                  <p:grpSp>
-                    <p:nvGrpSpPr>
-                      <p:cNvPr id="78" name="Groupe 77"/>
-                      <p:cNvGrpSpPr/>
-                      <p:nvPr/>
-                    </p:nvGrpSpPr>
-                    <p:grpSpPr>
-                      <a:xfrm>
-                        <a:off x="4181184" y="1093108"/>
-                        <a:ext cx="5990122" cy="2350901"/>
-                        <a:chOff x="4181184" y="1093108"/>
-                        <a:chExt cx="5990122" cy="2350901"/>
-                      </a:xfrm>
-                    </p:grpSpPr>
                     <p:grpSp>
                       <p:nvGrpSpPr>
-                        <p:cNvPr id="28" name="Groupe 27"/>
+                        <p:cNvPr id="78" name="Groupe 77"/>
                         <p:cNvGrpSpPr/>
                         <p:nvPr/>
                       </p:nvGrpSpPr>
@@ -25787,26 +26659,130 @@
                         <a:xfrm>
                           <a:off x="4181184" y="1093108"/>
                           <a:ext cx="5990122" cy="2350901"/>
-                          <a:chOff x="3018538" y="2665055"/>
+                          <a:chOff x="4181184" y="1093108"/>
                           <a:chExt cx="5990122" cy="2350901"/>
                         </a:xfrm>
                       </p:grpSpPr>
-                      <p:sp>
-                        <p:nvSpPr>
-                          <p:cNvPr id="29" name="Arc 28"/>
-                          <p:cNvSpPr/>
+                      <p:grpSp>
+                        <p:nvGrpSpPr>
+                          <p:cNvPr id="28" name="Groupe 27"/>
+                          <p:cNvGrpSpPr/>
                           <p:nvPr/>
-                        </p:nvSpPr>
+                        </p:nvGrpSpPr>
+                        <p:grpSpPr>
+                          <a:xfrm>
+                            <a:off x="4181184" y="1093108"/>
+                            <a:ext cx="5990122" cy="2350901"/>
+                            <a:chOff x="3018538" y="2665055"/>
+                            <a:chExt cx="5990122" cy="2350901"/>
+                          </a:xfrm>
+                        </p:grpSpPr>
+                        <p:sp>
+                          <p:nvSpPr>
+                            <p:cNvPr id="29" name="Arc 28"/>
+                            <p:cNvSpPr/>
+                            <p:nvPr/>
+                          </p:nvSpPr>
+                          <p:spPr>
+                            <a:xfrm>
+                              <a:off x="3018826" y="2665055"/>
+                              <a:ext cx="5989834" cy="1728085"/>
+                            </a:xfrm>
+                            <a:prstGeom prst="arc">
+                              <a:avLst>
+                                <a:gd name="adj1" fmla="val 522619"/>
+                                <a:gd name="adj2" fmla="val 5426051"/>
+                              </a:avLst>
+                            </a:prstGeom>
+                            <a:ln w="19050">
+                              <a:solidFill>
+                                <a:schemeClr val="tx1"/>
+                              </a:solidFill>
+                            </a:ln>
+                          </p:spPr>
+                          <p:style>
+                            <a:lnRef idx="1">
+                              <a:schemeClr val="accent1"/>
+                            </a:lnRef>
+                            <a:fillRef idx="0">
+                              <a:schemeClr val="accent1"/>
+                            </a:fillRef>
+                            <a:effectRef idx="0">
+                              <a:schemeClr val="accent1"/>
+                            </a:effectRef>
+                            <a:fontRef idx="minor">
+                              <a:schemeClr val="tx1"/>
+                            </a:fontRef>
+                          </p:style>
+                          <p:txBody>
+                            <a:bodyPr rtlCol="0" anchor="ctr"/>
+                            <a:lstStyle/>
+                            <a:p>
+                              <a:pPr algn="ctr"/>
+                              <a:endParaRPr lang="fr-FR"/>
+                            </a:p>
+                          </p:txBody>
+                        </p:sp>
+                        <p:sp>
+                          <p:nvSpPr>
+                            <p:cNvPr id="30" name="Arc 29"/>
+                            <p:cNvSpPr/>
+                            <p:nvPr/>
+                          </p:nvSpPr>
+                          <p:spPr>
+                            <a:xfrm>
+                              <a:off x="3018538" y="3287871"/>
+                              <a:ext cx="5989834" cy="1728085"/>
+                            </a:xfrm>
+                            <a:prstGeom prst="arc">
+                              <a:avLst>
+                                <a:gd name="adj1" fmla="val 455289"/>
+                                <a:gd name="adj2" fmla="val 5767464"/>
+                              </a:avLst>
+                            </a:prstGeom>
+                            <a:ln w="19050">
+                              <a:solidFill>
+                                <a:schemeClr val="tx1"/>
+                              </a:solidFill>
+                            </a:ln>
+                          </p:spPr>
+                          <p:style>
+                            <a:lnRef idx="1">
+                              <a:schemeClr val="accent1"/>
+                            </a:lnRef>
+                            <a:fillRef idx="0">
+                              <a:schemeClr val="accent1"/>
+                            </a:fillRef>
+                            <a:effectRef idx="0">
+                              <a:schemeClr val="accent1"/>
+                            </a:effectRef>
+                            <a:fontRef idx="minor">
+                              <a:schemeClr val="tx1"/>
+                            </a:fontRef>
+                          </p:style>
+                          <p:txBody>
+                            <a:bodyPr rtlCol="0" anchor="ctr"/>
+                            <a:lstStyle/>
+                            <a:p>
+                              <a:pPr algn="ctr"/>
+                              <a:endParaRPr lang="fr-FR"/>
+                            </a:p>
+                          </p:txBody>
+                        </p:sp>
+                      </p:grpSp>
+                      <p:cxnSp>
+                        <p:nvCxnSpPr>
+                          <p:cNvPr id="52" name="Connecteur droit 51"/>
+                          <p:cNvCxnSpPr/>
+                          <p:nvPr/>
+                        </p:nvCxnSpPr>
                         <p:spPr>
                           <a:xfrm>
-                            <a:off x="3018826" y="2665055"/>
-                            <a:ext cx="5989834" cy="1728085"/>
+                            <a:off x="7823969" y="2812012"/>
+                            <a:ext cx="30906" cy="631676"/>
                           </a:xfrm>
-                          <a:prstGeom prst="arc">
-                            <a:avLst>
-                              <a:gd name="adj1" fmla="val 522619"/>
-                              <a:gd name="adj2" fmla="val 5426051"/>
-                            </a:avLst>
+                          <a:prstGeom prst="line">
+                            <a:avLst/>
                           </a:prstGeom>
                           <a:ln w="19050">
                             <a:solidFill>
@@ -25828,31 +26804,20 @@
                             <a:schemeClr val="tx1"/>
                           </a:fontRef>
                         </p:style>
-                        <p:txBody>
-                          <a:bodyPr rtlCol="0" anchor="ctr"/>
-                          <a:lstStyle/>
-                          <a:p>
-                            <a:pPr algn="ctr"/>
-                            <a:endParaRPr lang="fr-FR"/>
-                          </a:p>
-                        </p:txBody>
-                      </p:sp>
-                      <p:sp>
-                        <p:nvSpPr>
-                          <p:cNvPr id="30" name="Arc 29"/>
-                          <p:cNvSpPr/>
+                      </p:cxnSp>
+                      <p:cxnSp>
+                        <p:nvCxnSpPr>
+                          <p:cNvPr id="72" name="Connecteur droit 71"/>
+                          <p:cNvCxnSpPr/>
                           <p:nvPr/>
-                        </p:nvSpPr>
+                        </p:nvCxnSpPr>
                         <p:spPr>
                           <a:xfrm>
-                            <a:off x="3018538" y="3287871"/>
-                            <a:ext cx="5989834" cy="1728085"/>
+                            <a:off x="8443385" y="2735161"/>
+                            <a:ext cx="55661" cy="616562"/>
                           </a:xfrm>
-                          <a:prstGeom prst="arc">
-                            <a:avLst>
-                              <a:gd name="adj1" fmla="val 455289"/>
-                              <a:gd name="adj2" fmla="val 5767464"/>
-                            </a:avLst>
+                          <a:prstGeom prst="line">
+                            <a:avLst/>
                           </a:prstGeom>
                           <a:ln w="19050">
                             <a:solidFill>
@@ -25874,208 +26839,25 @@
                             <a:schemeClr val="tx1"/>
                           </a:fontRef>
                         </p:style>
-                        <p:txBody>
-                          <a:bodyPr rtlCol="0" anchor="ctr"/>
-                          <a:lstStyle/>
-                          <a:p>
-                            <a:pPr algn="ctr"/>
-                            <a:endParaRPr lang="fr-FR"/>
-                          </a:p>
-                        </p:txBody>
-                      </p:sp>
-                    </p:grpSp>
-                    <p:cxnSp>
-                      <p:nvCxnSpPr>
-                        <p:cNvPr id="52" name="Connecteur droit 51"/>
-                        <p:cNvCxnSpPr/>
-                        <p:nvPr/>
-                      </p:nvCxnSpPr>
-                      <p:spPr>
-                        <a:xfrm>
-                          <a:off x="7823969" y="2812012"/>
-                          <a:ext cx="30906" cy="631676"/>
-                        </a:xfrm>
-                        <a:prstGeom prst="line">
-                          <a:avLst/>
-                        </a:prstGeom>
-                        <a:ln w="19050">
-                          <a:solidFill>
-                            <a:schemeClr val="tx1"/>
-                          </a:solidFill>
-                        </a:ln>
-                      </p:spPr>
-                      <p:style>
-                        <a:lnRef idx="1">
-                          <a:schemeClr val="accent1"/>
-                        </a:lnRef>
-                        <a:fillRef idx="0">
-                          <a:schemeClr val="accent1"/>
-                        </a:fillRef>
-                        <a:effectRef idx="0">
-                          <a:schemeClr val="accent1"/>
-                        </a:effectRef>
-                        <a:fontRef idx="minor">
-                          <a:schemeClr val="tx1"/>
-                        </a:fontRef>
-                      </p:style>
-                    </p:cxnSp>
-                    <p:cxnSp>
-                      <p:nvCxnSpPr>
-                        <p:cNvPr id="72" name="Connecteur droit 71"/>
-                        <p:cNvCxnSpPr/>
-                        <p:nvPr/>
-                      </p:nvCxnSpPr>
-                      <p:spPr>
-                        <a:xfrm>
-                          <a:off x="8443385" y="2735161"/>
-                          <a:ext cx="55661" cy="616562"/>
-                        </a:xfrm>
-                        <a:prstGeom prst="line">
-                          <a:avLst/>
-                        </a:prstGeom>
-                        <a:ln w="19050">
-                          <a:solidFill>
-                            <a:schemeClr val="tx1"/>
-                          </a:solidFill>
-                        </a:ln>
-                      </p:spPr>
-                      <p:style>
-                        <a:lnRef idx="1">
-                          <a:schemeClr val="accent1"/>
-                        </a:lnRef>
-                        <a:fillRef idx="0">
-                          <a:schemeClr val="accent1"/>
-                        </a:fillRef>
-                        <a:effectRef idx="0">
-                          <a:schemeClr val="accent1"/>
-                        </a:effectRef>
-                        <a:fontRef idx="minor">
-                          <a:schemeClr val="tx1"/>
-                        </a:fontRef>
-                      </p:style>
-                    </p:cxnSp>
-                    <p:cxnSp>
-                      <p:nvCxnSpPr>
-                        <p:cNvPr id="74" name="Connecteur droit 73"/>
-                        <p:cNvCxnSpPr/>
-                        <p:nvPr/>
-                      </p:nvCxnSpPr>
-                      <p:spPr>
-                        <a:xfrm>
-                          <a:off x="9000531" y="2646539"/>
-                          <a:ext cx="119236" cy="587199"/>
-                        </a:xfrm>
-                        <a:prstGeom prst="line">
-                          <a:avLst/>
-                        </a:prstGeom>
-                        <a:ln w="19050">
-                          <a:solidFill>
-                            <a:schemeClr val="tx1"/>
-                          </a:solidFill>
-                        </a:ln>
-                      </p:spPr>
-                      <p:style>
-                        <a:lnRef idx="1">
-                          <a:schemeClr val="accent1"/>
-                        </a:lnRef>
-                        <a:fillRef idx="0">
-                          <a:schemeClr val="accent1"/>
-                        </a:fillRef>
-                        <a:effectRef idx="0">
-                          <a:schemeClr val="accent1"/>
-                        </a:effectRef>
-                        <a:fontRef idx="minor">
-                          <a:schemeClr val="tx1"/>
-                        </a:fontRef>
-                      </p:style>
-                    </p:cxnSp>
-                    <p:cxnSp>
-                      <p:nvCxnSpPr>
-                        <p:cNvPr id="76" name="Connecteur droit 75"/>
-                        <p:cNvCxnSpPr/>
-                        <p:nvPr/>
-                      </p:nvCxnSpPr>
-                      <p:spPr>
-                        <a:xfrm>
-                          <a:off x="9486148" y="2496174"/>
-                          <a:ext cx="135104" cy="590295"/>
-                        </a:xfrm>
-                        <a:prstGeom prst="line">
-                          <a:avLst/>
-                        </a:prstGeom>
-                        <a:ln w="19050">
-                          <a:solidFill>
-                            <a:schemeClr val="tx1"/>
-                          </a:solidFill>
-                        </a:ln>
-                      </p:spPr>
-                      <p:style>
-                        <a:lnRef idx="1">
-                          <a:schemeClr val="accent1"/>
-                        </a:lnRef>
-                        <a:fillRef idx="0">
-                          <a:schemeClr val="accent1"/>
-                        </a:fillRef>
-                        <a:effectRef idx="0">
-                          <a:schemeClr val="accent1"/>
-                        </a:effectRef>
-                        <a:fontRef idx="minor">
-                          <a:schemeClr val="tx1"/>
-                        </a:fontRef>
-                      </p:style>
-                    </p:cxnSp>
-                  </p:grpSp>
-                  <p:grpSp>
-                    <p:nvGrpSpPr>
-                      <p:cNvPr id="94" name="Groupe 93"/>
-                      <p:cNvGrpSpPr/>
-                      <p:nvPr/>
-                    </p:nvGrpSpPr>
-                    <p:grpSpPr>
-                      <a:xfrm>
-                        <a:off x="6726326" y="3055054"/>
-                        <a:ext cx="1933030" cy="1168582"/>
-                        <a:chOff x="6726326" y="3055054"/>
-                        <a:chExt cx="1933030" cy="1168582"/>
-                      </a:xfrm>
-                    </p:grpSpPr>
-                    <p:grpSp>
-                      <p:nvGrpSpPr>
-                        <p:cNvPr id="92" name="Groupe 91"/>
-                        <p:cNvGrpSpPr/>
-                        <p:nvPr/>
-                      </p:nvGrpSpPr>
-                      <p:grpSpPr>
-                        <a:xfrm>
-                          <a:off x="6726326" y="3055054"/>
-                          <a:ext cx="1933030" cy="1168582"/>
-                          <a:chOff x="6726326" y="3055054"/>
-                          <a:chExt cx="1933030" cy="1168582"/>
-                        </a:xfrm>
-                      </p:grpSpPr>
+                      </p:cxnSp>
                       <p:cxnSp>
                         <p:nvCxnSpPr>
-                          <p:cNvPr id="88" name="Connecteur en arc 87"/>
-                          <p:cNvCxnSpPr>
-                            <a:stCxn id="90" idx="0"/>
-                          </p:cNvCxnSpPr>
+                          <p:cNvPr id="74" name="Connecteur droit 73"/>
+                          <p:cNvCxnSpPr/>
                           <p:nvPr/>
                         </p:nvCxnSpPr>
                         <p:spPr>
-                          <a:xfrm rot="16200000" flipV="1">
-                            <a:off x="7209085" y="3342078"/>
-                            <a:ext cx="770781" cy="196733"/>
+                          <a:xfrm>
+                            <a:off x="9000531" y="2646539"/>
+                            <a:ext cx="119236" cy="587199"/>
                           </a:xfrm>
-                          <a:prstGeom prst="curvedConnector3">
-                            <a:avLst>
-                              <a:gd name="adj1" fmla="val 98442"/>
-                            </a:avLst>
+                          <a:prstGeom prst="line">
+                            <a:avLst/>
                           </a:prstGeom>
-                          <a:ln>
+                          <a:ln w="19050">
                             <a:solidFill>
                               <a:schemeClr val="tx1"/>
                             </a:solidFill>
-                            <a:tailEnd type="triangle" w="sm" len="med"/>
                           </a:ln>
                         </p:spPr>
                         <p:style>
@@ -26093,18 +26875,255 @@
                           </a:fontRef>
                         </p:style>
                       </p:cxnSp>
+                      <p:cxnSp>
+                        <p:nvCxnSpPr>
+                          <p:cNvPr id="76" name="Connecteur droit 75"/>
+                          <p:cNvCxnSpPr/>
+                          <p:nvPr/>
+                        </p:nvCxnSpPr>
+                        <p:spPr>
+                          <a:xfrm>
+                            <a:off x="9486148" y="2496174"/>
+                            <a:ext cx="135104" cy="590295"/>
+                          </a:xfrm>
+                          <a:prstGeom prst="line">
+                            <a:avLst/>
+                          </a:prstGeom>
+                          <a:ln w="19050">
+                            <a:solidFill>
+                              <a:schemeClr val="tx1"/>
+                            </a:solidFill>
+                          </a:ln>
+                        </p:spPr>
+                        <p:style>
+                          <a:lnRef idx="1">
+                            <a:schemeClr val="accent1"/>
+                          </a:lnRef>
+                          <a:fillRef idx="0">
+                            <a:schemeClr val="accent1"/>
+                          </a:fillRef>
+                          <a:effectRef idx="0">
+                            <a:schemeClr val="accent1"/>
+                          </a:effectRef>
+                          <a:fontRef idx="minor">
+                            <a:schemeClr val="tx1"/>
+                          </a:fontRef>
+                        </p:style>
+                      </p:cxnSp>
+                    </p:grpSp>
+                    <p:grpSp>
+                      <p:nvGrpSpPr>
+                        <p:cNvPr id="94" name="Groupe 93"/>
+                        <p:cNvGrpSpPr/>
+                        <p:nvPr/>
+                      </p:nvGrpSpPr>
+                      <p:grpSpPr>
+                        <a:xfrm>
+                          <a:off x="6726326" y="3055054"/>
+                          <a:ext cx="1933030" cy="1168582"/>
+                          <a:chOff x="6726326" y="3055054"/>
+                          <a:chExt cx="1933030" cy="1168582"/>
+                        </a:xfrm>
+                      </p:grpSpPr>
+                      <p:grpSp>
+                        <p:nvGrpSpPr>
+                          <p:cNvPr id="92" name="Groupe 91"/>
+                          <p:cNvGrpSpPr/>
+                          <p:nvPr/>
+                        </p:nvGrpSpPr>
+                        <p:grpSpPr>
+                          <a:xfrm>
+                            <a:off x="6726326" y="3055054"/>
+                            <a:ext cx="1933030" cy="1168582"/>
+                            <a:chOff x="6726326" y="3055054"/>
+                            <a:chExt cx="1933030" cy="1168582"/>
+                          </a:xfrm>
+                        </p:grpSpPr>
+                        <p:cxnSp>
+                          <p:nvCxnSpPr>
+                            <p:cNvPr id="88" name="Connecteur en arc 87"/>
+                            <p:cNvCxnSpPr>
+                              <a:stCxn id="90" idx="0"/>
+                            </p:cNvCxnSpPr>
+                            <p:nvPr/>
+                          </p:nvCxnSpPr>
+                          <p:spPr>
+                            <a:xfrm rot="16200000" flipV="1">
+                              <a:off x="7209085" y="3342078"/>
+                              <a:ext cx="770781" cy="196733"/>
+                            </a:xfrm>
+                            <a:prstGeom prst="curvedConnector3">
+                              <a:avLst>
+                                <a:gd name="adj1" fmla="val 98442"/>
+                              </a:avLst>
+                            </a:prstGeom>
+                            <a:ln>
+                              <a:solidFill>
+                                <a:schemeClr val="tx1"/>
+                              </a:solidFill>
+                              <a:tailEnd type="triangle" w="sm" len="med"/>
+                            </a:ln>
+                          </p:spPr>
+                          <p:style>
+                            <a:lnRef idx="1">
+                              <a:schemeClr val="accent1"/>
+                            </a:lnRef>
+                            <a:fillRef idx="0">
+                              <a:schemeClr val="accent1"/>
+                            </a:fillRef>
+                            <a:effectRef idx="0">
+                              <a:schemeClr val="accent1"/>
+                            </a:effectRef>
+                            <a:fontRef idx="minor">
+                              <a:schemeClr val="tx1"/>
+                            </a:fontRef>
+                          </p:style>
+                        </p:cxnSp>
+                        <mc:AlternateContent xmlns:mc="http://schemas.openxmlformats.org/markup-compatibility/2006" xmlns:a14="http://schemas.microsoft.com/office/drawing/2010/main">
+                          <mc:Choice Requires="a14">
+                            <p:sp>
+                              <p:nvSpPr>
+                                <p:cNvPr id="90" name="ZoneTexte 89"/>
+                                <p:cNvSpPr txBox="1"/>
+                                <p:nvPr/>
+                              </p:nvSpPr>
+                              <p:spPr>
+                                <a:xfrm>
+                                  <a:off x="6726326" y="3825835"/>
+                                  <a:ext cx="1933030" cy="397801"/>
+                                </a:xfrm>
+                                <a:prstGeom prst="rect">
+                                  <a:avLst/>
+                                </a:prstGeom>
+                                <a:noFill/>
+                              </p:spPr>
+                              <p:txBody>
+                                <a:bodyPr wrap="none" rtlCol="0">
+                                  <a:spAutoFit/>
+                                </a:bodyPr>
+                                <a:lstStyle/>
+                                <a:p>
+                                  <a:r>
+                                    <a:rPr lang="fr-FR" dirty="0" smtClean="0"/>
+                                    <a:t>Déplacement </a:t>
+                                  </a:r>
+                                  <a14:m>
+                                    <m:oMath xmlns:m="http://schemas.openxmlformats.org/officeDocument/2006/math">
+                                      <m:acc>
+                                        <m:accPr>
+                                          <m:chr m:val="̃"/>
+                                          <m:ctrlPr>
+                                            <a:rPr lang="fr-FR" b="1" i="1" smtClean="0">
+                                              <a:latin typeface="Cambria Math" panose="02040503050406030204" pitchFamily="18" charset="0"/>
+                                            </a:rPr>
+                                          </m:ctrlPr>
+                                        </m:accPr>
+                                        <m:e>
+                                          <m:sSub>
+                                            <m:sSubPr>
+                                              <m:ctrlPr>
+                                                <a:rPr lang="fr-FR" b="1" i="1">
+                                                  <a:latin typeface="Cambria Math" panose="02040503050406030204" pitchFamily="18" charset="0"/>
+                                                </a:rPr>
+                                              </m:ctrlPr>
+                                            </m:sSubPr>
+                                            <m:e>
+                                              <m:sSub>
+                                                <m:sSubPr>
+                                                  <m:ctrlPr>
+                                                    <a:rPr lang="fr-FR" b="1" i="1">
+                                                      <a:latin typeface="Cambria Math" panose="02040503050406030204" pitchFamily="18" charset="0"/>
+                                                    </a:rPr>
+                                                  </m:ctrlPr>
+                                                </m:sSubPr>
+                                                <m:e>
+                                                  <m:r>
+                                                    <a:rPr lang="fr-FR" b="1" i="1">
+                                                      <a:latin typeface="Cambria Math" panose="02040503050406030204" pitchFamily="18" charset="0"/>
+                                                    </a:rPr>
+                                                    <m:t>𝒒</m:t>
+                                                  </m:r>
+                                                </m:e>
+                                                <m:sub>
+                                                  <m:r>
+                                                    <a:rPr lang="fr-FR" b="1" i="1">
+                                                      <a:latin typeface="Cambria Math" panose="02040503050406030204" pitchFamily="18" charset="0"/>
+                                                    </a:rPr>
+                                                    <m:t>𝒕𝒉</m:t>
+                                                  </m:r>
+                                                </m:sub>
+                                              </m:sSub>
+                                            </m:e>
+                                            <m:sub>
+                                              <m:r>
+                                                <a:rPr lang="fr-FR" i="1">
+                                                  <a:latin typeface="Cambria Math" panose="02040503050406030204" pitchFamily="18" charset="0"/>
+                                                </a:rPr>
+                                                <m:t>𝑘</m:t>
+                                              </m:r>
+                                            </m:sub>
+                                          </m:sSub>
+                                        </m:e>
+                                      </m:acc>
+                                    </m:oMath>
+                                  </a14:m>
+                                  <a:endParaRPr lang="fr-FR" b="1" dirty="0"/>
+                                </a:p>
+                              </p:txBody>
+                            </p:sp>
+                          </mc:Choice>
+                          <mc:Fallback xmlns="">
+                            <p:sp>
+                              <p:nvSpPr>
+                                <p:cNvPr id="90" name="ZoneTexte 89"/>
+                                <p:cNvSpPr txBox="1">
+                                  <a:spLocks noRot="1" noChangeAspect="1" noMove="1" noResize="1" noEditPoints="1" noAdjustHandles="1" noChangeArrowheads="1" noChangeShapeType="1" noTextEdit="1"/>
+                                </p:cNvSpPr>
+                                <p:nvPr/>
+                              </p:nvSpPr>
+                              <p:spPr>
+                                <a:xfrm>
+                                  <a:off x="6726326" y="3825835"/>
+                                  <a:ext cx="1933030" cy="397801"/>
+                                </a:xfrm>
+                                <a:prstGeom prst="rect">
+                                  <a:avLst/>
+                                </a:prstGeom>
+                                <a:blipFill rotWithShape="0">
+                                  <a:blip r:embed="rId2"/>
+                                  <a:stretch>
+                                    <a:fillRect l="-2516" t="-7692" r="-62264" b="-18462"/>
+                                  </a:stretch>
+                                </a:blipFill>
+                              </p:spPr>
+                              <p:txBody>
+                                <a:bodyPr/>
+                                <a:lstStyle/>
+                                <a:p>
+                                  <a:r>
+                                    <a:rPr lang="fr-FR">
+                                      <a:noFill/>
+                                    </a:rPr>
+                                    <a:t> </a:t>
+                                  </a:r>
+                                </a:p>
+                              </p:txBody>
+                            </p:sp>
+                          </mc:Fallback>
+                        </mc:AlternateContent>
+                      </p:grpSp>
                       <mc:AlternateContent xmlns:mc="http://schemas.openxmlformats.org/markup-compatibility/2006" xmlns:a14="http://schemas.microsoft.com/office/drawing/2010/main">
                         <mc:Choice Requires="a14">
                           <p:sp>
                             <p:nvSpPr>
-                              <p:cNvPr id="90" name="ZoneTexte 89"/>
+                              <p:cNvPr id="93" name="ZoneTexte 92"/>
                               <p:cNvSpPr txBox="1"/>
                               <p:nvPr/>
                             </p:nvSpPr>
                             <p:spPr>
                               <a:xfrm>
-                                <a:off x="6726326" y="3825835"/>
-                                <a:ext cx="1933030" cy="397801"/>
+                                <a:off x="7220104" y="3080945"/>
+                                <a:ext cx="361137" cy="369332"/>
                               </a:xfrm>
                               <a:prstGeom prst="rect">
                                 <a:avLst/>
@@ -26112,76 +27131,47 @@
                               <a:noFill/>
                             </p:spPr>
                             <p:txBody>
-                              <a:bodyPr wrap="none" rtlCol="0">
+                              <a:bodyPr wrap="square" rtlCol="0">
                                 <a:spAutoFit/>
                               </a:bodyPr>
                               <a:lstStyle/>
                               <a:p>
-                                <a:r>
-                                  <a:rPr lang="fr-FR" dirty="0" smtClean="0"/>
-                                  <a:t>Déplacement </a:t>
-                                </a:r>
+                                <a:pPr/>
                                 <a14:m>
-                                  <m:oMath xmlns:m="http://schemas.openxmlformats.org/officeDocument/2006/math">
-                                    <m:acc>
-                                      <m:accPr>
-                                        <m:chr m:val="̃"/>
-                                        <m:ctrlPr>
-                                          <a:rPr lang="fr-FR" b="1" i="1" smtClean="0">
-                                            <a:latin typeface="Cambria Math" panose="02040503050406030204" pitchFamily="18" charset="0"/>
-                                          </a:rPr>
-                                        </m:ctrlPr>
-                                      </m:accPr>
-                                      <m:e>
-                                        <m:sSub>
-                                          <m:sSubPr>
-                                            <m:ctrlPr>
-                                              <a:rPr lang="fr-FR" b="1" i="1">
-                                                <a:latin typeface="Cambria Math" panose="02040503050406030204" pitchFamily="18" charset="0"/>
-                                              </a:rPr>
-                                            </m:ctrlPr>
-                                          </m:sSubPr>
-                                          <m:e>
-                                            <m:sSub>
-                                              <m:sSubPr>
-                                                <m:ctrlPr>
-                                                  <a:rPr lang="fr-FR" b="1" i="1">
-                                                    <a:latin typeface="Cambria Math" panose="02040503050406030204" pitchFamily="18" charset="0"/>
-                                                  </a:rPr>
-                                                </m:ctrlPr>
-                                              </m:sSubPr>
-                                              <m:e>
-                                                <m:r>
-                                                  <a:rPr lang="fr-FR" b="1" i="1">
-                                                    <a:latin typeface="Cambria Math" panose="02040503050406030204" pitchFamily="18" charset="0"/>
-                                                  </a:rPr>
-                                                  <m:t>𝒒</m:t>
-                                                </m:r>
-                                              </m:e>
-                                              <m:sub>
-                                                <m:r>
-                                                  <a:rPr lang="fr-FR" b="1" i="1">
-                                                    <a:latin typeface="Cambria Math" panose="02040503050406030204" pitchFamily="18" charset="0"/>
-                                                  </a:rPr>
-                                                  <m:t>𝒕𝒉</m:t>
-                                                </m:r>
-                                              </m:sub>
-                                            </m:sSub>
-                                          </m:e>
-                                          <m:sub>
-                                            <m:r>
-                                              <a:rPr lang="fr-FR" i="1">
-                                                <a:latin typeface="Cambria Math" panose="02040503050406030204" pitchFamily="18" charset="0"/>
-                                              </a:rPr>
-                                              <m:t>𝑘</m:t>
-                                            </m:r>
-                                          </m:sub>
-                                        </m:sSub>
-                                      </m:e>
-                                    </m:acc>
-                                  </m:oMath>
+                                  <m:oMathPara xmlns:m="http://schemas.openxmlformats.org/officeDocument/2006/math">
+                                    <m:oMathParaPr>
+                                      <m:jc m:val="centerGroup"/>
+                                    </m:oMathParaPr>
+                                    <m:oMath xmlns:m="http://schemas.openxmlformats.org/officeDocument/2006/math">
+                                      <m:sSub>
+                                        <m:sSubPr>
+                                          <m:ctrlPr>
+                                            <a:rPr lang="fr-FR" b="0" i="1" dirty="0" smtClean="0">
+                                              <a:latin typeface="Cambria Math" panose="02040503050406030204" pitchFamily="18" charset="0"/>
+                                            </a:rPr>
+                                          </m:ctrlPr>
+                                        </m:sSubPr>
+                                        <m:e>
+                                          <m:r>
+                                            <a:rPr lang="fr-FR" i="1" dirty="0" smtClean="0">
+                                              <a:latin typeface="Cambria Math" panose="02040503050406030204" pitchFamily="18" charset="0"/>
+                                            </a:rPr>
+                                            <m:t>𝐺</m:t>
+                                          </m:r>
+                                        </m:e>
+                                        <m:sub>
+                                          <m:r>
+                                            <a:rPr lang="fr-FR" b="0" i="1" dirty="0" smtClean="0">
+                                              <a:latin typeface="Cambria Math" panose="02040503050406030204" pitchFamily="18" charset="0"/>
+                                            </a:rPr>
+                                            <m:t>𝑘</m:t>
+                                          </m:r>
+                                        </m:sub>
+                                      </m:sSub>
+                                    </m:oMath>
+                                  </m:oMathPara>
                                 </a14:m>
-                                <a:endParaRPr lang="fr-FR" b="1" dirty="0"/>
+                                <a:endParaRPr lang="fr-FR" dirty="0"/>
                               </a:p>
                             </p:txBody>
                           </p:sp>
@@ -26189,7 +27179,7 @@
                         <mc:Fallback xmlns="">
                           <p:sp>
                             <p:nvSpPr>
-                              <p:cNvPr id="90" name="ZoneTexte 89"/>
+                              <p:cNvPr id="93" name="ZoneTexte 92"/>
                               <p:cNvSpPr txBox="1">
                                 <a:spLocks noRot="1" noChangeAspect="1" noMove="1" noResize="1" noEditPoints="1" noAdjustHandles="1" noChangeArrowheads="1" noChangeShapeType="1" noTextEdit="1"/>
                               </p:cNvSpPr>
@@ -26197,16 +27187,16 @@
                             </p:nvSpPr>
                             <p:spPr>
                               <a:xfrm>
-                                <a:off x="6726326" y="3825835"/>
-                                <a:ext cx="1933030" cy="397801"/>
+                                <a:off x="7220104" y="3080945"/>
+                                <a:ext cx="361137" cy="369332"/>
                               </a:xfrm>
                               <a:prstGeom prst="rect">
                                 <a:avLst/>
                               </a:prstGeom>
                               <a:blipFill rotWithShape="0">
-                                <a:blip r:embed="rId2"/>
+                                <a:blip r:embed="rId3"/>
                                 <a:stretch>
-                                  <a:fillRect l="-2516" t="-7692" r="-62264" b="-18462"/>
+                                  <a:fillRect r="-8333"/>
                                 </a:stretch>
                               </a:blipFill>
                             </p:spPr>
@@ -26226,540 +27216,135 @@
                         </mc:Fallback>
                       </mc:AlternateContent>
                     </p:grpSp>
-                    <mc:AlternateContent xmlns:mc="http://schemas.openxmlformats.org/markup-compatibility/2006" xmlns:a14="http://schemas.microsoft.com/office/drawing/2010/main">
-                      <mc:Choice Requires="a14">
-                        <p:sp>
-                          <p:nvSpPr>
-                            <p:cNvPr id="93" name="ZoneTexte 92"/>
-                            <p:cNvSpPr txBox="1"/>
-                            <p:nvPr/>
-                          </p:nvSpPr>
-                          <p:spPr>
-                            <a:xfrm>
-                              <a:off x="7220104" y="3080945"/>
-                              <a:ext cx="361137" cy="369332"/>
-                            </a:xfrm>
-                            <a:prstGeom prst="rect">
-                              <a:avLst/>
-                            </a:prstGeom>
-                            <a:noFill/>
-                          </p:spPr>
-                          <p:txBody>
-                            <a:bodyPr wrap="square" rtlCol="0">
-                              <a:spAutoFit/>
-                            </a:bodyPr>
-                            <a:lstStyle/>
-                            <a:p>
-                              <a:pPr/>
-                              <a14:m>
-                                <m:oMathPara xmlns:m="http://schemas.openxmlformats.org/officeDocument/2006/math">
-                                  <m:oMathParaPr>
-                                    <m:jc m:val="centerGroup"/>
-                                  </m:oMathParaPr>
-                                  <m:oMath xmlns:m="http://schemas.openxmlformats.org/officeDocument/2006/math">
-                                    <m:sSub>
-                                      <m:sSubPr>
-                                        <m:ctrlPr>
-                                          <a:rPr lang="fr-FR" b="0" i="1" dirty="0" smtClean="0">
-                                            <a:latin typeface="Cambria Math" panose="02040503050406030204" pitchFamily="18" charset="0"/>
-                                          </a:rPr>
-                                        </m:ctrlPr>
-                                      </m:sSubPr>
-                                      <m:e>
-                                        <m:r>
-                                          <a:rPr lang="fr-FR" i="1" dirty="0" smtClean="0">
-                                            <a:latin typeface="Cambria Math" panose="02040503050406030204" pitchFamily="18" charset="0"/>
-                                          </a:rPr>
-                                          <m:t>𝐺</m:t>
-                                        </m:r>
-                                      </m:e>
-                                      <m:sub>
-                                        <m:r>
-                                          <a:rPr lang="fr-FR" b="0" i="1" dirty="0" smtClean="0">
-                                            <a:latin typeface="Cambria Math" panose="02040503050406030204" pitchFamily="18" charset="0"/>
-                                          </a:rPr>
-                                          <m:t>𝑘</m:t>
-                                        </m:r>
-                                      </m:sub>
-                                    </m:sSub>
-                                  </m:oMath>
-                                </m:oMathPara>
-                              </a14:m>
-                              <a:endParaRPr lang="fr-FR" dirty="0"/>
-                            </a:p>
-                          </p:txBody>
-                        </p:sp>
-                      </mc:Choice>
-                      <mc:Fallback xmlns="">
-                        <p:sp>
-                          <p:nvSpPr>
-                            <p:cNvPr id="93" name="ZoneTexte 92"/>
-                            <p:cNvSpPr txBox="1">
-                              <a:spLocks noRot="1" noChangeAspect="1" noMove="1" noResize="1" noEditPoints="1" noAdjustHandles="1" noChangeArrowheads="1" noChangeShapeType="1" noTextEdit="1"/>
-                            </p:cNvSpPr>
-                            <p:nvPr/>
-                          </p:nvSpPr>
-                          <p:spPr>
-                            <a:xfrm>
-                              <a:off x="7220104" y="3080945"/>
-                              <a:ext cx="361137" cy="369332"/>
-                            </a:xfrm>
-                            <a:prstGeom prst="rect">
-                              <a:avLst/>
-                            </a:prstGeom>
-                            <a:blipFill rotWithShape="0">
-                              <a:blip r:embed="rId3"/>
-                              <a:stretch>
-                                <a:fillRect r="-8333"/>
-                              </a:stretch>
-                            </a:blipFill>
-                          </p:spPr>
-                          <p:txBody>
-                            <a:bodyPr/>
-                            <a:lstStyle/>
-                            <a:p>
-                              <a:r>
-                                <a:rPr lang="fr-FR">
-                                  <a:noFill/>
-                                </a:rPr>
-                                <a:t> </a:t>
-                              </a:r>
-                            </a:p>
-                          </p:txBody>
-                        </p:sp>
-                      </mc:Fallback>
-                    </mc:AlternateContent>
+                  </p:grpSp>
+                  <p:grpSp>
+                    <p:nvGrpSpPr>
+                      <p:cNvPr id="24" name="Groupe 23"/>
+                      <p:cNvGrpSpPr/>
+                      <p:nvPr/>
+                    </p:nvGrpSpPr>
+                    <p:grpSpPr>
+                      <a:xfrm rot="21019450">
+                        <a:off x="9836173" y="1576356"/>
+                        <a:ext cx="321066" cy="2278727"/>
+                        <a:chOff x="8307449" y="3450283"/>
+                        <a:chExt cx="321066" cy="2278727"/>
+                      </a:xfrm>
+                      <a:solidFill>
+                        <a:schemeClr val="bg1"/>
+                      </a:solidFill>
+                    </p:grpSpPr>
+                    <p:sp>
+                      <p:nvSpPr>
+                        <p:cNvPr id="25" name="Rectangle 24"/>
+                        <p:cNvSpPr/>
+                        <p:nvPr/>
+                      </p:nvSpPr>
+                      <p:spPr>
+                        <a:xfrm>
+                          <a:off x="8307449" y="3450283"/>
+                          <a:ext cx="321066" cy="2188395"/>
+                        </a:xfrm>
+                        <a:prstGeom prst="rect">
+                          <a:avLst/>
+                        </a:prstGeom>
+                        <a:grpFill/>
+                        <a:ln>
+                          <a:solidFill>
+                            <a:schemeClr val="tx1"/>
+                          </a:solidFill>
+                        </a:ln>
+                      </p:spPr>
+                      <p:style>
+                        <a:lnRef idx="2">
+                          <a:schemeClr val="dk1">
+                            <a:shade val="50000"/>
+                          </a:schemeClr>
+                        </a:lnRef>
+                        <a:fillRef idx="1">
+                          <a:schemeClr val="dk1"/>
+                        </a:fillRef>
+                        <a:effectRef idx="0">
+                          <a:schemeClr val="dk1"/>
+                        </a:effectRef>
+                        <a:fontRef idx="minor">
+                          <a:schemeClr val="lt1"/>
+                        </a:fontRef>
+                      </p:style>
+                      <p:txBody>
+                        <a:bodyPr rtlCol="0" anchor="ctr"/>
+                        <a:lstStyle/>
+                        <a:p>
+                          <a:pPr algn="ctr"/>
+                          <a:endParaRPr lang="fr-FR"/>
+                        </a:p>
+                      </p:txBody>
+                    </p:sp>
+                    <p:sp>
+                      <p:nvSpPr>
+                        <p:cNvPr id="26" name="Rectangle 25"/>
+                        <p:cNvSpPr/>
+                        <p:nvPr/>
+                      </p:nvSpPr>
+                      <p:spPr>
+                        <a:xfrm>
+                          <a:off x="8399194" y="5646817"/>
+                          <a:ext cx="123290" cy="82193"/>
+                        </a:xfrm>
+                        <a:prstGeom prst="rect">
+                          <a:avLst/>
+                        </a:prstGeom>
+                        <a:grpFill/>
+                        <a:ln/>
+                      </p:spPr>
+                      <p:style>
+                        <a:lnRef idx="2">
+                          <a:schemeClr val="dk1">
+                            <a:shade val="50000"/>
+                          </a:schemeClr>
+                        </a:lnRef>
+                        <a:fillRef idx="1">
+                          <a:schemeClr val="dk1"/>
+                        </a:fillRef>
+                        <a:effectRef idx="0">
+                          <a:schemeClr val="dk1"/>
+                        </a:effectRef>
+                        <a:fontRef idx="minor">
+                          <a:schemeClr val="lt1"/>
+                        </a:fontRef>
+                      </p:style>
+                      <p:txBody>
+                        <a:bodyPr rtlCol="0" anchor="ctr"/>
+                        <a:lstStyle/>
+                        <a:p>
+                          <a:pPr algn="ctr"/>
+                          <a:endParaRPr lang="fr-FR"/>
+                        </a:p>
+                      </p:txBody>
+                    </p:sp>
                   </p:grpSp>
                 </p:grpSp>
-                <p:grpSp>
-                  <p:nvGrpSpPr>
-                    <p:cNvPr id="24" name="Groupe 23"/>
-                    <p:cNvGrpSpPr/>
-                    <p:nvPr/>
-                  </p:nvGrpSpPr>
-                  <p:grpSpPr>
-                    <a:xfrm rot="21019450">
-                      <a:off x="9836173" y="1576356"/>
-                      <a:ext cx="321066" cy="2278727"/>
-                      <a:chOff x="8307449" y="3450283"/>
-                      <a:chExt cx="321066" cy="2278727"/>
-                    </a:xfrm>
-                    <a:solidFill>
-                      <a:schemeClr val="bg1"/>
-                    </a:solidFill>
-                  </p:grpSpPr>
-                  <p:sp>
-                    <p:nvSpPr>
-                      <p:cNvPr id="25" name="Rectangle 24"/>
-                      <p:cNvSpPr/>
-                      <p:nvPr/>
-                    </p:nvSpPr>
-                    <p:spPr>
-                      <a:xfrm>
-                        <a:off x="8307449" y="3450283"/>
-                        <a:ext cx="321066" cy="2188395"/>
-                      </a:xfrm>
-                      <a:prstGeom prst="rect">
-                        <a:avLst/>
-                      </a:prstGeom>
-                      <a:grpFill/>
-                      <a:ln>
-                        <a:solidFill>
-                          <a:schemeClr val="tx1"/>
-                        </a:solidFill>
-                      </a:ln>
-                    </p:spPr>
-                    <p:style>
-                      <a:lnRef idx="2">
-                        <a:schemeClr val="dk1">
-                          <a:shade val="50000"/>
-                        </a:schemeClr>
-                      </a:lnRef>
-                      <a:fillRef idx="1">
-                        <a:schemeClr val="dk1"/>
-                      </a:fillRef>
-                      <a:effectRef idx="0">
-                        <a:schemeClr val="dk1"/>
-                      </a:effectRef>
-                      <a:fontRef idx="minor">
-                        <a:schemeClr val="lt1"/>
-                      </a:fontRef>
-                    </p:style>
-                    <p:txBody>
-                      <a:bodyPr rtlCol="0" anchor="ctr"/>
-                      <a:lstStyle/>
-                      <a:p>
-                        <a:pPr algn="ctr"/>
-                        <a:endParaRPr lang="fr-FR"/>
-                      </a:p>
-                    </p:txBody>
-                  </p:sp>
-                  <p:sp>
-                    <p:nvSpPr>
-                      <p:cNvPr id="26" name="Rectangle 25"/>
-                      <p:cNvSpPr/>
-                      <p:nvPr/>
-                    </p:nvSpPr>
-                    <p:spPr>
-                      <a:xfrm>
-                        <a:off x="8399194" y="5646817"/>
-                        <a:ext cx="123290" cy="82193"/>
-                      </a:xfrm>
-                      <a:prstGeom prst="rect">
-                        <a:avLst/>
-                      </a:prstGeom>
-                      <a:grpFill/>
-                      <a:ln/>
-                    </p:spPr>
-                    <p:style>
-                      <a:lnRef idx="2">
-                        <a:schemeClr val="dk1">
-                          <a:shade val="50000"/>
-                        </a:schemeClr>
-                      </a:lnRef>
-                      <a:fillRef idx="1">
-                        <a:schemeClr val="dk1"/>
-                      </a:fillRef>
-                      <a:effectRef idx="0">
-                        <a:schemeClr val="dk1"/>
-                      </a:effectRef>
-                      <a:fontRef idx="minor">
-                        <a:schemeClr val="lt1"/>
-                      </a:fontRef>
-                    </p:style>
-                    <p:txBody>
-                      <a:bodyPr rtlCol="0" anchor="ctr"/>
-                      <a:lstStyle/>
-                      <a:p>
-                        <a:pPr algn="ctr"/>
-                        <a:endParaRPr lang="fr-FR"/>
-                      </a:p>
-                    </p:txBody>
-                  </p:sp>
-                </p:grpSp>
-              </p:grpSp>
-              <p:cxnSp>
-                <p:nvCxnSpPr>
-                  <p:cNvPr id="7" name="Connecteur droit 6"/>
-                  <p:cNvCxnSpPr/>
-                  <p:nvPr/>
-                </p:nvCxnSpPr>
-                <p:spPr>
-                  <a:xfrm>
-                    <a:off x="1602659" y="2974094"/>
-                    <a:ext cx="8888922" cy="0"/>
-                  </a:xfrm>
-                  <a:prstGeom prst="line">
-                    <a:avLst/>
-                  </a:prstGeom>
-                  <a:ln w="28575">
-                    <a:solidFill>
-                      <a:schemeClr val="bg2">
-                        <a:lumMod val="25000"/>
-                      </a:schemeClr>
-                    </a:solidFill>
-                    <a:prstDash val="dash"/>
-                  </a:ln>
-                </p:spPr>
-                <p:style>
-                  <a:lnRef idx="1">
-                    <a:schemeClr val="dk1"/>
-                  </a:lnRef>
-                  <a:fillRef idx="0">
-                    <a:schemeClr val="dk1"/>
-                  </a:fillRef>
-                  <a:effectRef idx="0">
-                    <a:schemeClr val="dk1"/>
-                  </a:effectRef>
-                  <a:fontRef idx="minor">
-                    <a:schemeClr val="tx1"/>
-                  </a:fontRef>
-                </p:style>
-              </p:cxnSp>
-            </p:grpSp>
-            <p:grpSp>
-              <p:nvGrpSpPr>
-                <p:cNvPr id="130" name="Groupe 129"/>
-                <p:cNvGrpSpPr/>
-                <p:nvPr/>
-              </p:nvGrpSpPr>
-              <p:grpSpPr>
-                <a:xfrm>
-                  <a:off x="1602659" y="1390490"/>
-                  <a:ext cx="8664782" cy="1758430"/>
-                  <a:chOff x="1602659" y="1390490"/>
-                  <a:chExt cx="8664782" cy="1758430"/>
-                </a:xfrm>
-              </p:grpSpPr>
-              <p:grpSp>
-                <p:nvGrpSpPr>
-                  <p:cNvPr id="123" name="Groupe 122"/>
-                  <p:cNvGrpSpPr/>
-                  <p:nvPr/>
-                </p:nvGrpSpPr>
-                <p:grpSpPr>
-                  <a:xfrm>
-                    <a:off x="2148493" y="2602148"/>
-                    <a:ext cx="7847537" cy="523726"/>
-                    <a:chOff x="2148493" y="2602148"/>
-                    <a:chExt cx="7847537" cy="523726"/>
-                  </a:xfrm>
-                </p:grpSpPr>
                 <p:cxnSp>
                   <p:nvCxnSpPr>
-                    <p:cNvPr id="102" name="Connecteur droit avec flèche 101"/>
-                    <p:cNvCxnSpPr/>
-                    <p:nvPr/>
-                  </p:nvCxnSpPr>
-                  <p:spPr>
-                    <a:xfrm flipV="1">
-                      <a:off x="6845974" y="2986631"/>
-                      <a:ext cx="2501" cy="139243"/>
-                    </a:xfrm>
-                    <a:prstGeom prst="straightConnector1">
-                      <a:avLst/>
-                    </a:prstGeom>
-                    <a:ln>
-                      <a:headEnd type="none" w="sm" len="sm"/>
-                      <a:tailEnd type="triangle" w="sm" len="sm"/>
-                    </a:ln>
-                  </p:spPr>
-                  <p:style>
-                    <a:lnRef idx="1">
-                      <a:schemeClr val="dk1"/>
-                    </a:lnRef>
-                    <a:fillRef idx="0">
-                      <a:schemeClr val="dk1"/>
-                    </a:fillRef>
-                    <a:effectRef idx="0">
-                      <a:schemeClr val="dk1"/>
-                    </a:effectRef>
-                    <a:fontRef idx="minor">
-                      <a:schemeClr val="tx1"/>
-                    </a:fontRef>
-                  </p:style>
-                </p:cxnSp>
-                <p:cxnSp>
-                  <p:nvCxnSpPr>
-                    <p:cNvPr id="104" name="Connecteur droit avec flèche 103"/>
-                    <p:cNvCxnSpPr/>
-                    <p:nvPr/>
-                  </p:nvCxnSpPr>
-                  <p:spPr>
-                    <a:xfrm flipV="1">
-                      <a:off x="8191392" y="2968143"/>
-                      <a:ext cx="0" cy="122337"/>
-                    </a:xfrm>
-                    <a:prstGeom prst="straightConnector1">
-                      <a:avLst/>
-                    </a:prstGeom>
-                    <a:ln>
-                      <a:headEnd type="none" w="sm" len="sm"/>
-                      <a:tailEnd type="triangle" w="sm" len="sm"/>
-                    </a:ln>
-                  </p:spPr>
-                  <p:style>
-                    <a:lnRef idx="1">
-                      <a:schemeClr val="dk1"/>
-                    </a:lnRef>
-                    <a:fillRef idx="0">
-                      <a:schemeClr val="dk1"/>
-                    </a:fillRef>
-                    <a:effectRef idx="0">
-                      <a:schemeClr val="dk1"/>
-                    </a:effectRef>
-                    <a:fontRef idx="minor">
-                      <a:schemeClr val="tx1"/>
-                    </a:fontRef>
-                  </p:style>
-                </p:cxnSp>
-                <p:cxnSp>
-                  <p:nvCxnSpPr>
-                    <p:cNvPr id="106" name="Connecteur droit avec flèche 105"/>
+                    <p:cNvPr id="7" name="Connecteur droit 6"/>
                     <p:cNvCxnSpPr/>
                     <p:nvPr/>
                   </p:nvCxnSpPr>
                   <p:spPr>
                     <a:xfrm>
-                      <a:off x="9378048" y="2883260"/>
-                      <a:ext cx="0" cy="103371"/>
+                      <a:off x="1602659" y="2974094"/>
+                      <a:ext cx="8888922" cy="0"/>
                     </a:xfrm>
-                    <a:prstGeom prst="straightConnector1">
+                    <a:prstGeom prst="line">
                       <a:avLst/>
                     </a:prstGeom>
-                    <a:ln>
-                      <a:headEnd type="none" w="sm" len="sm"/>
-                      <a:tailEnd type="triangle" w="sm" len="sm"/>
-                    </a:ln>
-                  </p:spPr>
-                  <p:style>
-                    <a:lnRef idx="1">
-                      <a:schemeClr val="dk1"/>
-                    </a:lnRef>
-                    <a:fillRef idx="0">
-                      <a:schemeClr val="dk1"/>
-                    </a:fillRef>
-                    <a:effectRef idx="0">
-                      <a:schemeClr val="dk1"/>
-                    </a:effectRef>
-                    <a:fontRef idx="minor">
-                      <a:schemeClr val="tx1"/>
-                    </a:fontRef>
-                  </p:style>
-                </p:cxnSp>
-                <p:cxnSp>
-                  <p:nvCxnSpPr>
-                    <p:cNvPr id="110" name="Connecteur droit avec flèche 109"/>
-                    <p:cNvCxnSpPr/>
-                    <p:nvPr/>
-                  </p:nvCxnSpPr>
-                  <p:spPr>
-                    <a:xfrm>
-                      <a:off x="9996030" y="2602148"/>
-                      <a:ext cx="0" cy="365995"/>
-                    </a:xfrm>
-                    <a:prstGeom prst="straightConnector1">
-                      <a:avLst/>
-                    </a:prstGeom>
-                    <a:ln>
-                      <a:headEnd type="none" w="sm" len="sm"/>
-                      <a:tailEnd type="triangle" w="sm" len="sm"/>
-                    </a:ln>
-                  </p:spPr>
-                  <p:style>
-                    <a:lnRef idx="1">
-                      <a:schemeClr val="dk1"/>
-                    </a:lnRef>
-                    <a:fillRef idx="0">
-                      <a:schemeClr val="dk1"/>
-                    </a:fillRef>
-                    <a:effectRef idx="0">
-                      <a:schemeClr val="dk1"/>
-                    </a:effectRef>
-                    <a:fontRef idx="minor">
-                      <a:schemeClr val="tx1"/>
-                    </a:fontRef>
-                  </p:style>
-                </p:cxnSp>
-                <p:cxnSp>
-                  <p:nvCxnSpPr>
-                    <p:cNvPr id="112" name="Connecteur droit avec flèche 111"/>
-                    <p:cNvCxnSpPr/>
-                    <p:nvPr/>
-                  </p:nvCxnSpPr>
-                  <p:spPr>
-                    <a:xfrm flipH="1" flipV="1">
-                      <a:off x="6184900" y="2968144"/>
-                      <a:ext cx="2714" cy="103259"/>
-                    </a:xfrm>
-                    <a:prstGeom prst="straightConnector1">
-                      <a:avLst/>
-                    </a:prstGeom>
-                    <a:ln>
-                      <a:headEnd type="none" w="sm" len="sm"/>
-                      <a:tailEnd type="triangle" w="sm" len="sm"/>
-                    </a:ln>
-                  </p:spPr>
-                  <p:style>
-                    <a:lnRef idx="1">
-                      <a:schemeClr val="dk1"/>
-                    </a:lnRef>
-                    <a:fillRef idx="0">
-                      <a:schemeClr val="dk1"/>
-                    </a:fillRef>
-                    <a:effectRef idx="0">
-                      <a:schemeClr val="dk1"/>
-                    </a:effectRef>
-                    <a:fontRef idx="minor">
-                      <a:schemeClr val="tx1"/>
-                    </a:fontRef>
-                  </p:style>
-                </p:cxnSp>
-                <p:cxnSp>
-                  <p:nvCxnSpPr>
-                    <p:cNvPr id="117" name="Connecteur droit avec flèche 116"/>
-                    <p:cNvCxnSpPr/>
-                    <p:nvPr/>
-                  </p:nvCxnSpPr>
-                  <p:spPr>
-                    <a:xfrm flipH="1">
-                      <a:off x="3503206" y="2871104"/>
-                      <a:ext cx="3504" cy="122257"/>
-                    </a:xfrm>
-                    <a:prstGeom prst="straightConnector1">
-                      <a:avLst/>
-                    </a:prstGeom>
-                    <a:ln>
-                      <a:headEnd type="none" w="sm" len="sm"/>
-                      <a:tailEnd type="triangle" w="sm" len="sm"/>
-                    </a:ln>
-                  </p:spPr>
-                  <p:style>
-                    <a:lnRef idx="1">
-                      <a:schemeClr val="dk1"/>
-                    </a:lnRef>
-                    <a:fillRef idx="0">
-                      <a:schemeClr val="dk1"/>
-                    </a:fillRef>
-                    <a:effectRef idx="0">
-                      <a:schemeClr val="dk1"/>
-                    </a:effectRef>
-                    <a:fontRef idx="minor">
-                      <a:schemeClr val="tx1"/>
-                    </a:fontRef>
-                  </p:style>
-                </p:cxnSp>
-                <p:cxnSp>
-                  <p:nvCxnSpPr>
-                    <p:cNvPr id="119" name="Connecteur droit avec flèche 118"/>
-                    <p:cNvCxnSpPr/>
-                    <p:nvPr/>
-                  </p:nvCxnSpPr>
-                  <p:spPr>
-                    <a:xfrm flipH="1">
-                      <a:off x="2879767" y="2844627"/>
-                      <a:ext cx="1" cy="136705"/>
-                    </a:xfrm>
-                    <a:prstGeom prst="straightConnector1">
-                      <a:avLst/>
-                    </a:prstGeom>
-                    <a:ln>
-                      <a:headEnd type="none" w="sm" len="sm"/>
-                      <a:tailEnd type="triangle" w="sm" len="sm"/>
-                    </a:ln>
-                  </p:spPr>
-                  <p:style>
-                    <a:lnRef idx="1">
-                      <a:schemeClr val="dk1"/>
-                    </a:lnRef>
-                    <a:fillRef idx="0">
-                      <a:schemeClr val="dk1"/>
-                    </a:fillRef>
-                    <a:effectRef idx="0">
-                      <a:schemeClr val="dk1"/>
-                    </a:effectRef>
-                    <a:fontRef idx="minor">
-                      <a:schemeClr val="tx1"/>
-                    </a:fontRef>
-                  </p:style>
-                </p:cxnSp>
-                <p:cxnSp>
-                  <p:nvCxnSpPr>
-                    <p:cNvPr id="121" name="Connecteur droit avec flèche 120"/>
-                    <p:cNvCxnSpPr/>
-                    <p:nvPr/>
-                  </p:nvCxnSpPr>
-                  <p:spPr>
-                    <a:xfrm flipH="1">
-                      <a:off x="2148493" y="2787812"/>
-                      <a:ext cx="1" cy="166585"/>
-                    </a:xfrm>
-                    <a:prstGeom prst="straightConnector1">
-                      <a:avLst/>
-                    </a:prstGeom>
-                    <a:ln>
-                      <a:headEnd type="none" w="sm" len="sm"/>
-                      <a:tailEnd type="triangle" w="sm" len="sm"/>
+                    <a:ln w="28575">
+                      <a:solidFill>
+                        <a:schemeClr val="bg2">
+                          <a:lumMod val="25000"/>
+                        </a:schemeClr>
+                      </a:solidFill>
+                      <a:prstDash val="dash"/>
                     </a:ln>
                   </p:spPr>
                   <p:style>
@@ -26780,7 +27365,7 @@
               </p:grpSp>
               <p:grpSp>
                 <p:nvGrpSpPr>
-                  <p:cNvPr id="129" name="Groupe 128"/>
+                  <p:cNvPr id="130" name="Groupe 129"/>
                   <p:cNvGrpSpPr/>
                   <p:nvPr/>
                 </p:nvGrpSpPr>
@@ -26794,78 +27379,266 @@
                 </p:grpSpPr>
                 <p:grpSp>
                   <p:nvGrpSpPr>
-                    <p:cNvPr id="83" name="Groupe 82"/>
+                    <p:cNvPr id="123" name="Groupe 122"/>
                     <p:cNvGrpSpPr/>
                     <p:nvPr/>
                   </p:nvGrpSpPr>
                   <p:grpSpPr>
                     <a:xfrm>
-                      <a:off x="7473195" y="2986631"/>
-                      <a:ext cx="45719" cy="162289"/>
-                      <a:chOff x="7473195" y="2986631"/>
-                      <a:chExt cx="45719" cy="162289"/>
+                      <a:off x="2148493" y="2602148"/>
+                      <a:ext cx="7847537" cy="523726"/>
+                      <a:chOff x="2148493" y="2602148"/>
+                      <a:chExt cx="7847537" cy="523726"/>
                     </a:xfrm>
                   </p:grpSpPr>
-                  <p:sp>
-                    <p:nvSpPr>
-                      <p:cNvPr id="80" name="Ellipse 79"/>
-                      <p:cNvSpPr/>
-                      <p:nvPr/>
-                    </p:nvSpPr>
-                    <p:spPr>
-                      <a:xfrm>
-                        <a:off x="7473195" y="3103201"/>
-                        <a:ext cx="45719" cy="45719"/>
-                      </a:xfrm>
-                      <a:prstGeom prst="ellipse">
-                        <a:avLst/>
-                      </a:prstGeom>
-                      <a:solidFill>
-                        <a:srgbClr val="FF0000"/>
-                      </a:solidFill>
-                      <a:ln>
-                        <a:solidFill>
-                          <a:srgbClr val="FF0000"/>
-                        </a:solidFill>
-                      </a:ln>
-                    </p:spPr>
-                    <p:style>
-                      <a:lnRef idx="2">
-                        <a:schemeClr val="accent1">
-                          <a:shade val="50000"/>
-                        </a:schemeClr>
-                      </a:lnRef>
-                      <a:fillRef idx="1">
-                        <a:schemeClr val="accent1"/>
-                      </a:fillRef>
-                      <a:effectRef idx="0">
-                        <a:schemeClr val="accent1"/>
-                      </a:effectRef>
-                      <a:fontRef idx="minor">
-                        <a:schemeClr val="lt1"/>
-                      </a:fontRef>
-                    </p:style>
-                    <p:txBody>
-                      <a:bodyPr rtlCol="0" anchor="ctr"/>
-                      <a:lstStyle/>
-                      <a:p>
-                        <a:pPr algn="ctr"/>
-                        <a:endParaRPr lang="fr-FR"/>
-                      </a:p>
-                    </p:txBody>
-                  </p:sp>
                   <p:cxnSp>
                     <p:nvCxnSpPr>
-                      <p:cNvPr id="82" name="Connecteur droit avec flèche 81"/>
-                      <p:cNvCxnSpPr>
-                        <a:stCxn id="80" idx="0"/>
-                      </p:cNvCxnSpPr>
+                      <p:cNvPr id="102" name="Connecteur droit avec flèche 101"/>
+                      <p:cNvCxnSpPr/>
                       <p:nvPr/>
                     </p:nvCxnSpPr>
                     <p:spPr>
                       <a:xfrm flipV="1">
-                        <a:off x="7496055" y="2986631"/>
-                        <a:ext cx="0" cy="116570"/>
+                        <a:off x="6845974" y="2986631"/>
+                        <a:ext cx="2501" cy="139243"/>
+                      </a:xfrm>
+                      <a:prstGeom prst="straightConnector1">
+                        <a:avLst/>
+                      </a:prstGeom>
+                      <a:ln>
+                        <a:headEnd type="none" w="sm" len="sm"/>
+                        <a:tailEnd type="triangle" w="sm" len="sm"/>
+                      </a:ln>
+                    </p:spPr>
+                    <p:style>
+                      <a:lnRef idx="1">
+                        <a:schemeClr val="dk1"/>
+                      </a:lnRef>
+                      <a:fillRef idx="0">
+                        <a:schemeClr val="dk1"/>
+                      </a:fillRef>
+                      <a:effectRef idx="0">
+                        <a:schemeClr val="dk1"/>
+                      </a:effectRef>
+                      <a:fontRef idx="minor">
+                        <a:schemeClr val="tx1"/>
+                      </a:fontRef>
+                    </p:style>
+                  </p:cxnSp>
+                  <p:cxnSp>
+                    <p:nvCxnSpPr>
+                      <p:cNvPr id="104" name="Connecteur droit avec flèche 103"/>
+                      <p:cNvCxnSpPr/>
+                      <p:nvPr/>
+                    </p:nvCxnSpPr>
+                    <p:spPr>
+                      <a:xfrm flipV="1">
+                        <a:off x="8191392" y="2968143"/>
+                        <a:ext cx="0" cy="122337"/>
+                      </a:xfrm>
+                      <a:prstGeom prst="straightConnector1">
+                        <a:avLst/>
+                      </a:prstGeom>
+                      <a:ln>
+                        <a:headEnd type="none" w="sm" len="sm"/>
+                        <a:tailEnd type="triangle" w="sm" len="sm"/>
+                      </a:ln>
+                    </p:spPr>
+                    <p:style>
+                      <a:lnRef idx="1">
+                        <a:schemeClr val="dk1"/>
+                      </a:lnRef>
+                      <a:fillRef idx="0">
+                        <a:schemeClr val="dk1"/>
+                      </a:fillRef>
+                      <a:effectRef idx="0">
+                        <a:schemeClr val="dk1"/>
+                      </a:effectRef>
+                      <a:fontRef idx="minor">
+                        <a:schemeClr val="tx1"/>
+                      </a:fontRef>
+                    </p:style>
+                  </p:cxnSp>
+                  <p:cxnSp>
+                    <p:nvCxnSpPr>
+                      <p:cNvPr id="106" name="Connecteur droit avec flèche 105"/>
+                      <p:cNvCxnSpPr/>
+                      <p:nvPr/>
+                    </p:nvCxnSpPr>
+                    <p:spPr>
+                      <a:xfrm>
+                        <a:off x="9378048" y="2883260"/>
+                        <a:ext cx="0" cy="103371"/>
+                      </a:xfrm>
+                      <a:prstGeom prst="straightConnector1">
+                        <a:avLst/>
+                      </a:prstGeom>
+                      <a:ln>
+                        <a:headEnd type="none" w="sm" len="sm"/>
+                        <a:tailEnd type="triangle" w="sm" len="sm"/>
+                      </a:ln>
+                    </p:spPr>
+                    <p:style>
+                      <a:lnRef idx="1">
+                        <a:schemeClr val="dk1"/>
+                      </a:lnRef>
+                      <a:fillRef idx="0">
+                        <a:schemeClr val="dk1"/>
+                      </a:fillRef>
+                      <a:effectRef idx="0">
+                        <a:schemeClr val="dk1"/>
+                      </a:effectRef>
+                      <a:fontRef idx="minor">
+                        <a:schemeClr val="tx1"/>
+                      </a:fontRef>
+                    </p:style>
+                  </p:cxnSp>
+                  <p:cxnSp>
+                    <p:nvCxnSpPr>
+                      <p:cNvPr id="110" name="Connecteur droit avec flèche 109"/>
+                      <p:cNvCxnSpPr/>
+                      <p:nvPr/>
+                    </p:nvCxnSpPr>
+                    <p:spPr>
+                      <a:xfrm>
+                        <a:off x="9996030" y="2602148"/>
+                        <a:ext cx="0" cy="365995"/>
+                      </a:xfrm>
+                      <a:prstGeom prst="straightConnector1">
+                        <a:avLst/>
+                      </a:prstGeom>
+                      <a:ln>
+                        <a:headEnd type="none" w="sm" len="sm"/>
+                        <a:tailEnd type="triangle" w="sm" len="sm"/>
+                      </a:ln>
+                    </p:spPr>
+                    <p:style>
+                      <a:lnRef idx="1">
+                        <a:schemeClr val="dk1"/>
+                      </a:lnRef>
+                      <a:fillRef idx="0">
+                        <a:schemeClr val="dk1"/>
+                      </a:fillRef>
+                      <a:effectRef idx="0">
+                        <a:schemeClr val="dk1"/>
+                      </a:effectRef>
+                      <a:fontRef idx="minor">
+                        <a:schemeClr val="tx1"/>
+                      </a:fontRef>
+                    </p:style>
+                  </p:cxnSp>
+                  <p:cxnSp>
+                    <p:nvCxnSpPr>
+                      <p:cNvPr id="112" name="Connecteur droit avec flèche 111"/>
+                      <p:cNvCxnSpPr/>
+                      <p:nvPr/>
+                    </p:nvCxnSpPr>
+                    <p:spPr>
+                      <a:xfrm flipH="1" flipV="1">
+                        <a:off x="6184900" y="2968144"/>
+                        <a:ext cx="2714" cy="103259"/>
+                      </a:xfrm>
+                      <a:prstGeom prst="straightConnector1">
+                        <a:avLst/>
+                      </a:prstGeom>
+                      <a:ln>
+                        <a:headEnd type="none" w="sm" len="sm"/>
+                        <a:tailEnd type="triangle" w="sm" len="sm"/>
+                      </a:ln>
+                    </p:spPr>
+                    <p:style>
+                      <a:lnRef idx="1">
+                        <a:schemeClr val="dk1"/>
+                      </a:lnRef>
+                      <a:fillRef idx="0">
+                        <a:schemeClr val="dk1"/>
+                      </a:fillRef>
+                      <a:effectRef idx="0">
+                        <a:schemeClr val="dk1"/>
+                      </a:effectRef>
+                      <a:fontRef idx="minor">
+                        <a:schemeClr val="tx1"/>
+                      </a:fontRef>
+                    </p:style>
+                  </p:cxnSp>
+                  <p:cxnSp>
+                    <p:nvCxnSpPr>
+                      <p:cNvPr id="117" name="Connecteur droit avec flèche 116"/>
+                      <p:cNvCxnSpPr/>
+                      <p:nvPr/>
+                    </p:nvCxnSpPr>
+                    <p:spPr>
+                      <a:xfrm flipH="1">
+                        <a:off x="3503206" y="2871104"/>
+                        <a:ext cx="3504" cy="122257"/>
+                      </a:xfrm>
+                      <a:prstGeom prst="straightConnector1">
+                        <a:avLst/>
+                      </a:prstGeom>
+                      <a:ln>
+                        <a:headEnd type="none" w="sm" len="sm"/>
+                        <a:tailEnd type="triangle" w="sm" len="sm"/>
+                      </a:ln>
+                    </p:spPr>
+                    <p:style>
+                      <a:lnRef idx="1">
+                        <a:schemeClr val="dk1"/>
+                      </a:lnRef>
+                      <a:fillRef idx="0">
+                        <a:schemeClr val="dk1"/>
+                      </a:fillRef>
+                      <a:effectRef idx="0">
+                        <a:schemeClr val="dk1"/>
+                      </a:effectRef>
+                      <a:fontRef idx="minor">
+                        <a:schemeClr val="tx1"/>
+                      </a:fontRef>
+                    </p:style>
+                  </p:cxnSp>
+                  <p:cxnSp>
+                    <p:nvCxnSpPr>
+                      <p:cNvPr id="119" name="Connecteur droit avec flèche 118"/>
+                      <p:cNvCxnSpPr/>
+                      <p:nvPr/>
+                    </p:nvCxnSpPr>
+                    <p:spPr>
+                      <a:xfrm flipH="1">
+                        <a:off x="2879767" y="2844627"/>
+                        <a:ext cx="1" cy="136705"/>
+                      </a:xfrm>
+                      <a:prstGeom prst="straightConnector1">
+                        <a:avLst/>
+                      </a:prstGeom>
+                      <a:ln>
+                        <a:headEnd type="none" w="sm" len="sm"/>
+                        <a:tailEnd type="triangle" w="sm" len="sm"/>
+                      </a:ln>
+                    </p:spPr>
+                    <p:style>
+                      <a:lnRef idx="1">
+                        <a:schemeClr val="dk1"/>
+                      </a:lnRef>
+                      <a:fillRef idx="0">
+                        <a:schemeClr val="dk1"/>
+                      </a:fillRef>
+                      <a:effectRef idx="0">
+                        <a:schemeClr val="dk1"/>
+                      </a:effectRef>
+                      <a:fontRef idx="minor">
+                        <a:schemeClr val="tx1"/>
+                      </a:fontRef>
+                    </p:style>
+                  </p:cxnSp>
+                  <p:cxnSp>
+                    <p:nvCxnSpPr>
+                      <p:cNvPr id="121" name="Connecteur droit avec flèche 120"/>
+                      <p:cNvCxnSpPr/>
+                      <p:nvPr/>
+                    </p:nvCxnSpPr>
+                    <p:spPr>
+                      <a:xfrm flipH="1">
+                        <a:off x="2148493" y="2787812"/>
+                        <a:ext cx="1" cy="166585"/>
                       </a:xfrm>
                       <a:prstGeom prst="straightConnector1">
                         <a:avLst/>
@@ -26893,142 +27666,473 @@
                 </p:grpSp>
                 <p:grpSp>
                   <p:nvGrpSpPr>
-                    <p:cNvPr id="6" name="Groupe 5"/>
+                    <p:cNvPr id="129" name="Groupe 128"/>
                     <p:cNvGrpSpPr/>
                     <p:nvPr/>
                   </p:nvGrpSpPr>
                   <p:grpSpPr>
                     <a:xfrm>
                       <a:off x="1602659" y="1390490"/>
-                      <a:ext cx="8664782" cy="1735384"/>
-                      <a:chOff x="440013" y="2962437"/>
-                      <a:chExt cx="8664782" cy="1735384"/>
+                      <a:ext cx="8664782" cy="1758430"/>
+                      <a:chOff x="1602659" y="1390490"/>
+                      <a:chExt cx="8664782" cy="1758430"/>
                     </a:xfrm>
                   </p:grpSpPr>
-                  <p:cxnSp>
-                    <p:nvCxnSpPr>
-                      <p:cNvPr id="9" name="Connecteur droit 8"/>
-                      <p:cNvCxnSpPr>
-                        <a:endCxn id="8" idx="2"/>
-                      </p:cNvCxnSpPr>
+                  <p:grpSp>
+                    <p:nvGrpSpPr>
+                      <p:cNvPr id="83" name="Groupe 82"/>
+                      <p:cNvGrpSpPr/>
                       <p:nvPr/>
-                    </p:nvCxnSpPr>
-                    <p:spPr>
+                    </p:nvGrpSpPr>
+                    <p:grpSpPr>
                       <a:xfrm>
-                        <a:off x="440013" y="4318471"/>
-                        <a:ext cx="4981876" cy="356145"/>
+                        <a:off x="7473195" y="2986631"/>
+                        <a:ext cx="45719" cy="162289"/>
+                        <a:chOff x="7473195" y="2986631"/>
+                        <a:chExt cx="45719" cy="162289"/>
                       </a:xfrm>
-                      <a:prstGeom prst="line">
-                        <a:avLst/>
-                      </a:prstGeom>
-                      <a:ln w="19050">
+                    </p:grpSpPr>
+                    <p:sp>
+                      <p:nvSpPr>
+                        <p:cNvPr id="80" name="Ellipse 79"/>
+                        <p:cNvSpPr/>
+                        <p:nvPr/>
+                      </p:nvSpPr>
+                      <p:spPr>
+                        <a:xfrm>
+                          <a:off x="7473195" y="3103201"/>
+                          <a:ext cx="45719" cy="45719"/>
+                        </a:xfrm>
+                        <a:prstGeom prst="ellipse">
+                          <a:avLst/>
+                        </a:prstGeom>
                         <a:solidFill>
                           <a:srgbClr val="FF0000"/>
                         </a:solidFill>
-                        <a:prstDash val="solid"/>
-                      </a:ln>
-                    </p:spPr>
-                    <p:style>
-                      <a:lnRef idx="1">
-                        <a:schemeClr val="dk1"/>
-                      </a:lnRef>
-                      <a:fillRef idx="0">
-                        <a:schemeClr val="dk1"/>
-                      </a:fillRef>
-                      <a:effectRef idx="0">
-                        <a:schemeClr val="dk1"/>
-                      </a:effectRef>
-                      <a:fontRef idx="minor">
-                        <a:schemeClr val="tx1"/>
-                      </a:fontRef>
-                    </p:style>
-                  </p:cxnSp>
-                  <p:sp>
-                    <p:nvSpPr>
-                      <p:cNvPr id="8" name="Arc 7"/>
-                      <p:cNvSpPr/>
+                        <a:ln>
+                          <a:solidFill>
+                            <a:srgbClr val="FF0000"/>
+                          </a:solidFill>
+                        </a:ln>
+                      </p:spPr>
+                      <p:style>
+                        <a:lnRef idx="2">
+                          <a:schemeClr val="accent1">
+                            <a:shade val="50000"/>
+                          </a:schemeClr>
+                        </a:lnRef>
+                        <a:fillRef idx="1">
+                          <a:schemeClr val="accent1"/>
+                        </a:fillRef>
+                        <a:effectRef idx="0">
+                          <a:schemeClr val="accent1"/>
+                        </a:effectRef>
+                        <a:fontRef idx="minor">
+                          <a:schemeClr val="lt1"/>
+                        </a:fontRef>
+                      </p:style>
+                      <p:txBody>
+                        <a:bodyPr rtlCol="0" anchor="ctr"/>
+                        <a:lstStyle/>
+                        <a:p>
+                          <a:pPr algn="ctr"/>
+                          <a:endParaRPr lang="fr-FR"/>
+                        </a:p>
+                      </p:txBody>
+                    </p:sp>
+                    <p:cxnSp>
+                      <p:nvCxnSpPr>
+                        <p:cNvPr id="82" name="Connecteur droit avec flèche 81"/>
+                        <p:cNvCxnSpPr>
+                          <a:stCxn id="80" idx="0"/>
+                        </p:cNvCxnSpPr>
+                        <p:nvPr/>
+                      </p:nvCxnSpPr>
+                      <p:spPr>
+                        <a:xfrm flipV="1">
+                          <a:off x="7496055" y="2986631"/>
+                          <a:ext cx="0" cy="116570"/>
+                        </a:xfrm>
+                        <a:prstGeom prst="straightConnector1">
+                          <a:avLst/>
+                        </a:prstGeom>
+                        <a:ln>
+                          <a:headEnd type="none" w="sm" len="sm"/>
+                          <a:tailEnd type="triangle" w="sm" len="sm"/>
+                        </a:ln>
+                      </p:spPr>
+                      <p:style>
+                        <a:lnRef idx="1">
+                          <a:schemeClr val="dk1"/>
+                        </a:lnRef>
+                        <a:fillRef idx="0">
+                          <a:schemeClr val="dk1"/>
+                        </a:fillRef>
+                        <a:effectRef idx="0">
+                          <a:schemeClr val="dk1"/>
+                        </a:effectRef>
+                        <a:fontRef idx="minor">
+                          <a:schemeClr val="tx1"/>
+                        </a:fontRef>
+                      </p:style>
+                    </p:cxnSp>
+                  </p:grpSp>
+                  <p:grpSp>
+                    <p:nvGrpSpPr>
+                      <p:cNvPr id="6" name="Groupe 5"/>
+                      <p:cNvGrpSpPr/>
                       <p:nvPr/>
-                    </p:nvSpPr>
-                    <p:spPr>
+                    </p:nvGrpSpPr>
+                    <p:grpSpPr>
                       <a:xfrm>
-                        <a:off x="3114961" y="2962437"/>
-                        <a:ext cx="5989834" cy="1735384"/>
+                        <a:off x="1602659" y="1390490"/>
+                        <a:ext cx="8664782" cy="1735384"/>
+                        <a:chOff x="440013" y="2962437"/>
+                        <a:chExt cx="8664782" cy="1735384"/>
                       </a:xfrm>
-                      <a:prstGeom prst="arc">
-                        <a:avLst>
-                          <a:gd name="adj1" fmla="val 436790"/>
-                          <a:gd name="adj2" fmla="val 7750145"/>
-                        </a:avLst>
-                      </a:prstGeom>
-                      <a:ln w="19050">
-                        <a:solidFill>
-                          <a:srgbClr val="FF0000"/>
-                        </a:solidFill>
-                        <a:prstDash val="solid"/>
-                      </a:ln>
-                    </p:spPr>
-                    <p:style>
-                      <a:lnRef idx="1">
-                        <a:schemeClr val="accent1"/>
-                      </a:lnRef>
-                      <a:fillRef idx="0">
-                        <a:schemeClr val="accent1"/>
-                      </a:fillRef>
-                      <a:effectRef idx="0">
-                        <a:schemeClr val="accent1"/>
-                      </a:effectRef>
-                      <a:fontRef idx="minor">
-                        <a:schemeClr val="tx1"/>
-                      </a:fontRef>
-                    </p:style>
-                    <p:txBody>
-                      <a:bodyPr rtlCol="0" anchor="ctr"/>
-                      <a:lstStyle/>
-                      <a:p>
-                        <a:pPr algn="ctr"/>
-                        <a:endParaRPr lang="fr-FR"/>
-                      </a:p>
-                    </p:txBody>
-                  </p:sp>
+                    </p:grpSpPr>
+                    <p:cxnSp>
+                      <p:nvCxnSpPr>
+                        <p:cNvPr id="9" name="Connecteur droit 8"/>
+                        <p:cNvCxnSpPr>
+                          <a:endCxn id="8" idx="2"/>
+                        </p:cNvCxnSpPr>
+                        <p:nvPr/>
+                      </p:nvCxnSpPr>
+                      <p:spPr>
+                        <a:xfrm>
+                          <a:off x="440013" y="4318471"/>
+                          <a:ext cx="4981876" cy="356145"/>
+                        </a:xfrm>
+                        <a:prstGeom prst="line">
+                          <a:avLst/>
+                        </a:prstGeom>
+                        <a:ln w="19050">
+                          <a:solidFill>
+                            <a:srgbClr val="FF0000"/>
+                          </a:solidFill>
+                          <a:prstDash val="solid"/>
+                        </a:ln>
+                      </p:spPr>
+                      <p:style>
+                        <a:lnRef idx="1">
+                          <a:schemeClr val="dk1"/>
+                        </a:lnRef>
+                        <a:fillRef idx="0">
+                          <a:schemeClr val="dk1"/>
+                        </a:fillRef>
+                        <a:effectRef idx="0">
+                          <a:schemeClr val="dk1"/>
+                        </a:effectRef>
+                        <a:fontRef idx="minor">
+                          <a:schemeClr val="tx1"/>
+                        </a:fontRef>
+                      </p:style>
+                    </p:cxnSp>
+                    <p:sp>
+                      <p:nvSpPr>
+                        <p:cNvPr id="8" name="Arc 7"/>
+                        <p:cNvSpPr/>
+                        <p:nvPr/>
+                      </p:nvSpPr>
+                      <p:spPr>
+                        <a:xfrm>
+                          <a:off x="3114961" y="2962437"/>
+                          <a:ext cx="5989834" cy="1735384"/>
+                        </a:xfrm>
+                        <a:prstGeom prst="arc">
+                          <a:avLst>
+                            <a:gd name="adj1" fmla="val 436790"/>
+                            <a:gd name="adj2" fmla="val 7750145"/>
+                          </a:avLst>
+                        </a:prstGeom>
+                        <a:ln w="19050">
+                          <a:solidFill>
+                            <a:srgbClr val="FF0000"/>
+                          </a:solidFill>
+                          <a:prstDash val="solid"/>
+                        </a:ln>
+                      </p:spPr>
+                      <p:style>
+                        <a:lnRef idx="1">
+                          <a:schemeClr val="accent1"/>
+                        </a:lnRef>
+                        <a:fillRef idx="0">
+                          <a:schemeClr val="accent1"/>
+                        </a:fillRef>
+                        <a:effectRef idx="0">
+                          <a:schemeClr val="accent1"/>
+                        </a:effectRef>
+                        <a:fontRef idx="minor">
+                          <a:schemeClr val="tx1"/>
+                        </a:fontRef>
+                      </p:style>
+                      <p:txBody>
+                        <a:bodyPr rtlCol="0" anchor="ctr"/>
+                        <a:lstStyle/>
+                        <a:p>
+                          <a:pPr algn="ctr"/>
+                          <a:endParaRPr lang="fr-FR"/>
+                        </a:p>
+                      </p:txBody>
+                    </p:sp>
+                  </p:grpSp>
                 </p:grpSp>
               </p:grpSp>
             </p:grpSp>
           </p:grpSp>
+          <p:grpSp>
+            <p:nvGrpSpPr>
+              <p:cNvPr id="144" name="Groupe 143"/>
+              <p:cNvGrpSpPr/>
+              <p:nvPr/>
+            </p:nvGrpSpPr>
+            <p:grpSpPr>
+              <a:xfrm>
+                <a:off x="2121924" y="1671991"/>
+                <a:ext cx="1131528" cy="903955"/>
+                <a:chOff x="2121924" y="1671991"/>
+                <a:chExt cx="1131528" cy="903955"/>
+              </a:xfrm>
+            </p:grpSpPr>
+            <p:cxnSp>
+              <p:nvCxnSpPr>
+                <p:cNvPr id="134" name="Connecteur droit avec flèche 133"/>
+                <p:cNvCxnSpPr>
+                  <a:stCxn id="135" idx="2"/>
+                </p:cNvCxnSpPr>
+                <p:nvPr/>
+              </p:nvCxnSpPr>
+              <p:spPr>
+                <a:xfrm flipH="1">
+                  <a:off x="2333626" y="2041323"/>
+                  <a:ext cx="354062" cy="534623"/>
+                </a:xfrm>
+                <a:prstGeom prst="straightConnector1">
+                  <a:avLst/>
+                </a:prstGeom>
+                <a:ln>
+                  <a:solidFill>
+                    <a:schemeClr val="tx1"/>
+                  </a:solidFill>
+                  <a:tailEnd type="triangle"/>
+                </a:ln>
+              </p:spPr>
+              <p:style>
+                <a:lnRef idx="1">
+                  <a:schemeClr val="accent1"/>
+                </a:lnRef>
+                <a:fillRef idx="0">
+                  <a:schemeClr val="accent1"/>
+                </a:fillRef>
+                <a:effectRef idx="0">
+                  <a:schemeClr val="accent1"/>
+                </a:effectRef>
+                <a:fontRef idx="minor">
+                  <a:schemeClr val="tx1"/>
+                </a:fontRef>
+              </p:style>
+            </p:cxnSp>
+            <p:sp>
+              <p:nvSpPr>
+                <p:cNvPr id="135" name="ZoneTexte 134"/>
+                <p:cNvSpPr txBox="1"/>
+                <p:nvPr/>
+              </p:nvSpPr>
+              <p:spPr>
+                <a:xfrm>
+                  <a:off x="2121924" y="1671991"/>
+                  <a:ext cx="1131528" cy="369332"/>
+                </a:xfrm>
+                <a:prstGeom prst="rect">
+                  <a:avLst/>
+                </a:prstGeom>
+                <a:noFill/>
+              </p:spPr>
+              <p:txBody>
+                <a:bodyPr wrap="none" rtlCol="0">
+                  <a:spAutoFit/>
+                </a:bodyPr>
+                <a:lstStyle/>
+                <a:p>
+                  <a:r>
+                    <a:rPr lang="fr-FR" dirty="0" smtClean="0"/>
+                    <a:t>Elément 1</a:t>
+                  </a:r>
+                  <a:endParaRPr lang="fr-FR" dirty="0"/>
+                </a:p>
+              </p:txBody>
+            </p:sp>
+          </p:grpSp>
+          <p:grpSp>
+            <p:nvGrpSpPr>
+              <p:cNvPr id="145" name="Groupe 144"/>
+              <p:cNvGrpSpPr/>
+              <p:nvPr/>
+            </p:nvGrpSpPr>
+            <p:grpSpPr>
+              <a:xfrm>
+                <a:off x="8806022" y="2762459"/>
+                <a:ext cx="1225972" cy="1058622"/>
+                <a:chOff x="8806022" y="2762459"/>
+                <a:chExt cx="1225972" cy="1058622"/>
+              </a:xfrm>
+            </p:grpSpPr>
+            <p:cxnSp>
+              <p:nvCxnSpPr>
+                <p:cNvPr id="137" name="Connecteur droit avec flèche 136"/>
+                <p:cNvCxnSpPr>
+                  <a:stCxn id="138" idx="0"/>
+                </p:cNvCxnSpPr>
+                <p:nvPr/>
+              </p:nvCxnSpPr>
+              <p:spPr>
+                <a:xfrm flipV="1">
+                  <a:off x="9419008" y="2762459"/>
+                  <a:ext cx="410792" cy="689290"/>
+                </a:xfrm>
+                <a:prstGeom prst="straightConnector1">
+                  <a:avLst/>
+                </a:prstGeom>
+                <a:ln>
+                  <a:solidFill>
+                    <a:schemeClr val="tx1"/>
+                  </a:solidFill>
+                  <a:tailEnd type="triangle"/>
+                </a:ln>
+              </p:spPr>
+              <p:style>
+                <a:lnRef idx="1">
+                  <a:schemeClr val="accent1"/>
+                </a:lnRef>
+                <a:fillRef idx="0">
+                  <a:schemeClr val="accent1"/>
+                </a:fillRef>
+                <a:effectRef idx="0">
+                  <a:schemeClr val="accent1"/>
+                </a:effectRef>
+                <a:fontRef idx="minor">
+                  <a:schemeClr val="tx1"/>
+                </a:fontRef>
+              </p:style>
+            </p:cxnSp>
+            <mc:AlternateContent xmlns:mc="http://schemas.openxmlformats.org/markup-compatibility/2006" xmlns:a14="http://schemas.microsoft.com/office/drawing/2010/main">
+              <mc:Choice Requires="a14">
+                <p:sp>
+                  <p:nvSpPr>
+                    <p:cNvPr id="138" name="ZoneTexte 137"/>
+                    <p:cNvSpPr txBox="1"/>
+                    <p:nvPr/>
+                  </p:nvSpPr>
+                  <p:spPr>
+                    <a:xfrm>
+                      <a:off x="8806022" y="3451749"/>
+                      <a:ext cx="1225972" cy="369332"/>
+                    </a:xfrm>
+                    <a:prstGeom prst="rect">
+                      <a:avLst/>
+                    </a:prstGeom>
+                    <a:noFill/>
+                  </p:spPr>
+                  <p:txBody>
+                    <a:bodyPr wrap="square" rtlCol="0">
+                      <a:spAutoFit/>
+                    </a:bodyPr>
+                    <a:lstStyle/>
+                    <a:p>
+                      <a:r>
+                        <a:rPr lang="fr-FR" dirty="0" smtClean="0"/>
+                        <a:t>Elément </a:t>
+                      </a:r>
+                      <a14:m>
+                        <m:oMath xmlns:m="http://schemas.openxmlformats.org/officeDocument/2006/math">
+                          <m:r>
+                            <a:rPr lang="fr-FR" i="1" dirty="0" smtClean="0">
+                              <a:latin typeface="Cambria Math" panose="02040503050406030204" pitchFamily="18" charset="0"/>
+                            </a:rPr>
+                            <m:t>𝑛</m:t>
+                          </m:r>
+                        </m:oMath>
+                      </a14:m>
+                      <a:endParaRPr lang="fr-FR" dirty="0"/>
+                    </a:p>
+                  </p:txBody>
+                </p:sp>
+              </mc:Choice>
+              <mc:Fallback xmlns="">
+                <p:sp>
+                  <p:nvSpPr>
+                    <p:cNvPr id="138" name="ZoneTexte 137"/>
+                    <p:cNvSpPr txBox="1">
+                      <a:spLocks noRot="1" noChangeAspect="1" noMove="1" noResize="1" noEditPoints="1" noAdjustHandles="1" noChangeArrowheads="1" noChangeShapeType="1" noTextEdit="1"/>
+                    </p:cNvSpPr>
+                    <p:nvPr/>
+                  </p:nvSpPr>
+                  <p:spPr>
+                    <a:xfrm>
+                      <a:off x="8806022" y="3451749"/>
+                      <a:ext cx="1225972" cy="369332"/>
+                    </a:xfrm>
+                    <a:prstGeom prst="rect">
+                      <a:avLst/>
+                    </a:prstGeom>
+                    <a:blipFill rotWithShape="0">
+                      <a:blip r:embed="rId4"/>
+                      <a:stretch>
+                        <a:fillRect l="-4478" t="-8197" b="-24590"/>
+                      </a:stretch>
+                    </a:blipFill>
+                  </p:spPr>
+                  <p:txBody>
+                    <a:bodyPr/>
+                    <a:lstStyle/>
+                    <a:p>
+                      <a:r>
+                        <a:rPr lang="fr-FR">
+                          <a:noFill/>
+                        </a:rPr>
+                        <a:t> </a:t>
+                      </a:r>
+                    </a:p>
+                  </p:txBody>
+                </p:sp>
+              </mc:Fallback>
+            </mc:AlternateContent>
+          </p:grpSp>
         </p:grpSp>
         <p:grpSp>
           <p:nvGrpSpPr>
-            <p:cNvPr id="144" name="Groupe 143"/>
+            <p:cNvPr id="2" name="Groupe 1"/>
             <p:cNvGrpSpPr/>
             <p:nvPr/>
           </p:nvGrpSpPr>
           <p:grpSpPr>
             <a:xfrm>
-              <a:off x="2121924" y="1671991"/>
-              <a:ext cx="1131528" cy="903955"/>
-              <a:chOff x="2121924" y="1671991"/>
-              <a:chExt cx="1131528" cy="903955"/>
+              <a:off x="963552" y="2259775"/>
+              <a:ext cx="675450" cy="1252613"/>
+              <a:chOff x="963552" y="2647740"/>
+              <a:chExt cx="675450" cy="1252613"/>
             </a:xfrm>
           </p:grpSpPr>
           <p:cxnSp>
             <p:nvCxnSpPr>
-              <p:cNvPr id="134" name="Connecteur droit avec flèche 133"/>
-              <p:cNvCxnSpPr>
-                <a:stCxn id="135" idx="2"/>
-              </p:cNvCxnSpPr>
+              <p:cNvPr id="73" name="Connecteur droit avec flèche 72"/>
+              <p:cNvCxnSpPr/>
               <p:nvPr/>
             </p:nvCxnSpPr>
             <p:spPr>
-              <a:xfrm flipH="1">
-                <a:off x="2333626" y="2041323"/>
-                <a:ext cx="354062" cy="534623"/>
+              <a:xfrm>
+                <a:off x="1016259" y="3252383"/>
+                <a:ext cx="392669" cy="6087"/>
               </a:xfrm>
               <a:prstGeom prst="straightConnector1">
                 <a:avLst/>
               </a:prstGeom>
-              <a:ln>
+              <a:ln w="28575">
                 <a:solidFill>
                   <a:schemeClr val="tx1"/>
                 </a:solidFill>
+                <a:prstDash val="solid"/>
                 <a:tailEnd type="triangle"/>
               </a:ln>
             </p:spPr>
@@ -27047,71 +28151,25 @@
               </a:fontRef>
             </p:style>
           </p:cxnSp>
-          <p:sp>
-            <p:nvSpPr>
-              <p:cNvPr id="135" name="ZoneTexte 134"/>
-              <p:cNvSpPr txBox="1"/>
-              <p:nvPr/>
-            </p:nvSpPr>
-            <p:spPr>
-              <a:xfrm>
-                <a:off x="2121924" y="1671991"/>
-                <a:ext cx="1131528" cy="369332"/>
-              </a:xfrm>
-              <a:prstGeom prst="rect">
-                <a:avLst/>
-              </a:prstGeom>
-              <a:noFill/>
-            </p:spPr>
-            <p:txBody>
-              <a:bodyPr wrap="none" rtlCol="0">
-                <a:spAutoFit/>
-              </a:bodyPr>
-              <a:lstStyle/>
-              <a:p>
-                <a:r>
-                  <a:rPr lang="fr-FR" dirty="0" smtClean="0"/>
-                  <a:t>Elément 1</a:t>
-                </a:r>
-                <a:endParaRPr lang="fr-FR" dirty="0"/>
-              </a:p>
-            </p:txBody>
-          </p:sp>
-        </p:grpSp>
-        <p:grpSp>
-          <p:nvGrpSpPr>
-            <p:cNvPr id="145" name="Groupe 144"/>
-            <p:cNvGrpSpPr/>
-            <p:nvPr/>
-          </p:nvGrpSpPr>
-          <p:grpSpPr>
-            <a:xfrm>
-              <a:off x="8806022" y="2762459"/>
-              <a:ext cx="1225972" cy="1058622"/>
-              <a:chOff x="8806022" y="2762459"/>
-              <a:chExt cx="1225972" cy="1058622"/>
-            </a:xfrm>
-          </p:grpSpPr>
           <p:cxnSp>
             <p:nvCxnSpPr>
-              <p:cNvPr id="137" name="Connecteur droit avec flèche 136"/>
-              <p:cNvCxnSpPr>
-                <a:stCxn id="138" idx="0"/>
-              </p:cNvCxnSpPr>
+              <p:cNvPr id="75" name="Connecteur droit avec flèche 74"/>
+              <p:cNvCxnSpPr/>
               <p:nvPr/>
             </p:nvCxnSpPr>
             <p:spPr>
-              <a:xfrm flipV="1">
-                <a:off x="9419008" y="2762459"/>
-                <a:ext cx="410792" cy="689290"/>
+              <a:xfrm>
+                <a:off x="1016260" y="3252383"/>
+                <a:ext cx="0" cy="510645"/>
               </a:xfrm>
               <a:prstGeom prst="straightConnector1">
                 <a:avLst/>
               </a:prstGeom>
-              <a:ln>
+              <a:ln w="28575">
                 <a:solidFill>
                   <a:schemeClr val="tx1"/>
                 </a:solidFill>
+                <a:prstDash val="solid"/>
                 <a:tailEnd type="triangle"/>
               </a:ln>
             </p:spPr>
@@ -27130,53 +28188,89 @@
               </a:fontRef>
             </p:style>
           </p:cxnSp>
-          <mc:AlternateContent xmlns:mc="http://schemas.openxmlformats.org/markup-compatibility/2006" xmlns:a14="http://schemas.microsoft.com/office/drawing/2010/main">
-            <mc:Choice Requires="a14">
+          <mc:AlternateContent xmlns:mc="http://schemas.openxmlformats.org/markup-compatibility/2006">
+            <mc:Choice xmlns:a14="http://schemas.microsoft.com/office/drawing/2010/main" Requires="a14">
               <p:sp>
                 <p:nvSpPr>
-                  <p:cNvPr id="138" name="ZoneTexte 137"/>
+                  <p:cNvPr id="77" name="Zone de texte 153"/>
                   <p:cNvSpPr txBox="1"/>
                   <p:nvPr/>
                 </p:nvSpPr>
                 <p:spPr>
                   <a:xfrm>
-                    <a:off x="8806022" y="3451749"/>
-                    <a:ext cx="1225972" cy="369332"/>
+                    <a:off x="963552" y="3625703"/>
+                    <a:ext cx="301748" cy="274650"/>
                   </a:xfrm>
                   <a:prstGeom prst="rect">
                     <a:avLst/>
                   </a:prstGeom>
                   <a:noFill/>
+                  <a:ln w="6350">
+                    <a:noFill/>
+                    <a:prstDash val="sysDash"/>
+                  </a:ln>
+                  <a:effectLst/>
                 </p:spPr>
+                <p:style>
+                  <a:lnRef idx="0">
+                    <a:schemeClr val="accent1"/>
+                  </a:lnRef>
+                  <a:fillRef idx="0">
+                    <a:schemeClr val="accent1"/>
+                  </a:fillRef>
+                  <a:effectRef idx="0">
+                    <a:schemeClr val="accent1"/>
+                  </a:effectRef>
+                  <a:fontRef idx="minor">
+                    <a:schemeClr val="dk1"/>
+                  </a:fontRef>
+                </p:style>
                 <p:txBody>
-                  <a:bodyPr wrap="square" rtlCol="0">
-                    <a:spAutoFit/>
+                  <a:bodyPr rot="0" spcFirstLastPara="0" vert="horz" wrap="square" lIns="91440" tIns="45720" rIns="91440" bIns="45720" numCol="1" spcCol="0" rtlCol="0" fromWordArt="0" anchor="t" anchorCtr="0" forceAA="0" compatLnSpc="1">
+                    <a:prstTxWarp prst="textNoShape">
+                      <a:avLst/>
+                    </a:prstTxWarp>
+                    <a:noAutofit/>
                   </a:bodyPr>
                   <a:lstStyle/>
                   <a:p>
-                    <a:r>
-                      <a:rPr lang="fr-FR" dirty="0" smtClean="0"/>
-                      <a:t>Elément </a:t>
-                    </a:r>
+                    <a:pPr>
+                      <a:lnSpc>
+                        <a:spcPct val="107000"/>
+                      </a:lnSpc>
+                      <a:spcAft>
+                        <a:spcPts val="800"/>
+                      </a:spcAft>
+                    </a:pPr>
                     <a14:m>
                       <m:oMath xmlns:m="http://schemas.openxmlformats.org/officeDocument/2006/math">
                         <m:r>
-                          <a:rPr lang="fr-FR" i="1" dirty="0" smtClean="0">
+                          <a:rPr lang="fr-FR" b="1" i="1" smtClean="0">
+                            <a:effectLst/>
                             <a:latin typeface="Cambria Math" panose="02040503050406030204" pitchFamily="18" charset="0"/>
+                            <a:ea typeface="Calibri" panose="020F0502020204030204" pitchFamily="34" charset="0"/>
+                            <a:cs typeface="Times New Roman" panose="02020603050405020304" pitchFamily="18" charset="0"/>
                           </a:rPr>
-                          <m:t>𝑛</m:t>
+                          <m:t>𝒓</m:t>
                         </m:r>
                       </m:oMath>
                     </a14:m>
-                    <a:endParaRPr lang="fr-FR" dirty="0"/>
+                    <a:r>
+                      <a:rPr lang="fr-FR" sz="1400" dirty="0">
+                        <a:effectLst/>
+                        <a:ea typeface="Calibri" panose="020F0502020204030204" pitchFamily="34" charset="0"/>
+                        <a:cs typeface="Times New Roman" panose="02020603050405020304" pitchFamily="18" charset="0"/>
+                      </a:rPr>
+                      <a:t> </a:t>
+                    </a:r>
                   </a:p>
                 </p:txBody>
               </p:sp>
             </mc:Choice>
-            <mc:Fallback xmlns="">
+            <mc:Fallback>
               <p:sp>
                 <p:nvSpPr>
-                  <p:cNvPr id="138" name="ZoneTexte 137"/>
+                  <p:cNvPr id="77" name="Zone de texte 153"/>
                   <p:cNvSpPr txBox="1">
                     <a:spLocks noRot="1" noChangeAspect="1" noMove="1" noResize="1" noEditPoints="1" noAdjustHandles="1" noChangeArrowheads="1" noChangeShapeType="1" noTextEdit="1"/>
                   </p:cNvSpPr>
@@ -27184,18 +28278,23 @@
                 </p:nvSpPr>
                 <p:spPr>
                   <a:xfrm>
-                    <a:off x="8806022" y="3451749"/>
-                    <a:ext cx="1225972" cy="369332"/>
+                    <a:off x="963552" y="3625703"/>
+                    <a:ext cx="301748" cy="274650"/>
                   </a:xfrm>
                   <a:prstGeom prst="rect">
                     <a:avLst/>
                   </a:prstGeom>
                   <a:blipFill rotWithShape="0">
-                    <a:blip r:embed="rId4"/>
+                    <a:blip r:embed="rId5"/>
                     <a:stretch>
-                      <a:fillRect l="-4478" t="-8197" b="-24590"/>
+                      <a:fillRect b="-17778"/>
                     </a:stretch>
                   </a:blipFill>
+                  <a:ln w="6350">
+                    <a:noFill/>
+                    <a:prstDash val="sysDash"/>
+                  </a:ln>
+                  <a:effectLst/>
                 </p:spPr>
                 <p:txBody>
                   <a:bodyPr/>
@@ -27212,6 +28311,309 @@
               </p:sp>
             </mc:Fallback>
           </mc:AlternateContent>
+          <mc:AlternateContent xmlns:mc="http://schemas.openxmlformats.org/markup-compatibility/2006">
+            <mc:Choice xmlns:a14="http://schemas.microsoft.com/office/drawing/2010/main" Requires="a14">
+              <p:sp>
+                <p:nvSpPr>
+                  <p:cNvPr id="79" name="Zone de texte 154"/>
+                  <p:cNvSpPr txBox="1"/>
+                  <p:nvPr/>
+                </p:nvSpPr>
+                <p:spPr>
+                  <a:xfrm>
+                    <a:off x="1337254" y="3171876"/>
+                    <a:ext cx="301748" cy="274650"/>
+                  </a:xfrm>
+                  <a:prstGeom prst="rect">
+                    <a:avLst/>
+                  </a:prstGeom>
+                  <a:noFill/>
+                  <a:ln w="6350">
+                    <a:noFill/>
+                    <a:prstDash val="sysDash"/>
+                  </a:ln>
+                  <a:effectLst/>
+                </p:spPr>
+                <p:style>
+                  <a:lnRef idx="0">
+                    <a:schemeClr val="accent1"/>
+                  </a:lnRef>
+                  <a:fillRef idx="0">
+                    <a:schemeClr val="accent1"/>
+                  </a:fillRef>
+                  <a:effectRef idx="0">
+                    <a:schemeClr val="accent1"/>
+                  </a:effectRef>
+                  <a:fontRef idx="minor">
+                    <a:schemeClr val="dk1"/>
+                  </a:fontRef>
+                </p:style>
+                <p:txBody>
+                  <a:bodyPr rot="0" spcFirstLastPara="0" vert="horz" wrap="square" lIns="91440" tIns="45720" rIns="91440" bIns="45720" numCol="1" spcCol="0" rtlCol="0" fromWordArt="0" anchor="t" anchorCtr="0" forceAA="0" compatLnSpc="1">
+                    <a:prstTxWarp prst="textNoShape">
+                      <a:avLst/>
+                    </a:prstTxWarp>
+                    <a:noAutofit/>
+                  </a:bodyPr>
+                  <a:lstStyle/>
+                  <a:p>
+                    <a:pPr>
+                      <a:lnSpc>
+                        <a:spcPct val="107000"/>
+                      </a:lnSpc>
+                      <a:spcAft>
+                        <a:spcPts val="800"/>
+                      </a:spcAft>
+                    </a:pPr>
+                    <a14:m>
+                      <m:oMathPara xmlns:m="http://schemas.openxmlformats.org/officeDocument/2006/math">
+                        <m:oMathParaPr>
+                          <m:jc m:val="centerGroup"/>
+                        </m:oMathParaPr>
+                        <m:oMath xmlns:m="http://schemas.openxmlformats.org/officeDocument/2006/math">
+                          <m:r>
+                            <a:rPr lang="fr-FR" sz="1400" b="1" i="1" smtClean="0">
+                              <a:effectLst/>
+                              <a:latin typeface="Cambria Math" panose="02040503050406030204" pitchFamily="18" charset="0"/>
+                              <a:ea typeface="Cambria Math" panose="02040503050406030204" pitchFamily="18" charset="0"/>
+                              <a:cs typeface="Times New Roman" panose="02020603050405020304" pitchFamily="18" charset="0"/>
+                            </a:rPr>
+                            <m:t>𝒁</m:t>
+                          </m:r>
+                        </m:oMath>
+                      </m:oMathPara>
+                    </a14:m>
+                    <a:endParaRPr lang="fr-FR" sz="1400" dirty="0">
+                      <a:effectLst/>
+                      <a:ea typeface="Calibri" panose="020F0502020204030204" pitchFamily="34" charset="0"/>
+                      <a:cs typeface="Times New Roman" panose="02020603050405020304" pitchFamily="18" charset="0"/>
+                    </a:endParaRPr>
+                  </a:p>
+                  <a:p>
+                    <a:pPr>
+                      <a:lnSpc>
+                        <a:spcPct val="107000"/>
+                      </a:lnSpc>
+                      <a:spcAft>
+                        <a:spcPts val="800"/>
+                      </a:spcAft>
+                    </a:pPr>
+                    <a:r>
+                      <a:rPr lang="fr-FR" sz="1400" dirty="0">
+                        <a:effectLst/>
+                        <a:ea typeface="Calibri" panose="020F0502020204030204" pitchFamily="34" charset="0"/>
+                        <a:cs typeface="Times New Roman" panose="02020603050405020304" pitchFamily="18" charset="0"/>
+                      </a:rPr>
+                      <a:t> </a:t>
+                    </a:r>
+                  </a:p>
+                </p:txBody>
+              </p:sp>
+            </mc:Choice>
+            <mc:Fallback>
+              <p:sp>
+                <p:nvSpPr>
+                  <p:cNvPr id="79" name="Zone de texte 154"/>
+                  <p:cNvSpPr txBox="1">
+                    <a:spLocks noRot="1" noChangeAspect="1" noMove="1" noResize="1" noEditPoints="1" noAdjustHandles="1" noChangeArrowheads="1" noChangeShapeType="1" noTextEdit="1"/>
+                  </p:cNvSpPr>
+                  <p:nvPr/>
+                </p:nvSpPr>
+                <p:spPr>
+                  <a:xfrm>
+                    <a:off x="1337254" y="3171876"/>
+                    <a:ext cx="301748" cy="274650"/>
+                  </a:xfrm>
+                  <a:prstGeom prst="rect">
+                    <a:avLst/>
+                  </a:prstGeom>
+                  <a:blipFill rotWithShape="0">
+                    <a:blip r:embed="rId6"/>
+                    <a:stretch>
+                      <a:fillRect/>
+                    </a:stretch>
+                  </a:blipFill>
+                  <a:ln w="6350">
+                    <a:noFill/>
+                    <a:prstDash val="sysDash"/>
+                  </a:ln>
+                  <a:effectLst/>
+                </p:spPr>
+                <p:txBody>
+                  <a:bodyPr/>
+                  <a:lstStyle/>
+                  <a:p>
+                    <a:r>
+                      <a:rPr lang="fr-FR">
+                        <a:noFill/>
+                      </a:rPr>
+                      <a:t> </a:t>
+                    </a:r>
+                  </a:p>
+                </p:txBody>
+              </p:sp>
+            </mc:Fallback>
+          </mc:AlternateContent>
+          <mc:AlternateContent xmlns:mc="http://schemas.openxmlformats.org/markup-compatibility/2006">
+            <mc:Choice xmlns:a14="http://schemas.microsoft.com/office/drawing/2010/main" Requires="a14">
+              <p:sp>
+                <p:nvSpPr>
+                  <p:cNvPr id="81" name="Zone de texte 154"/>
+                  <p:cNvSpPr txBox="1"/>
+                  <p:nvPr/>
+                </p:nvSpPr>
+                <p:spPr>
+                  <a:xfrm>
+                    <a:off x="1207183" y="2647740"/>
+                    <a:ext cx="183498" cy="274250"/>
+                  </a:xfrm>
+                  <a:prstGeom prst="rect">
+                    <a:avLst/>
+                  </a:prstGeom>
+                  <a:noFill/>
+                  <a:ln w="6350">
+                    <a:noFill/>
+                    <a:prstDash val="sysDash"/>
+                  </a:ln>
+                  <a:effectLst/>
+                </p:spPr>
+                <p:style>
+                  <a:lnRef idx="0">
+                    <a:schemeClr val="accent1"/>
+                  </a:lnRef>
+                  <a:fillRef idx="0">
+                    <a:schemeClr val="accent1"/>
+                  </a:fillRef>
+                  <a:effectRef idx="0">
+                    <a:schemeClr val="accent1"/>
+                  </a:effectRef>
+                  <a:fontRef idx="minor">
+                    <a:schemeClr val="dk1"/>
+                  </a:fontRef>
+                </p:style>
+                <p:txBody>
+                  <a:bodyPr rot="0" spcFirstLastPara="0" vert="horz" wrap="square" lIns="91440" tIns="45720" rIns="91440" bIns="45720" numCol="1" spcCol="0" rtlCol="0" fromWordArt="0" anchor="t" anchorCtr="0" forceAA="0" compatLnSpc="1">
+                    <a:prstTxWarp prst="textNoShape">
+                      <a:avLst/>
+                    </a:prstTxWarp>
+                    <a:noAutofit/>
+                  </a:bodyPr>
+                  <a:lstStyle/>
+                  <a:p>
+                    <a:pPr>
+                      <a:lnSpc>
+                        <a:spcPct val="107000"/>
+                      </a:lnSpc>
+                      <a:spcAft>
+                        <a:spcPts val="800"/>
+                      </a:spcAft>
+                    </a:pPr>
+                    <a14:m>
+                      <m:oMath xmlns:m="http://schemas.openxmlformats.org/officeDocument/2006/math">
+                        <m:r>
+                          <a:rPr lang="fr-FR" b="1" i="1" smtClean="0">
+                            <a:effectLst/>
+                            <a:latin typeface="Cambria Math" panose="02040503050406030204" pitchFamily="18" charset="0"/>
+                            <a:ea typeface="Cambria Math" panose="02040503050406030204" pitchFamily="18" charset="0"/>
+                            <a:cs typeface="Times New Roman" panose="02020603050405020304" pitchFamily="18" charset="0"/>
+                          </a:rPr>
+                          <m:t>𝒕</m:t>
+                        </m:r>
+                      </m:oMath>
+                    </a14:m>
+                    <a:r>
+                      <a:rPr lang="fr-FR" sz="1400" dirty="0">
+                        <a:effectLst/>
+                        <a:ea typeface="Calibri" panose="020F0502020204030204" pitchFamily="34" charset="0"/>
+                        <a:cs typeface="Times New Roman" panose="02020603050405020304" pitchFamily="18" charset="0"/>
+                      </a:rPr>
+                      <a:t> </a:t>
+                    </a:r>
+                  </a:p>
+                </p:txBody>
+              </p:sp>
+            </mc:Choice>
+            <mc:Fallback>
+              <p:sp>
+                <p:nvSpPr>
+                  <p:cNvPr id="81" name="Zone de texte 154"/>
+                  <p:cNvSpPr txBox="1">
+                    <a:spLocks noRot="1" noChangeAspect="1" noMove="1" noResize="1" noEditPoints="1" noAdjustHandles="1" noChangeArrowheads="1" noChangeShapeType="1" noTextEdit="1"/>
+                  </p:cNvSpPr>
+                  <p:nvPr/>
+                </p:nvSpPr>
+                <p:spPr>
+                  <a:xfrm>
+                    <a:off x="1207183" y="2647740"/>
+                    <a:ext cx="183498" cy="274250"/>
+                  </a:xfrm>
+                  <a:prstGeom prst="rect">
+                    <a:avLst/>
+                  </a:prstGeom>
+                  <a:blipFill rotWithShape="0">
+                    <a:blip r:embed="rId7"/>
+                    <a:stretch>
+                      <a:fillRect r="-46667" b="-22222"/>
+                    </a:stretch>
+                  </a:blipFill>
+                  <a:ln w="6350">
+                    <a:noFill/>
+                    <a:prstDash val="sysDash"/>
+                  </a:ln>
+                  <a:effectLst/>
+                </p:spPr>
+                <p:txBody>
+                  <a:bodyPr/>
+                  <a:lstStyle/>
+                  <a:p>
+                    <a:r>
+                      <a:rPr lang="fr-FR">
+                        <a:noFill/>
+                      </a:rPr>
+                      <a:t> </a:t>
+                    </a:r>
+                  </a:p>
+                </p:txBody>
+              </p:sp>
+            </mc:Fallback>
+          </mc:AlternateContent>
+          <p:cxnSp>
+            <p:nvCxnSpPr>
+              <p:cNvPr id="84" name="Connecteur droit avec flèche 83"/>
+              <p:cNvCxnSpPr/>
+              <p:nvPr/>
+            </p:nvCxnSpPr>
+            <p:spPr>
+              <a:xfrm flipV="1">
+                <a:off x="1016259" y="2938683"/>
+                <a:ext cx="471869" cy="316450"/>
+              </a:xfrm>
+              <a:prstGeom prst="straightConnector1">
+                <a:avLst/>
+              </a:prstGeom>
+              <a:ln w="28575">
+                <a:solidFill>
+                  <a:schemeClr val="tx1"/>
+                </a:solidFill>
+                <a:prstDash val="solid"/>
+                <a:tailEnd type="triangle"/>
+              </a:ln>
+            </p:spPr>
+            <p:style>
+              <a:lnRef idx="1">
+                <a:schemeClr val="accent1"/>
+              </a:lnRef>
+              <a:fillRef idx="0">
+                <a:schemeClr val="accent1"/>
+              </a:fillRef>
+              <a:effectRef idx="0">
+                <a:schemeClr val="accent1"/>
+              </a:effectRef>
+              <a:fontRef idx="minor">
+                <a:schemeClr val="tx1"/>
+              </a:fontRef>
+            </p:style>
+          </p:cxnSp>
         </p:grpSp>
       </p:grpSp>
     </p:spTree>
@@ -27435,7 +28837,7 @@
       </p:grpSpPr>
       <p:grpSp>
         <p:nvGrpSpPr>
-          <p:cNvPr id="10" name="Groupe 9"/>
+          <p:cNvPr id="2" name="Groupe 1"/>
           <p:cNvGrpSpPr/>
           <p:nvPr/>
         </p:nvGrpSpPr>
@@ -27447,807 +28849,890 @@
             <a:chExt cx="10126637" cy="5355726"/>
           </a:xfrm>
         </p:grpSpPr>
-        <p:pic>
-          <p:nvPicPr>
-            <p:cNvPr id="4" name="Image 3"/>
-            <p:cNvPicPr/>
+        <p:grpSp>
+          <p:nvGrpSpPr>
+            <p:cNvPr id="10" name="Groupe 9"/>
+            <p:cNvGrpSpPr/>
             <p:nvPr/>
-          </p:nvPicPr>
-          <p:blipFill>
-            <a:blip r:embed="rId2" cstate="print">
-              <a:extLst>
-                <a:ext uri="{28A0092B-C50C-407E-A947-70E740481C1C}">
-                  <a14:useLocalDpi xmlns:a14="http://schemas.microsoft.com/office/drawing/2010/main" val="0"/>
-                </a:ext>
-              </a:extLst>
-            </a:blip>
-            <a:srcRect/>
-            <a:stretch>
-              <a:fillRect/>
-            </a:stretch>
-          </p:blipFill>
-          <p:spPr bwMode="auto">
+          </p:nvGrpSpPr>
+          <p:grpSpPr>
             <a:xfrm>
-              <a:off x="1160060" y="892673"/>
-              <a:ext cx="9676262" cy="5194228"/>
+              <a:off x="846163" y="731175"/>
+              <a:ext cx="10126637" cy="5355726"/>
+              <a:chOff x="846163" y="731175"/>
+              <a:chExt cx="10126637" cy="5355726"/>
+            </a:xfrm>
+          </p:grpSpPr>
+          <p:pic>
+            <p:nvPicPr>
+              <p:cNvPr id="4" name="Image 3"/>
+              <p:cNvPicPr/>
+              <p:nvPr/>
+            </p:nvPicPr>
+            <p:blipFill>
+              <a:blip r:embed="rId2" cstate="print">
+                <a:extLst>
+                  <a:ext uri="{28A0092B-C50C-407E-A947-70E740481C1C}">
+                    <a14:useLocalDpi xmlns:a14="http://schemas.microsoft.com/office/drawing/2010/main" val="0"/>
+                  </a:ext>
+                </a:extLst>
+              </a:blip>
+              <a:srcRect/>
+              <a:stretch>
+                <a:fillRect/>
+              </a:stretch>
+            </p:blipFill>
+            <p:spPr bwMode="auto">
+              <a:xfrm>
+                <a:off x="1160060" y="892673"/>
+                <a:ext cx="9676262" cy="5194228"/>
+              </a:xfrm>
+              <a:prstGeom prst="rect">
+                <a:avLst/>
+              </a:prstGeom>
+              <a:noFill/>
+            </p:spPr>
+          </p:pic>
+          <mc:AlternateContent xmlns:mc="http://schemas.openxmlformats.org/markup-compatibility/2006" xmlns:a14="http://schemas.microsoft.com/office/drawing/2010/main">
+            <mc:Choice Requires="a14">
+              <p:sp>
+                <p:nvSpPr>
+                  <p:cNvPr id="5" name="Rectangle 4"/>
+                  <p:cNvSpPr/>
+                  <p:nvPr/>
+                </p:nvSpPr>
+                <p:spPr>
+                  <a:xfrm>
+                    <a:off x="8625385" y="5254388"/>
+                    <a:ext cx="2347415" cy="832513"/>
+                  </a:xfrm>
+                  <a:prstGeom prst="rect">
+                    <a:avLst/>
+                  </a:prstGeom>
+                  <a:ln>
+                    <a:noFill/>
+                  </a:ln>
+                </p:spPr>
+                <p:style>
+                  <a:lnRef idx="2">
+                    <a:schemeClr val="accent6"/>
+                  </a:lnRef>
+                  <a:fillRef idx="1">
+                    <a:schemeClr val="lt1"/>
+                  </a:fillRef>
+                  <a:effectRef idx="0">
+                    <a:schemeClr val="accent6"/>
+                  </a:effectRef>
+                  <a:fontRef idx="minor">
+                    <a:schemeClr val="dk1"/>
+                  </a:fontRef>
+                </p:style>
+                <p:txBody>
+                  <a:bodyPr rtlCol="0" anchor="ctr"/>
+                  <a:lstStyle/>
+                  <a:p>
+                    <a:pPr algn="ctr"/>
+                    <a:r>
+                      <a:rPr lang="fr-FR" sz="2000" b="1" dirty="0" smtClean="0"/>
+                      <a:t>Paroi adiabatique</a:t>
+                    </a:r>
+                  </a:p>
+                  <a:p>
+                    <a:pPr algn="ctr"/>
+                    <a14:m>
+                      <m:oMathPara xmlns:m="http://schemas.openxmlformats.org/officeDocument/2006/math">
+                        <m:oMathParaPr>
+                          <m:jc m:val="centerGroup"/>
+                        </m:oMathParaPr>
+                        <m:oMath xmlns:m="http://schemas.openxmlformats.org/officeDocument/2006/math">
+                          <m:sSub>
+                            <m:sSubPr>
+                              <m:ctrlPr>
+                                <a:rPr lang="fr-FR" sz="2000" b="1" i="1" smtClean="0">
+                                  <a:latin typeface="Cambria Math" panose="02040503050406030204" pitchFamily="18" charset="0"/>
+                                </a:rPr>
+                              </m:ctrlPr>
+                            </m:sSubPr>
+                            <m:e>
+                              <m:r>
+                                <a:rPr lang="fr-FR" sz="2000" b="1" i="1" smtClean="0">
+                                  <a:latin typeface="Cambria Math" panose="02040503050406030204" pitchFamily="18" charset="0"/>
+                                </a:rPr>
+                                <m:t>𝑺</m:t>
+                              </m:r>
+                            </m:e>
+                            <m:sub>
+                              <m:r>
+                                <a:rPr lang="fr-FR" sz="2000" b="1" i="1" smtClean="0">
+                                  <a:latin typeface="Cambria Math" panose="02040503050406030204" pitchFamily="18" charset="0"/>
+                                </a:rPr>
+                                <m:t>𝒂𝒅𝒊𝒂</m:t>
+                              </m:r>
+                            </m:sub>
+                          </m:sSub>
+                          <m:r>
+                            <a:rPr lang="fr-FR" sz="2000" b="1" i="1" smtClean="0">
+                              <a:latin typeface="Cambria Math" panose="02040503050406030204" pitchFamily="18" charset="0"/>
+                            </a:rPr>
+                            <m:t> :</m:t>
+                          </m:r>
+                          <m:r>
+                            <a:rPr lang="fr-FR" sz="2000" b="1" i="1" smtClean="0">
+                              <a:latin typeface="Cambria Math" panose="02040503050406030204" pitchFamily="18" charset="0"/>
+                            </a:rPr>
+                            <m:t>𝝓</m:t>
+                          </m:r>
+                          <m:r>
+                            <a:rPr lang="fr-FR" sz="2000" b="1" i="1" smtClean="0">
+                              <a:latin typeface="Cambria Math" panose="02040503050406030204" pitchFamily="18" charset="0"/>
+                            </a:rPr>
+                            <m:t>=</m:t>
+                          </m:r>
+                          <m:r>
+                            <a:rPr lang="fr-FR" sz="2000" b="1" i="1" smtClean="0">
+                              <a:latin typeface="Cambria Math" panose="02040503050406030204" pitchFamily="18" charset="0"/>
+                            </a:rPr>
+                            <m:t>𝟎</m:t>
+                          </m:r>
+                        </m:oMath>
+                      </m:oMathPara>
+                    </a14:m>
+                    <a:endParaRPr lang="fr-FR" b="1" dirty="0"/>
+                  </a:p>
+                </p:txBody>
+              </p:sp>
+            </mc:Choice>
+            <mc:Fallback xmlns="">
+              <p:sp>
+                <p:nvSpPr>
+                  <p:cNvPr id="5" name="Rectangle 4"/>
+                  <p:cNvSpPr>
+                    <a:spLocks noRot="1" noChangeAspect="1" noMove="1" noResize="1" noEditPoints="1" noAdjustHandles="1" noChangeArrowheads="1" noChangeShapeType="1" noTextEdit="1"/>
+                  </p:cNvSpPr>
+                  <p:nvPr/>
+                </p:nvSpPr>
+                <p:spPr>
+                  <a:xfrm>
+                    <a:off x="8625385" y="5254388"/>
+                    <a:ext cx="2347415" cy="832513"/>
+                  </a:xfrm>
+                  <a:prstGeom prst="rect">
+                    <a:avLst/>
+                  </a:prstGeom>
+                  <a:blipFill>
+                    <a:blip r:embed="rId3"/>
+                    <a:stretch>
+                      <a:fillRect/>
+                    </a:stretch>
+                  </a:blipFill>
+                  <a:ln>
+                    <a:noFill/>
+                  </a:ln>
+                </p:spPr>
+                <p:txBody>
+                  <a:bodyPr/>
+                  <a:lstStyle/>
+                  <a:p>
+                    <a:r>
+                      <a:rPr lang="fr-FR">
+                        <a:noFill/>
+                      </a:rPr>
+                      <a:t> </a:t>
+                    </a:r>
+                  </a:p>
+                </p:txBody>
+              </p:sp>
+            </mc:Fallback>
+          </mc:AlternateContent>
+          <mc:AlternateContent xmlns:mc="http://schemas.openxmlformats.org/markup-compatibility/2006" xmlns:a14="http://schemas.microsoft.com/office/drawing/2010/main">
+            <mc:Choice Requires="a14">
+              <p:sp>
+                <p:nvSpPr>
+                  <p:cNvPr id="7" name="Rectangle 6"/>
+                  <p:cNvSpPr/>
+                  <p:nvPr/>
+                </p:nvSpPr>
+                <p:spPr>
+                  <a:xfrm>
+                    <a:off x="7221940" y="1476233"/>
+                    <a:ext cx="3000233" cy="832513"/>
+                  </a:xfrm>
+                  <a:prstGeom prst="rect">
+                    <a:avLst/>
+                  </a:prstGeom>
+                  <a:ln>
+                    <a:noFill/>
+                  </a:ln>
+                </p:spPr>
+                <p:style>
+                  <a:lnRef idx="2">
+                    <a:schemeClr val="accent6"/>
+                  </a:lnRef>
+                  <a:fillRef idx="1">
+                    <a:schemeClr val="lt1"/>
+                  </a:fillRef>
+                  <a:effectRef idx="0">
+                    <a:schemeClr val="accent6"/>
+                  </a:effectRef>
+                  <a:fontRef idx="minor">
+                    <a:schemeClr val="dk1"/>
+                  </a:fontRef>
+                </p:style>
+                <p:txBody>
+                  <a:bodyPr rtlCol="0" anchor="ctr"/>
+                  <a:lstStyle/>
+                  <a:p>
+                    <a:pPr algn="ctr"/>
+                    <a:r>
+                      <a:rPr lang="fr-FR" sz="2000" b="1" dirty="0" smtClean="0"/>
+                      <a:t>Flux moyenné imposé</a:t>
+                    </a:r>
+                  </a:p>
+                  <a:p>
+                    <a:pPr algn="ctr"/>
+                    <a14:m>
+                      <m:oMathPara xmlns:m="http://schemas.openxmlformats.org/officeDocument/2006/math">
+                        <m:oMathParaPr>
+                          <m:jc m:val="centerGroup"/>
+                        </m:oMathParaPr>
+                        <m:oMath xmlns:m="http://schemas.openxmlformats.org/officeDocument/2006/math">
+                          <m:sSub>
+                            <m:sSubPr>
+                              <m:ctrlPr>
+                                <a:rPr lang="fr-FR" sz="2000" b="1" i="1" smtClean="0">
+                                  <a:latin typeface="Cambria Math" panose="02040503050406030204" pitchFamily="18" charset="0"/>
+                                </a:rPr>
+                              </m:ctrlPr>
+                            </m:sSubPr>
+                            <m:e>
+                              <m:r>
+                                <a:rPr lang="fr-FR" sz="2000" b="1" i="1" smtClean="0">
+                                  <a:latin typeface="Cambria Math" panose="02040503050406030204" pitchFamily="18" charset="0"/>
+                                </a:rPr>
+                                <m:t>𝑺</m:t>
+                              </m:r>
+                            </m:e>
+                            <m:sub>
+                              <m:r>
+                                <a:rPr lang="fr-FR" sz="2000" b="1" i="1" smtClean="0">
+                                  <a:latin typeface="Cambria Math" panose="02040503050406030204" pitchFamily="18" charset="0"/>
+                                </a:rPr>
+                                <m:t>𝝓</m:t>
+                              </m:r>
+                            </m:sub>
+                          </m:sSub>
+                          <m:r>
+                            <a:rPr lang="fr-FR" sz="2000" b="1" i="1" smtClean="0">
+                              <a:latin typeface="Cambria Math" panose="02040503050406030204" pitchFamily="18" charset="0"/>
+                            </a:rPr>
+                            <m:t> :</m:t>
+                          </m:r>
+                          <m:r>
+                            <a:rPr lang="fr-FR" sz="2000" b="1" i="1" smtClean="0">
+                              <a:latin typeface="Cambria Math" panose="02040503050406030204" pitchFamily="18" charset="0"/>
+                            </a:rPr>
+                            <m:t>𝝓</m:t>
+                          </m:r>
+                          <m:r>
+                            <a:rPr lang="fr-FR" sz="2000" b="1" i="1" smtClean="0">
+                              <a:latin typeface="Cambria Math" panose="02040503050406030204" pitchFamily="18" charset="0"/>
+                            </a:rPr>
+                            <m:t>=</m:t>
+                          </m:r>
+                          <m:sSubSup>
+                            <m:sSubSupPr>
+                              <m:ctrlPr>
+                                <a:rPr lang="fr-FR" sz="2000" b="1" i="1" smtClean="0">
+                                  <a:latin typeface="Cambria Math" panose="02040503050406030204" pitchFamily="18" charset="0"/>
+                                </a:rPr>
+                              </m:ctrlPr>
+                            </m:sSubSupPr>
+                            <m:e>
+                              <m:r>
+                                <a:rPr lang="fr-FR" sz="2000" b="1" i="1" smtClean="0">
+                                  <a:latin typeface="Cambria Math" panose="02040503050406030204" pitchFamily="18" charset="0"/>
+                                </a:rPr>
+                                <m:t>𝝓</m:t>
+                              </m:r>
+                            </m:e>
+                            <m:sub>
+                              <m:r>
+                                <a:rPr lang="fr-FR" sz="2000" b="1" i="1" smtClean="0">
+                                  <a:latin typeface="Cambria Math" panose="02040503050406030204" pitchFamily="18" charset="0"/>
+                                </a:rPr>
+                                <m:t>𝒎𝒐𝒚</m:t>
+                              </m:r>
+                            </m:sub>
+                            <m:sup>
+                              <m:r>
+                                <a:rPr lang="fr-FR" sz="2000" b="1" i="1" smtClean="0">
+                                  <a:latin typeface="Cambria Math" panose="02040503050406030204" pitchFamily="18" charset="0"/>
+                                </a:rPr>
+                                <m:t>𝒑𝒂𝒍𝒊𝒆𝒓</m:t>
+                              </m:r>
+                            </m:sup>
+                          </m:sSubSup>
+                        </m:oMath>
+                      </m:oMathPara>
+                    </a14:m>
+                    <a:endParaRPr lang="fr-FR" b="1" dirty="0"/>
+                  </a:p>
+                </p:txBody>
+              </p:sp>
+            </mc:Choice>
+            <mc:Fallback xmlns="">
+              <p:sp>
+                <p:nvSpPr>
+                  <p:cNvPr id="7" name="Rectangle 6"/>
+                  <p:cNvSpPr>
+                    <a:spLocks noRot="1" noChangeAspect="1" noMove="1" noResize="1" noEditPoints="1" noAdjustHandles="1" noChangeArrowheads="1" noChangeShapeType="1" noTextEdit="1"/>
+                  </p:cNvSpPr>
+                  <p:nvPr/>
+                </p:nvSpPr>
+                <p:spPr>
+                  <a:xfrm>
+                    <a:off x="7221940" y="1476233"/>
+                    <a:ext cx="3000233" cy="832513"/>
+                  </a:xfrm>
+                  <a:prstGeom prst="rect">
+                    <a:avLst/>
+                  </a:prstGeom>
+                  <a:blipFill>
+                    <a:blip r:embed="rId4"/>
+                    <a:stretch>
+                      <a:fillRect t="-2190" b="-2190"/>
+                    </a:stretch>
+                  </a:blipFill>
+                  <a:ln>
+                    <a:noFill/>
+                  </a:ln>
+                </p:spPr>
+                <p:txBody>
+                  <a:bodyPr/>
+                  <a:lstStyle/>
+                  <a:p>
+                    <a:r>
+                      <a:rPr lang="fr-FR">
+                        <a:noFill/>
+                      </a:rPr>
+                      <a:t> </a:t>
+                    </a:r>
+                  </a:p>
+                </p:txBody>
+              </p:sp>
+            </mc:Fallback>
+          </mc:AlternateContent>
+          <mc:AlternateContent xmlns:mc="http://schemas.openxmlformats.org/markup-compatibility/2006" xmlns:a14="http://schemas.microsoft.com/office/drawing/2010/main">
+            <mc:Choice Requires="a14">
+              <p:sp>
+                <p:nvSpPr>
+                  <p:cNvPr id="8" name="Rectangle 7"/>
+                  <p:cNvSpPr/>
+                  <p:nvPr/>
+                </p:nvSpPr>
+                <p:spPr>
+                  <a:xfrm>
+                    <a:off x="2690884" y="731175"/>
+                    <a:ext cx="3916907" cy="879261"/>
+                  </a:xfrm>
+                  <a:prstGeom prst="rect">
+                    <a:avLst/>
+                  </a:prstGeom>
+                  <a:ln>
+                    <a:noFill/>
+                  </a:ln>
+                </p:spPr>
+                <p:style>
+                  <a:lnRef idx="2">
+                    <a:schemeClr val="accent6"/>
+                  </a:lnRef>
+                  <a:fillRef idx="1">
+                    <a:schemeClr val="lt1"/>
+                  </a:fillRef>
+                  <a:effectRef idx="0">
+                    <a:schemeClr val="accent6"/>
+                  </a:effectRef>
+                  <a:fontRef idx="minor">
+                    <a:schemeClr val="dk1"/>
+                  </a:fontRef>
+                </p:style>
+                <p:txBody>
+                  <a:bodyPr rtlCol="0" anchor="ctr"/>
+                  <a:lstStyle/>
+                  <a:p>
+                    <a:pPr algn="ctr"/>
+                    <a:r>
+                      <a:rPr lang="fr-FR" sz="2000" b="1" dirty="0" smtClean="0"/>
+                      <a:t>Convection forcée par l’air</a:t>
+                    </a:r>
+                  </a:p>
+                  <a:p>
+                    <a:pPr algn="ctr"/>
+                    <a14:m>
+                      <m:oMathPara xmlns:m="http://schemas.openxmlformats.org/officeDocument/2006/math">
+                        <m:oMathParaPr>
+                          <m:jc m:val="centerGroup"/>
+                        </m:oMathParaPr>
+                        <m:oMath xmlns:m="http://schemas.openxmlformats.org/officeDocument/2006/math">
+                          <m:sSub>
+                            <m:sSubPr>
+                              <m:ctrlPr>
+                                <a:rPr lang="fr-FR" sz="2000" b="1" i="1" smtClean="0">
+                                  <a:latin typeface="Cambria Math" panose="02040503050406030204" pitchFamily="18" charset="0"/>
+                                </a:rPr>
+                              </m:ctrlPr>
+                            </m:sSubPr>
+                            <m:e>
+                              <m:r>
+                                <a:rPr lang="fr-FR" sz="2000" b="1" i="1" smtClean="0">
+                                  <a:latin typeface="Cambria Math" panose="02040503050406030204" pitchFamily="18" charset="0"/>
+                                </a:rPr>
+                                <m:t>𝑺</m:t>
+                              </m:r>
+                            </m:e>
+                            <m:sub>
+                              <m:r>
+                                <a:rPr lang="fr-FR" sz="2000" b="1" i="1" smtClean="0">
+                                  <a:latin typeface="Cambria Math" panose="02040503050406030204" pitchFamily="18" charset="0"/>
+                                </a:rPr>
+                                <m:t>𝒄</m:t>
+                              </m:r>
+                            </m:sub>
+                          </m:sSub>
+                          <m:r>
+                            <a:rPr lang="fr-FR" sz="2000" b="1" i="1" smtClean="0">
+                              <a:latin typeface="Cambria Math" panose="02040503050406030204" pitchFamily="18" charset="0"/>
+                            </a:rPr>
+                            <m:t>:</m:t>
+                          </m:r>
+                          <m:acc>
+                            <m:accPr>
+                              <m:chr m:val="⃗"/>
+                              <m:ctrlPr>
+                                <a:rPr lang="fr-FR" b="1" i="1">
+                                  <a:latin typeface="Cambria Math" panose="02040503050406030204" pitchFamily="18" charset="0"/>
+                                </a:rPr>
+                              </m:ctrlPr>
+                            </m:accPr>
+                            <m:e>
+                              <m:r>
+                                <a:rPr lang="fr-FR" b="1" i="1">
+                                  <a:latin typeface="Cambria Math" panose="02040503050406030204" pitchFamily="18" charset="0"/>
+                                </a:rPr>
+                                <m:t>𝝓</m:t>
+                              </m:r>
+                            </m:e>
+                          </m:acc>
+                          <m:r>
+                            <a:rPr lang="fr-FR" b="1" i="1">
+                              <a:latin typeface="Cambria Math" panose="02040503050406030204" pitchFamily="18" charset="0"/>
+                            </a:rPr>
+                            <m:t>∙</m:t>
+                          </m:r>
+                          <m:acc>
+                            <m:accPr>
+                              <m:chr m:val="⃗"/>
+                              <m:ctrlPr>
+                                <a:rPr lang="fr-FR" b="1" i="1">
+                                  <a:latin typeface="Cambria Math" panose="02040503050406030204" pitchFamily="18" charset="0"/>
+                                </a:rPr>
+                              </m:ctrlPr>
+                            </m:accPr>
+                            <m:e>
+                              <m:r>
+                                <a:rPr lang="fr-FR" b="1" i="1">
+                                  <a:latin typeface="Cambria Math" panose="02040503050406030204" pitchFamily="18" charset="0"/>
+                                </a:rPr>
+                                <m:t>𝒏</m:t>
+                              </m:r>
+                            </m:e>
+                          </m:acc>
+                          <m:r>
+                            <a:rPr lang="fr-FR" b="1" i="1" smtClean="0">
+                              <a:latin typeface="Cambria Math" panose="02040503050406030204" pitchFamily="18" charset="0"/>
+                            </a:rPr>
+                            <m:t>=</m:t>
+                          </m:r>
+                          <m:sSub>
+                            <m:sSubPr>
+                              <m:ctrlPr>
+                                <a:rPr lang="fr-FR" b="1" i="1">
+                                  <a:latin typeface="Cambria Math" panose="02040503050406030204" pitchFamily="18" charset="0"/>
+                                </a:rPr>
+                              </m:ctrlPr>
+                            </m:sSubPr>
+                            <m:e>
+                              <m:r>
+                                <a:rPr lang="fr-FR" b="1" i="1">
+                                  <a:latin typeface="Cambria Math" panose="02040503050406030204" pitchFamily="18" charset="0"/>
+                                </a:rPr>
+                                <m:t>𝑯</m:t>
+                              </m:r>
+                            </m:e>
+                            <m:sub>
+                              <m:r>
+                                <a:rPr lang="fr-FR" b="1" i="1">
+                                  <a:latin typeface="Cambria Math" panose="02040503050406030204" pitchFamily="18" charset="0"/>
+                                </a:rPr>
+                                <m:t>𝒄</m:t>
+                              </m:r>
+                            </m:sub>
+                          </m:sSub>
+                          <m:d>
+                            <m:dPr>
+                              <m:ctrlPr>
+                                <a:rPr lang="fr-FR" b="1" i="1">
+                                  <a:latin typeface="Cambria Math" panose="02040503050406030204" pitchFamily="18" charset="0"/>
+                                </a:rPr>
+                              </m:ctrlPr>
+                            </m:dPr>
+                            <m:e>
+                              <m:r>
+                                <a:rPr lang="fr-FR" b="1" i="1" smtClean="0">
+                                  <a:latin typeface="Cambria Math" panose="02040503050406030204" pitchFamily="18" charset="0"/>
+                                </a:rPr>
+                                <m:t>𝑻</m:t>
+                              </m:r>
+                              <m:r>
+                                <a:rPr lang="fr-FR" b="1" i="1" smtClean="0">
+                                  <a:latin typeface="Cambria Math" panose="02040503050406030204" pitchFamily="18" charset="0"/>
+                                </a:rPr>
+                                <m:t>−</m:t>
+                              </m:r>
+                              <m:sSub>
+                                <m:sSubPr>
+                                  <m:ctrlPr>
+                                    <a:rPr lang="fr-FR" b="1" i="1">
+                                      <a:latin typeface="Cambria Math" panose="02040503050406030204" pitchFamily="18" charset="0"/>
+                                    </a:rPr>
+                                  </m:ctrlPr>
+                                </m:sSubPr>
+                                <m:e>
+                                  <m:r>
+                                    <a:rPr lang="fr-FR" b="1" i="1">
+                                      <a:latin typeface="Cambria Math" panose="02040503050406030204" pitchFamily="18" charset="0"/>
+                                    </a:rPr>
+                                    <m:t>𝑻</m:t>
+                                  </m:r>
+                                </m:e>
+                                <m:sub>
+                                  <m:r>
+                                    <a:rPr lang="fr-FR" b="1" i="1">
+                                      <a:latin typeface="Cambria Math" panose="02040503050406030204" pitchFamily="18" charset="0"/>
+                                    </a:rPr>
+                                    <m:t>𝒆𝒙𝒕</m:t>
+                                  </m:r>
+                                </m:sub>
+                              </m:sSub>
+                            </m:e>
+                          </m:d>
+                        </m:oMath>
+                      </m:oMathPara>
+                    </a14:m>
+                    <a:endParaRPr lang="fr-FR" b="1" dirty="0"/>
+                  </a:p>
+                </p:txBody>
+              </p:sp>
+            </mc:Choice>
+            <mc:Fallback xmlns="">
+              <p:sp>
+                <p:nvSpPr>
+                  <p:cNvPr id="8" name="Rectangle 7"/>
+                  <p:cNvSpPr>
+                    <a:spLocks noRot="1" noChangeAspect="1" noMove="1" noResize="1" noEditPoints="1" noAdjustHandles="1" noChangeArrowheads="1" noChangeShapeType="1" noTextEdit="1"/>
+                  </p:cNvSpPr>
+                  <p:nvPr/>
+                </p:nvSpPr>
+                <p:spPr>
+                  <a:xfrm>
+                    <a:off x="2690884" y="731175"/>
+                    <a:ext cx="3916907" cy="879261"/>
+                  </a:xfrm>
+                  <a:prstGeom prst="rect">
+                    <a:avLst/>
+                  </a:prstGeom>
+                  <a:blipFill>
+                    <a:blip r:embed="rId5"/>
+                    <a:stretch>
+                      <a:fillRect/>
+                    </a:stretch>
+                  </a:blipFill>
+                  <a:ln>
+                    <a:noFill/>
+                  </a:ln>
+                </p:spPr>
+                <p:txBody>
+                  <a:bodyPr/>
+                  <a:lstStyle/>
+                  <a:p>
+                    <a:r>
+                      <a:rPr lang="fr-FR">
+                        <a:noFill/>
+                      </a:rPr>
+                      <a:t> </a:t>
+                    </a:r>
+                  </a:p>
+                </p:txBody>
+              </p:sp>
+            </mc:Fallback>
+          </mc:AlternateContent>
+          <mc:AlternateContent xmlns:mc="http://schemas.openxmlformats.org/markup-compatibility/2006" xmlns:a14="http://schemas.microsoft.com/office/drawing/2010/main">
+            <mc:Choice Requires="a14">
+              <p:sp>
+                <p:nvSpPr>
+                  <p:cNvPr id="9" name="Rectangle 8"/>
+                  <p:cNvSpPr/>
+                  <p:nvPr/>
+                </p:nvSpPr>
+                <p:spPr>
+                  <a:xfrm>
+                    <a:off x="846163" y="3695640"/>
+                    <a:ext cx="2690884" cy="879261"/>
+                  </a:xfrm>
+                  <a:prstGeom prst="rect">
+                    <a:avLst/>
+                  </a:prstGeom>
+                  <a:ln>
+                    <a:noFill/>
+                  </a:ln>
+                </p:spPr>
+                <p:style>
+                  <a:lnRef idx="2">
+                    <a:schemeClr val="accent6"/>
+                  </a:lnRef>
+                  <a:fillRef idx="1">
+                    <a:schemeClr val="lt1"/>
+                  </a:fillRef>
+                  <a:effectRef idx="0">
+                    <a:schemeClr val="accent6"/>
+                  </a:effectRef>
+                  <a:fontRef idx="minor">
+                    <a:schemeClr val="dk1"/>
+                  </a:fontRef>
+                </p:style>
+                <p:txBody>
+                  <a:bodyPr rtlCol="0" anchor="ctr"/>
+                  <a:lstStyle/>
+                  <a:p>
+                    <a:pPr algn="ctr"/>
+                    <a:r>
+                      <a:rPr lang="fr-FR" sz="2000" b="1" dirty="0" smtClean="0"/>
+                      <a:t>Température imposé</a:t>
+                    </a:r>
+                  </a:p>
+                  <a:p>
+                    <a:pPr algn="ctr"/>
+                    <a14:m>
+                      <m:oMathPara xmlns:m="http://schemas.openxmlformats.org/officeDocument/2006/math">
+                        <m:oMathParaPr>
+                          <m:jc m:val="centerGroup"/>
+                        </m:oMathParaPr>
+                        <m:oMath xmlns:m="http://schemas.openxmlformats.org/officeDocument/2006/math">
+                          <m:sSub>
+                            <m:sSubPr>
+                              <m:ctrlPr>
+                                <a:rPr lang="fr-FR" sz="2000" b="1" i="1" smtClean="0">
+                                  <a:latin typeface="Cambria Math" panose="02040503050406030204" pitchFamily="18" charset="0"/>
+                                </a:rPr>
+                              </m:ctrlPr>
+                            </m:sSubPr>
+                            <m:e>
+                              <m:r>
+                                <a:rPr lang="fr-FR" sz="2000" b="1" i="1" smtClean="0">
+                                  <a:latin typeface="Cambria Math" panose="02040503050406030204" pitchFamily="18" charset="0"/>
+                                </a:rPr>
+                                <m:t>𝑺</m:t>
+                              </m:r>
+                            </m:e>
+                            <m:sub>
+                              <m:r>
+                                <a:rPr lang="fr-FR" sz="2000" b="1" i="1" smtClean="0">
+                                  <a:latin typeface="Cambria Math" panose="02040503050406030204" pitchFamily="18" charset="0"/>
+                                </a:rPr>
+                                <m:t>𝑻</m:t>
+                              </m:r>
+                            </m:sub>
+                          </m:sSub>
+                          <m:r>
+                            <a:rPr lang="fr-FR" sz="2000" b="1" i="1" smtClean="0">
+                              <a:latin typeface="Cambria Math" panose="02040503050406030204" pitchFamily="18" charset="0"/>
+                            </a:rPr>
+                            <m:t>:</m:t>
+                          </m:r>
+                          <m:r>
+                            <a:rPr lang="fr-FR" sz="2000" b="1" i="1" smtClean="0">
+                              <a:latin typeface="Cambria Math" panose="02040503050406030204" pitchFamily="18" charset="0"/>
+                            </a:rPr>
+                            <m:t>𝑻</m:t>
+                          </m:r>
+                          <m:r>
+                            <a:rPr lang="fr-FR" sz="2000" b="1" i="1" smtClean="0">
+                              <a:latin typeface="Cambria Math" panose="02040503050406030204" pitchFamily="18" charset="0"/>
+                            </a:rPr>
+                            <m:t>=</m:t>
+                          </m:r>
+                          <m:r>
+                            <a:rPr lang="fr-FR" sz="2000" b="1" i="1" smtClean="0">
+                              <a:latin typeface="Cambria Math" panose="02040503050406030204" pitchFamily="18" charset="0"/>
+                            </a:rPr>
+                            <m:t>𝟓𝟎</m:t>
+                          </m:r>
+                          <m:r>
+                            <a:rPr lang="fr-FR" sz="2000" b="1" i="1" smtClean="0">
+                              <a:latin typeface="Cambria Math" panose="02040503050406030204" pitchFamily="18" charset="0"/>
+                            </a:rPr>
+                            <m:t>°</m:t>
+                          </m:r>
+                          <m:r>
+                            <a:rPr lang="fr-FR" sz="2000" b="1" i="1" smtClean="0">
+                              <a:latin typeface="Cambria Math" panose="02040503050406030204" pitchFamily="18" charset="0"/>
+                            </a:rPr>
+                            <m:t>𝑪</m:t>
+                          </m:r>
+                        </m:oMath>
+                      </m:oMathPara>
+                    </a14:m>
+                    <a:endParaRPr lang="fr-FR" b="1" dirty="0"/>
+                  </a:p>
+                </p:txBody>
+              </p:sp>
+            </mc:Choice>
+            <mc:Fallback xmlns="">
+              <p:sp>
+                <p:nvSpPr>
+                  <p:cNvPr id="9" name="Rectangle 8"/>
+                  <p:cNvSpPr>
+                    <a:spLocks noRot="1" noChangeAspect="1" noMove="1" noResize="1" noEditPoints="1" noAdjustHandles="1" noChangeArrowheads="1" noChangeShapeType="1" noTextEdit="1"/>
+                  </p:cNvSpPr>
+                  <p:nvPr/>
+                </p:nvSpPr>
+                <p:spPr>
+                  <a:xfrm>
+                    <a:off x="846163" y="3695640"/>
+                    <a:ext cx="2690884" cy="879261"/>
+                  </a:xfrm>
+                  <a:prstGeom prst="rect">
+                    <a:avLst/>
+                  </a:prstGeom>
+                  <a:blipFill>
+                    <a:blip r:embed="rId6"/>
+                    <a:stretch>
+                      <a:fillRect/>
+                    </a:stretch>
+                  </a:blipFill>
+                  <a:ln>
+                    <a:noFill/>
+                  </a:ln>
+                </p:spPr>
+                <p:txBody>
+                  <a:bodyPr/>
+                  <a:lstStyle/>
+                  <a:p>
+                    <a:r>
+                      <a:rPr lang="fr-FR">
+                        <a:noFill/>
+                      </a:rPr>
+                      <a:t> </a:t>
+                    </a:r>
+                  </a:p>
+                </p:txBody>
+              </p:sp>
+            </mc:Fallback>
+          </mc:AlternateContent>
+        </p:grpSp>
+        <p:sp>
+          <p:nvSpPr>
+            <p:cNvPr id="11" name="Rectangle 10"/>
+            <p:cNvSpPr/>
+            <p:nvPr/>
+          </p:nvSpPr>
+          <p:spPr>
+            <a:xfrm>
+              <a:off x="2505502" y="4012009"/>
+              <a:ext cx="2690884" cy="879261"/>
             </a:xfrm>
             <a:prstGeom prst="rect">
               <a:avLst/>
             </a:prstGeom>
             <a:noFill/>
+            <a:ln>
+              <a:noFill/>
+            </a:ln>
           </p:spPr>
-        </p:pic>
-        <mc:AlternateContent xmlns:mc="http://schemas.openxmlformats.org/markup-compatibility/2006" xmlns:a14="http://schemas.microsoft.com/office/drawing/2010/main">
-          <mc:Choice Requires="a14">
-            <p:sp>
-              <p:nvSpPr>
-                <p:cNvPr id="5" name="Rectangle 4"/>
-                <p:cNvSpPr/>
-                <p:nvPr/>
-              </p:nvSpPr>
-              <p:spPr>
-                <a:xfrm>
-                  <a:off x="8625385" y="5254388"/>
-                  <a:ext cx="2347415" cy="832513"/>
-                </a:xfrm>
-                <a:prstGeom prst="rect">
-                  <a:avLst/>
-                </a:prstGeom>
-                <a:ln>
-                  <a:noFill/>
-                </a:ln>
-              </p:spPr>
-              <p:style>
-                <a:lnRef idx="2">
-                  <a:schemeClr val="accent6"/>
-                </a:lnRef>
-                <a:fillRef idx="1">
-                  <a:schemeClr val="lt1"/>
-                </a:fillRef>
-                <a:effectRef idx="0">
-                  <a:schemeClr val="accent6"/>
-                </a:effectRef>
-                <a:fontRef idx="minor">
-                  <a:schemeClr val="dk1"/>
-                </a:fontRef>
-              </p:style>
-              <p:txBody>
-                <a:bodyPr rtlCol="0" anchor="ctr"/>
-                <a:lstStyle/>
-                <a:p>
-                  <a:pPr algn="ctr"/>
-                  <a:r>
-                    <a:rPr lang="fr-FR" sz="2000" b="1" dirty="0" smtClean="0"/>
-                    <a:t>Paroi adiabatique</a:t>
-                  </a:r>
-                </a:p>
-                <a:p>
-                  <a:pPr algn="ctr"/>
-                  <a14:m>
-                    <m:oMathPara xmlns:m="http://schemas.openxmlformats.org/officeDocument/2006/math">
-                      <m:oMathParaPr>
-                        <m:jc m:val="centerGroup"/>
-                      </m:oMathParaPr>
-                      <m:oMath xmlns:m="http://schemas.openxmlformats.org/officeDocument/2006/math">
-                        <m:sSub>
-                          <m:sSubPr>
-                            <m:ctrlPr>
-                              <a:rPr lang="fr-FR" sz="2000" b="1" i="1" smtClean="0">
-                                <a:latin typeface="Cambria Math" panose="02040503050406030204" pitchFamily="18" charset="0"/>
-                              </a:rPr>
-                            </m:ctrlPr>
-                          </m:sSubPr>
-                          <m:e>
-                            <m:r>
-                              <a:rPr lang="fr-FR" sz="2000" b="1" i="1" smtClean="0">
-                                <a:latin typeface="Cambria Math" panose="02040503050406030204" pitchFamily="18" charset="0"/>
-                              </a:rPr>
-                              <m:t>𝑺</m:t>
-                            </m:r>
-                          </m:e>
-                          <m:sub>
-                            <m:r>
-                              <a:rPr lang="fr-FR" sz="2000" b="1" i="1" smtClean="0">
-                                <a:latin typeface="Cambria Math" panose="02040503050406030204" pitchFamily="18" charset="0"/>
-                              </a:rPr>
-                              <m:t>𝒂𝒅𝒊𝒂</m:t>
-                            </m:r>
-                          </m:sub>
-                        </m:sSub>
-                        <m:r>
-                          <a:rPr lang="fr-FR" sz="2000" b="1" i="1" smtClean="0">
-                            <a:latin typeface="Cambria Math" panose="02040503050406030204" pitchFamily="18" charset="0"/>
-                          </a:rPr>
-                          <m:t> :</m:t>
-                        </m:r>
-                        <m:r>
-                          <a:rPr lang="fr-FR" sz="2000" b="1" i="1" smtClean="0">
-                            <a:latin typeface="Cambria Math" panose="02040503050406030204" pitchFamily="18" charset="0"/>
-                          </a:rPr>
-                          <m:t>𝝓</m:t>
-                        </m:r>
-                        <m:r>
-                          <a:rPr lang="fr-FR" sz="2000" b="1" i="1" smtClean="0">
-                            <a:latin typeface="Cambria Math" panose="02040503050406030204" pitchFamily="18" charset="0"/>
-                          </a:rPr>
-                          <m:t>=</m:t>
-                        </m:r>
-                        <m:r>
-                          <a:rPr lang="fr-FR" sz="2000" b="1" i="1" smtClean="0">
-                            <a:latin typeface="Cambria Math" panose="02040503050406030204" pitchFamily="18" charset="0"/>
-                          </a:rPr>
-                          <m:t>𝟎</m:t>
-                        </m:r>
-                      </m:oMath>
-                    </m:oMathPara>
-                  </a14:m>
-                  <a:endParaRPr lang="fr-FR" b="1" dirty="0"/>
-                </a:p>
-              </p:txBody>
-            </p:sp>
-          </mc:Choice>
-          <mc:Fallback xmlns="">
-            <p:sp>
-              <p:nvSpPr>
-                <p:cNvPr id="5" name="Rectangle 4"/>
-                <p:cNvSpPr>
-                  <a:spLocks noRot="1" noChangeAspect="1" noMove="1" noResize="1" noEditPoints="1" noAdjustHandles="1" noChangeArrowheads="1" noChangeShapeType="1" noTextEdit="1"/>
-                </p:cNvSpPr>
-                <p:nvPr/>
-              </p:nvSpPr>
-              <p:spPr>
-                <a:xfrm>
-                  <a:off x="8625385" y="5254388"/>
-                  <a:ext cx="2347415" cy="832513"/>
-                </a:xfrm>
-                <a:prstGeom prst="rect">
-                  <a:avLst/>
-                </a:prstGeom>
-                <a:blipFill>
-                  <a:blip r:embed="rId3"/>
-                  <a:stretch>
-                    <a:fillRect/>
-                  </a:stretch>
-                </a:blipFill>
-                <a:ln>
-                  <a:noFill/>
-                </a:ln>
-              </p:spPr>
-              <p:txBody>
-                <a:bodyPr/>
-                <a:lstStyle/>
-                <a:p>
-                  <a:r>
-                    <a:rPr lang="fr-FR">
-                      <a:noFill/>
-                    </a:rPr>
-                    <a:t> </a:t>
-                  </a:r>
-                </a:p>
-              </p:txBody>
-            </p:sp>
-          </mc:Fallback>
-        </mc:AlternateContent>
-        <mc:AlternateContent xmlns:mc="http://schemas.openxmlformats.org/markup-compatibility/2006" xmlns:a14="http://schemas.microsoft.com/office/drawing/2010/main">
-          <mc:Choice Requires="a14">
-            <p:sp>
-              <p:nvSpPr>
-                <p:cNvPr id="7" name="Rectangle 6"/>
-                <p:cNvSpPr/>
-                <p:nvPr/>
-              </p:nvSpPr>
-              <p:spPr>
-                <a:xfrm>
-                  <a:off x="7221940" y="1476233"/>
-                  <a:ext cx="3000233" cy="832513"/>
-                </a:xfrm>
-                <a:prstGeom prst="rect">
-                  <a:avLst/>
-                </a:prstGeom>
-                <a:ln>
-                  <a:noFill/>
-                </a:ln>
-              </p:spPr>
-              <p:style>
-                <a:lnRef idx="2">
-                  <a:schemeClr val="accent6"/>
-                </a:lnRef>
-                <a:fillRef idx="1">
-                  <a:schemeClr val="lt1"/>
-                </a:fillRef>
-                <a:effectRef idx="0">
-                  <a:schemeClr val="accent6"/>
-                </a:effectRef>
-                <a:fontRef idx="minor">
-                  <a:schemeClr val="dk1"/>
-                </a:fontRef>
-              </p:style>
-              <p:txBody>
-                <a:bodyPr rtlCol="0" anchor="ctr"/>
-                <a:lstStyle/>
-                <a:p>
-                  <a:pPr algn="ctr"/>
-                  <a:r>
-                    <a:rPr lang="fr-FR" sz="2000" b="1" dirty="0" smtClean="0"/>
-                    <a:t>Flux moyenné imposé</a:t>
-                  </a:r>
-                </a:p>
-                <a:p>
-                  <a:pPr algn="ctr"/>
-                  <a14:m>
-                    <m:oMathPara xmlns:m="http://schemas.openxmlformats.org/officeDocument/2006/math">
-                      <m:oMathParaPr>
-                        <m:jc m:val="centerGroup"/>
-                      </m:oMathParaPr>
-                      <m:oMath xmlns:m="http://schemas.openxmlformats.org/officeDocument/2006/math">
-                        <m:sSub>
-                          <m:sSubPr>
-                            <m:ctrlPr>
-                              <a:rPr lang="fr-FR" sz="2000" b="1" i="1" smtClean="0">
-                                <a:latin typeface="Cambria Math" panose="02040503050406030204" pitchFamily="18" charset="0"/>
-                              </a:rPr>
-                            </m:ctrlPr>
-                          </m:sSubPr>
-                          <m:e>
-                            <m:r>
-                              <a:rPr lang="fr-FR" sz="2000" b="1" i="1" smtClean="0">
-                                <a:latin typeface="Cambria Math" panose="02040503050406030204" pitchFamily="18" charset="0"/>
-                              </a:rPr>
-                              <m:t>𝑺</m:t>
-                            </m:r>
-                          </m:e>
-                          <m:sub>
-                            <m:r>
-                              <a:rPr lang="fr-FR" sz="2000" b="1" i="1" smtClean="0">
-                                <a:latin typeface="Cambria Math" panose="02040503050406030204" pitchFamily="18" charset="0"/>
-                              </a:rPr>
-                              <m:t>𝝓</m:t>
-                            </m:r>
-                          </m:sub>
-                        </m:sSub>
-                        <m:r>
-                          <a:rPr lang="fr-FR" sz="2000" b="1" i="1" smtClean="0">
-                            <a:latin typeface="Cambria Math" panose="02040503050406030204" pitchFamily="18" charset="0"/>
-                          </a:rPr>
-                          <m:t> :</m:t>
-                        </m:r>
-                        <m:r>
-                          <a:rPr lang="fr-FR" sz="2000" b="1" i="1" smtClean="0">
-                            <a:latin typeface="Cambria Math" panose="02040503050406030204" pitchFamily="18" charset="0"/>
-                          </a:rPr>
-                          <m:t>𝝓</m:t>
-                        </m:r>
-                        <m:r>
-                          <a:rPr lang="fr-FR" sz="2000" b="1" i="1" smtClean="0">
-                            <a:latin typeface="Cambria Math" panose="02040503050406030204" pitchFamily="18" charset="0"/>
-                          </a:rPr>
-                          <m:t>=</m:t>
-                        </m:r>
-                        <m:sSubSup>
-                          <m:sSubSupPr>
-                            <m:ctrlPr>
-                              <a:rPr lang="fr-FR" sz="2000" b="1" i="1" smtClean="0">
-                                <a:latin typeface="Cambria Math" panose="02040503050406030204" pitchFamily="18" charset="0"/>
-                              </a:rPr>
-                            </m:ctrlPr>
-                          </m:sSubSupPr>
-                          <m:e>
-                            <m:r>
-                              <a:rPr lang="fr-FR" sz="2000" b="1" i="1" smtClean="0">
-                                <a:latin typeface="Cambria Math" panose="02040503050406030204" pitchFamily="18" charset="0"/>
-                              </a:rPr>
-                              <m:t>𝝓</m:t>
-                            </m:r>
-                          </m:e>
-                          <m:sub>
-                            <m:r>
-                              <a:rPr lang="fr-FR" sz="2000" b="1" i="1" smtClean="0">
-                                <a:latin typeface="Cambria Math" panose="02040503050406030204" pitchFamily="18" charset="0"/>
-                              </a:rPr>
-                              <m:t>𝒎𝒐𝒚</m:t>
-                            </m:r>
-                          </m:sub>
-                          <m:sup>
-                            <m:r>
-                              <a:rPr lang="fr-FR" sz="2000" b="1" i="1" smtClean="0">
-                                <a:latin typeface="Cambria Math" panose="02040503050406030204" pitchFamily="18" charset="0"/>
-                              </a:rPr>
-                              <m:t>𝒑𝒂𝒍𝒊𝒆𝒓</m:t>
-                            </m:r>
-                          </m:sup>
-                        </m:sSubSup>
-                      </m:oMath>
-                    </m:oMathPara>
-                  </a14:m>
-                  <a:endParaRPr lang="fr-FR" b="1" dirty="0"/>
-                </a:p>
-              </p:txBody>
-            </p:sp>
-          </mc:Choice>
-          <mc:Fallback xmlns="">
-            <p:sp>
-              <p:nvSpPr>
-                <p:cNvPr id="7" name="Rectangle 6"/>
-                <p:cNvSpPr>
-                  <a:spLocks noRot="1" noChangeAspect="1" noMove="1" noResize="1" noEditPoints="1" noAdjustHandles="1" noChangeArrowheads="1" noChangeShapeType="1" noTextEdit="1"/>
-                </p:cNvSpPr>
-                <p:nvPr/>
-              </p:nvSpPr>
-              <p:spPr>
-                <a:xfrm>
-                  <a:off x="7221940" y="1476233"/>
-                  <a:ext cx="3000233" cy="832513"/>
-                </a:xfrm>
-                <a:prstGeom prst="rect">
-                  <a:avLst/>
-                </a:prstGeom>
-                <a:blipFill>
-                  <a:blip r:embed="rId4"/>
-                  <a:stretch>
-                    <a:fillRect t="-2190" b="-2190"/>
-                  </a:stretch>
-                </a:blipFill>
-                <a:ln>
-                  <a:noFill/>
-                </a:ln>
-              </p:spPr>
-              <p:txBody>
-                <a:bodyPr/>
-                <a:lstStyle/>
-                <a:p>
-                  <a:r>
-                    <a:rPr lang="fr-FR">
-                      <a:noFill/>
-                    </a:rPr>
-                    <a:t> </a:t>
-                  </a:r>
-                </a:p>
-              </p:txBody>
-            </p:sp>
-          </mc:Fallback>
-        </mc:AlternateContent>
-        <mc:AlternateContent xmlns:mc="http://schemas.openxmlformats.org/markup-compatibility/2006" xmlns:a14="http://schemas.microsoft.com/office/drawing/2010/main">
-          <mc:Choice Requires="a14">
-            <p:sp>
-              <p:nvSpPr>
-                <p:cNvPr id="8" name="Rectangle 7"/>
-                <p:cNvSpPr/>
-                <p:nvPr/>
-              </p:nvSpPr>
-              <p:spPr>
-                <a:xfrm>
-                  <a:off x="2690884" y="731175"/>
-                  <a:ext cx="3916907" cy="879261"/>
-                </a:xfrm>
-                <a:prstGeom prst="rect">
-                  <a:avLst/>
-                </a:prstGeom>
-                <a:ln>
-                  <a:noFill/>
-                </a:ln>
-              </p:spPr>
-              <p:style>
-                <a:lnRef idx="2">
-                  <a:schemeClr val="accent6"/>
-                </a:lnRef>
-                <a:fillRef idx="1">
-                  <a:schemeClr val="lt1"/>
-                </a:fillRef>
-                <a:effectRef idx="0">
-                  <a:schemeClr val="accent6"/>
-                </a:effectRef>
-                <a:fontRef idx="minor">
-                  <a:schemeClr val="dk1"/>
-                </a:fontRef>
-              </p:style>
-              <p:txBody>
-                <a:bodyPr rtlCol="0" anchor="ctr"/>
-                <a:lstStyle/>
-                <a:p>
-                  <a:pPr algn="ctr"/>
-                  <a:r>
-                    <a:rPr lang="fr-FR" sz="2000" b="1" dirty="0" smtClean="0"/>
-                    <a:t>Convection forcée par l’air</a:t>
-                  </a:r>
-                </a:p>
-                <a:p>
-                  <a:pPr algn="ctr"/>
-                  <a14:m>
-                    <m:oMathPara xmlns:m="http://schemas.openxmlformats.org/officeDocument/2006/math">
-                      <m:oMathParaPr>
-                        <m:jc m:val="centerGroup"/>
-                      </m:oMathParaPr>
-                      <m:oMath xmlns:m="http://schemas.openxmlformats.org/officeDocument/2006/math">
-                        <m:sSub>
-                          <m:sSubPr>
-                            <m:ctrlPr>
-                              <a:rPr lang="fr-FR" sz="2000" b="1" i="1" smtClean="0">
-                                <a:latin typeface="Cambria Math" panose="02040503050406030204" pitchFamily="18" charset="0"/>
-                              </a:rPr>
-                            </m:ctrlPr>
-                          </m:sSubPr>
-                          <m:e>
-                            <m:r>
-                              <a:rPr lang="fr-FR" sz="2000" b="1" i="1" smtClean="0">
-                                <a:latin typeface="Cambria Math" panose="02040503050406030204" pitchFamily="18" charset="0"/>
-                              </a:rPr>
-                              <m:t>𝑺</m:t>
-                            </m:r>
-                          </m:e>
-                          <m:sub>
-                            <m:r>
-                              <a:rPr lang="fr-FR" sz="2000" b="1" i="1" smtClean="0">
-                                <a:latin typeface="Cambria Math" panose="02040503050406030204" pitchFamily="18" charset="0"/>
-                              </a:rPr>
-                              <m:t>𝒄</m:t>
-                            </m:r>
-                          </m:sub>
-                        </m:sSub>
-                        <m:r>
-                          <a:rPr lang="fr-FR" sz="2000" b="1" i="1" smtClean="0">
-                            <a:latin typeface="Cambria Math" panose="02040503050406030204" pitchFamily="18" charset="0"/>
-                          </a:rPr>
-                          <m:t>:</m:t>
-                        </m:r>
-                        <m:acc>
-                          <m:accPr>
-                            <m:chr m:val="⃗"/>
-                            <m:ctrlPr>
-                              <a:rPr lang="fr-FR" b="1" i="1">
-                                <a:latin typeface="Cambria Math" panose="02040503050406030204" pitchFamily="18" charset="0"/>
-                              </a:rPr>
-                            </m:ctrlPr>
-                          </m:accPr>
-                          <m:e>
-                            <m:r>
-                              <a:rPr lang="fr-FR" b="1" i="1">
-                                <a:latin typeface="Cambria Math" panose="02040503050406030204" pitchFamily="18" charset="0"/>
-                              </a:rPr>
-                              <m:t>𝝓</m:t>
-                            </m:r>
-                          </m:e>
-                        </m:acc>
-                        <m:r>
-                          <a:rPr lang="fr-FR" b="1" i="1">
-                            <a:latin typeface="Cambria Math" panose="02040503050406030204" pitchFamily="18" charset="0"/>
-                          </a:rPr>
-                          <m:t>∙</m:t>
-                        </m:r>
-                        <m:acc>
-                          <m:accPr>
-                            <m:chr m:val="⃗"/>
-                            <m:ctrlPr>
-                              <a:rPr lang="fr-FR" b="1" i="1">
-                                <a:latin typeface="Cambria Math" panose="02040503050406030204" pitchFamily="18" charset="0"/>
-                              </a:rPr>
-                            </m:ctrlPr>
-                          </m:accPr>
-                          <m:e>
-                            <m:r>
-                              <a:rPr lang="fr-FR" b="1" i="1">
-                                <a:latin typeface="Cambria Math" panose="02040503050406030204" pitchFamily="18" charset="0"/>
-                              </a:rPr>
-                              <m:t>𝒏</m:t>
-                            </m:r>
-                          </m:e>
-                        </m:acc>
-                        <m:r>
-                          <a:rPr lang="fr-FR" b="1" i="1" smtClean="0">
-                            <a:latin typeface="Cambria Math" panose="02040503050406030204" pitchFamily="18" charset="0"/>
-                          </a:rPr>
-                          <m:t>=</m:t>
-                        </m:r>
-                        <m:sSub>
-                          <m:sSubPr>
-                            <m:ctrlPr>
-                              <a:rPr lang="fr-FR" b="1" i="1">
-                                <a:latin typeface="Cambria Math" panose="02040503050406030204" pitchFamily="18" charset="0"/>
-                              </a:rPr>
-                            </m:ctrlPr>
-                          </m:sSubPr>
-                          <m:e>
-                            <m:r>
-                              <a:rPr lang="fr-FR" b="1" i="1">
-                                <a:latin typeface="Cambria Math" panose="02040503050406030204" pitchFamily="18" charset="0"/>
-                              </a:rPr>
-                              <m:t>𝑯</m:t>
-                            </m:r>
-                          </m:e>
-                          <m:sub>
-                            <m:r>
-                              <a:rPr lang="fr-FR" b="1" i="1">
-                                <a:latin typeface="Cambria Math" panose="02040503050406030204" pitchFamily="18" charset="0"/>
-                              </a:rPr>
-                              <m:t>𝒄</m:t>
-                            </m:r>
-                          </m:sub>
-                        </m:sSub>
-                        <m:d>
-                          <m:dPr>
-                            <m:ctrlPr>
-                              <a:rPr lang="fr-FR" b="1" i="1">
-                                <a:latin typeface="Cambria Math" panose="02040503050406030204" pitchFamily="18" charset="0"/>
-                              </a:rPr>
-                            </m:ctrlPr>
-                          </m:dPr>
-                          <m:e>
-                            <m:r>
-                              <a:rPr lang="fr-FR" b="1" i="1" smtClean="0">
-                                <a:latin typeface="Cambria Math" panose="02040503050406030204" pitchFamily="18" charset="0"/>
-                              </a:rPr>
-                              <m:t>𝑻</m:t>
-                            </m:r>
-                            <m:r>
-                              <a:rPr lang="fr-FR" b="1" i="1" smtClean="0">
-                                <a:latin typeface="Cambria Math" panose="02040503050406030204" pitchFamily="18" charset="0"/>
-                              </a:rPr>
-                              <m:t>−</m:t>
-                            </m:r>
-                            <m:sSub>
-                              <m:sSubPr>
-                                <m:ctrlPr>
-                                  <a:rPr lang="fr-FR" b="1" i="1">
-                                    <a:latin typeface="Cambria Math" panose="02040503050406030204" pitchFamily="18" charset="0"/>
-                                  </a:rPr>
-                                </m:ctrlPr>
-                              </m:sSubPr>
-                              <m:e>
-                                <m:r>
-                                  <a:rPr lang="fr-FR" b="1" i="1">
-                                    <a:latin typeface="Cambria Math" panose="02040503050406030204" pitchFamily="18" charset="0"/>
-                                  </a:rPr>
-                                  <m:t>𝑻</m:t>
-                                </m:r>
-                              </m:e>
-                              <m:sub>
-                                <m:r>
-                                  <a:rPr lang="fr-FR" b="1" i="1">
-                                    <a:latin typeface="Cambria Math" panose="02040503050406030204" pitchFamily="18" charset="0"/>
-                                  </a:rPr>
-                                  <m:t>𝒆𝒙𝒕</m:t>
-                                </m:r>
-                              </m:sub>
-                            </m:sSub>
-                          </m:e>
-                        </m:d>
-                      </m:oMath>
-                    </m:oMathPara>
-                  </a14:m>
-                  <a:endParaRPr lang="fr-FR" b="1" dirty="0"/>
-                </a:p>
-              </p:txBody>
-            </p:sp>
-          </mc:Choice>
-          <mc:Fallback xmlns="">
-            <p:sp>
-              <p:nvSpPr>
-                <p:cNvPr id="8" name="Rectangle 7"/>
-                <p:cNvSpPr>
-                  <a:spLocks noRot="1" noChangeAspect="1" noMove="1" noResize="1" noEditPoints="1" noAdjustHandles="1" noChangeArrowheads="1" noChangeShapeType="1" noTextEdit="1"/>
-                </p:cNvSpPr>
-                <p:nvPr/>
-              </p:nvSpPr>
-              <p:spPr>
-                <a:xfrm>
-                  <a:off x="2690884" y="731175"/>
-                  <a:ext cx="3916907" cy="879261"/>
-                </a:xfrm>
-                <a:prstGeom prst="rect">
-                  <a:avLst/>
-                </a:prstGeom>
-                <a:blipFill>
-                  <a:blip r:embed="rId5"/>
-                  <a:stretch>
-                    <a:fillRect/>
-                  </a:stretch>
-                </a:blipFill>
-                <a:ln>
-                  <a:noFill/>
-                </a:ln>
-              </p:spPr>
-              <p:txBody>
-                <a:bodyPr/>
-                <a:lstStyle/>
-                <a:p>
-                  <a:r>
-                    <a:rPr lang="fr-FR">
-                      <a:noFill/>
-                    </a:rPr>
-                    <a:t> </a:t>
-                  </a:r>
-                </a:p>
-              </p:txBody>
-            </p:sp>
-          </mc:Fallback>
-        </mc:AlternateContent>
-        <mc:AlternateContent xmlns:mc="http://schemas.openxmlformats.org/markup-compatibility/2006" xmlns:a14="http://schemas.microsoft.com/office/drawing/2010/main">
-          <mc:Choice Requires="a14">
-            <p:sp>
-              <p:nvSpPr>
-                <p:cNvPr id="9" name="Rectangle 8"/>
-                <p:cNvSpPr/>
-                <p:nvPr/>
-              </p:nvSpPr>
-              <p:spPr>
-                <a:xfrm>
-                  <a:off x="846163" y="3695640"/>
-                  <a:ext cx="2690884" cy="879261"/>
-                </a:xfrm>
-                <a:prstGeom prst="rect">
-                  <a:avLst/>
-                </a:prstGeom>
-                <a:ln>
-                  <a:noFill/>
-                </a:ln>
-              </p:spPr>
-              <p:style>
-                <a:lnRef idx="2">
-                  <a:schemeClr val="accent6"/>
-                </a:lnRef>
-                <a:fillRef idx="1">
-                  <a:schemeClr val="lt1"/>
-                </a:fillRef>
-                <a:effectRef idx="0">
-                  <a:schemeClr val="accent6"/>
-                </a:effectRef>
-                <a:fontRef idx="minor">
-                  <a:schemeClr val="dk1"/>
-                </a:fontRef>
-              </p:style>
-              <p:txBody>
-                <a:bodyPr rtlCol="0" anchor="ctr"/>
-                <a:lstStyle/>
-                <a:p>
-                  <a:pPr algn="ctr"/>
-                  <a:r>
-                    <a:rPr lang="fr-FR" sz="2000" b="1" dirty="0" smtClean="0"/>
-                    <a:t>Température imposé</a:t>
-                  </a:r>
-                </a:p>
-                <a:p>
-                  <a:pPr algn="ctr"/>
-                  <a14:m>
-                    <m:oMathPara xmlns:m="http://schemas.openxmlformats.org/officeDocument/2006/math">
-                      <m:oMathParaPr>
-                        <m:jc m:val="centerGroup"/>
-                      </m:oMathParaPr>
-                      <m:oMath xmlns:m="http://schemas.openxmlformats.org/officeDocument/2006/math">
-                        <m:sSub>
-                          <m:sSubPr>
-                            <m:ctrlPr>
-                              <a:rPr lang="fr-FR" sz="2000" b="1" i="1" smtClean="0">
-                                <a:latin typeface="Cambria Math" panose="02040503050406030204" pitchFamily="18" charset="0"/>
-                              </a:rPr>
-                            </m:ctrlPr>
-                          </m:sSubPr>
-                          <m:e>
-                            <m:r>
-                              <a:rPr lang="fr-FR" sz="2000" b="1" i="1" smtClean="0">
-                                <a:latin typeface="Cambria Math" panose="02040503050406030204" pitchFamily="18" charset="0"/>
-                              </a:rPr>
-                              <m:t>𝑺</m:t>
-                            </m:r>
-                          </m:e>
-                          <m:sub>
-                            <m:r>
-                              <a:rPr lang="fr-FR" sz="2000" b="1" i="1" smtClean="0">
-                                <a:latin typeface="Cambria Math" panose="02040503050406030204" pitchFamily="18" charset="0"/>
-                              </a:rPr>
-                              <m:t>𝑻</m:t>
-                            </m:r>
-                          </m:sub>
-                        </m:sSub>
-                        <m:r>
-                          <a:rPr lang="fr-FR" sz="2000" b="1" i="1" smtClean="0">
-                            <a:latin typeface="Cambria Math" panose="02040503050406030204" pitchFamily="18" charset="0"/>
-                          </a:rPr>
-                          <m:t>:</m:t>
-                        </m:r>
-                        <m:r>
-                          <a:rPr lang="fr-FR" sz="2000" b="1" i="1" smtClean="0">
-                            <a:latin typeface="Cambria Math" panose="02040503050406030204" pitchFamily="18" charset="0"/>
-                          </a:rPr>
-                          <m:t>𝑻</m:t>
-                        </m:r>
-                        <m:r>
-                          <a:rPr lang="fr-FR" sz="2000" b="1" i="1" smtClean="0">
-                            <a:latin typeface="Cambria Math" panose="02040503050406030204" pitchFamily="18" charset="0"/>
-                          </a:rPr>
-                          <m:t>=</m:t>
-                        </m:r>
-                        <m:r>
-                          <a:rPr lang="fr-FR" sz="2000" b="1" i="1" smtClean="0">
-                            <a:latin typeface="Cambria Math" panose="02040503050406030204" pitchFamily="18" charset="0"/>
-                          </a:rPr>
-                          <m:t>𝟓𝟎</m:t>
-                        </m:r>
-                        <m:r>
-                          <a:rPr lang="fr-FR" sz="2000" b="1" i="1" smtClean="0">
-                            <a:latin typeface="Cambria Math" panose="02040503050406030204" pitchFamily="18" charset="0"/>
-                          </a:rPr>
-                          <m:t>°</m:t>
-                        </m:r>
-                        <m:r>
-                          <a:rPr lang="fr-FR" sz="2000" b="1" i="1" smtClean="0">
-                            <a:latin typeface="Cambria Math" panose="02040503050406030204" pitchFamily="18" charset="0"/>
-                          </a:rPr>
-                          <m:t>𝑪</m:t>
-                        </m:r>
-                      </m:oMath>
-                    </m:oMathPara>
-                  </a14:m>
-                  <a:endParaRPr lang="fr-FR" b="1" dirty="0"/>
-                </a:p>
-              </p:txBody>
-            </p:sp>
-          </mc:Choice>
-          <mc:Fallback xmlns="">
-            <p:sp>
-              <p:nvSpPr>
-                <p:cNvPr id="9" name="Rectangle 8"/>
-                <p:cNvSpPr>
-                  <a:spLocks noRot="1" noChangeAspect="1" noMove="1" noResize="1" noEditPoints="1" noAdjustHandles="1" noChangeArrowheads="1" noChangeShapeType="1" noTextEdit="1"/>
-                </p:cNvSpPr>
-                <p:nvPr/>
-              </p:nvSpPr>
-              <p:spPr>
-                <a:xfrm>
-                  <a:off x="846163" y="3695640"/>
-                  <a:ext cx="2690884" cy="879261"/>
-                </a:xfrm>
-                <a:prstGeom prst="rect">
-                  <a:avLst/>
-                </a:prstGeom>
-                <a:blipFill>
-                  <a:blip r:embed="rId6"/>
-                  <a:stretch>
-                    <a:fillRect/>
-                  </a:stretch>
-                </a:blipFill>
-                <a:ln>
-                  <a:noFill/>
-                </a:ln>
-              </p:spPr>
-              <p:txBody>
-                <a:bodyPr/>
-                <a:lstStyle/>
-                <a:p>
-                  <a:r>
-                    <a:rPr lang="fr-FR">
-                      <a:noFill/>
-                    </a:rPr>
-                    <a:t> </a:t>
-                  </a:r>
-                </a:p>
-              </p:txBody>
-            </p:sp>
-          </mc:Fallback>
-        </mc:AlternateContent>
+          <p:style>
+            <a:lnRef idx="2">
+              <a:schemeClr val="accent6"/>
+            </a:lnRef>
+            <a:fillRef idx="1">
+              <a:schemeClr val="lt1"/>
+            </a:fillRef>
+            <a:effectRef idx="0">
+              <a:schemeClr val="accent6"/>
+            </a:effectRef>
+            <a:fontRef idx="minor">
+              <a:schemeClr val="dk1"/>
+            </a:fontRef>
+          </p:style>
+          <p:txBody>
+            <a:bodyPr rtlCol="0" anchor="ctr"/>
+            <a:lstStyle/>
+            <a:p>
+              <a:pPr algn="ctr"/>
+              <a:r>
+                <a:rPr lang="fr-FR" sz="2000" b="1" dirty="0" smtClean="0"/>
+                <a:t>Roulement</a:t>
+              </a:r>
+              <a:endParaRPr lang="fr-FR" b="1" dirty="0"/>
+            </a:p>
+          </p:txBody>
+        </p:sp>
+        <p:sp>
+          <p:nvSpPr>
+            <p:cNvPr id="12" name="Rectangle 11"/>
+            <p:cNvSpPr/>
+            <p:nvPr/>
+          </p:nvSpPr>
+          <p:spPr>
+            <a:xfrm>
+              <a:off x="5777553" y="4487305"/>
+              <a:ext cx="2690884" cy="879261"/>
+            </a:xfrm>
+            <a:prstGeom prst="rect">
+              <a:avLst/>
+            </a:prstGeom>
+            <a:noFill/>
+            <a:ln>
+              <a:noFill/>
+            </a:ln>
+          </p:spPr>
+          <p:style>
+            <a:lnRef idx="2">
+              <a:schemeClr val="accent6"/>
+            </a:lnRef>
+            <a:fillRef idx="1">
+              <a:schemeClr val="lt1"/>
+            </a:fillRef>
+            <a:effectRef idx="0">
+              <a:schemeClr val="accent6"/>
+            </a:effectRef>
+            <a:fontRef idx="minor">
+              <a:schemeClr val="dk1"/>
+            </a:fontRef>
+          </p:style>
+          <p:txBody>
+            <a:bodyPr rtlCol="0" anchor="ctr"/>
+            <a:lstStyle/>
+            <a:p>
+              <a:pPr algn="ctr"/>
+              <a:r>
+                <a:rPr lang="fr-FR" sz="2000" b="1" dirty="0" smtClean="0"/>
+                <a:t>Palier hydrodynamique</a:t>
+              </a:r>
+              <a:endParaRPr lang="fr-FR" b="1" dirty="0"/>
+            </a:p>
+          </p:txBody>
+        </p:sp>
       </p:grpSp>
-      <p:pic>
-        <p:nvPicPr>
-          <p:cNvPr id="17" name="Image 16"/>
-          <p:cNvPicPr>
-            <a:picLocks noChangeAspect="1"/>
-          </p:cNvPicPr>
-          <p:nvPr/>
-        </p:nvPicPr>
-        <p:blipFill>
-          <a:blip r:embed="rId7"/>
-          <a:stretch>
-            <a:fillRect/>
-          </a:stretch>
-        </p:blipFill>
-        <p:spPr>
-          <a:xfrm>
-            <a:off x="846466" y="728053"/>
-            <a:ext cx="10126334" cy="5358848"/>
-          </a:xfrm>
-          <a:prstGeom prst="rect">
-            <a:avLst/>
-          </a:prstGeom>
-        </p:spPr>
-      </p:pic>
     </p:spTree>
     <p:extLst>
       <p:ext uri="{BB962C8B-B14F-4D97-AF65-F5344CB8AC3E}">
@@ -29219,8 +30704,8 @@
                 </a:fontRef>
               </p:style>
             </p:cxnSp>
-            <mc:AlternateContent xmlns:mc="http://schemas.openxmlformats.org/markup-compatibility/2006">
-              <mc:Choice xmlns:a14="http://schemas.microsoft.com/office/drawing/2010/main" Requires="a14">
+            <mc:AlternateContent xmlns:mc="http://schemas.openxmlformats.org/markup-compatibility/2006" xmlns:a14="http://schemas.microsoft.com/office/drawing/2010/main">
+              <mc:Choice Requires="a14">
                 <p:sp>
                   <p:nvSpPr>
                     <p:cNvPr id="77" name="Zone de texte 153"/>
@@ -29332,7 +30817,7 @@
                   </p:txBody>
                 </p:sp>
               </mc:Choice>
-              <mc:Fallback>
+              <mc:Fallback xmlns="">
                 <p:sp>
                   <p:nvSpPr>
                     <p:cNvPr id="77" name="Zone de texte 153"/>
@@ -29376,8 +30861,8 @@
                 </p:sp>
               </mc:Fallback>
             </mc:AlternateContent>
-            <mc:AlternateContent xmlns:mc="http://schemas.openxmlformats.org/markup-compatibility/2006">
-              <mc:Choice xmlns:a14="http://schemas.microsoft.com/office/drawing/2010/main" Requires="a14">
+            <mc:AlternateContent xmlns:mc="http://schemas.openxmlformats.org/markup-compatibility/2006" xmlns:a14="http://schemas.microsoft.com/office/drawing/2010/main">
+              <mc:Choice Requires="a14">
                 <p:sp>
                   <p:nvSpPr>
                     <p:cNvPr id="78" name="Zone de texte 153"/>
@@ -29489,7 +30974,7 @@
                   </p:txBody>
                 </p:sp>
               </mc:Choice>
-              <mc:Fallback>
+              <mc:Fallback xmlns="">
                 <p:sp>
                   <p:nvSpPr>
                     <p:cNvPr id="78" name="Zone de texte 153"/>
@@ -29647,8 +31132,8 @@
                 </a:fontRef>
               </p:style>
             </p:cxnSp>
-            <mc:AlternateContent xmlns:mc="http://schemas.openxmlformats.org/markup-compatibility/2006">
-              <mc:Choice xmlns:a14="http://schemas.microsoft.com/office/drawing/2010/main" Requires="a14">
+            <mc:AlternateContent xmlns:mc="http://schemas.openxmlformats.org/markup-compatibility/2006" xmlns:a14="http://schemas.microsoft.com/office/drawing/2010/main">
+              <mc:Choice Requires="a14">
                 <p:sp>
                   <p:nvSpPr>
                     <p:cNvPr id="85" name="Zone de texte 153"/>
@@ -29760,7 +31245,7 @@
                   </p:txBody>
                 </p:sp>
               </mc:Choice>
-              <mc:Fallback>
+              <mc:Fallback xmlns="">
                 <p:sp>
                   <p:nvSpPr>
                     <p:cNvPr id="85" name="Zone de texte 153"/>
@@ -29804,8 +31289,8 @@
                 </p:sp>
               </mc:Fallback>
             </mc:AlternateContent>
-            <mc:AlternateContent xmlns:mc="http://schemas.openxmlformats.org/markup-compatibility/2006">
-              <mc:Choice xmlns:a14="http://schemas.microsoft.com/office/drawing/2010/main" Requires="a14">
+            <mc:AlternateContent xmlns:mc="http://schemas.openxmlformats.org/markup-compatibility/2006" xmlns:a14="http://schemas.microsoft.com/office/drawing/2010/main">
+              <mc:Choice Requires="a14">
                 <p:sp>
                   <p:nvSpPr>
                     <p:cNvPr id="86" name="Zone de texte 153"/>
@@ -29917,7 +31402,7 @@
                   </p:txBody>
                 </p:sp>
               </mc:Choice>
-              <mc:Fallback>
+              <mc:Fallback xmlns="">
                 <p:sp>
                   <p:nvSpPr>
                     <p:cNvPr id="86" name="Zone de texte 153"/>

--- a/CH3. modélisation du rotor/Figures/Figures.pptx
+++ b/CH3. modélisation du rotor/Figures/Figures.pptx
@@ -20,9 +20,10 @@
     <p:sldId id="268" r:id="rId14"/>
     <p:sldId id="275" r:id="rId15"/>
     <p:sldId id="277" r:id="rId16"/>
-    <p:sldId id="269" r:id="rId17"/>
-    <p:sldId id="271" r:id="rId18"/>
-    <p:sldId id="272" r:id="rId19"/>
+    <p:sldId id="280" r:id="rId17"/>
+    <p:sldId id="269" r:id="rId18"/>
+    <p:sldId id="271" r:id="rId19"/>
+    <p:sldId id="272" r:id="rId20"/>
   </p:sldIdLst>
   <p:sldSz cx="12192000" cy="6858000"/>
   <p:notesSz cx="6858000" cy="9144000"/>
@@ -1467,11 +1468,11 @@
           <c:showPercent val="0"/>
           <c:showBubbleSize val="0"/>
         </c:dLbls>
-        <c:axId val="188225216"/>
-        <c:axId val="188219728"/>
+        <c:axId val="302099608"/>
+        <c:axId val="302103528"/>
       </c:scatterChart>
       <c:valAx>
-        <c:axId val="188225216"/>
+        <c:axId val="302099608"/>
         <c:scaling>
           <c:orientation val="minMax"/>
         </c:scaling>
@@ -1582,12 +1583,12 @@
             <a:endParaRPr lang="fr-FR"/>
           </a:p>
         </c:txPr>
-        <c:crossAx val="188219728"/>
+        <c:crossAx val="302103528"/>
         <c:crosses val="autoZero"/>
         <c:crossBetween val="midCat"/>
       </c:valAx>
       <c:valAx>
-        <c:axId val="188219728"/>
+        <c:axId val="302103528"/>
         <c:scaling>
           <c:orientation val="maxMin"/>
           <c:max val="35"/>
@@ -1700,7 +1701,7 @@
             <a:endParaRPr lang="fr-FR"/>
           </a:p>
         </c:txPr>
-        <c:crossAx val="188225216"/>
+        <c:crossAx val="302099608"/>
         <c:crosses val="autoZero"/>
         <c:crossBetween val="midCat"/>
         <c:majorUnit val="10"/>
@@ -7612,11 +7613,11 @@
           <c:showPercent val="0"/>
           <c:showBubbleSize val="0"/>
         </c:dLbls>
-        <c:axId val="155839960"/>
-        <c:axId val="155819056"/>
+        <c:axId val="171906048"/>
+        <c:axId val="171902520"/>
       </c:scatterChart>
       <c:valAx>
-        <c:axId val="155839960"/>
+        <c:axId val="171906048"/>
         <c:scaling>
           <c:orientation val="minMax"/>
           <c:max val="6000"/>
@@ -7700,12 +7701,12 @@
         <c:majorTickMark val="none"/>
         <c:minorTickMark val="none"/>
         <c:tickLblPos val="low"/>
-        <c:crossAx val="155819056"/>
+        <c:crossAx val="171902520"/>
         <c:crosses val="autoZero"/>
         <c:crossBetween val="midCat"/>
       </c:valAx>
       <c:valAx>
-        <c:axId val="155819056"/>
+        <c:axId val="171902520"/>
         <c:scaling>
           <c:logBase val="10"/>
           <c:orientation val="minMax"/>
@@ -7784,7 +7785,7 @@
         <c:majorTickMark val="none"/>
         <c:minorTickMark val="none"/>
         <c:tickLblPos val="nextTo"/>
-        <c:crossAx val="155839960"/>
+        <c:crossAx val="171906048"/>
         <c:crosses val="autoZero"/>
         <c:crossBetween val="midCat"/>
       </c:valAx>
@@ -9554,7 +9555,7 @@
           <a:p>
             <a:fld id="{0AA85B57-4734-4699-BEFC-70C8ADF40FD5}" type="datetimeFigureOut">
               <a:rPr lang="fr-FR" smtClean="0"/>
-              <a:t>21/01/2019</a:t>
+              <a:t>29/01/2019</a:t>
             </a:fld>
             <a:endParaRPr lang="fr-FR"/>
           </a:p>
@@ -9724,7 +9725,7 @@
           <a:p>
             <a:fld id="{0AA85B57-4734-4699-BEFC-70C8ADF40FD5}" type="datetimeFigureOut">
               <a:rPr lang="fr-FR" smtClean="0"/>
-              <a:t>21/01/2019</a:t>
+              <a:t>29/01/2019</a:t>
             </a:fld>
             <a:endParaRPr lang="fr-FR"/>
           </a:p>
@@ -9904,7 +9905,7 @@
           <a:p>
             <a:fld id="{0AA85B57-4734-4699-BEFC-70C8ADF40FD5}" type="datetimeFigureOut">
               <a:rPr lang="fr-FR" smtClean="0"/>
-              <a:t>21/01/2019</a:t>
+              <a:t>29/01/2019</a:t>
             </a:fld>
             <a:endParaRPr lang="fr-FR"/>
           </a:p>
@@ -10074,7 +10075,7 @@
           <a:p>
             <a:fld id="{0AA85B57-4734-4699-BEFC-70C8ADF40FD5}" type="datetimeFigureOut">
               <a:rPr lang="fr-FR" smtClean="0"/>
-              <a:t>21/01/2019</a:t>
+              <a:t>29/01/2019</a:t>
             </a:fld>
             <a:endParaRPr lang="fr-FR"/>
           </a:p>
@@ -10320,7 +10321,7 @@
           <a:p>
             <a:fld id="{0AA85B57-4734-4699-BEFC-70C8ADF40FD5}" type="datetimeFigureOut">
               <a:rPr lang="fr-FR" smtClean="0"/>
-              <a:t>21/01/2019</a:t>
+              <a:t>29/01/2019</a:t>
             </a:fld>
             <a:endParaRPr lang="fr-FR"/>
           </a:p>
@@ -10552,7 +10553,7 @@
           <a:p>
             <a:fld id="{0AA85B57-4734-4699-BEFC-70C8ADF40FD5}" type="datetimeFigureOut">
               <a:rPr lang="fr-FR" smtClean="0"/>
-              <a:t>21/01/2019</a:t>
+              <a:t>29/01/2019</a:t>
             </a:fld>
             <a:endParaRPr lang="fr-FR"/>
           </a:p>
@@ -10919,7 +10920,7 @@
           <a:p>
             <a:fld id="{0AA85B57-4734-4699-BEFC-70C8ADF40FD5}" type="datetimeFigureOut">
               <a:rPr lang="fr-FR" smtClean="0"/>
-              <a:t>21/01/2019</a:t>
+              <a:t>29/01/2019</a:t>
             </a:fld>
             <a:endParaRPr lang="fr-FR"/>
           </a:p>
@@ -11037,7 +11038,7 @@
           <a:p>
             <a:fld id="{0AA85B57-4734-4699-BEFC-70C8ADF40FD5}" type="datetimeFigureOut">
               <a:rPr lang="fr-FR" smtClean="0"/>
-              <a:t>21/01/2019</a:t>
+              <a:t>29/01/2019</a:t>
             </a:fld>
             <a:endParaRPr lang="fr-FR"/>
           </a:p>
@@ -11132,7 +11133,7 @@
           <a:p>
             <a:fld id="{0AA85B57-4734-4699-BEFC-70C8ADF40FD5}" type="datetimeFigureOut">
               <a:rPr lang="fr-FR" smtClean="0"/>
-              <a:t>21/01/2019</a:t>
+              <a:t>29/01/2019</a:t>
             </a:fld>
             <a:endParaRPr lang="fr-FR"/>
           </a:p>
@@ -11409,7 +11410,7 @@
           <a:p>
             <a:fld id="{0AA85B57-4734-4699-BEFC-70C8ADF40FD5}" type="datetimeFigureOut">
               <a:rPr lang="fr-FR" smtClean="0"/>
-              <a:t>21/01/2019</a:t>
+              <a:t>29/01/2019</a:t>
             </a:fld>
             <a:endParaRPr lang="fr-FR"/>
           </a:p>
@@ -11662,7 +11663,7 @@
           <a:p>
             <a:fld id="{0AA85B57-4734-4699-BEFC-70C8ADF40FD5}" type="datetimeFigureOut">
               <a:rPr lang="fr-FR" smtClean="0"/>
-              <a:t>21/01/2019</a:t>
+              <a:t>29/01/2019</a:t>
             </a:fld>
             <a:endParaRPr lang="fr-FR"/>
           </a:p>
@@ -11875,7 +11876,7 @@
           <a:p>
             <a:fld id="{0AA85B57-4734-4699-BEFC-70C8ADF40FD5}" type="datetimeFigureOut">
               <a:rPr lang="fr-FR" smtClean="0"/>
-              <a:t>21/01/2019</a:t>
+              <a:t>29/01/2019</a:t>
             </a:fld>
             <a:endParaRPr lang="fr-FR"/>
           </a:p>
@@ -13360,8 +13361,8 @@
                   </p:style>
                 </p:cxnSp>
               </p:grpSp>
-              <mc:AlternateContent xmlns:mc="http://schemas.openxmlformats.org/markup-compatibility/2006">
-                <mc:Choice xmlns:a14="http://schemas.microsoft.com/office/drawing/2010/main" Requires="a14">
+              <mc:AlternateContent xmlns:mc="http://schemas.openxmlformats.org/markup-compatibility/2006" xmlns:a14="http://schemas.microsoft.com/office/drawing/2010/main">
+                <mc:Choice Requires="a14">
                   <p:sp>
                     <p:nvSpPr>
                       <p:cNvPr id="101" name="Zone de texte 153"/>
@@ -13458,7 +13459,7 @@
                     </p:txBody>
                   </p:sp>
                 </mc:Choice>
-                <mc:Fallback>
+                <mc:Fallback xmlns="">
                   <p:sp>
                     <p:nvSpPr>
                       <p:cNvPr id="101" name="Zone de texte 153"/>
@@ -13501,8 +13502,8 @@
                   </p:sp>
                 </mc:Fallback>
               </mc:AlternateContent>
-              <mc:AlternateContent xmlns:mc="http://schemas.openxmlformats.org/markup-compatibility/2006">
-                <mc:Choice xmlns:a14="http://schemas.microsoft.com/office/drawing/2010/main" Requires="a14">
+              <mc:AlternateContent xmlns:mc="http://schemas.openxmlformats.org/markup-compatibility/2006" xmlns:a14="http://schemas.microsoft.com/office/drawing/2010/main">
+                <mc:Choice Requires="a14">
                   <p:sp>
                     <p:nvSpPr>
                       <p:cNvPr id="102" name="Zone de texte 154"/>
@@ -13599,7 +13600,7 @@
                     </p:txBody>
                   </p:sp>
                 </mc:Choice>
-                <mc:Fallback>
+                <mc:Fallback xmlns="">
                   <p:sp>
                     <p:nvSpPr>
                       <p:cNvPr id="102" name="Zone de texte 154"/>
@@ -14141,8 +14142,8 @@
               </p:style>
             </p:cxnSp>
           </p:grpSp>
-          <mc:AlternateContent xmlns:mc="http://schemas.openxmlformats.org/markup-compatibility/2006">
-            <mc:Choice xmlns:a14="http://schemas.microsoft.com/office/drawing/2010/main" Requires="a14">
+          <mc:AlternateContent xmlns:mc="http://schemas.openxmlformats.org/markup-compatibility/2006" xmlns:a14="http://schemas.microsoft.com/office/drawing/2010/main">
+            <mc:Choice Requires="a14">
               <p:sp>
                 <p:nvSpPr>
                   <p:cNvPr id="91" name="Zone de texte 153"/>
@@ -14245,7 +14246,7 @@
                 </p:txBody>
               </p:sp>
             </mc:Choice>
-            <mc:Fallback>
+            <mc:Fallback xmlns="">
               <p:sp>
                 <p:nvSpPr>
                   <p:cNvPr id="91" name="Zone de texte 153"/>
@@ -14288,8 +14289,8 @@
               </p:sp>
             </mc:Fallback>
           </mc:AlternateContent>
-          <mc:AlternateContent xmlns:mc="http://schemas.openxmlformats.org/markup-compatibility/2006">
-            <mc:Choice xmlns:a14="http://schemas.microsoft.com/office/drawing/2010/main" Requires="a14">
+          <mc:AlternateContent xmlns:mc="http://schemas.openxmlformats.org/markup-compatibility/2006" xmlns:a14="http://schemas.microsoft.com/office/drawing/2010/main">
+            <mc:Choice Requires="a14">
               <p:sp>
                 <p:nvSpPr>
                   <p:cNvPr id="92" name="Zone de texte 153"/>
@@ -14392,7 +14393,7 @@
                 </p:txBody>
               </p:sp>
             </mc:Choice>
-            <mc:Fallback>
+            <mc:Fallback xmlns="">
               <p:sp>
                 <p:nvSpPr>
                   <p:cNvPr id="92" name="Zone de texte 153"/>
@@ -14483,8 +14484,8 @@
             </a:p>
           </p:txBody>
         </p:sp>
-        <mc:AlternateContent xmlns:mc="http://schemas.openxmlformats.org/markup-compatibility/2006">
-          <mc:Choice xmlns:a14="http://schemas.microsoft.com/office/drawing/2010/main" Requires="a14">
+        <mc:AlternateContent xmlns:mc="http://schemas.openxmlformats.org/markup-compatibility/2006" xmlns:a14="http://schemas.microsoft.com/office/drawing/2010/main">
+          <mc:Choice Requires="a14">
             <p:sp>
               <p:nvSpPr>
                 <p:cNvPr id="88" name="Zone de texte 153"/>
@@ -14563,7 +14564,7 @@
               </p:txBody>
             </p:sp>
           </mc:Choice>
-          <mc:Fallback>
+          <mc:Fallback xmlns="">
             <p:sp>
               <p:nvSpPr>
                 <p:cNvPr id="88" name="Zone de texte 153"/>
@@ -14665,21 +14666,21 @@
                 <a:gridCol w="1726819">
                   <a:extLst>
                     <a:ext uri="{9D8B030D-6E8A-4147-A177-3AD203B41FA5}">
-                      <a16:colId xmlns="" xmlns:a16="http://schemas.microsoft.com/office/drawing/2014/main" val="20000"/>
+                      <a16:colId xmlns:a16="http://schemas.microsoft.com/office/drawing/2014/main" xmlns="" val="20000"/>
                     </a:ext>
                   </a:extLst>
                 </a:gridCol>
                 <a:gridCol w="1726819">
                   <a:extLst>
                     <a:ext uri="{9D8B030D-6E8A-4147-A177-3AD203B41FA5}">
-                      <a16:colId xmlns="" xmlns:a16="http://schemas.microsoft.com/office/drawing/2014/main" val="20001"/>
+                      <a16:colId xmlns:a16="http://schemas.microsoft.com/office/drawing/2014/main" xmlns="" val="20001"/>
                     </a:ext>
                   </a:extLst>
                 </a:gridCol>
                 <a:gridCol w="1726819">
                   <a:extLst>
                     <a:ext uri="{9D8B030D-6E8A-4147-A177-3AD203B41FA5}">
-                      <a16:colId xmlns="" xmlns:a16="http://schemas.microsoft.com/office/drawing/2014/main" val="20002"/>
+                      <a16:colId xmlns:a16="http://schemas.microsoft.com/office/drawing/2014/main" xmlns="" val="20002"/>
                     </a:ext>
                   </a:extLst>
                 </a:gridCol>
@@ -14807,7 +14808,7 @@
                 </a:tc>
                 <a:extLst>
                   <a:ext uri="{0D108BD9-81ED-4DB2-BD59-A6C34878D82A}">
-                    <a16:rowId xmlns="" xmlns:a16="http://schemas.microsoft.com/office/drawing/2014/main" val="10000"/>
+                    <a16:rowId xmlns:a16="http://schemas.microsoft.com/office/drawing/2014/main" xmlns="" val="10000"/>
                   </a:ext>
                 </a:extLst>
               </a:tr>
@@ -14939,7 +14940,7 @@
                 </a:tc>
                 <a:extLst>
                   <a:ext uri="{0D108BD9-81ED-4DB2-BD59-A6C34878D82A}">
-                    <a16:rowId xmlns="" xmlns:a16="http://schemas.microsoft.com/office/drawing/2014/main" val="10001"/>
+                    <a16:rowId xmlns:a16="http://schemas.microsoft.com/office/drawing/2014/main" xmlns="" val="10001"/>
                   </a:ext>
                 </a:extLst>
               </a:tr>
@@ -15075,7 +15076,7 @@
                 </a:tc>
                 <a:extLst>
                   <a:ext uri="{0D108BD9-81ED-4DB2-BD59-A6C34878D82A}">
-                    <a16:rowId xmlns="" xmlns:a16="http://schemas.microsoft.com/office/drawing/2014/main" val="10002"/>
+                    <a16:rowId xmlns:a16="http://schemas.microsoft.com/office/drawing/2014/main" xmlns="" val="10002"/>
                   </a:ext>
                 </a:extLst>
               </a:tr>
@@ -15239,7 +15240,7 @@
                 </a:tc>
                 <a:extLst>
                   <a:ext uri="{0D108BD9-81ED-4DB2-BD59-A6C34878D82A}">
-                    <a16:rowId xmlns="" xmlns:a16="http://schemas.microsoft.com/office/drawing/2014/main" val="10003"/>
+                    <a16:rowId xmlns:a16="http://schemas.microsoft.com/office/drawing/2014/main" xmlns="" val="10003"/>
                   </a:ext>
                 </a:extLst>
               </a:tr>
@@ -15314,14 +15315,14 @@
                     <a:gridCol w="4728396">
                       <a:extLst>
                         <a:ext uri="{9D8B030D-6E8A-4147-A177-3AD203B41FA5}">
-                          <a16:colId xmlns="" xmlns:a16="http://schemas.microsoft.com/office/drawing/2014/main" val="20000"/>
+                          <a16:colId xmlns:a16="http://schemas.microsoft.com/office/drawing/2014/main" xmlns="" val="20000"/>
                         </a:ext>
                       </a:extLst>
                     </a:gridCol>
                     <a:gridCol w="3399604">
                       <a:extLst>
                         <a:ext uri="{9D8B030D-6E8A-4147-A177-3AD203B41FA5}">
-                          <a16:colId xmlns="" xmlns:a16="http://schemas.microsoft.com/office/drawing/2014/main" val="20001"/>
+                          <a16:colId xmlns:a16="http://schemas.microsoft.com/office/drawing/2014/main" xmlns="" val="20001"/>
                         </a:ext>
                       </a:extLst>
                     </a:gridCol>
@@ -15419,7 +15420,7 @@
                     </a:tc>
                     <a:extLst>
                       <a:ext uri="{0D108BD9-81ED-4DB2-BD59-A6C34878D82A}">
-                        <a16:rowId xmlns="" xmlns:a16="http://schemas.microsoft.com/office/drawing/2014/main" val="10000"/>
+                        <a16:rowId xmlns:a16="http://schemas.microsoft.com/office/drawing/2014/main" xmlns="" val="10000"/>
                       </a:ext>
                     </a:extLst>
                   </a:tr>
@@ -15630,7 +15631,7 @@
                     </a:tc>
                     <a:extLst>
                       <a:ext uri="{0D108BD9-81ED-4DB2-BD59-A6C34878D82A}">
-                        <a16:rowId xmlns="" xmlns:a16="http://schemas.microsoft.com/office/drawing/2014/main" val="10001"/>
+                        <a16:rowId xmlns:a16="http://schemas.microsoft.com/office/drawing/2014/main" xmlns="" val="10001"/>
                       </a:ext>
                     </a:extLst>
                   </a:tr>
@@ -15887,7 +15888,7 @@
                     </a:tc>
                     <a:extLst>
                       <a:ext uri="{0D108BD9-81ED-4DB2-BD59-A6C34878D82A}">
-                        <a16:rowId xmlns="" xmlns:a16="http://schemas.microsoft.com/office/drawing/2014/main" val="10002"/>
+                        <a16:rowId xmlns:a16="http://schemas.microsoft.com/office/drawing/2014/main" xmlns="" val="10002"/>
                       </a:ext>
                     </a:extLst>
                   </a:tr>
@@ -16175,7 +16176,7 @@
                     </a:tc>
                     <a:extLst>
                       <a:ext uri="{0D108BD9-81ED-4DB2-BD59-A6C34878D82A}">
-                        <a16:rowId xmlns="" xmlns:a16="http://schemas.microsoft.com/office/drawing/2014/main" val="10003"/>
+                        <a16:rowId xmlns:a16="http://schemas.microsoft.com/office/drawing/2014/main" xmlns="" val="10003"/>
                       </a:ext>
                     </a:extLst>
                   </a:tr>
@@ -16395,7 +16396,7 @@
                     </a:tc>
                     <a:extLst>
                       <a:ext uri="{0D108BD9-81ED-4DB2-BD59-A6C34878D82A}">
-                        <a16:rowId xmlns="" xmlns:a16="http://schemas.microsoft.com/office/drawing/2014/main" val="10004"/>
+                        <a16:rowId xmlns:a16="http://schemas.microsoft.com/office/drawing/2014/main" xmlns="" val="10004"/>
                       </a:ext>
                     </a:extLst>
                   </a:tr>
@@ -16846,14 +16847,14 @@
                     <a:gridCol w="1726819">
                       <a:extLst>
                         <a:ext uri="{9D8B030D-6E8A-4147-A177-3AD203B41FA5}">
-                          <a16:colId xmlns="" xmlns:a16="http://schemas.microsoft.com/office/drawing/2014/main" val="20000"/>
+                          <a16:colId xmlns:a16="http://schemas.microsoft.com/office/drawing/2014/main" xmlns="" val="20000"/>
                         </a:ext>
                       </a:extLst>
                     </a:gridCol>
                     <a:gridCol w="1726819">
                       <a:extLst>
                         <a:ext uri="{9D8B030D-6E8A-4147-A177-3AD203B41FA5}">
-                          <a16:colId xmlns="" xmlns:a16="http://schemas.microsoft.com/office/drawing/2014/main" val="20001"/>
+                          <a16:colId xmlns:a16="http://schemas.microsoft.com/office/drawing/2014/main" xmlns="" val="20001"/>
                         </a:ext>
                       </a:extLst>
                     </a:gridCol>
@@ -16949,7 +16950,7 @@
                     </a:tc>
                     <a:extLst>
                       <a:ext uri="{0D108BD9-81ED-4DB2-BD59-A6C34878D82A}">
-                        <a16:rowId xmlns="" xmlns:a16="http://schemas.microsoft.com/office/drawing/2014/main" val="10000"/>
+                        <a16:rowId xmlns:a16="http://schemas.microsoft.com/office/drawing/2014/main" xmlns="" val="10000"/>
                       </a:ext>
                     </a:extLst>
                   </a:tr>
@@ -17047,7 +17048,7 @@
                     </a:tc>
                     <a:extLst>
                       <a:ext uri="{0D108BD9-81ED-4DB2-BD59-A6C34878D82A}">
-                        <a16:rowId xmlns="" xmlns:a16="http://schemas.microsoft.com/office/drawing/2014/main" val="10001"/>
+                        <a16:rowId xmlns:a16="http://schemas.microsoft.com/office/drawing/2014/main" xmlns="" val="10001"/>
                       </a:ext>
                     </a:extLst>
                   </a:tr>
@@ -17158,7 +17159,7 @@
                     </a:tc>
                     <a:extLst>
                       <a:ext uri="{0D108BD9-81ED-4DB2-BD59-A6C34878D82A}">
-                        <a16:rowId xmlns="" xmlns:a16="http://schemas.microsoft.com/office/drawing/2014/main" val="10002"/>
+                        <a16:rowId xmlns:a16="http://schemas.microsoft.com/office/drawing/2014/main" xmlns="" val="10002"/>
                       </a:ext>
                     </a:extLst>
                   </a:tr>
@@ -17269,7 +17270,7 @@
                     </a:tc>
                     <a:extLst>
                       <a:ext uri="{0D108BD9-81ED-4DB2-BD59-A6C34878D82A}">
-                        <a16:rowId xmlns="" xmlns:a16="http://schemas.microsoft.com/office/drawing/2014/main" val="10003"/>
+                        <a16:rowId xmlns:a16="http://schemas.microsoft.com/office/drawing/2014/main" xmlns="" val="10003"/>
                       </a:ext>
                     </a:extLst>
                   </a:tr>
@@ -17399,7 +17400,7 @@
                     </a:tc>
                     <a:extLst>
                       <a:ext uri="{0D108BD9-81ED-4DB2-BD59-A6C34878D82A}">
-                        <a16:rowId xmlns="" xmlns:a16="http://schemas.microsoft.com/office/drawing/2014/main" val="10004"/>
+                        <a16:rowId xmlns:a16="http://schemas.microsoft.com/office/drawing/2014/main" xmlns="" val="10004"/>
                       </a:ext>
                     </a:extLst>
                   </a:tr>
@@ -23368,6 +23369,858 @@
       </p:grpSpPr>
       <p:grpSp>
         <p:nvGrpSpPr>
+          <p:cNvPr id="53" name="Groupe 52"/>
+          <p:cNvGrpSpPr/>
+          <p:nvPr/>
+        </p:nvGrpSpPr>
+        <p:grpSpPr>
+          <a:xfrm>
+            <a:off x="2002207" y="1058576"/>
+            <a:ext cx="8857670" cy="3294424"/>
+            <a:chOff x="1468807" y="1185576"/>
+            <a:chExt cx="8857670" cy="3294424"/>
+          </a:xfrm>
+        </p:grpSpPr>
+        <p:grpSp>
+          <p:nvGrpSpPr>
+            <p:cNvPr id="50" name="Groupe 49"/>
+            <p:cNvGrpSpPr/>
+            <p:nvPr/>
+          </p:nvGrpSpPr>
+          <p:grpSpPr>
+            <a:xfrm>
+              <a:off x="1468807" y="1185576"/>
+              <a:ext cx="8857670" cy="3294424"/>
+              <a:chOff x="1468807" y="1185576"/>
+              <a:chExt cx="8857670" cy="3294424"/>
+            </a:xfrm>
+          </p:grpSpPr>
+          <p:grpSp>
+            <p:nvGrpSpPr>
+              <p:cNvPr id="39" name="Groupe 38"/>
+              <p:cNvGrpSpPr/>
+              <p:nvPr/>
+            </p:nvGrpSpPr>
+            <p:grpSpPr>
+              <a:xfrm>
+                <a:off x="1468807" y="1185576"/>
+                <a:ext cx="6292256" cy="3257652"/>
+                <a:chOff x="1468807" y="1185576"/>
+                <a:chExt cx="6292256" cy="3257652"/>
+              </a:xfrm>
+            </p:grpSpPr>
+            <p:grpSp>
+              <p:nvGrpSpPr>
+                <p:cNvPr id="23" name="Groupe 22"/>
+                <p:cNvGrpSpPr/>
+                <p:nvPr/>
+              </p:nvGrpSpPr>
+              <p:grpSpPr>
+                <a:xfrm>
+                  <a:off x="1468807" y="1185576"/>
+                  <a:ext cx="5990122" cy="2350901"/>
+                  <a:chOff x="3018538" y="2665055"/>
+                  <a:chExt cx="5990122" cy="2350901"/>
+                </a:xfrm>
+              </p:grpSpPr>
+              <p:sp>
+                <p:nvSpPr>
+                  <p:cNvPr id="27" name="Rectangle 26"/>
+                  <p:cNvSpPr/>
+                  <p:nvPr/>
+                </p:nvSpPr>
+                <p:spPr>
+                  <a:xfrm rot="214608">
+                    <a:off x="4941796" y="4363340"/>
+                    <a:ext cx="1074732" cy="616450"/>
+                  </a:xfrm>
+                  <a:prstGeom prst="rect">
+                    <a:avLst/>
+                  </a:prstGeom>
+                  <a:solidFill>
+                    <a:schemeClr val="bg1"/>
+                  </a:solidFill>
+                  <a:ln w="19050">
+                    <a:solidFill>
+                      <a:schemeClr val="tx1"/>
+                    </a:solidFill>
+                  </a:ln>
+                </p:spPr>
+                <p:style>
+                  <a:lnRef idx="2">
+                    <a:schemeClr val="accent1">
+                      <a:shade val="50000"/>
+                    </a:schemeClr>
+                  </a:lnRef>
+                  <a:fillRef idx="1">
+                    <a:schemeClr val="accent1"/>
+                  </a:fillRef>
+                  <a:effectRef idx="0">
+                    <a:schemeClr val="accent1"/>
+                  </a:effectRef>
+                  <a:fontRef idx="minor">
+                    <a:schemeClr val="lt1"/>
+                  </a:fontRef>
+                </p:style>
+                <p:txBody>
+                  <a:bodyPr rtlCol="0" anchor="ctr"/>
+                  <a:lstStyle/>
+                  <a:p>
+                    <a:pPr algn="ctr"/>
+                    <a:endParaRPr lang="fr-FR"/>
+                  </a:p>
+                </p:txBody>
+              </p:sp>
+              <p:grpSp>
+                <p:nvGrpSpPr>
+                  <p:cNvPr id="28" name="Groupe 27"/>
+                  <p:cNvGrpSpPr/>
+                  <p:nvPr/>
+                </p:nvGrpSpPr>
+                <p:grpSpPr>
+                  <a:xfrm>
+                    <a:off x="3018538" y="2665055"/>
+                    <a:ext cx="5990122" cy="2350901"/>
+                    <a:chOff x="3018538" y="2665055"/>
+                    <a:chExt cx="5990122" cy="2350901"/>
+                  </a:xfrm>
+                </p:grpSpPr>
+                <p:sp>
+                  <p:nvSpPr>
+                    <p:cNvPr id="29" name="Arc 28"/>
+                    <p:cNvSpPr/>
+                    <p:nvPr/>
+                  </p:nvSpPr>
+                  <p:spPr>
+                    <a:xfrm>
+                      <a:off x="3018826" y="2665055"/>
+                      <a:ext cx="5989834" cy="1728085"/>
+                    </a:xfrm>
+                    <a:prstGeom prst="arc">
+                      <a:avLst>
+                        <a:gd name="adj1" fmla="val 522619"/>
+                        <a:gd name="adj2" fmla="val 5476952"/>
+                      </a:avLst>
+                    </a:prstGeom>
+                    <a:ln w="19050">
+                      <a:solidFill>
+                        <a:schemeClr val="tx1"/>
+                      </a:solidFill>
+                    </a:ln>
+                  </p:spPr>
+                  <p:style>
+                    <a:lnRef idx="1">
+                      <a:schemeClr val="accent1"/>
+                    </a:lnRef>
+                    <a:fillRef idx="0">
+                      <a:schemeClr val="accent1"/>
+                    </a:fillRef>
+                    <a:effectRef idx="0">
+                      <a:schemeClr val="accent1"/>
+                    </a:effectRef>
+                    <a:fontRef idx="minor">
+                      <a:schemeClr val="tx1"/>
+                    </a:fontRef>
+                  </p:style>
+                  <p:txBody>
+                    <a:bodyPr rtlCol="0" anchor="ctr"/>
+                    <a:lstStyle/>
+                    <a:p>
+                      <a:pPr algn="ctr"/>
+                      <a:endParaRPr lang="fr-FR"/>
+                    </a:p>
+                  </p:txBody>
+                </p:sp>
+                <p:sp>
+                  <p:nvSpPr>
+                    <p:cNvPr id="30" name="Arc 29"/>
+                    <p:cNvSpPr/>
+                    <p:nvPr/>
+                  </p:nvSpPr>
+                  <p:spPr>
+                    <a:xfrm>
+                      <a:off x="3018538" y="3287871"/>
+                      <a:ext cx="5989834" cy="1728085"/>
+                    </a:xfrm>
+                    <a:prstGeom prst="arc">
+                      <a:avLst>
+                        <a:gd name="adj1" fmla="val 455289"/>
+                        <a:gd name="adj2" fmla="val 5476952"/>
+                      </a:avLst>
+                    </a:prstGeom>
+                    <a:ln w="19050">
+                      <a:solidFill>
+                        <a:schemeClr val="tx1"/>
+                      </a:solidFill>
+                    </a:ln>
+                  </p:spPr>
+                  <p:style>
+                    <a:lnRef idx="1">
+                      <a:schemeClr val="accent1"/>
+                    </a:lnRef>
+                    <a:fillRef idx="0">
+                      <a:schemeClr val="accent1"/>
+                    </a:fillRef>
+                    <a:effectRef idx="0">
+                      <a:schemeClr val="accent1"/>
+                    </a:effectRef>
+                    <a:fontRef idx="minor">
+                      <a:schemeClr val="tx1"/>
+                    </a:fontRef>
+                  </p:style>
+                  <p:txBody>
+                    <a:bodyPr rtlCol="0" anchor="ctr"/>
+                    <a:lstStyle/>
+                    <a:p>
+                      <a:pPr algn="ctr"/>
+                      <a:endParaRPr lang="fr-FR"/>
+                    </a:p>
+                  </p:txBody>
+                </p:sp>
+              </p:grpSp>
+            </p:grpSp>
+            <p:grpSp>
+              <p:nvGrpSpPr>
+                <p:cNvPr id="38" name="Groupe 37"/>
+                <p:cNvGrpSpPr/>
+                <p:nvPr/>
+              </p:nvGrpSpPr>
+              <p:grpSpPr>
+                <a:xfrm>
+                  <a:off x="3373882" y="1669468"/>
+                  <a:ext cx="4387181" cy="2773760"/>
+                  <a:chOff x="3373882" y="1669468"/>
+                  <a:chExt cx="4387181" cy="2773760"/>
+                </a:xfrm>
+              </p:grpSpPr>
+              <p:sp>
+                <p:nvSpPr>
+                  <p:cNvPr id="18" name="ZoneTexte 17"/>
+                  <p:cNvSpPr txBox="1"/>
+                  <p:nvPr/>
+                </p:nvSpPr>
+                <p:spPr>
+                  <a:xfrm>
+                    <a:off x="3373882" y="4073896"/>
+                    <a:ext cx="2357120" cy="369332"/>
+                  </a:xfrm>
+                  <a:prstGeom prst="rect">
+                    <a:avLst/>
+                  </a:prstGeom>
+                  <a:noFill/>
+                </p:spPr>
+                <p:txBody>
+                  <a:bodyPr wrap="none" rtlCol="0">
+                    <a:spAutoFit/>
+                  </a:bodyPr>
+                  <a:lstStyle/>
+                  <a:p>
+                    <a:r>
+                      <a:rPr lang="fr-FR" dirty="0" smtClean="0"/>
+                      <a:t>Palier hydrodynamique</a:t>
+                    </a:r>
+                    <a:endParaRPr lang="fr-FR" dirty="0"/>
+                  </a:p>
+                </p:txBody>
+              </p:sp>
+              <p:sp>
+                <p:nvSpPr>
+                  <p:cNvPr id="25" name="Rectangle 24"/>
+                  <p:cNvSpPr/>
+                  <p:nvPr/>
+                </p:nvSpPr>
+                <p:spPr>
+                  <a:xfrm>
+                    <a:off x="7116205" y="1669468"/>
+                    <a:ext cx="321066" cy="2188395"/>
+                  </a:xfrm>
+                  <a:prstGeom prst="rect">
+                    <a:avLst/>
+                  </a:prstGeom>
+                  <a:solidFill>
+                    <a:schemeClr val="bg1"/>
+                  </a:solidFill>
+                  <a:ln>
+                    <a:solidFill>
+                      <a:schemeClr val="tx1"/>
+                    </a:solidFill>
+                  </a:ln>
+                </p:spPr>
+                <p:style>
+                  <a:lnRef idx="2">
+                    <a:schemeClr val="dk1">
+                      <a:shade val="50000"/>
+                    </a:schemeClr>
+                  </a:lnRef>
+                  <a:fillRef idx="1">
+                    <a:schemeClr val="dk1"/>
+                  </a:fillRef>
+                  <a:effectRef idx="0">
+                    <a:schemeClr val="dk1"/>
+                  </a:effectRef>
+                  <a:fontRef idx="minor">
+                    <a:schemeClr val="lt1"/>
+                  </a:fontRef>
+                </p:style>
+                <p:txBody>
+                  <a:bodyPr rtlCol="0" anchor="ctr"/>
+                  <a:lstStyle/>
+                  <a:p>
+                    <a:pPr algn="ctr"/>
+                    <a:endParaRPr lang="fr-FR" dirty="0"/>
+                  </a:p>
+                </p:txBody>
+              </p:sp>
+              <p:sp>
+                <p:nvSpPr>
+                  <p:cNvPr id="26" name="Rectangle 25"/>
+                  <p:cNvSpPr/>
+                  <p:nvPr/>
+                </p:nvSpPr>
+                <p:spPr>
+                  <a:xfrm>
+                    <a:off x="7222733" y="3868027"/>
+                    <a:ext cx="123290" cy="82193"/>
+                  </a:xfrm>
+                  <a:prstGeom prst="rect">
+                    <a:avLst/>
+                  </a:prstGeom>
+                  <a:ln/>
+                </p:spPr>
+                <p:style>
+                  <a:lnRef idx="2">
+                    <a:schemeClr val="dk1">
+                      <a:shade val="50000"/>
+                    </a:schemeClr>
+                  </a:lnRef>
+                  <a:fillRef idx="1">
+                    <a:schemeClr val="dk1"/>
+                  </a:fillRef>
+                  <a:effectRef idx="0">
+                    <a:schemeClr val="dk1"/>
+                  </a:effectRef>
+                  <a:fontRef idx="minor">
+                    <a:schemeClr val="lt1"/>
+                  </a:fontRef>
+                </p:style>
+                <p:txBody>
+                  <a:bodyPr rtlCol="0" anchor="ctr"/>
+                  <a:lstStyle/>
+                  <a:p>
+                    <a:pPr algn="ctr"/>
+                    <a:endParaRPr lang="fr-FR"/>
+                  </a:p>
+                </p:txBody>
+              </p:sp>
+              <p:sp>
+                <p:nvSpPr>
+                  <p:cNvPr id="22" name="Rectangle 21"/>
+                  <p:cNvSpPr/>
+                  <p:nvPr/>
+                </p:nvSpPr>
+                <p:spPr>
+                  <a:xfrm>
+                    <a:off x="4015372" y="2345810"/>
+                    <a:ext cx="722681" cy="1728085"/>
+                  </a:xfrm>
+                  <a:prstGeom prst="rect">
+                    <a:avLst/>
+                  </a:prstGeom>
+                </p:spPr>
+                <p:style>
+                  <a:lnRef idx="2">
+                    <a:schemeClr val="accent1">
+                      <a:shade val="50000"/>
+                    </a:schemeClr>
+                  </a:lnRef>
+                  <a:fillRef idx="1">
+                    <a:schemeClr val="accent1"/>
+                  </a:fillRef>
+                  <a:effectRef idx="0">
+                    <a:schemeClr val="accent1"/>
+                  </a:effectRef>
+                  <a:fontRef idx="minor">
+                    <a:schemeClr val="lt1"/>
+                  </a:fontRef>
+                </p:style>
+                <p:txBody>
+                  <a:bodyPr rtlCol="0" anchor="ctr"/>
+                  <a:lstStyle/>
+                  <a:p>
+                    <a:pPr algn="ctr"/>
+                    <a:endParaRPr lang="fr-FR"/>
+                  </a:p>
+                </p:txBody>
+              </p:sp>
+              <p:cxnSp>
+                <p:nvCxnSpPr>
+                  <p:cNvPr id="7" name="Connecteur droit 6"/>
+                  <p:cNvCxnSpPr/>
+                  <p:nvPr/>
+                </p:nvCxnSpPr>
+                <p:spPr>
+                  <a:xfrm>
+                    <a:off x="3731927" y="3223205"/>
+                    <a:ext cx="4029136" cy="0"/>
+                  </a:xfrm>
+                  <a:prstGeom prst="line">
+                    <a:avLst/>
+                  </a:prstGeom>
+                  <a:ln w="28575">
+                    <a:solidFill>
+                      <a:schemeClr val="bg2">
+                        <a:lumMod val="25000"/>
+                      </a:schemeClr>
+                    </a:solidFill>
+                    <a:prstDash val="dash"/>
+                  </a:ln>
+                </p:spPr>
+                <p:style>
+                  <a:lnRef idx="1">
+                    <a:schemeClr val="dk1"/>
+                  </a:lnRef>
+                  <a:fillRef idx="0">
+                    <a:schemeClr val="dk1"/>
+                  </a:fillRef>
+                  <a:effectRef idx="0">
+                    <a:schemeClr val="dk1"/>
+                  </a:effectRef>
+                  <a:fontRef idx="minor">
+                    <a:schemeClr val="tx1"/>
+                  </a:fontRef>
+                </p:style>
+              </p:cxnSp>
+              <p:cxnSp>
+                <p:nvCxnSpPr>
+                  <p:cNvPr id="34" name="Connecteur droit avec flèche 33"/>
+                  <p:cNvCxnSpPr/>
+                  <p:nvPr/>
+                </p:nvCxnSpPr>
+                <p:spPr>
+                  <a:xfrm flipV="1">
+                    <a:off x="7284378" y="2743900"/>
+                    <a:ext cx="12715" cy="495196"/>
+                  </a:xfrm>
+                  <a:prstGeom prst="straightConnector1">
+                    <a:avLst/>
+                  </a:prstGeom>
+                  <a:ln w="19050">
+                    <a:solidFill>
+                      <a:schemeClr val="tx1"/>
+                    </a:solidFill>
+                    <a:tailEnd type="triangle"/>
+                  </a:ln>
+                </p:spPr>
+                <p:style>
+                  <a:lnRef idx="1">
+                    <a:schemeClr val="accent1"/>
+                  </a:lnRef>
+                  <a:fillRef idx="0">
+                    <a:schemeClr val="accent1"/>
+                  </a:fillRef>
+                  <a:effectRef idx="0">
+                    <a:schemeClr val="accent1"/>
+                  </a:effectRef>
+                  <a:fontRef idx="minor">
+                    <a:schemeClr val="tx1"/>
+                  </a:fontRef>
+                </p:style>
+              </p:cxnSp>
+            </p:grpSp>
+            <p:sp>
+              <p:nvSpPr>
+                <p:cNvPr id="8" name="Arc 7"/>
+                <p:cNvSpPr/>
+                <p:nvPr/>
+              </p:nvSpPr>
+              <p:spPr>
+                <a:xfrm>
+                  <a:off x="1565230" y="1482958"/>
+                  <a:ext cx="5989834" cy="1735384"/>
+                </a:xfrm>
+                <a:prstGeom prst="arc">
+                  <a:avLst>
+                    <a:gd name="adj1" fmla="val 436790"/>
+                    <a:gd name="adj2" fmla="val 7750145"/>
+                  </a:avLst>
+                </a:prstGeom>
+                <a:ln w="19050">
+                  <a:solidFill>
+                    <a:srgbClr val="FF0000"/>
+                  </a:solidFill>
+                  <a:prstDash val="solid"/>
+                </a:ln>
+              </p:spPr>
+              <p:style>
+                <a:lnRef idx="1">
+                  <a:schemeClr val="accent1"/>
+                </a:lnRef>
+                <a:fillRef idx="0">
+                  <a:schemeClr val="accent1"/>
+                </a:fillRef>
+                <a:effectRef idx="0">
+                  <a:schemeClr val="accent1"/>
+                </a:effectRef>
+                <a:fontRef idx="minor">
+                  <a:schemeClr val="tx1"/>
+                </a:fontRef>
+              </p:style>
+              <p:txBody>
+                <a:bodyPr rtlCol="0" anchor="ctr"/>
+                <a:lstStyle/>
+                <a:p>
+                  <a:pPr algn="ctr"/>
+                  <a:endParaRPr lang="fr-FR"/>
+                </a:p>
+              </p:txBody>
+            </p:sp>
+          </p:grpSp>
+          <p:sp>
+            <p:nvSpPr>
+              <p:cNvPr id="40" name="ZoneTexte 39"/>
+              <p:cNvSpPr txBox="1"/>
+              <p:nvPr/>
+            </p:nvSpPr>
+            <p:spPr>
+              <a:xfrm>
+                <a:off x="6195996" y="4110668"/>
+                <a:ext cx="2300053" cy="369332"/>
+              </a:xfrm>
+              <a:prstGeom prst="rect">
+                <a:avLst/>
+              </a:prstGeom>
+              <a:noFill/>
+            </p:spPr>
+            <p:txBody>
+              <a:bodyPr wrap="none" rtlCol="0">
+                <a:spAutoFit/>
+              </a:bodyPr>
+              <a:lstStyle/>
+              <a:p>
+                <a:r>
+                  <a:rPr lang="fr-FR" dirty="0" smtClean="0"/>
+                  <a:t>Disque en porte à faux</a:t>
+                </a:r>
+                <a:endParaRPr lang="fr-FR" dirty="0"/>
+              </a:p>
+            </p:txBody>
+          </p:sp>
+          <mc:AlternateContent xmlns:mc="http://schemas.openxmlformats.org/markup-compatibility/2006">
+            <mc:Choice xmlns:a14="http://schemas.microsoft.com/office/drawing/2010/main" Requires="a14">
+              <p:sp>
+                <p:nvSpPr>
+                  <p:cNvPr id="41" name="ZoneTexte 40"/>
+                  <p:cNvSpPr txBox="1"/>
+                  <p:nvPr/>
+                </p:nvSpPr>
+                <p:spPr>
+                  <a:xfrm>
+                    <a:off x="7838509" y="2503825"/>
+                    <a:ext cx="2487968" cy="646331"/>
+                  </a:xfrm>
+                  <a:prstGeom prst="rect">
+                    <a:avLst/>
+                  </a:prstGeom>
+                  <a:noFill/>
+                </p:spPr>
+                <p:txBody>
+                  <a:bodyPr wrap="square" rtlCol="0">
+                    <a:spAutoFit/>
+                  </a:bodyPr>
+                  <a:lstStyle/>
+                  <a:p>
+                    <a:r>
+                      <a:rPr lang="fr-FR" dirty="0" smtClean="0"/>
+                      <a:t>Déplacement au niveau du disque</a:t>
+                    </a:r>
+                    <a14:m>
+                      <m:oMath xmlns:m="http://schemas.openxmlformats.org/officeDocument/2006/math">
+                        <m:r>
+                          <a:rPr lang="fr-FR" b="0" i="0" smtClean="0">
+                            <a:latin typeface="Cambria Math" panose="02040503050406030204" pitchFamily="18" charset="0"/>
+                          </a:rPr>
+                          <m:t> </m:t>
+                        </m:r>
+                        <m:acc>
+                          <m:accPr>
+                            <m:chr m:val="̃"/>
+                            <m:ctrlPr>
+                              <a:rPr lang="fr-FR" b="1" i="1" smtClean="0">
+                                <a:latin typeface="Cambria Math" panose="02040503050406030204" pitchFamily="18" charset="0"/>
+                              </a:rPr>
+                            </m:ctrlPr>
+                          </m:accPr>
+                          <m:e>
+                            <m:sSub>
+                              <m:sSubPr>
+                                <m:ctrlPr>
+                                  <a:rPr lang="fr-FR" b="1" i="1">
+                                    <a:latin typeface="Cambria Math" panose="02040503050406030204" pitchFamily="18" charset="0"/>
+                                  </a:rPr>
+                                </m:ctrlPr>
+                              </m:sSubPr>
+                              <m:e>
+                                <m:r>
+                                  <a:rPr lang="fr-FR" b="1" i="1">
+                                    <a:latin typeface="Cambria Math" panose="02040503050406030204" pitchFamily="18" charset="0"/>
+                                  </a:rPr>
+                                  <m:t>𝒒</m:t>
+                                </m:r>
+                              </m:e>
+                              <m:sub>
+                                <m:r>
+                                  <a:rPr lang="fr-FR" b="1" i="1">
+                                    <a:latin typeface="Cambria Math" panose="02040503050406030204" pitchFamily="18" charset="0"/>
+                                  </a:rPr>
+                                  <m:t>𝒕</m:t>
+                                </m:r>
+                                <m:r>
+                                  <a:rPr lang="fr-FR" b="1" i="1" smtClean="0">
+                                    <a:latin typeface="Cambria Math" panose="02040503050406030204" pitchFamily="18" charset="0"/>
+                                  </a:rPr>
+                                  <m:t>𝒉</m:t>
+                                </m:r>
+                                <m:r>
+                                  <a:rPr lang="fr-FR" b="1" i="1">
+                                    <a:latin typeface="Cambria Math" panose="02040503050406030204" pitchFamily="18" charset="0"/>
+                                  </a:rPr>
+                                  <m:t> </m:t>
+                                </m:r>
+                              </m:sub>
+                            </m:sSub>
+                          </m:e>
+                        </m:acc>
+                      </m:oMath>
+                    </a14:m>
+                    <a:endParaRPr lang="fr-FR" dirty="0"/>
+                  </a:p>
+                </p:txBody>
+              </p:sp>
+            </mc:Choice>
+            <mc:Fallback>
+              <p:sp>
+                <p:nvSpPr>
+                  <p:cNvPr id="41" name="ZoneTexte 40"/>
+                  <p:cNvSpPr txBox="1">
+                    <a:spLocks noRot="1" noChangeAspect="1" noMove="1" noResize="1" noEditPoints="1" noAdjustHandles="1" noChangeArrowheads="1" noChangeShapeType="1" noTextEdit="1"/>
+                  </p:cNvSpPr>
+                  <p:nvPr/>
+                </p:nvSpPr>
+                <p:spPr>
+                  <a:xfrm>
+                    <a:off x="7838509" y="2503825"/>
+                    <a:ext cx="2487968" cy="646331"/>
+                  </a:xfrm>
+                  <a:prstGeom prst="rect">
+                    <a:avLst/>
+                  </a:prstGeom>
+                  <a:blipFill rotWithShape="0">
+                    <a:blip r:embed="rId2"/>
+                    <a:stretch>
+                      <a:fillRect l="-1961" t="-5660" b="-14151"/>
+                    </a:stretch>
+                  </a:blipFill>
+                </p:spPr>
+                <p:txBody>
+                  <a:bodyPr/>
+                  <a:lstStyle/>
+                  <a:p>
+                    <a:r>
+                      <a:rPr lang="fr-FR">
+                        <a:noFill/>
+                      </a:rPr>
+                      <a:t> </a:t>
+                    </a:r>
+                  </a:p>
+                </p:txBody>
+              </p:sp>
+            </mc:Fallback>
+          </mc:AlternateContent>
+          <p:cxnSp>
+            <p:nvCxnSpPr>
+              <p:cNvPr id="43" name="Connecteur en arc 42"/>
+              <p:cNvCxnSpPr>
+                <a:stCxn id="41" idx="1"/>
+              </p:cNvCxnSpPr>
+              <p:nvPr/>
+            </p:nvCxnSpPr>
+            <p:spPr>
+              <a:xfrm rot="10800000" flipV="1">
+                <a:off x="7300505" y="2826991"/>
+                <a:ext cx="538004" cy="199444"/>
+              </a:xfrm>
+              <a:prstGeom prst="curvedConnector3">
+                <a:avLst/>
+              </a:prstGeom>
+              <a:ln>
+                <a:tailEnd type="triangle"/>
+              </a:ln>
+            </p:spPr>
+            <p:style>
+              <a:lnRef idx="1">
+                <a:schemeClr val="dk1"/>
+              </a:lnRef>
+              <a:fillRef idx="0">
+                <a:schemeClr val="dk1"/>
+              </a:fillRef>
+              <a:effectRef idx="0">
+                <a:schemeClr val="dk1"/>
+              </a:effectRef>
+              <a:fontRef idx="minor">
+                <a:schemeClr val="tx1"/>
+              </a:fontRef>
+            </p:style>
+          </p:cxnSp>
+          <p:sp>
+            <p:nvSpPr>
+              <p:cNvPr id="47" name="ZoneTexte 46"/>
+              <p:cNvSpPr txBox="1"/>
+              <p:nvPr/>
+            </p:nvSpPr>
+            <p:spPr>
+              <a:xfrm>
+                <a:off x="4975232" y="2033964"/>
+                <a:ext cx="1339213" cy="369332"/>
+              </a:xfrm>
+              <a:prstGeom prst="rect">
+                <a:avLst/>
+              </a:prstGeom>
+              <a:noFill/>
+            </p:spPr>
+            <p:txBody>
+              <a:bodyPr wrap="square" rtlCol="0">
+                <a:spAutoFit/>
+              </a:bodyPr>
+              <a:lstStyle/>
+              <a:p>
+                <a:r>
+                  <a:rPr lang="fr-FR" dirty="0" smtClean="0"/>
+                  <a:t>Fibre neutre</a:t>
+                </a:r>
+                <a:endParaRPr lang="fr-FR" dirty="0"/>
+              </a:p>
+            </p:txBody>
+          </p:sp>
+          <p:cxnSp>
+            <p:nvCxnSpPr>
+              <p:cNvPr id="48" name="Connecteur en arc 47"/>
+              <p:cNvCxnSpPr>
+                <a:stCxn id="47" idx="2"/>
+              </p:cNvCxnSpPr>
+              <p:nvPr/>
+            </p:nvCxnSpPr>
+            <p:spPr>
+              <a:xfrm rot="16200000" flipH="1">
+                <a:off x="5731404" y="2316730"/>
+                <a:ext cx="623140" cy="796271"/>
+              </a:xfrm>
+              <a:prstGeom prst="curvedConnector2">
+                <a:avLst/>
+              </a:prstGeom>
+              <a:ln>
+                <a:solidFill>
+                  <a:schemeClr val="tx1"/>
+                </a:solidFill>
+                <a:tailEnd type="triangle"/>
+              </a:ln>
+            </p:spPr>
+            <p:style>
+              <a:lnRef idx="1">
+                <a:schemeClr val="accent1"/>
+              </a:lnRef>
+              <a:fillRef idx="0">
+                <a:schemeClr val="accent1"/>
+              </a:fillRef>
+              <a:effectRef idx="0">
+                <a:schemeClr val="accent1"/>
+              </a:effectRef>
+              <a:fontRef idx="minor">
+                <a:schemeClr val="tx1"/>
+              </a:fontRef>
+            </p:style>
+          </p:cxnSp>
+        </p:grpSp>
+        <p:sp>
+          <p:nvSpPr>
+            <p:cNvPr id="51" name="Ellipse 50"/>
+            <p:cNvSpPr/>
+            <p:nvPr/>
+          </p:nvSpPr>
+          <p:spPr>
+            <a:xfrm>
+              <a:off x="7263344" y="2649014"/>
+              <a:ext cx="67499" cy="84722"/>
+            </a:xfrm>
+            <a:prstGeom prst="ellipse">
+              <a:avLst/>
+            </a:prstGeom>
+            <a:solidFill>
+              <a:srgbClr val="FF0000"/>
+            </a:solidFill>
+            <a:ln>
+              <a:solidFill>
+                <a:srgbClr val="FF0000"/>
+              </a:solidFill>
+            </a:ln>
+          </p:spPr>
+          <p:style>
+            <a:lnRef idx="2">
+              <a:schemeClr val="accent1">
+                <a:shade val="50000"/>
+              </a:schemeClr>
+            </a:lnRef>
+            <a:fillRef idx="1">
+              <a:schemeClr val="accent1"/>
+            </a:fillRef>
+            <a:effectRef idx="0">
+              <a:schemeClr val="accent1"/>
+            </a:effectRef>
+            <a:fontRef idx="minor">
+              <a:schemeClr val="lt1"/>
+            </a:fontRef>
+          </p:style>
+          <p:txBody>
+            <a:bodyPr rtlCol="0" anchor="ctr"/>
+            <a:lstStyle/>
+            <a:p>
+              <a:pPr algn="ctr"/>
+              <a:endParaRPr lang="fr-FR"/>
+            </a:p>
+          </p:txBody>
+        </p:sp>
+      </p:grpSp>
+    </p:spTree>
+    <p:extLst>
+      <p:ext uri="{BB962C8B-B14F-4D97-AF65-F5344CB8AC3E}">
+        <p14:creationId xmlns:p14="http://schemas.microsoft.com/office/powerpoint/2010/main" val="3796922304"/>
+      </p:ext>
+    </p:extLst>
+  </p:cSld>
+  <p:clrMapOvr>
+    <a:masterClrMapping/>
+  </p:clrMapOvr>
+</p:sld>
+</file>
+
+<file path=ppt/slides/slide17.xml><?xml version="1.0" encoding="utf-8"?>
+<p:sld xmlns:a="http://schemas.openxmlformats.org/drawingml/2006/main" xmlns:r="http://schemas.openxmlformats.org/officeDocument/2006/relationships" xmlns:p="http://schemas.openxmlformats.org/presentationml/2006/main">
+  <p:cSld>
+    <p:spTree>
+      <p:nvGrpSpPr>
+        <p:cNvPr id="1" name=""/>
+        <p:cNvGrpSpPr/>
+        <p:nvPr/>
+      </p:nvGrpSpPr>
+      <p:grpSpPr>
+        <a:xfrm>
+          <a:off x="0" y="0"/>
+          <a:ext cx="0" cy="0"/>
+          <a:chOff x="0" y="0"/>
+          <a:chExt cx="0" cy="0"/>
+        </a:xfrm>
+      </p:grpSpPr>
+      <p:grpSp>
+        <p:nvGrpSpPr>
           <p:cNvPr id="7" name="Groupe 6"/>
           <p:cNvGrpSpPr/>
           <p:nvPr/>
@@ -25951,7 +26804,7 @@
 </p:sld>
 </file>
 
-<file path=ppt/slides/slide17.xml><?xml version="1.0" encoding="utf-8"?>
+<file path=ppt/slides/slide18.xml><?xml version="1.0" encoding="utf-8"?>
 <p:sld xmlns:a="http://schemas.openxmlformats.org/drawingml/2006/main" xmlns:r="http://schemas.openxmlformats.org/officeDocument/2006/relationships" xmlns:p="http://schemas.openxmlformats.org/presentationml/2006/main">
   <p:cSld>
     <p:spTree>
@@ -27294,8 +28147,14 @@
                         <a:prstGeom prst="rect">
                           <a:avLst/>
                         </a:prstGeom>
-                        <a:grpFill/>
-                        <a:ln/>
+                        <a:solidFill>
+                          <a:schemeClr val="tx1"/>
+                        </a:solidFill>
+                        <a:ln>
+                          <a:solidFill>
+                            <a:schemeClr val="tx1"/>
+                          </a:solidFill>
+                        </a:ln>
                       </p:spPr>
                       <p:style>
                         <a:lnRef idx="2">
@@ -28188,8 +29047,8 @@
               </a:fontRef>
             </p:style>
           </p:cxnSp>
-          <mc:AlternateContent xmlns:mc="http://schemas.openxmlformats.org/markup-compatibility/2006">
-            <mc:Choice xmlns:a14="http://schemas.microsoft.com/office/drawing/2010/main" Requires="a14">
+          <mc:AlternateContent xmlns:mc="http://schemas.openxmlformats.org/markup-compatibility/2006" xmlns:a14="http://schemas.microsoft.com/office/drawing/2010/main">
+            <mc:Choice Requires="a14">
               <p:sp>
                 <p:nvSpPr>
                   <p:cNvPr id="77" name="Zone de texte 153"/>
@@ -28267,7 +29126,7 @@
                 </p:txBody>
               </p:sp>
             </mc:Choice>
-            <mc:Fallback>
+            <mc:Fallback xmlns="">
               <p:sp>
                 <p:nvSpPr>
                   <p:cNvPr id="77" name="Zone de texte 153"/>
@@ -28311,8 +29170,8 @@
               </p:sp>
             </mc:Fallback>
           </mc:AlternateContent>
-          <mc:AlternateContent xmlns:mc="http://schemas.openxmlformats.org/markup-compatibility/2006">
-            <mc:Choice xmlns:a14="http://schemas.microsoft.com/office/drawing/2010/main" Requires="a14">
+          <mc:AlternateContent xmlns:mc="http://schemas.openxmlformats.org/markup-compatibility/2006" xmlns:a14="http://schemas.microsoft.com/office/drawing/2010/main">
+            <mc:Choice Requires="a14">
               <p:sp>
                 <p:nvSpPr>
                   <p:cNvPr id="79" name="Zone de texte 154"/>
@@ -28410,7 +29269,7 @@
                 </p:txBody>
               </p:sp>
             </mc:Choice>
-            <mc:Fallback>
+            <mc:Fallback xmlns="">
               <p:sp>
                 <p:nvSpPr>
                   <p:cNvPr id="79" name="Zone de texte 154"/>
@@ -28454,8 +29313,8 @@
               </p:sp>
             </mc:Fallback>
           </mc:AlternateContent>
-          <mc:AlternateContent xmlns:mc="http://schemas.openxmlformats.org/markup-compatibility/2006">
-            <mc:Choice xmlns:a14="http://schemas.microsoft.com/office/drawing/2010/main" Requires="a14">
+          <mc:AlternateContent xmlns:mc="http://schemas.openxmlformats.org/markup-compatibility/2006" xmlns:a14="http://schemas.microsoft.com/office/drawing/2010/main">
+            <mc:Choice Requires="a14">
               <p:sp>
                 <p:nvSpPr>
                   <p:cNvPr id="81" name="Zone de texte 154"/>
@@ -28533,7 +29392,7 @@
                 </p:txBody>
               </p:sp>
             </mc:Choice>
-            <mc:Fallback>
+            <mc:Fallback xmlns="">
               <p:sp>
                 <p:nvSpPr>
                   <p:cNvPr id="81" name="Zone de texte 154"/>
@@ -28629,7 +29488,7 @@
 </p:sld>
 </file>
 
-<file path=ppt/slides/slide18.xml><?xml version="1.0" encoding="utf-8"?>
+<file path=ppt/slides/slide19.xml><?xml version="1.0" encoding="utf-8"?>
 <p:sld xmlns:a="http://schemas.openxmlformats.org/drawingml/2006/main" xmlns:r="http://schemas.openxmlformats.org/officeDocument/2006/relationships" xmlns:p="http://schemas.openxmlformats.org/presentationml/2006/main">
   <p:cSld>
     <p:spTree>

--- a/CH3. modélisation du rotor/Figures/Figures.pptx
+++ b/CH3. modélisation du rotor/Figures/Figures.pptx
@@ -1468,11 +1468,11 @@
           <c:showPercent val="0"/>
           <c:showBubbleSize val="0"/>
         </c:dLbls>
-        <c:axId val="302099608"/>
-        <c:axId val="302103528"/>
+        <c:axId val="594188512"/>
+        <c:axId val="594192432"/>
       </c:scatterChart>
       <c:valAx>
-        <c:axId val="302099608"/>
+        <c:axId val="594188512"/>
         <c:scaling>
           <c:orientation val="minMax"/>
         </c:scaling>
@@ -1583,12 +1583,12 @@
             <a:endParaRPr lang="fr-FR"/>
           </a:p>
         </c:txPr>
-        <c:crossAx val="302103528"/>
+        <c:crossAx val="594192432"/>
         <c:crosses val="autoZero"/>
         <c:crossBetween val="midCat"/>
       </c:valAx>
       <c:valAx>
-        <c:axId val="302103528"/>
+        <c:axId val="594192432"/>
         <c:scaling>
           <c:orientation val="maxMin"/>
           <c:max val="35"/>
@@ -1701,7 +1701,7 @@
             <a:endParaRPr lang="fr-FR"/>
           </a:p>
         </c:txPr>
-        <c:crossAx val="302099608"/>
+        <c:crossAx val="594188512"/>
         <c:crosses val="autoZero"/>
         <c:crossBetween val="midCat"/>
         <c:majorUnit val="10"/>
@@ -7613,11 +7613,11 @@
           <c:showPercent val="0"/>
           <c:showBubbleSize val="0"/>
         </c:dLbls>
-        <c:axId val="171906048"/>
-        <c:axId val="171902520"/>
+        <c:axId val="782038856"/>
+        <c:axId val="782048264"/>
       </c:scatterChart>
       <c:valAx>
-        <c:axId val="171906048"/>
+        <c:axId val="782038856"/>
         <c:scaling>
           <c:orientation val="minMax"/>
           <c:max val="6000"/>
@@ -7701,12 +7701,12 @@
         <c:majorTickMark val="none"/>
         <c:minorTickMark val="none"/>
         <c:tickLblPos val="low"/>
-        <c:crossAx val="171902520"/>
+        <c:crossAx val="782048264"/>
         <c:crosses val="autoZero"/>
         <c:crossBetween val="midCat"/>
       </c:valAx>
       <c:valAx>
-        <c:axId val="171902520"/>
+        <c:axId val="782048264"/>
         <c:scaling>
           <c:logBase val="10"/>
           <c:orientation val="minMax"/>
@@ -7785,7 +7785,7 @@
         <c:majorTickMark val="none"/>
         <c:minorTickMark val="none"/>
         <c:tickLblPos val="nextTo"/>
-        <c:crossAx val="171906048"/>
+        <c:crossAx val="782038856"/>
         <c:crosses val="autoZero"/>
         <c:crossBetween val="midCat"/>
       </c:valAx>
@@ -9555,7 +9555,7 @@
           <a:p>
             <a:fld id="{0AA85B57-4734-4699-BEFC-70C8ADF40FD5}" type="datetimeFigureOut">
               <a:rPr lang="fr-FR" smtClean="0"/>
-              <a:t>29/01/2019</a:t>
+              <a:t>15/03/2019</a:t>
             </a:fld>
             <a:endParaRPr lang="fr-FR"/>
           </a:p>
@@ -9725,7 +9725,7 @@
           <a:p>
             <a:fld id="{0AA85B57-4734-4699-BEFC-70C8ADF40FD5}" type="datetimeFigureOut">
               <a:rPr lang="fr-FR" smtClean="0"/>
-              <a:t>29/01/2019</a:t>
+              <a:t>15/03/2019</a:t>
             </a:fld>
             <a:endParaRPr lang="fr-FR"/>
           </a:p>
@@ -9905,7 +9905,7 @@
           <a:p>
             <a:fld id="{0AA85B57-4734-4699-BEFC-70C8ADF40FD5}" type="datetimeFigureOut">
               <a:rPr lang="fr-FR" smtClean="0"/>
-              <a:t>29/01/2019</a:t>
+              <a:t>15/03/2019</a:t>
             </a:fld>
             <a:endParaRPr lang="fr-FR"/>
           </a:p>
@@ -10075,7 +10075,7 @@
           <a:p>
             <a:fld id="{0AA85B57-4734-4699-BEFC-70C8ADF40FD5}" type="datetimeFigureOut">
               <a:rPr lang="fr-FR" smtClean="0"/>
-              <a:t>29/01/2019</a:t>
+              <a:t>15/03/2019</a:t>
             </a:fld>
             <a:endParaRPr lang="fr-FR"/>
           </a:p>
@@ -10321,7 +10321,7 @@
           <a:p>
             <a:fld id="{0AA85B57-4734-4699-BEFC-70C8ADF40FD5}" type="datetimeFigureOut">
               <a:rPr lang="fr-FR" smtClean="0"/>
-              <a:t>29/01/2019</a:t>
+              <a:t>15/03/2019</a:t>
             </a:fld>
             <a:endParaRPr lang="fr-FR"/>
           </a:p>
@@ -10553,7 +10553,7 @@
           <a:p>
             <a:fld id="{0AA85B57-4734-4699-BEFC-70C8ADF40FD5}" type="datetimeFigureOut">
               <a:rPr lang="fr-FR" smtClean="0"/>
-              <a:t>29/01/2019</a:t>
+              <a:t>15/03/2019</a:t>
             </a:fld>
             <a:endParaRPr lang="fr-FR"/>
           </a:p>
@@ -10920,7 +10920,7 @@
           <a:p>
             <a:fld id="{0AA85B57-4734-4699-BEFC-70C8ADF40FD5}" type="datetimeFigureOut">
               <a:rPr lang="fr-FR" smtClean="0"/>
-              <a:t>29/01/2019</a:t>
+              <a:t>15/03/2019</a:t>
             </a:fld>
             <a:endParaRPr lang="fr-FR"/>
           </a:p>
@@ -11038,7 +11038,7 @@
           <a:p>
             <a:fld id="{0AA85B57-4734-4699-BEFC-70C8ADF40FD5}" type="datetimeFigureOut">
               <a:rPr lang="fr-FR" smtClean="0"/>
-              <a:t>29/01/2019</a:t>
+              <a:t>15/03/2019</a:t>
             </a:fld>
             <a:endParaRPr lang="fr-FR"/>
           </a:p>
@@ -11133,7 +11133,7 @@
           <a:p>
             <a:fld id="{0AA85B57-4734-4699-BEFC-70C8ADF40FD5}" type="datetimeFigureOut">
               <a:rPr lang="fr-FR" smtClean="0"/>
-              <a:t>29/01/2019</a:t>
+              <a:t>15/03/2019</a:t>
             </a:fld>
             <a:endParaRPr lang="fr-FR"/>
           </a:p>
@@ -11410,7 +11410,7 @@
           <a:p>
             <a:fld id="{0AA85B57-4734-4699-BEFC-70C8ADF40FD5}" type="datetimeFigureOut">
               <a:rPr lang="fr-FR" smtClean="0"/>
-              <a:t>29/01/2019</a:t>
+              <a:t>15/03/2019</a:t>
             </a:fld>
             <a:endParaRPr lang="fr-FR"/>
           </a:p>
@@ -11663,7 +11663,7 @@
           <a:p>
             <a:fld id="{0AA85B57-4734-4699-BEFC-70C8ADF40FD5}" type="datetimeFigureOut">
               <a:rPr lang="fr-FR" smtClean="0"/>
-              <a:t>29/01/2019</a:t>
+              <a:t>15/03/2019</a:t>
             </a:fld>
             <a:endParaRPr lang="fr-FR"/>
           </a:p>
@@ -11876,7 +11876,7 @@
           <a:p>
             <a:fld id="{0AA85B57-4734-4699-BEFC-70C8ADF40FD5}" type="datetimeFigureOut">
               <a:rPr lang="fr-FR" smtClean="0"/>
-              <a:t>29/01/2019</a:t>
+              <a:t>15/03/2019</a:t>
             </a:fld>
             <a:endParaRPr lang="fr-FR"/>
           </a:p>
@@ -14666,21 +14666,21 @@
                 <a:gridCol w="1726819">
                   <a:extLst>
                     <a:ext uri="{9D8B030D-6E8A-4147-A177-3AD203B41FA5}">
-                      <a16:colId xmlns:a16="http://schemas.microsoft.com/office/drawing/2014/main" xmlns="" val="20000"/>
+                      <a16:colId xmlns="" xmlns:a16="http://schemas.microsoft.com/office/drawing/2014/main" val="20000"/>
                     </a:ext>
                   </a:extLst>
                 </a:gridCol>
                 <a:gridCol w="1726819">
                   <a:extLst>
                     <a:ext uri="{9D8B030D-6E8A-4147-A177-3AD203B41FA5}">
-                      <a16:colId xmlns:a16="http://schemas.microsoft.com/office/drawing/2014/main" xmlns="" val="20001"/>
+                      <a16:colId xmlns="" xmlns:a16="http://schemas.microsoft.com/office/drawing/2014/main" val="20001"/>
                     </a:ext>
                   </a:extLst>
                 </a:gridCol>
                 <a:gridCol w="1726819">
                   <a:extLst>
                     <a:ext uri="{9D8B030D-6E8A-4147-A177-3AD203B41FA5}">
-                      <a16:colId xmlns:a16="http://schemas.microsoft.com/office/drawing/2014/main" xmlns="" val="20002"/>
+                      <a16:colId xmlns="" xmlns:a16="http://schemas.microsoft.com/office/drawing/2014/main" val="20002"/>
                     </a:ext>
                   </a:extLst>
                 </a:gridCol>
@@ -14808,7 +14808,7 @@
                 </a:tc>
                 <a:extLst>
                   <a:ext uri="{0D108BD9-81ED-4DB2-BD59-A6C34878D82A}">
-                    <a16:rowId xmlns:a16="http://schemas.microsoft.com/office/drawing/2014/main" xmlns="" val="10000"/>
+                    <a16:rowId xmlns="" xmlns:a16="http://schemas.microsoft.com/office/drawing/2014/main" val="10000"/>
                   </a:ext>
                 </a:extLst>
               </a:tr>
@@ -14940,7 +14940,7 @@
                 </a:tc>
                 <a:extLst>
                   <a:ext uri="{0D108BD9-81ED-4DB2-BD59-A6C34878D82A}">
-                    <a16:rowId xmlns:a16="http://schemas.microsoft.com/office/drawing/2014/main" xmlns="" val="10001"/>
+                    <a16:rowId xmlns="" xmlns:a16="http://schemas.microsoft.com/office/drawing/2014/main" val="10001"/>
                   </a:ext>
                 </a:extLst>
               </a:tr>
@@ -15076,7 +15076,7 @@
                 </a:tc>
                 <a:extLst>
                   <a:ext uri="{0D108BD9-81ED-4DB2-BD59-A6C34878D82A}">
-                    <a16:rowId xmlns:a16="http://schemas.microsoft.com/office/drawing/2014/main" xmlns="" val="10002"/>
+                    <a16:rowId xmlns="" xmlns:a16="http://schemas.microsoft.com/office/drawing/2014/main" val="10002"/>
                   </a:ext>
                 </a:extLst>
               </a:tr>
@@ -15240,7 +15240,7 @@
                 </a:tc>
                 <a:extLst>
                   <a:ext uri="{0D108BD9-81ED-4DB2-BD59-A6C34878D82A}">
-                    <a16:rowId xmlns:a16="http://schemas.microsoft.com/office/drawing/2014/main" xmlns="" val="10003"/>
+                    <a16:rowId xmlns="" xmlns:a16="http://schemas.microsoft.com/office/drawing/2014/main" val="10003"/>
                   </a:ext>
                 </a:extLst>
               </a:tr>
@@ -15315,14 +15315,14 @@
                     <a:gridCol w="4728396">
                       <a:extLst>
                         <a:ext uri="{9D8B030D-6E8A-4147-A177-3AD203B41FA5}">
-                          <a16:colId xmlns:a16="http://schemas.microsoft.com/office/drawing/2014/main" xmlns="" val="20000"/>
+                          <a16:colId xmlns="" xmlns:a16="http://schemas.microsoft.com/office/drawing/2014/main" val="20000"/>
                         </a:ext>
                       </a:extLst>
                     </a:gridCol>
                     <a:gridCol w="3399604">
                       <a:extLst>
                         <a:ext uri="{9D8B030D-6E8A-4147-A177-3AD203B41FA5}">
-                          <a16:colId xmlns:a16="http://schemas.microsoft.com/office/drawing/2014/main" xmlns="" val="20001"/>
+                          <a16:colId xmlns="" xmlns:a16="http://schemas.microsoft.com/office/drawing/2014/main" val="20001"/>
                         </a:ext>
                       </a:extLst>
                     </a:gridCol>
@@ -15420,7 +15420,7 @@
                     </a:tc>
                     <a:extLst>
                       <a:ext uri="{0D108BD9-81ED-4DB2-BD59-A6C34878D82A}">
-                        <a16:rowId xmlns:a16="http://schemas.microsoft.com/office/drawing/2014/main" xmlns="" val="10000"/>
+                        <a16:rowId xmlns="" xmlns:a16="http://schemas.microsoft.com/office/drawing/2014/main" val="10000"/>
                       </a:ext>
                     </a:extLst>
                   </a:tr>
@@ -15631,7 +15631,7 @@
                     </a:tc>
                     <a:extLst>
                       <a:ext uri="{0D108BD9-81ED-4DB2-BD59-A6C34878D82A}">
-                        <a16:rowId xmlns:a16="http://schemas.microsoft.com/office/drawing/2014/main" xmlns="" val="10001"/>
+                        <a16:rowId xmlns="" xmlns:a16="http://schemas.microsoft.com/office/drawing/2014/main" val="10001"/>
                       </a:ext>
                     </a:extLst>
                   </a:tr>
@@ -15888,7 +15888,7 @@
                     </a:tc>
                     <a:extLst>
                       <a:ext uri="{0D108BD9-81ED-4DB2-BD59-A6C34878D82A}">
-                        <a16:rowId xmlns:a16="http://schemas.microsoft.com/office/drawing/2014/main" xmlns="" val="10002"/>
+                        <a16:rowId xmlns="" xmlns:a16="http://schemas.microsoft.com/office/drawing/2014/main" val="10002"/>
                       </a:ext>
                     </a:extLst>
                   </a:tr>
@@ -16176,7 +16176,7 @@
                     </a:tc>
                     <a:extLst>
                       <a:ext uri="{0D108BD9-81ED-4DB2-BD59-A6C34878D82A}">
-                        <a16:rowId xmlns:a16="http://schemas.microsoft.com/office/drawing/2014/main" xmlns="" val="10003"/>
+                        <a16:rowId xmlns="" xmlns:a16="http://schemas.microsoft.com/office/drawing/2014/main" val="10003"/>
                       </a:ext>
                     </a:extLst>
                   </a:tr>
@@ -16396,7 +16396,7 @@
                     </a:tc>
                     <a:extLst>
                       <a:ext uri="{0D108BD9-81ED-4DB2-BD59-A6C34878D82A}">
-                        <a16:rowId xmlns:a16="http://schemas.microsoft.com/office/drawing/2014/main" xmlns="" val="10004"/>
+                        <a16:rowId xmlns="" xmlns:a16="http://schemas.microsoft.com/office/drawing/2014/main" val="10004"/>
                       </a:ext>
                     </a:extLst>
                   </a:tr>
@@ -16847,14 +16847,14 @@
                     <a:gridCol w="1726819">
                       <a:extLst>
                         <a:ext uri="{9D8B030D-6E8A-4147-A177-3AD203B41FA5}">
-                          <a16:colId xmlns:a16="http://schemas.microsoft.com/office/drawing/2014/main" xmlns="" val="20000"/>
+                          <a16:colId xmlns="" xmlns:a16="http://schemas.microsoft.com/office/drawing/2014/main" val="20000"/>
                         </a:ext>
                       </a:extLst>
                     </a:gridCol>
                     <a:gridCol w="1726819">
                       <a:extLst>
                         <a:ext uri="{9D8B030D-6E8A-4147-A177-3AD203B41FA5}">
-                          <a16:colId xmlns:a16="http://schemas.microsoft.com/office/drawing/2014/main" xmlns="" val="20001"/>
+                          <a16:colId xmlns="" xmlns:a16="http://schemas.microsoft.com/office/drawing/2014/main" val="20001"/>
                         </a:ext>
                       </a:extLst>
                     </a:gridCol>
@@ -16950,7 +16950,7 @@
                     </a:tc>
                     <a:extLst>
                       <a:ext uri="{0D108BD9-81ED-4DB2-BD59-A6C34878D82A}">
-                        <a16:rowId xmlns:a16="http://schemas.microsoft.com/office/drawing/2014/main" xmlns="" val="10000"/>
+                        <a16:rowId xmlns="" xmlns:a16="http://schemas.microsoft.com/office/drawing/2014/main" val="10000"/>
                       </a:ext>
                     </a:extLst>
                   </a:tr>
@@ -17048,7 +17048,7 @@
                     </a:tc>
                     <a:extLst>
                       <a:ext uri="{0D108BD9-81ED-4DB2-BD59-A6C34878D82A}">
-                        <a16:rowId xmlns:a16="http://schemas.microsoft.com/office/drawing/2014/main" xmlns="" val="10001"/>
+                        <a16:rowId xmlns="" xmlns:a16="http://schemas.microsoft.com/office/drawing/2014/main" val="10001"/>
                       </a:ext>
                     </a:extLst>
                   </a:tr>
@@ -17159,7 +17159,7 @@
                     </a:tc>
                     <a:extLst>
                       <a:ext uri="{0D108BD9-81ED-4DB2-BD59-A6C34878D82A}">
-                        <a16:rowId xmlns:a16="http://schemas.microsoft.com/office/drawing/2014/main" xmlns="" val="10002"/>
+                        <a16:rowId xmlns="" xmlns:a16="http://schemas.microsoft.com/office/drawing/2014/main" val="10002"/>
                       </a:ext>
                     </a:extLst>
                   </a:tr>
@@ -17270,7 +17270,7 @@
                     </a:tc>
                     <a:extLst>
                       <a:ext uri="{0D108BD9-81ED-4DB2-BD59-A6C34878D82A}">
-                        <a16:rowId xmlns:a16="http://schemas.microsoft.com/office/drawing/2014/main" xmlns="" val="10003"/>
+                        <a16:rowId xmlns="" xmlns:a16="http://schemas.microsoft.com/office/drawing/2014/main" val="10003"/>
                       </a:ext>
                     </a:extLst>
                   </a:tr>
@@ -17400,7 +17400,7 @@
                     </a:tc>
                     <a:extLst>
                       <a:ext uri="{0D108BD9-81ED-4DB2-BD59-A6C34878D82A}">
-                        <a16:rowId xmlns:a16="http://schemas.microsoft.com/office/drawing/2014/main" xmlns="" val="10004"/>
+                        <a16:rowId xmlns="" xmlns:a16="http://schemas.microsoft.com/office/drawing/2014/main" val="10004"/>
                       </a:ext>
                     </a:extLst>
                   </a:tr>
@@ -19548,7 +19548,7 @@
         </p:nvGrpSpPr>
         <p:grpSpPr>
           <a:xfrm>
-            <a:off x="1531495" y="1692145"/>
+            <a:off x="1500594" y="531081"/>
             <a:ext cx="7835746" cy="2927785"/>
             <a:chOff x="1531495" y="1692145"/>
             <a:chExt cx="7835746" cy="2927785"/>
@@ -23337,6 +23337,3788 @@
           </mc:AlternateContent>
         </p:grpSp>
       </p:grpSp>
+      <p:grpSp>
+        <p:nvGrpSpPr>
+          <p:cNvPr id="107" name="Groupe 106"/>
+          <p:cNvGrpSpPr/>
+          <p:nvPr/>
+        </p:nvGrpSpPr>
+        <p:grpSpPr>
+          <a:xfrm>
+            <a:off x="2533548" y="3347893"/>
+            <a:ext cx="6829204" cy="1701055"/>
+            <a:chOff x="3253130" y="2145146"/>
+            <a:chExt cx="6829204" cy="1701055"/>
+          </a:xfrm>
+        </p:grpSpPr>
+        <p:grpSp>
+          <p:nvGrpSpPr>
+            <p:cNvPr id="226" name="Groupe 225"/>
+            <p:cNvGrpSpPr/>
+            <p:nvPr/>
+          </p:nvGrpSpPr>
+          <p:grpSpPr>
+            <a:xfrm>
+              <a:off x="3253130" y="2145146"/>
+              <a:ext cx="6829204" cy="1701055"/>
+              <a:chOff x="376475" y="91006"/>
+              <a:chExt cx="3858845" cy="980158"/>
+            </a:xfrm>
+          </p:grpSpPr>
+          <p:grpSp>
+            <p:nvGrpSpPr>
+              <p:cNvPr id="231" name="Groupe 230"/>
+              <p:cNvGrpSpPr/>
+              <p:nvPr/>
+            </p:nvGrpSpPr>
+            <p:grpSpPr>
+              <a:xfrm>
+                <a:off x="376475" y="91006"/>
+                <a:ext cx="3858845" cy="980158"/>
+                <a:chOff x="374477" y="0"/>
+                <a:chExt cx="3838368" cy="980158"/>
+              </a:xfrm>
+            </p:grpSpPr>
+            <p:grpSp>
+              <p:nvGrpSpPr>
+                <p:cNvPr id="241" name="Groupe 240"/>
+                <p:cNvGrpSpPr/>
+                <p:nvPr/>
+              </p:nvGrpSpPr>
+              <p:grpSpPr>
+                <a:xfrm>
+                  <a:off x="374477" y="0"/>
+                  <a:ext cx="3838368" cy="980158"/>
+                  <a:chOff x="0" y="0"/>
+                  <a:chExt cx="3838758" cy="980686"/>
+                </a:xfrm>
+              </p:grpSpPr>
+              <p:cxnSp>
+                <p:nvCxnSpPr>
+                  <p:cNvPr id="254" name="Connecteur droit 253"/>
+                  <p:cNvCxnSpPr/>
+                  <p:nvPr/>
+                </p:nvCxnSpPr>
+                <p:spPr>
+                  <a:xfrm>
+                    <a:off x="5024" y="457200"/>
+                    <a:ext cx="0" cy="523486"/>
+                  </a:xfrm>
+                  <a:prstGeom prst="line">
+                    <a:avLst/>
+                  </a:prstGeom>
+                  <a:ln w="19050">
+                    <a:solidFill>
+                      <a:schemeClr val="tx1"/>
+                    </a:solidFill>
+                  </a:ln>
+                </p:spPr>
+                <p:style>
+                  <a:lnRef idx="1">
+                    <a:schemeClr val="accent1"/>
+                  </a:lnRef>
+                  <a:fillRef idx="0">
+                    <a:schemeClr val="accent1"/>
+                  </a:fillRef>
+                  <a:effectRef idx="0">
+                    <a:schemeClr val="accent1"/>
+                  </a:effectRef>
+                  <a:fontRef idx="minor">
+                    <a:schemeClr val="tx1"/>
+                  </a:fontRef>
+                </p:style>
+              </p:cxnSp>
+              <p:cxnSp>
+                <p:nvCxnSpPr>
+                  <p:cNvPr id="255" name="Connecteur droit 254"/>
+                  <p:cNvCxnSpPr/>
+                  <p:nvPr/>
+                </p:nvCxnSpPr>
+                <p:spPr>
+                  <a:xfrm flipH="1">
+                    <a:off x="0" y="969665"/>
+                    <a:ext cx="2501853" cy="0"/>
+                  </a:xfrm>
+                  <a:prstGeom prst="line">
+                    <a:avLst/>
+                  </a:prstGeom>
+                  <a:ln w="19050">
+                    <a:solidFill>
+                      <a:schemeClr val="tx1"/>
+                    </a:solidFill>
+                  </a:ln>
+                </p:spPr>
+                <p:style>
+                  <a:lnRef idx="1">
+                    <a:schemeClr val="accent1"/>
+                  </a:lnRef>
+                  <a:fillRef idx="0">
+                    <a:schemeClr val="accent1"/>
+                  </a:fillRef>
+                  <a:effectRef idx="0">
+                    <a:schemeClr val="accent1"/>
+                  </a:effectRef>
+                  <a:fontRef idx="minor">
+                    <a:schemeClr val="tx1"/>
+                  </a:fontRef>
+                </p:style>
+              </p:cxnSp>
+              <p:cxnSp>
+                <p:nvCxnSpPr>
+                  <p:cNvPr id="256" name="Connecteur droit 255"/>
+                  <p:cNvCxnSpPr/>
+                  <p:nvPr/>
+                </p:nvCxnSpPr>
+                <p:spPr>
+                  <a:xfrm flipH="1">
+                    <a:off x="0" y="467248"/>
+                    <a:ext cx="2501853" cy="0"/>
+                  </a:xfrm>
+                  <a:prstGeom prst="line">
+                    <a:avLst/>
+                  </a:prstGeom>
+                  <a:ln w="19050">
+                    <a:solidFill>
+                      <a:schemeClr val="tx1"/>
+                    </a:solidFill>
+                  </a:ln>
+                </p:spPr>
+                <p:style>
+                  <a:lnRef idx="1">
+                    <a:schemeClr val="accent1"/>
+                  </a:lnRef>
+                  <a:fillRef idx="0">
+                    <a:schemeClr val="accent1"/>
+                  </a:fillRef>
+                  <a:effectRef idx="0">
+                    <a:schemeClr val="accent1"/>
+                  </a:effectRef>
+                  <a:fontRef idx="minor">
+                    <a:schemeClr val="tx1"/>
+                  </a:fontRef>
+                </p:style>
+              </p:cxnSp>
+              <p:cxnSp>
+                <p:nvCxnSpPr>
+                  <p:cNvPr id="257" name="Connecteur droit 256"/>
+                  <p:cNvCxnSpPr>
+                    <a:endCxn id="259" idx="2"/>
+                  </p:cNvCxnSpPr>
+                  <p:nvPr/>
+                </p:nvCxnSpPr>
+                <p:spPr>
+                  <a:xfrm flipH="1">
+                    <a:off x="2737366" y="0"/>
+                    <a:ext cx="877868" cy="421924"/>
+                  </a:xfrm>
+                  <a:prstGeom prst="line">
+                    <a:avLst/>
+                  </a:prstGeom>
+                  <a:ln w="19050">
+                    <a:solidFill>
+                      <a:schemeClr val="tx1"/>
+                    </a:solidFill>
+                  </a:ln>
+                </p:spPr>
+                <p:style>
+                  <a:lnRef idx="1">
+                    <a:schemeClr val="accent1"/>
+                  </a:lnRef>
+                  <a:fillRef idx="0">
+                    <a:schemeClr val="accent1"/>
+                  </a:fillRef>
+                  <a:effectRef idx="0">
+                    <a:schemeClr val="accent1"/>
+                  </a:effectRef>
+                  <a:fontRef idx="minor">
+                    <a:schemeClr val="tx1"/>
+                  </a:fontRef>
+                </p:style>
+              </p:cxnSp>
+              <p:cxnSp>
+                <p:nvCxnSpPr>
+                  <p:cNvPr id="258" name="Connecteur droit 257"/>
+                  <p:cNvCxnSpPr/>
+                  <p:nvPr/>
+                </p:nvCxnSpPr>
+                <p:spPr>
+                  <a:xfrm flipH="1">
+                    <a:off x="2883877" y="467248"/>
+                    <a:ext cx="954881" cy="456088"/>
+                  </a:xfrm>
+                  <a:prstGeom prst="line">
+                    <a:avLst/>
+                  </a:prstGeom>
+                  <a:ln w="19050">
+                    <a:solidFill>
+                      <a:schemeClr val="tx1"/>
+                    </a:solidFill>
+                  </a:ln>
+                </p:spPr>
+                <p:style>
+                  <a:lnRef idx="1">
+                    <a:schemeClr val="accent1"/>
+                  </a:lnRef>
+                  <a:fillRef idx="0">
+                    <a:schemeClr val="accent1"/>
+                  </a:fillRef>
+                  <a:effectRef idx="0">
+                    <a:schemeClr val="accent1"/>
+                  </a:effectRef>
+                  <a:fontRef idx="minor">
+                    <a:schemeClr val="tx1"/>
+                  </a:fontRef>
+                </p:style>
+              </p:cxnSp>
+              <p:sp>
+                <p:nvSpPr>
+                  <p:cNvPr id="259" name="Forme libre 258"/>
+                  <p:cNvSpPr/>
+                  <p:nvPr/>
+                </p:nvSpPr>
+                <p:spPr>
+                  <a:xfrm>
+                    <a:off x="2085033" y="422030"/>
+                    <a:ext cx="652463" cy="49597"/>
+                  </a:xfrm>
+                  <a:custGeom>
+                    <a:avLst/>
+                    <a:gdLst>
+                      <a:gd name="connsiteX0" fmla="*/ 0 w 652463"/>
+                      <a:gd name="connsiteY0" fmla="*/ 45244 h 49597"/>
+                      <a:gd name="connsiteX1" fmla="*/ 402432 w 652463"/>
+                      <a:gd name="connsiteY1" fmla="*/ 45244 h 49597"/>
+                      <a:gd name="connsiteX2" fmla="*/ 652463 w 652463"/>
+                      <a:gd name="connsiteY2" fmla="*/ 0 h 49597"/>
+                    </a:gdLst>
+                    <a:ahLst/>
+                    <a:cxnLst>
+                      <a:cxn ang="0">
+                        <a:pos x="connsiteX0" y="connsiteY0"/>
+                      </a:cxn>
+                      <a:cxn ang="0">
+                        <a:pos x="connsiteX1" y="connsiteY1"/>
+                      </a:cxn>
+                      <a:cxn ang="0">
+                        <a:pos x="connsiteX2" y="connsiteY2"/>
+                      </a:cxn>
+                    </a:cxnLst>
+                    <a:rect l="l" t="t" r="r" b="b"/>
+                    <a:pathLst>
+                      <a:path w="652463" h="49597">
+                        <a:moveTo>
+                          <a:pt x="0" y="45244"/>
+                        </a:moveTo>
+                        <a:cubicBezTo>
+                          <a:pt x="146844" y="49014"/>
+                          <a:pt x="293688" y="52785"/>
+                          <a:pt x="402432" y="45244"/>
+                        </a:cubicBezTo>
+                        <a:cubicBezTo>
+                          <a:pt x="511176" y="37703"/>
+                          <a:pt x="581819" y="18851"/>
+                          <a:pt x="652463" y="0"/>
+                        </a:cubicBezTo>
+                      </a:path>
+                    </a:pathLst>
+                  </a:custGeom>
+                  <a:noFill/>
+                  <a:ln w="19050">
+                    <a:solidFill>
+                      <a:schemeClr val="tx1"/>
+                    </a:solidFill>
+                  </a:ln>
+                </p:spPr>
+                <p:style>
+                  <a:lnRef idx="2">
+                    <a:schemeClr val="accent1">
+                      <a:shade val="50000"/>
+                    </a:schemeClr>
+                  </a:lnRef>
+                  <a:fillRef idx="1">
+                    <a:schemeClr val="accent1"/>
+                  </a:fillRef>
+                  <a:effectRef idx="0">
+                    <a:schemeClr val="accent1"/>
+                  </a:effectRef>
+                  <a:fontRef idx="minor">
+                    <a:schemeClr val="lt1"/>
+                  </a:fontRef>
+                </p:style>
+                <p:txBody>
+                  <a:bodyPr rot="0" spcFirstLastPara="0" vert="horz" wrap="square" lIns="91440" tIns="45720" rIns="91440" bIns="45720" numCol="1" spcCol="0" rtlCol="0" fromWordArt="0" anchor="ctr" anchorCtr="0" forceAA="0" compatLnSpc="1">
+                    <a:prstTxWarp prst="textNoShape">
+                      <a:avLst/>
+                    </a:prstTxWarp>
+                    <a:noAutofit/>
+                  </a:bodyPr>
+                  <a:lstStyle/>
+                  <a:p>
+                    <a:endParaRPr lang="fr-FR"/>
+                  </a:p>
+                </p:txBody>
+              </p:sp>
+              <p:sp>
+                <p:nvSpPr>
+                  <p:cNvPr id="260" name="Forme libre 259"/>
+                  <p:cNvSpPr/>
+                  <p:nvPr/>
+                </p:nvSpPr>
+                <p:spPr>
+                  <a:xfrm>
+                    <a:off x="2240782" y="924448"/>
+                    <a:ext cx="652145" cy="49530"/>
+                  </a:xfrm>
+                  <a:custGeom>
+                    <a:avLst/>
+                    <a:gdLst>
+                      <a:gd name="connsiteX0" fmla="*/ 0 w 652463"/>
+                      <a:gd name="connsiteY0" fmla="*/ 45244 h 49597"/>
+                      <a:gd name="connsiteX1" fmla="*/ 402432 w 652463"/>
+                      <a:gd name="connsiteY1" fmla="*/ 45244 h 49597"/>
+                      <a:gd name="connsiteX2" fmla="*/ 652463 w 652463"/>
+                      <a:gd name="connsiteY2" fmla="*/ 0 h 49597"/>
+                    </a:gdLst>
+                    <a:ahLst/>
+                    <a:cxnLst>
+                      <a:cxn ang="0">
+                        <a:pos x="connsiteX0" y="connsiteY0"/>
+                      </a:cxn>
+                      <a:cxn ang="0">
+                        <a:pos x="connsiteX1" y="connsiteY1"/>
+                      </a:cxn>
+                      <a:cxn ang="0">
+                        <a:pos x="connsiteX2" y="connsiteY2"/>
+                      </a:cxn>
+                    </a:cxnLst>
+                    <a:rect l="l" t="t" r="r" b="b"/>
+                    <a:pathLst>
+                      <a:path w="652463" h="49597">
+                        <a:moveTo>
+                          <a:pt x="0" y="45244"/>
+                        </a:moveTo>
+                        <a:cubicBezTo>
+                          <a:pt x="146844" y="49014"/>
+                          <a:pt x="293688" y="52785"/>
+                          <a:pt x="402432" y="45244"/>
+                        </a:cubicBezTo>
+                        <a:cubicBezTo>
+                          <a:pt x="511176" y="37703"/>
+                          <a:pt x="581819" y="18851"/>
+                          <a:pt x="652463" y="0"/>
+                        </a:cubicBezTo>
+                      </a:path>
+                    </a:pathLst>
+                  </a:custGeom>
+                  <a:noFill/>
+                  <a:ln w="19050">
+                    <a:solidFill>
+                      <a:schemeClr val="tx1"/>
+                    </a:solidFill>
+                  </a:ln>
+                </p:spPr>
+                <p:style>
+                  <a:lnRef idx="2">
+                    <a:schemeClr val="accent1">
+                      <a:shade val="50000"/>
+                    </a:schemeClr>
+                  </a:lnRef>
+                  <a:fillRef idx="1">
+                    <a:schemeClr val="accent1"/>
+                  </a:fillRef>
+                  <a:effectRef idx="0">
+                    <a:schemeClr val="accent1"/>
+                  </a:effectRef>
+                  <a:fontRef idx="minor">
+                    <a:schemeClr val="lt1"/>
+                  </a:fontRef>
+                </p:style>
+                <p:txBody>
+                  <a:bodyPr rot="0" spcFirstLastPara="0" vert="horz" wrap="square" lIns="91440" tIns="45720" rIns="91440" bIns="45720" numCol="1" spcCol="0" rtlCol="0" fromWordArt="0" anchor="ctr" anchorCtr="0" forceAA="0" compatLnSpc="1">
+                    <a:prstTxWarp prst="textNoShape">
+                      <a:avLst/>
+                    </a:prstTxWarp>
+                    <a:noAutofit/>
+                  </a:bodyPr>
+                  <a:lstStyle/>
+                  <a:p>
+                    <a:endParaRPr lang="fr-FR"/>
+                  </a:p>
+                </p:txBody>
+              </p:sp>
+              <p:cxnSp>
+                <p:nvCxnSpPr>
+                  <p:cNvPr id="261" name="Connecteur droit 260"/>
+                  <p:cNvCxnSpPr/>
+                  <p:nvPr/>
+                </p:nvCxnSpPr>
+                <p:spPr>
+                  <a:xfrm flipH="1" flipV="1">
+                    <a:off x="3617406" y="0"/>
+                    <a:ext cx="207169" cy="471011"/>
+                  </a:xfrm>
+                  <a:prstGeom prst="line">
+                    <a:avLst/>
+                  </a:prstGeom>
+                  <a:ln w="19050">
+                    <a:solidFill>
+                      <a:schemeClr val="tx1"/>
+                    </a:solidFill>
+                  </a:ln>
+                </p:spPr>
+                <p:style>
+                  <a:lnRef idx="1">
+                    <a:schemeClr val="accent1"/>
+                  </a:lnRef>
+                  <a:fillRef idx="0">
+                    <a:schemeClr val="accent1"/>
+                  </a:fillRef>
+                  <a:effectRef idx="0">
+                    <a:schemeClr val="accent1"/>
+                  </a:effectRef>
+                  <a:fontRef idx="minor">
+                    <a:schemeClr val="tx1"/>
+                  </a:fontRef>
+                </p:style>
+              </p:cxnSp>
+            </p:grpSp>
+            <p:grpSp>
+              <p:nvGrpSpPr>
+                <p:cNvPr id="243" name="Groupe 242"/>
+                <p:cNvGrpSpPr/>
+                <p:nvPr/>
+              </p:nvGrpSpPr>
+              <p:grpSpPr>
+                <a:xfrm>
+                  <a:off x="377190" y="60960"/>
+                  <a:ext cx="3802037" cy="836283"/>
+                  <a:chOff x="0" y="0"/>
+                  <a:chExt cx="3802037" cy="836283"/>
+                </a:xfrm>
+              </p:grpSpPr>
+              <p:grpSp>
+                <p:nvGrpSpPr>
+                  <p:cNvPr id="244" name="Groupe 243"/>
+                  <p:cNvGrpSpPr/>
+                  <p:nvPr/>
+                </p:nvGrpSpPr>
+                <p:grpSpPr>
+                  <a:xfrm>
+                    <a:off x="0" y="0"/>
+                    <a:ext cx="3653447" cy="468630"/>
+                    <a:chOff x="0" y="0"/>
+                    <a:chExt cx="3653447" cy="468630"/>
+                  </a:xfrm>
+                </p:grpSpPr>
+                <p:grpSp>
+                  <p:nvGrpSpPr>
+                    <p:cNvPr id="250" name="Groupe 249"/>
+                    <p:cNvGrpSpPr/>
+                    <p:nvPr/>
+                  </p:nvGrpSpPr>
+                  <p:grpSpPr>
+                    <a:xfrm>
+                      <a:off x="0" y="407670"/>
+                      <a:ext cx="2845151" cy="60960"/>
+                      <a:chOff x="0" y="0"/>
+                      <a:chExt cx="2845151" cy="60960"/>
+                    </a:xfrm>
+                  </p:grpSpPr>
+                  <p:cxnSp>
+                    <p:nvCxnSpPr>
+                      <p:cNvPr id="252" name="Connecteur droit 251"/>
+                      <p:cNvCxnSpPr/>
+                      <p:nvPr/>
+                    </p:nvCxnSpPr>
+                    <p:spPr>
+                      <a:xfrm>
+                        <a:off x="0" y="60960"/>
+                        <a:ext cx="2520849" cy="0"/>
+                      </a:xfrm>
+                      <a:prstGeom prst="line">
+                        <a:avLst/>
+                      </a:prstGeom>
+                      <a:ln w="19050">
+                        <a:solidFill>
+                          <a:schemeClr val="tx1"/>
+                        </a:solidFill>
+                      </a:ln>
+                    </p:spPr>
+                    <p:style>
+                      <a:lnRef idx="1">
+                        <a:schemeClr val="dk1"/>
+                      </a:lnRef>
+                      <a:fillRef idx="0">
+                        <a:schemeClr val="dk1"/>
+                      </a:fillRef>
+                      <a:effectRef idx="0">
+                        <a:schemeClr val="dk1"/>
+                      </a:effectRef>
+                      <a:fontRef idx="minor">
+                        <a:schemeClr val="tx1"/>
+                      </a:fontRef>
+                    </p:style>
+                  </p:cxnSp>
+                  <p:sp>
+                    <p:nvSpPr>
+                      <p:cNvPr id="253" name="Forme libre 252"/>
+                      <p:cNvSpPr/>
+                      <p:nvPr/>
+                    </p:nvSpPr>
+                    <p:spPr>
+                      <a:xfrm rot="21265466">
+                        <a:off x="2419350" y="0"/>
+                        <a:ext cx="425801" cy="49577"/>
+                      </a:xfrm>
+                      <a:custGeom>
+                        <a:avLst/>
+                        <a:gdLst>
+                          <a:gd name="connsiteX0" fmla="*/ 0 w 652463"/>
+                          <a:gd name="connsiteY0" fmla="*/ 45244 h 49597"/>
+                          <a:gd name="connsiteX1" fmla="*/ 402432 w 652463"/>
+                          <a:gd name="connsiteY1" fmla="*/ 45244 h 49597"/>
+                          <a:gd name="connsiteX2" fmla="*/ 652463 w 652463"/>
+                          <a:gd name="connsiteY2" fmla="*/ 0 h 49597"/>
+                        </a:gdLst>
+                        <a:ahLst/>
+                        <a:cxnLst>
+                          <a:cxn ang="0">
+                            <a:pos x="connsiteX0" y="connsiteY0"/>
+                          </a:cxn>
+                          <a:cxn ang="0">
+                            <a:pos x="connsiteX1" y="connsiteY1"/>
+                          </a:cxn>
+                          <a:cxn ang="0">
+                            <a:pos x="connsiteX2" y="connsiteY2"/>
+                          </a:cxn>
+                        </a:cxnLst>
+                        <a:rect l="l" t="t" r="r" b="b"/>
+                        <a:pathLst>
+                          <a:path w="652463" h="49597">
+                            <a:moveTo>
+                              <a:pt x="0" y="45244"/>
+                            </a:moveTo>
+                            <a:cubicBezTo>
+                              <a:pt x="146844" y="49014"/>
+                              <a:pt x="293688" y="52785"/>
+                              <a:pt x="402432" y="45244"/>
+                            </a:cubicBezTo>
+                            <a:cubicBezTo>
+                              <a:pt x="511176" y="37703"/>
+                              <a:pt x="581819" y="18851"/>
+                              <a:pt x="652463" y="0"/>
+                            </a:cubicBezTo>
+                          </a:path>
+                        </a:pathLst>
+                      </a:custGeom>
+                      <a:noFill/>
+                      <a:ln w="19050">
+                        <a:solidFill>
+                          <a:schemeClr val="tx1"/>
+                        </a:solidFill>
+                      </a:ln>
+                    </p:spPr>
+                    <p:style>
+                      <a:lnRef idx="2">
+                        <a:schemeClr val="accent1">
+                          <a:shade val="50000"/>
+                        </a:schemeClr>
+                      </a:lnRef>
+                      <a:fillRef idx="1">
+                        <a:schemeClr val="accent1"/>
+                      </a:fillRef>
+                      <a:effectRef idx="0">
+                        <a:schemeClr val="accent1"/>
+                      </a:effectRef>
+                      <a:fontRef idx="minor">
+                        <a:schemeClr val="lt1"/>
+                      </a:fontRef>
+                    </p:style>
+                    <p:txBody>
+                      <a:bodyPr rot="0" spcFirstLastPara="0" vert="horz" wrap="square" lIns="91440" tIns="45720" rIns="91440" bIns="45720" numCol="1" spcCol="0" rtlCol="0" fromWordArt="0" anchor="ctr" anchorCtr="0" forceAA="0" compatLnSpc="1">
+                        <a:prstTxWarp prst="textNoShape">
+                          <a:avLst/>
+                        </a:prstTxWarp>
+                        <a:noAutofit/>
+                      </a:bodyPr>
+                      <a:lstStyle/>
+                      <a:p>
+                        <a:endParaRPr lang="fr-FR"/>
+                      </a:p>
+                    </p:txBody>
+                  </p:sp>
+                </p:grpSp>
+                <p:cxnSp>
+                  <p:nvCxnSpPr>
+                    <p:cNvPr id="251" name="Connecteur droit 250"/>
+                    <p:cNvCxnSpPr/>
+                    <p:nvPr/>
+                  </p:nvCxnSpPr>
+                  <p:spPr>
+                    <a:xfrm flipV="1">
+                      <a:off x="2823210" y="0"/>
+                      <a:ext cx="830237" cy="392430"/>
+                    </a:xfrm>
+                    <a:prstGeom prst="line">
+                      <a:avLst/>
+                    </a:prstGeom>
+                    <a:ln w="19050">
+                      <a:solidFill>
+                        <a:schemeClr val="tx1"/>
+                      </a:solidFill>
+                    </a:ln>
+                  </p:spPr>
+                  <p:style>
+                    <a:lnRef idx="1">
+                      <a:schemeClr val="dk1"/>
+                    </a:lnRef>
+                    <a:fillRef idx="0">
+                      <a:schemeClr val="dk1"/>
+                    </a:fillRef>
+                    <a:effectRef idx="0">
+                      <a:schemeClr val="dk1"/>
+                    </a:effectRef>
+                    <a:fontRef idx="minor">
+                      <a:schemeClr val="tx1"/>
+                    </a:fontRef>
+                  </p:style>
+                </p:cxnSp>
+              </p:grpSp>
+              <p:grpSp>
+                <p:nvGrpSpPr>
+                  <p:cNvPr id="245" name="Groupe 244"/>
+                  <p:cNvGrpSpPr/>
+                  <p:nvPr/>
+                </p:nvGrpSpPr>
+                <p:grpSpPr>
+                  <a:xfrm>
+                    <a:off x="15240" y="350520"/>
+                    <a:ext cx="3786797" cy="485763"/>
+                    <a:chOff x="0" y="0"/>
+                    <a:chExt cx="3786797" cy="485763"/>
+                  </a:xfrm>
+                </p:grpSpPr>
+                <p:cxnSp>
+                  <p:nvCxnSpPr>
+                    <p:cNvPr id="246" name="Connecteur droit 245"/>
+                    <p:cNvCxnSpPr/>
+                    <p:nvPr/>
+                  </p:nvCxnSpPr>
+                  <p:spPr>
+                    <a:xfrm flipV="1">
+                      <a:off x="2956560" y="0"/>
+                      <a:ext cx="830237" cy="392430"/>
+                    </a:xfrm>
+                    <a:prstGeom prst="line">
+                      <a:avLst/>
+                    </a:prstGeom>
+                    <a:ln w="19050">
+                      <a:solidFill>
+                        <a:schemeClr val="tx1"/>
+                      </a:solidFill>
+                    </a:ln>
+                  </p:spPr>
+                  <p:style>
+                    <a:lnRef idx="1">
+                      <a:schemeClr val="dk1"/>
+                    </a:lnRef>
+                    <a:fillRef idx="0">
+                      <a:schemeClr val="dk1"/>
+                    </a:fillRef>
+                    <a:effectRef idx="0">
+                      <a:schemeClr val="dk1"/>
+                    </a:effectRef>
+                    <a:fontRef idx="minor">
+                      <a:schemeClr val="tx1"/>
+                    </a:fontRef>
+                  </p:style>
+                </p:cxnSp>
+                <p:grpSp>
+                  <p:nvGrpSpPr>
+                    <p:cNvPr id="247" name="Groupe 246"/>
+                    <p:cNvGrpSpPr/>
+                    <p:nvPr/>
+                  </p:nvGrpSpPr>
+                  <p:grpSpPr>
+                    <a:xfrm>
+                      <a:off x="0" y="422910"/>
+                      <a:ext cx="2961918" cy="62853"/>
+                      <a:chOff x="0" y="-1893"/>
+                      <a:chExt cx="2961918" cy="62853"/>
+                    </a:xfrm>
+                  </p:grpSpPr>
+                  <p:cxnSp>
+                    <p:nvCxnSpPr>
+                      <p:cNvPr id="248" name="Connecteur droit 247"/>
+                      <p:cNvCxnSpPr/>
+                      <p:nvPr/>
+                    </p:nvCxnSpPr>
+                    <p:spPr>
+                      <a:xfrm>
+                        <a:off x="0" y="60960"/>
+                        <a:ext cx="2520849" cy="0"/>
+                      </a:xfrm>
+                      <a:prstGeom prst="line">
+                        <a:avLst/>
+                      </a:prstGeom>
+                      <a:ln w="19050">
+                        <a:solidFill>
+                          <a:schemeClr val="tx1"/>
+                        </a:solidFill>
+                      </a:ln>
+                    </p:spPr>
+                    <p:style>
+                      <a:lnRef idx="1">
+                        <a:schemeClr val="dk1"/>
+                      </a:lnRef>
+                      <a:fillRef idx="0">
+                        <a:schemeClr val="dk1"/>
+                      </a:fillRef>
+                      <a:effectRef idx="0">
+                        <a:schemeClr val="dk1"/>
+                      </a:effectRef>
+                      <a:fontRef idx="minor">
+                        <a:schemeClr val="tx1"/>
+                      </a:fontRef>
+                    </p:style>
+                  </p:cxnSp>
+                  <p:sp>
+                    <p:nvSpPr>
+                      <p:cNvPr id="249" name="Forme libre 248"/>
+                      <p:cNvSpPr/>
+                      <p:nvPr/>
+                    </p:nvSpPr>
+                    <p:spPr>
+                      <a:xfrm rot="21265466">
+                        <a:off x="2418586" y="-1893"/>
+                        <a:ext cx="543332" cy="45719"/>
+                      </a:xfrm>
+                      <a:custGeom>
+                        <a:avLst/>
+                        <a:gdLst>
+                          <a:gd name="connsiteX0" fmla="*/ 0 w 652463"/>
+                          <a:gd name="connsiteY0" fmla="*/ 45244 h 49597"/>
+                          <a:gd name="connsiteX1" fmla="*/ 402432 w 652463"/>
+                          <a:gd name="connsiteY1" fmla="*/ 45244 h 49597"/>
+                          <a:gd name="connsiteX2" fmla="*/ 652463 w 652463"/>
+                          <a:gd name="connsiteY2" fmla="*/ 0 h 49597"/>
+                        </a:gdLst>
+                        <a:ahLst/>
+                        <a:cxnLst>
+                          <a:cxn ang="0">
+                            <a:pos x="connsiteX0" y="connsiteY0"/>
+                          </a:cxn>
+                          <a:cxn ang="0">
+                            <a:pos x="connsiteX1" y="connsiteY1"/>
+                          </a:cxn>
+                          <a:cxn ang="0">
+                            <a:pos x="connsiteX2" y="connsiteY2"/>
+                          </a:cxn>
+                        </a:cxnLst>
+                        <a:rect l="l" t="t" r="r" b="b"/>
+                        <a:pathLst>
+                          <a:path w="652463" h="49597">
+                            <a:moveTo>
+                              <a:pt x="0" y="45244"/>
+                            </a:moveTo>
+                            <a:cubicBezTo>
+                              <a:pt x="146844" y="49014"/>
+                              <a:pt x="293688" y="52785"/>
+                              <a:pt x="402432" y="45244"/>
+                            </a:cubicBezTo>
+                            <a:cubicBezTo>
+                              <a:pt x="511176" y="37703"/>
+                              <a:pt x="581819" y="18851"/>
+                              <a:pt x="652463" y="0"/>
+                            </a:cubicBezTo>
+                          </a:path>
+                        </a:pathLst>
+                      </a:custGeom>
+                      <a:noFill/>
+                      <a:ln w="19050">
+                        <a:solidFill>
+                          <a:schemeClr val="tx1"/>
+                        </a:solidFill>
+                      </a:ln>
+                    </p:spPr>
+                    <p:style>
+                      <a:lnRef idx="2">
+                        <a:schemeClr val="accent1">
+                          <a:shade val="50000"/>
+                        </a:schemeClr>
+                      </a:lnRef>
+                      <a:fillRef idx="1">
+                        <a:schemeClr val="accent1"/>
+                      </a:fillRef>
+                      <a:effectRef idx="0">
+                        <a:schemeClr val="accent1"/>
+                      </a:effectRef>
+                      <a:fontRef idx="minor">
+                        <a:schemeClr val="lt1"/>
+                      </a:fontRef>
+                    </p:style>
+                    <p:txBody>
+                      <a:bodyPr rot="0" spcFirstLastPara="0" vert="horz" wrap="square" lIns="91440" tIns="45720" rIns="91440" bIns="45720" numCol="1" spcCol="0" rtlCol="0" fromWordArt="0" anchor="ctr" anchorCtr="0" forceAA="0" compatLnSpc="1">
+                        <a:prstTxWarp prst="textNoShape">
+                          <a:avLst/>
+                        </a:prstTxWarp>
+                        <a:noAutofit/>
+                      </a:bodyPr>
+                      <a:lstStyle/>
+                      <a:p>
+                        <a:endParaRPr lang="fr-FR"/>
+                      </a:p>
+                    </p:txBody>
+                  </p:sp>
+                </p:grpSp>
+              </p:grpSp>
+            </p:grpSp>
+          </p:grpSp>
+          <p:grpSp>
+            <p:nvGrpSpPr>
+              <p:cNvPr id="232" name="Groupe 231"/>
+              <p:cNvGrpSpPr/>
+              <p:nvPr/>
+            </p:nvGrpSpPr>
+            <p:grpSpPr>
+              <a:xfrm>
+                <a:off x="484600" y="269590"/>
+                <a:ext cx="2767341" cy="226447"/>
+                <a:chOff x="311254" y="269590"/>
+                <a:chExt cx="2767341" cy="226447"/>
+              </a:xfrm>
+            </p:grpSpPr>
+            <p:sp>
+              <p:nvSpPr>
+                <p:cNvPr id="233" name="Zone de texte 317"/>
+                <p:cNvSpPr txBox="1"/>
+                <p:nvPr/>
+              </p:nvSpPr>
+              <p:spPr>
+                <a:xfrm>
+                  <a:off x="311254" y="285705"/>
+                  <a:ext cx="751005" cy="210332"/>
+                </a:xfrm>
+                <a:prstGeom prst="rect">
+                  <a:avLst/>
+                </a:prstGeom>
+                <a:noFill/>
+                <a:ln w="6350">
+                  <a:noFill/>
+                </a:ln>
+                <a:effectLst/>
+              </p:spPr>
+              <p:style>
+                <a:lnRef idx="0">
+                  <a:schemeClr val="accent1"/>
+                </a:lnRef>
+                <a:fillRef idx="0">
+                  <a:schemeClr val="accent1"/>
+                </a:fillRef>
+                <a:effectRef idx="0">
+                  <a:schemeClr val="accent1"/>
+                </a:effectRef>
+                <a:fontRef idx="minor">
+                  <a:schemeClr val="dk1"/>
+                </a:fontRef>
+              </p:style>
+              <p:txBody>
+                <a:bodyPr rot="0" spcFirstLastPara="0" vert="horz" wrap="square" lIns="91440" tIns="45720" rIns="91440" bIns="45720" numCol="1" spcCol="0" rtlCol="0" fromWordArt="0" anchor="t" anchorCtr="0" forceAA="0" compatLnSpc="1">
+                  <a:prstTxWarp prst="textNoShape">
+                    <a:avLst/>
+                  </a:prstTxWarp>
+                  <a:noAutofit/>
+                </a:bodyPr>
+                <a:lstStyle/>
+                <a:p>
+                  <a:pPr algn="ctr">
+                    <a:lnSpc>
+                      <a:spcPct val="107000"/>
+                    </a:lnSpc>
+                    <a:spcAft>
+                      <a:spcPts val="800"/>
+                    </a:spcAft>
+                  </a:pPr>
+                  <a:r>
+                    <a:rPr lang="fr-FR" sz="1800" dirty="0" smtClean="0">
+                      <a:effectLst/>
+                      <a:latin typeface="Times New Roman" panose="02020603050405020304" pitchFamily="18" charset="0"/>
+                      <a:ea typeface="Calibri" panose="020F0502020204030204" pitchFamily="34" charset="0"/>
+                      <a:cs typeface="Times New Roman" panose="02020603050405020304" pitchFamily="18" charset="0"/>
+                    </a:rPr>
+                    <a:t>roulement</a:t>
+                  </a:r>
+                  <a:endParaRPr lang="fr-FR" sz="1100" dirty="0">
+                    <a:effectLst/>
+                    <a:ea typeface="Calibri" panose="020F0502020204030204" pitchFamily="34" charset="0"/>
+                    <a:cs typeface="Times New Roman" panose="02020603050405020304" pitchFamily="18" charset="0"/>
+                  </a:endParaRPr>
+                </a:p>
+              </p:txBody>
+            </p:sp>
+            <p:sp>
+              <p:nvSpPr>
+                <p:cNvPr id="234" name="Zone de texte 318"/>
+                <p:cNvSpPr txBox="1"/>
+                <p:nvPr/>
+              </p:nvSpPr>
+              <p:spPr>
+                <a:xfrm>
+                  <a:off x="2308029" y="269590"/>
+                  <a:ext cx="770566" cy="200452"/>
+                </a:xfrm>
+                <a:prstGeom prst="rect">
+                  <a:avLst/>
+                </a:prstGeom>
+                <a:noFill/>
+                <a:ln w="6350">
+                  <a:noFill/>
+                </a:ln>
+                <a:effectLst/>
+              </p:spPr>
+              <p:style>
+                <a:lnRef idx="0">
+                  <a:schemeClr val="accent1"/>
+                </a:lnRef>
+                <a:fillRef idx="0">
+                  <a:schemeClr val="accent1"/>
+                </a:fillRef>
+                <a:effectRef idx="0">
+                  <a:schemeClr val="accent1"/>
+                </a:effectRef>
+                <a:fontRef idx="minor">
+                  <a:schemeClr val="dk1"/>
+                </a:fontRef>
+              </p:style>
+              <p:txBody>
+                <a:bodyPr rot="0" spcFirstLastPara="0" vert="horz" wrap="square" lIns="91440" tIns="45720" rIns="91440" bIns="45720" numCol="1" spcCol="0" rtlCol="0" fromWordArt="0" anchor="t" anchorCtr="0" forceAA="0" compatLnSpc="1">
+                  <a:prstTxWarp prst="textNoShape">
+                    <a:avLst/>
+                  </a:prstTxWarp>
+                  <a:noAutofit/>
+                </a:bodyPr>
+                <a:lstStyle/>
+                <a:p>
+                  <a:pPr algn="ctr">
+                    <a:lnSpc>
+                      <a:spcPct val="107000"/>
+                    </a:lnSpc>
+                    <a:spcAft>
+                      <a:spcPts val="800"/>
+                    </a:spcAft>
+                  </a:pPr>
+                  <a:r>
+                    <a:rPr lang="fr-FR" dirty="0">
+                      <a:latin typeface="Times New Roman" panose="02020603050405020304" pitchFamily="18" charset="0"/>
+                      <a:ea typeface="Calibri" panose="020F0502020204030204" pitchFamily="34" charset="0"/>
+                      <a:cs typeface="Times New Roman" panose="02020603050405020304" pitchFamily="18" charset="0"/>
+                    </a:rPr>
+                    <a:t>p</a:t>
+                  </a:r>
+                  <a:r>
+                    <a:rPr lang="fr-FR" sz="1800" dirty="0" smtClean="0">
+                      <a:effectLst/>
+                      <a:latin typeface="Times New Roman" panose="02020603050405020304" pitchFamily="18" charset="0"/>
+                      <a:ea typeface="Calibri" panose="020F0502020204030204" pitchFamily="34" charset="0"/>
+                      <a:cs typeface="Times New Roman" panose="02020603050405020304" pitchFamily="18" charset="0"/>
+                    </a:rPr>
+                    <a:t>alier</a:t>
+                  </a:r>
+                  <a:endParaRPr lang="fr-FR" sz="1100" dirty="0">
+                    <a:effectLst/>
+                    <a:ea typeface="Calibri" panose="020F0502020204030204" pitchFamily="34" charset="0"/>
+                    <a:cs typeface="Times New Roman" panose="02020603050405020304" pitchFamily="18" charset="0"/>
+                  </a:endParaRPr>
+                </a:p>
+              </p:txBody>
+            </p:sp>
+          </p:grpSp>
+        </p:grpSp>
+        <p:sp>
+          <p:nvSpPr>
+            <p:cNvPr id="227" name="Ellipse 226"/>
+            <p:cNvSpPr/>
+            <p:nvPr/>
+          </p:nvSpPr>
+          <p:spPr>
+            <a:xfrm>
+              <a:off x="4160498" y="3338853"/>
+              <a:ext cx="106680" cy="106680"/>
+            </a:xfrm>
+            <a:prstGeom prst="ellipse">
+              <a:avLst/>
+            </a:prstGeom>
+            <a:ln>
+              <a:solidFill>
+                <a:schemeClr val="tx1"/>
+              </a:solidFill>
+            </a:ln>
+          </p:spPr>
+          <p:style>
+            <a:lnRef idx="2">
+              <a:schemeClr val="dk1">
+                <a:shade val="50000"/>
+              </a:schemeClr>
+            </a:lnRef>
+            <a:fillRef idx="1">
+              <a:schemeClr val="dk1"/>
+            </a:fillRef>
+            <a:effectRef idx="0">
+              <a:schemeClr val="dk1"/>
+            </a:effectRef>
+            <a:fontRef idx="minor">
+              <a:schemeClr val="lt1"/>
+            </a:fontRef>
+          </p:style>
+          <p:txBody>
+            <a:bodyPr rtlCol="0" anchor="ctr"/>
+            <a:lstStyle/>
+            <a:p>
+              <a:pPr algn="ctr"/>
+              <a:endParaRPr lang="fr-FR"/>
+            </a:p>
+          </p:txBody>
+        </p:sp>
+        <p:sp>
+          <p:nvSpPr>
+            <p:cNvPr id="230" name="Ellipse 229"/>
+            <p:cNvSpPr/>
+            <p:nvPr/>
+          </p:nvSpPr>
+          <p:spPr>
+            <a:xfrm>
+              <a:off x="7696751" y="3341003"/>
+              <a:ext cx="106680" cy="106680"/>
+            </a:xfrm>
+            <a:prstGeom prst="ellipse">
+              <a:avLst/>
+            </a:prstGeom>
+            <a:ln>
+              <a:solidFill>
+                <a:schemeClr val="tx1"/>
+              </a:solidFill>
+            </a:ln>
+          </p:spPr>
+          <p:style>
+            <a:lnRef idx="2">
+              <a:schemeClr val="dk1">
+                <a:shade val="50000"/>
+              </a:schemeClr>
+            </a:lnRef>
+            <a:fillRef idx="1">
+              <a:schemeClr val="dk1"/>
+            </a:fillRef>
+            <a:effectRef idx="0">
+              <a:schemeClr val="dk1"/>
+            </a:effectRef>
+            <a:fontRef idx="minor">
+              <a:schemeClr val="lt1"/>
+            </a:fontRef>
+          </p:style>
+          <p:txBody>
+            <a:bodyPr rtlCol="0" anchor="ctr"/>
+            <a:lstStyle/>
+            <a:p>
+              <a:pPr algn="ctr"/>
+              <a:endParaRPr lang="fr-FR"/>
+            </a:p>
+          </p:txBody>
+        </p:sp>
+      </p:grpSp>
+      <p:grpSp>
+        <p:nvGrpSpPr>
+          <p:cNvPr id="108" name="Groupe 107"/>
+          <p:cNvGrpSpPr/>
+          <p:nvPr/>
+        </p:nvGrpSpPr>
+        <p:grpSpPr>
+          <a:xfrm>
+            <a:off x="2352611" y="4634287"/>
+            <a:ext cx="1488134" cy="1627398"/>
+            <a:chOff x="2325780" y="3675601"/>
+            <a:chExt cx="1488134" cy="1627398"/>
+          </a:xfrm>
+        </p:grpSpPr>
+        <p:cxnSp>
+          <p:nvCxnSpPr>
+            <p:cNvPr id="183" name="Connecteur droit 182"/>
+            <p:cNvCxnSpPr>
+              <a:stCxn id="227" idx="4"/>
+            </p:cNvCxnSpPr>
+            <p:nvPr/>
+          </p:nvCxnSpPr>
+          <p:spPr>
+            <a:xfrm>
+              <a:off x="3472486" y="3675601"/>
+              <a:ext cx="0" cy="707367"/>
+            </a:xfrm>
+            <a:prstGeom prst="line">
+              <a:avLst/>
+            </a:prstGeom>
+            <a:ln w="19050">
+              <a:solidFill>
+                <a:schemeClr val="tx1"/>
+              </a:solidFill>
+            </a:ln>
+          </p:spPr>
+          <p:style>
+            <a:lnRef idx="1">
+              <a:schemeClr val="accent1"/>
+            </a:lnRef>
+            <a:fillRef idx="0">
+              <a:schemeClr val="accent1"/>
+            </a:fillRef>
+            <a:effectRef idx="0">
+              <a:schemeClr val="accent1"/>
+            </a:effectRef>
+            <a:fontRef idx="minor">
+              <a:schemeClr val="tx1"/>
+            </a:fontRef>
+          </p:style>
+        </p:cxnSp>
+        <p:cxnSp>
+          <p:nvCxnSpPr>
+            <p:cNvPr id="184" name="Connecteur droit 183"/>
+            <p:cNvCxnSpPr/>
+            <p:nvPr/>
+          </p:nvCxnSpPr>
+          <p:spPr>
+            <a:xfrm>
+              <a:off x="3197236" y="4382968"/>
+              <a:ext cx="616678" cy="0"/>
+            </a:xfrm>
+            <a:prstGeom prst="line">
+              <a:avLst/>
+            </a:prstGeom>
+            <a:ln w="28575">
+              <a:solidFill>
+                <a:schemeClr val="tx1"/>
+              </a:solidFill>
+            </a:ln>
+          </p:spPr>
+          <p:style>
+            <a:lnRef idx="1">
+              <a:schemeClr val="accent1"/>
+            </a:lnRef>
+            <a:fillRef idx="0">
+              <a:schemeClr val="accent1"/>
+            </a:fillRef>
+            <a:effectRef idx="0">
+              <a:schemeClr val="accent1"/>
+            </a:effectRef>
+            <a:fontRef idx="minor">
+              <a:schemeClr val="tx1"/>
+            </a:fontRef>
+          </p:style>
+        </p:cxnSp>
+        <p:grpSp>
+          <p:nvGrpSpPr>
+            <p:cNvPr id="185" name="Groupe 184"/>
+            <p:cNvGrpSpPr/>
+            <p:nvPr/>
+          </p:nvGrpSpPr>
+          <p:grpSpPr>
+            <a:xfrm>
+              <a:off x="3375035" y="4391197"/>
+              <a:ext cx="191916" cy="793711"/>
+              <a:chOff x="4021922" y="4141271"/>
+              <a:chExt cx="191916" cy="793711"/>
+            </a:xfrm>
+          </p:grpSpPr>
+          <p:cxnSp>
+            <p:nvCxnSpPr>
+              <p:cNvPr id="213" name="Connecteur droit 212"/>
+              <p:cNvCxnSpPr/>
+              <p:nvPr/>
+            </p:nvCxnSpPr>
+            <p:spPr>
+              <a:xfrm flipH="1">
+                <a:off x="4021923" y="4290149"/>
+                <a:ext cx="116690" cy="41085"/>
+              </a:xfrm>
+              <a:prstGeom prst="line">
+                <a:avLst/>
+              </a:prstGeom>
+              <a:ln>
+                <a:solidFill>
+                  <a:schemeClr val="tx1"/>
+                </a:solidFill>
+              </a:ln>
+            </p:spPr>
+            <p:style>
+              <a:lnRef idx="1">
+                <a:schemeClr val="accent1"/>
+              </a:lnRef>
+              <a:fillRef idx="0">
+                <a:schemeClr val="accent1"/>
+              </a:fillRef>
+              <a:effectRef idx="0">
+                <a:schemeClr val="accent1"/>
+              </a:effectRef>
+              <a:fontRef idx="minor">
+                <a:schemeClr val="tx1"/>
+              </a:fontRef>
+            </p:style>
+          </p:cxnSp>
+          <p:cxnSp>
+            <p:nvCxnSpPr>
+              <p:cNvPr id="214" name="Connecteur droit 213"/>
+              <p:cNvCxnSpPr/>
+              <p:nvPr/>
+            </p:nvCxnSpPr>
+            <p:spPr>
+              <a:xfrm>
+                <a:off x="4130463" y="4141271"/>
+                <a:ext cx="2795" cy="153214"/>
+              </a:xfrm>
+              <a:prstGeom prst="line">
+                <a:avLst/>
+              </a:prstGeom>
+              <a:ln>
+                <a:solidFill>
+                  <a:schemeClr val="tx1"/>
+                </a:solidFill>
+              </a:ln>
+            </p:spPr>
+            <p:style>
+              <a:lnRef idx="1">
+                <a:schemeClr val="accent1"/>
+              </a:lnRef>
+              <a:fillRef idx="0">
+                <a:schemeClr val="accent1"/>
+              </a:fillRef>
+              <a:effectRef idx="0">
+                <a:schemeClr val="accent1"/>
+              </a:effectRef>
+              <a:fontRef idx="minor">
+                <a:schemeClr val="tx1"/>
+              </a:fontRef>
+            </p:style>
+          </p:cxnSp>
+          <p:grpSp>
+            <p:nvGrpSpPr>
+              <p:cNvPr id="215" name="Groupe 214"/>
+              <p:cNvGrpSpPr/>
+              <p:nvPr/>
+            </p:nvGrpSpPr>
+            <p:grpSpPr>
+              <a:xfrm>
+                <a:off x="4021922" y="4335272"/>
+                <a:ext cx="191916" cy="599710"/>
+                <a:chOff x="4021922" y="4335272"/>
+                <a:chExt cx="191916" cy="599710"/>
+              </a:xfrm>
+            </p:grpSpPr>
+            <p:grpSp>
+              <p:nvGrpSpPr>
+                <p:cNvPr id="216" name="Groupe 215"/>
+                <p:cNvGrpSpPr/>
+                <p:nvPr/>
+              </p:nvGrpSpPr>
+              <p:grpSpPr>
+                <a:xfrm>
+                  <a:off x="4021922" y="4335272"/>
+                  <a:ext cx="191916" cy="403501"/>
+                  <a:chOff x="4063815" y="4585216"/>
+                  <a:chExt cx="191916" cy="403501"/>
+                </a:xfrm>
+              </p:grpSpPr>
+              <p:cxnSp>
+                <p:nvCxnSpPr>
+                  <p:cNvPr id="219" name="Connecteur droit 218"/>
+                  <p:cNvCxnSpPr/>
+                  <p:nvPr/>
+                </p:nvCxnSpPr>
+                <p:spPr>
+                  <a:xfrm>
+                    <a:off x="4069080" y="4944421"/>
+                    <a:ext cx="186651" cy="44296"/>
+                  </a:xfrm>
+                  <a:prstGeom prst="line">
+                    <a:avLst/>
+                  </a:prstGeom>
+                  <a:ln>
+                    <a:solidFill>
+                      <a:schemeClr val="tx1"/>
+                    </a:solidFill>
+                  </a:ln>
+                </p:spPr>
+                <p:style>
+                  <a:lnRef idx="1">
+                    <a:schemeClr val="accent1"/>
+                  </a:lnRef>
+                  <a:fillRef idx="0">
+                    <a:schemeClr val="accent1"/>
+                  </a:fillRef>
+                  <a:effectRef idx="0">
+                    <a:schemeClr val="accent1"/>
+                  </a:effectRef>
+                  <a:fontRef idx="minor">
+                    <a:schemeClr val="tx1"/>
+                  </a:fontRef>
+                </p:style>
+              </p:cxnSp>
+              <p:cxnSp>
+                <p:nvCxnSpPr>
+                  <p:cNvPr id="220" name="Connecteur droit 219"/>
+                  <p:cNvCxnSpPr/>
+                  <p:nvPr/>
+                </p:nvCxnSpPr>
+                <p:spPr>
+                  <a:xfrm flipH="1">
+                    <a:off x="4067172" y="4869655"/>
+                    <a:ext cx="183294" cy="70728"/>
+                  </a:xfrm>
+                  <a:prstGeom prst="line">
+                    <a:avLst/>
+                  </a:prstGeom>
+                  <a:ln>
+                    <a:solidFill>
+                      <a:schemeClr val="tx1"/>
+                    </a:solidFill>
+                  </a:ln>
+                </p:spPr>
+                <p:style>
+                  <a:lnRef idx="1">
+                    <a:schemeClr val="accent1"/>
+                  </a:lnRef>
+                  <a:fillRef idx="0">
+                    <a:schemeClr val="accent1"/>
+                  </a:fillRef>
+                  <a:effectRef idx="0">
+                    <a:schemeClr val="accent1"/>
+                  </a:effectRef>
+                  <a:fontRef idx="minor">
+                    <a:schemeClr val="tx1"/>
+                  </a:fontRef>
+                </p:style>
+              </p:cxnSp>
+              <p:cxnSp>
+                <p:nvCxnSpPr>
+                  <p:cNvPr id="221" name="Connecteur droit 220"/>
+                  <p:cNvCxnSpPr/>
+                  <p:nvPr/>
+                </p:nvCxnSpPr>
+                <p:spPr>
+                  <a:xfrm>
+                    <a:off x="4067172" y="4825359"/>
+                    <a:ext cx="186651" cy="44296"/>
+                  </a:xfrm>
+                  <a:prstGeom prst="line">
+                    <a:avLst/>
+                  </a:prstGeom>
+                  <a:ln>
+                    <a:solidFill>
+                      <a:schemeClr val="tx1"/>
+                    </a:solidFill>
+                  </a:ln>
+                </p:spPr>
+                <p:style>
+                  <a:lnRef idx="1">
+                    <a:schemeClr val="accent1"/>
+                  </a:lnRef>
+                  <a:fillRef idx="0">
+                    <a:schemeClr val="accent1"/>
+                  </a:fillRef>
+                  <a:effectRef idx="0">
+                    <a:schemeClr val="accent1"/>
+                  </a:effectRef>
+                  <a:fontRef idx="minor">
+                    <a:schemeClr val="tx1"/>
+                  </a:fontRef>
+                </p:style>
+              </p:cxnSp>
+              <p:cxnSp>
+                <p:nvCxnSpPr>
+                  <p:cNvPr id="222" name="Connecteur droit 221"/>
+                  <p:cNvCxnSpPr/>
+                  <p:nvPr/>
+                </p:nvCxnSpPr>
+                <p:spPr>
+                  <a:xfrm>
+                    <a:off x="4067172" y="4706297"/>
+                    <a:ext cx="186651" cy="44296"/>
+                  </a:xfrm>
+                  <a:prstGeom prst="line">
+                    <a:avLst/>
+                  </a:prstGeom>
+                  <a:ln>
+                    <a:solidFill>
+                      <a:schemeClr val="tx1"/>
+                    </a:solidFill>
+                  </a:ln>
+                </p:spPr>
+                <p:style>
+                  <a:lnRef idx="1">
+                    <a:schemeClr val="accent1"/>
+                  </a:lnRef>
+                  <a:fillRef idx="0">
+                    <a:schemeClr val="accent1"/>
+                  </a:fillRef>
+                  <a:effectRef idx="0">
+                    <a:schemeClr val="accent1"/>
+                  </a:effectRef>
+                  <a:fontRef idx="minor">
+                    <a:schemeClr val="tx1"/>
+                  </a:fontRef>
+                </p:style>
+              </p:cxnSp>
+              <p:cxnSp>
+                <p:nvCxnSpPr>
+                  <p:cNvPr id="223" name="Connecteur droit 222"/>
+                  <p:cNvCxnSpPr/>
+                  <p:nvPr/>
+                </p:nvCxnSpPr>
+                <p:spPr>
+                  <a:xfrm flipH="1">
+                    <a:off x="4067172" y="4750593"/>
+                    <a:ext cx="183294" cy="70728"/>
+                  </a:xfrm>
+                  <a:prstGeom prst="line">
+                    <a:avLst/>
+                  </a:prstGeom>
+                  <a:ln>
+                    <a:solidFill>
+                      <a:schemeClr val="tx1"/>
+                    </a:solidFill>
+                  </a:ln>
+                </p:spPr>
+                <p:style>
+                  <a:lnRef idx="1">
+                    <a:schemeClr val="accent1"/>
+                  </a:lnRef>
+                  <a:fillRef idx="0">
+                    <a:schemeClr val="accent1"/>
+                  </a:fillRef>
+                  <a:effectRef idx="0">
+                    <a:schemeClr val="accent1"/>
+                  </a:effectRef>
+                  <a:fontRef idx="minor">
+                    <a:schemeClr val="tx1"/>
+                  </a:fontRef>
+                </p:style>
+              </p:cxnSp>
+              <p:cxnSp>
+                <p:nvCxnSpPr>
+                  <p:cNvPr id="224" name="Connecteur droit 223"/>
+                  <p:cNvCxnSpPr/>
+                  <p:nvPr/>
+                </p:nvCxnSpPr>
+                <p:spPr>
+                  <a:xfrm flipH="1">
+                    <a:off x="4067172" y="4631531"/>
+                    <a:ext cx="183294" cy="70728"/>
+                  </a:xfrm>
+                  <a:prstGeom prst="line">
+                    <a:avLst/>
+                  </a:prstGeom>
+                  <a:ln>
+                    <a:solidFill>
+                      <a:schemeClr val="tx1"/>
+                    </a:solidFill>
+                  </a:ln>
+                </p:spPr>
+                <p:style>
+                  <a:lnRef idx="1">
+                    <a:schemeClr val="accent1"/>
+                  </a:lnRef>
+                  <a:fillRef idx="0">
+                    <a:schemeClr val="accent1"/>
+                  </a:fillRef>
+                  <a:effectRef idx="0">
+                    <a:schemeClr val="accent1"/>
+                  </a:effectRef>
+                  <a:fontRef idx="minor">
+                    <a:schemeClr val="tx1"/>
+                  </a:fontRef>
+                </p:style>
+              </p:cxnSp>
+              <p:cxnSp>
+                <p:nvCxnSpPr>
+                  <p:cNvPr id="225" name="Connecteur droit 224"/>
+                  <p:cNvCxnSpPr/>
+                  <p:nvPr/>
+                </p:nvCxnSpPr>
+                <p:spPr>
+                  <a:xfrm>
+                    <a:off x="4063815" y="4585216"/>
+                    <a:ext cx="186651" cy="44296"/>
+                  </a:xfrm>
+                  <a:prstGeom prst="line">
+                    <a:avLst/>
+                  </a:prstGeom>
+                  <a:ln>
+                    <a:solidFill>
+                      <a:schemeClr val="tx1"/>
+                    </a:solidFill>
+                  </a:ln>
+                </p:spPr>
+                <p:style>
+                  <a:lnRef idx="1">
+                    <a:schemeClr val="accent1"/>
+                  </a:lnRef>
+                  <a:fillRef idx="0">
+                    <a:schemeClr val="accent1"/>
+                  </a:fillRef>
+                  <a:effectRef idx="0">
+                    <a:schemeClr val="accent1"/>
+                  </a:effectRef>
+                  <a:fontRef idx="minor">
+                    <a:schemeClr val="tx1"/>
+                  </a:fontRef>
+                </p:style>
+              </p:cxnSp>
+            </p:grpSp>
+            <p:cxnSp>
+              <p:nvCxnSpPr>
+                <p:cNvPr id="217" name="Connecteur droit 216"/>
+                <p:cNvCxnSpPr/>
+                <p:nvPr/>
+              </p:nvCxnSpPr>
+              <p:spPr>
+                <a:xfrm flipH="1">
+                  <a:off x="4093070" y="4742811"/>
+                  <a:ext cx="116690" cy="41085"/>
+                </a:xfrm>
+                <a:prstGeom prst="line">
+                  <a:avLst/>
+                </a:prstGeom>
+                <a:ln>
+                  <a:solidFill>
+                    <a:schemeClr val="tx1"/>
+                  </a:solidFill>
+                </a:ln>
+              </p:spPr>
+              <p:style>
+                <a:lnRef idx="1">
+                  <a:schemeClr val="accent1"/>
+                </a:lnRef>
+                <a:fillRef idx="0">
+                  <a:schemeClr val="accent1"/>
+                </a:fillRef>
+                <a:effectRef idx="0">
+                  <a:schemeClr val="accent1"/>
+                </a:effectRef>
+                <a:fontRef idx="minor">
+                  <a:schemeClr val="tx1"/>
+                </a:fontRef>
+              </p:style>
+            </p:cxnSp>
+            <p:cxnSp>
+              <p:nvCxnSpPr>
+                <p:cNvPr id="218" name="Connecteur droit 217"/>
+                <p:cNvCxnSpPr/>
+                <p:nvPr/>
+              </p:nvCxnSpPr>
+              <p:spPr>
+                <a:xfrm>
+                  <a:off x="4093754" y="4781768"/>
+                  <a:ext cx="2795" cy="153214"/>
+                </a:xfrm>
+                <a:prstGeom prst="line">
+                  <a:avLst/>
+                </a:prstGeom>
+                <a:ln>
+                  <a:solidFill>
+                    <a:schemeClr val="tx1"/>
+                  </a:solidFill>
+                </a:ln>
+              </p:spPr>
+              <p:style>
+                <a:lnRef idx="1">
+                  <a:schemeClr val="accent1"/>
+                </a:lnRef>
+                <a:fillRef idx="0">
+                  <a:schemeClr val="accent1"/>
+                </a:fillRef>
+                <a:effectRef idx="0">
+                  <a:schemeClr val="accent1"/>
+                </a:effectRef>
+                <a:fontRef idx="minor">
+                  <a:schemeClr val="tx1"/>
+                </a:fontRef>
+              </p:style>
+            </p:cxnSp>
+          </p:grpSp>
+        </p:grpSp>
+        <p:grpSp>
+          <p:nvGrpSpPr>
+            <p:cNvPr id="186" name="Groupe 185"/>
+            <p:cNvGrpSpPr/>
+            <p:nvPr/>
+          </p:nvGrpSpPr>
+          <p:grpSpPr>
+            <a:xfrm>
+              <a:off x="3178648" y="5202118"/>
+              <a:ext cx="616678" cy="100881"/>
+              <a:chOff x="3178648" y="5202118"/>
+              <a:chExt cx="616678" cy="100881"/>
+            </a:xfrm>
+          </p:grpSpPr>
+          <p:cxnSp>
+            <p:nvCxnSpPr>
+              <p:cNvPr id="189" name="Connecteur droit 188"/>
+              <p:cNvCxnSpPr/>
+              <p:nvPr/>
+            </p:nvCxnSpPr>
+            <p:spPr>
+              <a:xfrm>
+                <a:off x="3178648" y="5202118"/>
+                <a:ext cx="616678" cy="0"/>
+              </a:xfrm>
+              <a:prstGeom prst="line">
+                <a:avLst/>
+              </a:prstGeom>
+              <a:ln w="28575">
+                <a:solidFill>
+                  <a:schemeClr val="tx1"/>
+                </a:solidFill>
+              </a:ln>
+            </p:spPr>
+            <p:style>
+              <a:lnRef idx="1">
+                <a:schemeClr val="accent1"/>
+              </a:lnRef>
+              <a:fillRef idx="0">
+                <a:schemeClr val="accent1"/>
+              </a:fillRef>
+              <a:effectRef idx="0">
+                <a:schemeClr val="accent1"/>
+              </a:effectRef>
+              <a:fontRef idx="minor">
+                <a:schemeClr val="tx1"/>
+              </a:fontRef>
+            </p:style>
+          </p:cxnSp>
+          <p:cxnSp>
+            <p:nvCxnSpPr>
+              <p:cNvPr id="190" name="Connecteur droit 189"/>
+              <p:cNvCxnSpPr/>
+              <p:nvPr/>
+            </p:nvCxnSpPr>
+            <p:spPr>
+              <a:xfrm flipH="1">
+                <a:off x="3197236" y="5207379"/>
+                <a:ext cx="93326" cy="86146"/>
+              </a:xfrm>
+              <a:prstGeom prst="line">
+                <a:avLst/>
+              </a:prstGeom>
+              <a:ln w="28575"/>
+            </p:spPr>
+            <p:style>
+              <a:lnRef idx="1">
+                <a:schemeClr val="dk1"/>
+              </a:lnRef>
+              <a:fillRef idx="0">
+                <a:schemeClr val="dk1"/>
+              </a:fillRef>
+              <a:effectRef idx="0">
+                <a:schemeClr val="dk1"/>
+              </a:effectRef>
+              <a:fontRef idx="minor">
+                <a:schemeClr val="tx1"/>
+              </a:fontRef>
+            </p:style>
+          </p:cxnSp>
+          <p:cxnSp>
+            <p:nvCxnSpPr>
+              <p:cNvPr id="191" name="Connecteur droit 190"/>
+              <p:cNvCxnSpPr/>
+              <p:nvPr/>
+            </p:nvCxnSpPr>
+            <p:spPr>
+              <a:xfrm flipH="1">
+                <a:off x="3283624" y="5211592"/>
+                <a:ext cx="93326" cy="86146"/>
+              </a:xfrm>
+              <a:prstGeom prst="line">
+                <a:avLst/>
+              </a:prstGeom>
+              <a:ln w="28575"/>
+            </p:spPr>
+            <p:style>
+              <a:lnRef idx="1">
+                <a:schemeClr val="dk1"/>
+              </a:lnRef>
+              <a:fillRef idx="0">
+                <a:schemeClr val="dk1"/>
+              </a:fillRef>
+              <a:effectRef idx="0">
+                <a:schemeClr val="dk1"/>
+              </a:effectRef>
+              <a:fontRef idx="minor">
+                <a:schemeClr val="tx1"/>
+              </a:fontRef>
+            </p:style>
+          </p:cxnSp>
+          <p:cxnSp>
+            <p:nvCxnSpPr>
+              <p:cNvPr id="192" name="Connecteur droit 191"/>
+              <p:cNvCxnSpPr/>
+              <p:nvPr/>
+            </p:nvCxnSpPr>
+            <p:spPr>
+              <a:xfrm flipH="1">
+                <a:off x="3379160" y="5216853"/>
+                <a:ext cx="93326" cy="86146"/>
+              </a:xfrm>
+              <a:prstGeom prst="line">
+                <a:avLst/>
+              </a:prstGeom>
+              <a:ln w="28575"/>
+            </p:spPr>
+            <p:style>
+              <a:lnRef idx="1">
+                <a:schemeClr val="dk1"/>
+              </a:lnRef>
+              <a:fillRef idx="0">
+                <a:schemeClr val="dk1"/>
+              </a:fillRef>
+              <a:effectRef idx="0">
+                <a:schemeClr val="dk1"/>
+              </a:effectRef>
+              <a:fontRef idx="minor">
+                <a:schemeClr val="tx1"/>
+              </a:fontRef>
+            </p:style>
+          </p:cxnSp>
+          <p:cxnSp>
+            <p:nvCxnSpPr>
+              <p:cNvPr id="193" name="Connecteur droit 192"/>
+              <p:cNvCxnSpPr/>
+              <p:nvPr/>
+            </p:nvCxnSpPr>
+            <p:spPr>
+              <a:xfrm flipH="1">
+                <a:off x="3481876" y="5210348"/>
+                <a:ext cx="93326" cy="86146"/>
+              </a:xfrm>
+              <a:prstGeom prst="line">
+                <a:avLst/>
+              </a:prstGeom>
+              <a:ln w="28575"/>
+            </p:spPr>
+            <p:style>
+              <a:lnRef idx="1">
+                <a:schemeClr val="dk1"/>
+              </a:lnRef>
+              <a:fillRef idx="0">
+                <a:schemeClr val="dk1"/>
+              </a:fillRef>
+              <a:effectRef idx="0">
+                <a:schemeClr val="dk1"/>
+              </a:effectRef>
+              <a:fontRef idx="minor">
+                <a:schemeClr val="tx1"/>
+              </a:fontRef>
+            </p:style>
+          </p:cxnSp>
+          <p:cxnSp>
+            <p:nvCxnSpPr>
+              <p:cNvPr id="194" name="Connecteur droit 193"/>
+              <p:cNvCxnSpPr/>
+              <p:nvPr/>
+            </p:nvCxnSpPr>
+            <p:spPr>
+              <a:xfrm flipH="1">
+                <a:off x="3586802" y="5212667"/>
+                <a:ext cx="93326" cy="86146"/>
+              </a:xfrm>
+              <a:prstGeom prst="line">
+                <a:avLst/>
+              </a:prstGeom>
+              <a:ln w="28575"/>
+            </p:spPr>
+            <p:style>
+              <a:lnRef idx="1">
+                <a:schemeClr val="dk1"/>
+              </a:lnRef>
+              <a:fillRef idx="0">
+                <a:schemeClr val="dk1"/>
+              </a:fillRef>
+              <a:effectRef idx="0">
+                <a:schemeClr val="dk1"/>
+              </a:effectRef>
+              <a:fontRef idx="minor">
+                <a:schemeClr val="tx1"/>
+              </a:fontRef>
+            </p:style>
+          </p:cxnSp>
+          <p:cxnSp>
+            <p:nvCxnSpPr>
+              <p:cNvPr id="212" name="Connecteur droit 211"/>
+              <p:cNvCxnSpPr/>
+              <p:nvPr/>
+            </p:nvCxnSpPr>
+            <p:spPr>
+              <a:xfrm flipH="1">
+                <a:off x="3680128" y="5216853"/>
+                <a:ext cx="93326" cy="86146"/>
+              </a:xfrm>
+              <a:prstGeom prst="line">
+                <a:avLst/>
+              </a:prstGeom>
+              <a:ln w="28575"/>
+            </p:spPr>
+            <p:style>
+              <a:lnRef idx="1">
+                <a:schemeClr val="dk1"/>
+              </a:lnRef>
+              <a:fillRef idx="0">
+                <a:schemeClr val="dk1"/>
+              </a:fillRef>
+              <a:effectRef idx="0">
+                <a:schemeClr val="dk1"/>
+              </a:effectRef>
+              <a:fontRef idx="minor">
+                <a:schemeClr val="tx1"/>
+              </a:fontRef>
+            </p:style>
+          </p:cxnSp>
+        </p:grpSp>
+        <mc:AlternateContent xmlns:mc="http://schemas.openxmlformats.org/markup-compatibility/2006" xmlns:a14="http://schemas.microsoft.com/office/drawing/2010/main">
+          <mc:Choice Requires="a14">
+            <p:sp>
+              <p:nvSpPr>
+                <p:cNvPr id="187" name="ZoneTexte 186"/>
+                <p:cNvSpPr txBox="1"/>
+                <p:nvPr/>
+              </p:nvSpPr>
+              <p:spPr>
+                <a:xfrm>
+                  <a:off x="2325780" y="4691573"/>
+                  <a:ext cx="1054519" cy="307777"/>
+                </a:xfrm>
+                <a:prstGeom prst="rect">
+                  <a:avLst/>
+                </a:prstGeom>
+                <a:noFill/>
+              </p:spPr>
+              <p:txBody>
+                <a:bodyPr wrap="none" rtlCol="0">
+                  <a:spAutoFit/>
+                </a:bodyPr>
+                <a:lstStyle/>
+                <a:p>
+                  <a:pPr/>
+                  <a14:m>
+                    <m:oMathPara xmlns:m="http://schemas.openxmlformats.org/officeDocument/2006/math">
+                      <m:oMathParaPr>
+                        <m:jc m:val="centerGroup"/>
+                      </m:oMathParaPr>
+                      <m:oMath xmlns:m="http://schemas.openxmlformats.org/officeDocument/2006/math">
+                        <m:sSub>
+                          <m:sSubPr>
+                            <m:ctrlPr>
+                              <a:rPr lang="fr-FR" sz="1400" b="1" i="1" dirty="0" smtClean="0">
+                                <a:latin typeface="Cambria Math" panose="02040503050406030204" pitchFamily="18" charset="0"/>
+                              </a:rPr>
+                            </m:ctrlPr>
+                          </m:sSubPr>
+                          <m:e>
+                            <m:r>
+                              <a:rPr lang="fr-FR" sz="1400" b="1" i="1" dirty="0" smtClean="0">
+                                <a:latin typeface="Cambria Math" panose="02040503050406030204" pitchFamily="18" charset="0"/>
+                              </a:rPr>
+                              <m:t>𝑲</m:t>
+                            </m:r>
+                          </m:e>
+                          <m:sub>
+                            <m:r>
+                              <a:rPr lang="fr-FR" sz="1400" b="1" i="1" dirty="0" smtClean="0">
+                                <a:latin typeface="Cambria Math" panose="02040503050406030204" pitchFamily="18" charset="0"/>
+                              </a:rPr>
+                              <m:t>𝒓𝒐𝒖𝒍𝒆𝒎𝒆𝒏𝒕</m:t>
+                            </m:r>
+                          </m:sub>
+                        </m:sSub>
+                      </m:oMath>
+                    </m:oMathPara>
+                  </a14:m>
+                  <a:endParaRPr lang="fr-FR" b="1" dirty="0"/>
+                </a:p>
+              </p:txBody>
+            </p:sp>
+          </mc:Choice>
+          <mc:Fallback xmlns="">
+            <p:sp>
+              <p:nvSpPr>
+                <p:cNvPr id="188" name="ZoneTexte 187"/>
+                <p:cNvSpPr txBox="1">
+                  <a:spLocks noRot="1" noChangeAspect="1" noMove="1" noResize="1" noEditPoints="1" noAdjustHandles="1" noChangeArrowheads="1" noChangeShapeType="1" noTextEdit="1"/>
+                </p:cNvSpPr>
+                <p:nvPr/>
+              </p:nvSpPr>
+              <p:spPr>
+                <a:xfrm>
+                  <a:off x="2325780" y="4691573"/>
+                  <a:ext cx="1054519" cy="307777"/>
+                </a:xfrm>
+                <a:prstGeom prst="rect">
+                  <a:avLst/>
+                </a:prstGeom>
+                <a:blipFill rotWithShape="0">
+                  <a:blip r:embed="rId2"/>
+                  <a:stretch>
+                    <a:fillRect/>
+                  </a:stretch>
+                </a:blipFill>
+              </p:spPr>
+              <p:txBody>
+                <a:bodyPr/>
+                <a:lstStyle/>
+                <a:p>
+                  <a:r>
+                    <a:rPr lang="fr-FR">
+                      <a:noFill/>
+                    </a:rPr>
+                    <a:t> </a:t>
+                  </a:r>
+                </a:p>
+              </p:txBody>
+            </p:sp>
+          </mc:Fallback>
+        </mc:AlternateContent>
+      </p:grpSp>
+      <p:grpSp>
+        <p:nvGrpSpPr>
+          <p:cNvPr id="109" name="Groupe 108"/>
+          <p:cNvGrpSpPr/>
+          <p:nvPr/>
+        </p:nvGrpSpPr>
+        <p:grpSpPr>
+          <a:xfrm>
+            <a:off x="3133498" y="4287842"/>
+            <a:ext cx="366991" cy="278697"/>
+            <a:chOff x="3447984" y="2502858"/>
+            <a:chExt cx="366991" cy="278697"/>
+          </a:xfrm>
+        </p:grpSpPr>
+        <p:cxnSp>
+          <p:nvCxnSpPr>
+            <p:cNvPr id="173" name="Connecteur droit 172"/>
+            <p:cNvCxnSpPr/>
+            <p:nvPr/>
+          </p:nvCxnSpPr>
+          <p:spPr>
+            <a:xfrm>
+              <a:off x="3813788" y="2580670"/>
+              <a:ext cx="0" cy="200885"/>
+            </a:xfrm>
+            <a:prstGeom prst="line">
+              <a:avLst/>
+            </a:prstGeom>
+            <a:ln w="19050">
+              <a:solidFill>
+                <a:schemeClr val="tx1"/>
+              </a:solidFill>
+            </a:ln>
+          </p:spPr>
+          <p:style>
+            <a:lnRef idx="1">
+              <a:schemeClr val="accent1"/>
+            </a:lnRef>
+            <a:fillRef idx="0">
+              <a:schemeClr val="accent1"/>
+            </a:fillRef>
+            <a:effectRef idx="0">
+              <a:schemeClr val="accent1"/>
+            </a:effectRef>
+            <a:fontRef idx="minor">
+              <a:schemeClr val="tx1"/>
+            </a:fontRef>
+          </p:style>
+        </p:cxnSp>
+        <p:cxnSp>
+          <p:nvCxnSpPr>
+            <p:cNvPr id="174" name="Connecteur droit 173"/>
+            <p:cNvCxnSpPr/>
+            <p:nvPr/>
+          </p:nvCxnSpPr>
+          <p:spPr>
+            <a:xfrm flipV="1">
+              <a:off x="3521137" y="2582174"/>
+              <a:ext cx="293838" cy="4639"/>
+            </a:xfrm>
+            <a:prstGeom prst="line">
+              <a:avLst/>
+            </a:prstGeom>
+            <a:ln w="19050">
+              <a:solidFill>
+                <a:schemeClr val="tx1"/>
+              </a:solidFill>
+            </a:ln>
+          </p:spPr>
+          <p:style>
+            <a:lnRef idx="1">
+              <a:schemeClr val="accent1"/>
+            </a:lnRef>
+            <a:fillRef idx="0">
+              <a:schemeClr val="accent1"/>
+            </a:fillRef>
+            <a:effectRef idx="0">
+              <a:schemeClr val="accent1"/>
+            </a:effectRef>
+            <a:fontRef idx="minor">
+              <a:schemeClr val="tx1"/>
+            </a:fontRef>
+          </p:style>
+        </p:cxnSp>
+        <p:grpSp>
+          <p:nvGrpSpPr>
+            <p:cNvPr id="175" name="Groupe 174"/>
+            <p:cNvGrpSpPr/>
+            <p:nvPr/>
+          </p:nvGrpSpPr>
+          <p:grpSpPr>
+            <a:xfrm rot="5400000">
+              <a:off x="3359844" y="2590998"/>
+              <a:ext cx="247783" cy="71504"/>
+              <a:chOff x="1311888" y="3368675"/>
+              <a:chExt cx="616678" cy="100881"/>
+            </a:xfrm>
+          </p:grpSpPr>
+          <p:cxnSp>
+            <p:nvCxnSpPr>
+              <p:cNvPr id="176" name="Connecteur droit 175"/>
+              <p:cNvCxnSpPr/>
+              <p:nvPr/>
+            </p:nvCxnSpPr>
+            <p:spPr>
+              <a:xfrm>
+                <a:off x="1311888" y="3368675"/>
+                <a:ext cx="616678" cy="0"/>
+              </a:xfrm>
+              <a:prstGeom prst="line">
+                <a:avLst/>
+              </a:prstGeom>
+              <a:ln w="12700">
+                <a:solidFill>
+                  <a:schemeClr val="tx1"/>
+                </a:solidFill>
+              </a:ln>
+            </p:spPr>
+            <p:style>
+              <a:lnRef idx="1">
+                <a:schemeClr val="accent1"/>
+              </a:lnRef>
+              <a:fillRef idx="0">
+                <a:schemeClr val="accent1"/>
+              </a:fillRef>
+              <a:effectRef idx="0">
+                <a:schemeClr val="accent1"/>
+              </a:effectRef>
+              <a:fontRef idx="minor">
+                <a:schemeClr val="tx1"/>
+              </a:fontRef>
+            </p:style>
+          </p:cxnSp>
+          <p:cxnSp>
+            <p:nvCxnSpPr>
+              <p:cNvPr id="177" name="Connecteur droit 176"/>
+              <p:cNvCxnSpPr/>
+              <p:nvPr/>
+            </p:nvCxnSpPr>
+            <p:spPr>
+              <a:xfrm flipH="1">
+                <a:off x="1330476" y="3373936"/>
+                <a:ext cx="93326" cy="86146"/>
+              </a:xfrm>
+              <a:prstGeom prst="line">
+                <a:avLst/>
+              </a:prstGeom>
+              <a:ln w="12700"/>
+            </p:spPr>
+            <p:style>
+              <a:lnRef idx="1">
+                <a:schemeClr val="dk1"/>
+              </a:lnRef>
+              <a:fillRef idx="0">
+                <a:schemeClr val="dk1"/>
+              </a:fillRef>
+              <a:effectRef idx="0">
+                <a:schemeClr val="dk1"/>
+              </a:effectRef>
+              <a:fontRef idx="minor">
+                <a:schemeClr val="tx1"/>
+              </a:fontRef>
+            </p:style>
+          </p:cxnSp>
+          <p:cxnSp>
+            <p:nvCxnSpPr>
+              <p:cNvPr id="178" name="Connecteur droit 177"/>
+              <p:cNvCxnSpPr/>
+              <p:nvPr/>
+            </p:nvCxnSpPr>
+            <p:spPr>
+              <a:xfrm flipH="1">
+                <a:off x="1416864" y="3378149"/>
+                <a:ext cx="93326" cy="86146"/>
+              </a:xfrm>
+              <a:prstGeom prst="line">
+                <a:avLst/>
+              </a:prstGeom>
+              <a:ln w="12700"/>
+            </p:spPr>
+            <p:style>
+              <a:lnRef idx="1">
+                <a:schemeClr val="dk1"/>
+              </a:lnRef>
+              <a:fillRef idx="0">
+                <a:schemeClr val="dk1"/>
+              </a:fillRef>
+              <a:effectRef idx="0">
+                <a:schemeClr val="dk1"/>
+              </a:effectRef>
+              <a:fontRef idx="minor">
+                <a:schemeClr val="tx1"/>
+              </a:fontRef>
+            </p:style>
+          </p:cxnSp>
+          <p:cxnSp>
+            <p:nvCxnSpPr>
+              <p:cNvPr id="179" name="Connecteur droit 178"/>
+              <p:cNvCxnSpPr/>
+              <p:nvPr/>
+            </p:nvCxnSpPr>
+            <p:spPr>
+              <a:xfrm flipH="1">
+                <a:off x="1512400" y="3383410"/>
+                <a:ext cx="93326" cy="86146"/>
+              </a:xfrm>
+              <a:prstGeom prst="line">
+                <a:avLst/>
+              </a:prstGeom>
+              <a:ln w="12700"/>
+            </p:spPr>
+            <p:style>
+              <a:lnRef idx="1">
+                <a:schemeClr val="dk1"/>
+              </a:lnRef>
+              <a:fillRef idx="0">
+                <a:schemeClr val="dk1"/>
+              </a:fillRef>
+              <a:effectRef idx="0">
+                <a:schemeClr val="dk1"/>
+              </a:effectRef>
+              <a:fontRef idx="minor">
+                <a:schemeClr val="tx1"/>
+              </a:fontRef>
+            </p:style>
+          </p:cxnSp>
+          <p:cxnSp>
+            <p:nvCxnSpPr>
+              <p:cNvPr id="180" name="Connecteur droit 179"/>
+              <p:cNvCxnSpPr/>
+              <p:nvPr/>
+            </p:nvCxnSpPr>
+            <p:spPr>
+              <a:xfrm flipH="1">
+                <a:off x="1615116" y="3376905"/>
+                <a:ext cx="93326" cy="86146"/>
+              </a:xfrm>
+              <a:prstGeom prst="line">
+                <a:avLst/>
+              </a:prstGeom>
+              <a:ln w="12700"/>
+            </p:spPr>
+            <p:style>
+              <a:lnRef idx="1">
+                <a:schemeClr val="dk1"/>
+              </a:lnRef>
+              <a:fillRef idx="0">
+                <a:schemeClr val="dk1"/>
+              </a:fillRef>
+              <a:effectRef idx="0">
+                <a:schemeClr val="dk1"/>
+              </a:effectRef>
+              <a:fontRef idx="minor">
+                <a:schemeClr val="tx1"/>
+              </a:fontRef>
+            </p:style>
+          </p:cxnSp>
+          <p:cxnSp>
+            <p:nvCxnSpPr>
+              <p:cNvPr id="181" name="Connecteur droit 180"/>
+              <p:cNvCxnSpPr/>
+              <p:nvPr/>
+            </p:nvCxnSpPr>
+            <p:spPr>
+              <a:xfrm flipH="1">
+                <a:off x="1720042" y="3379224"/>
+                <a:ext cx="93326" cy="86146"/>
+              </a:xfrm>
+              <a:prstGeom prst="line">
+                <a:avLst/>
+              </a:prstGeom>
+              <a:ln w="12700"/>
+            </p:spPr>
+            <p:style>
+              <a:lnRef idx="1">
+                <a:schemeClr val="dk1"/>
+              </a:lnRef>
+              <a:fillRef idx="0">
+                <a:schemeClr val="dk1"/>
+              </a:fillRef>
+              <a:effectRef idx="0">
+                <a:schemeClr val="dk1"/>
+              </a:effectRef>
+              <a:fontRef idx="minor">
+                <a:schemeClr val="tx1"/>
+              </a:fontRef>
+            </p:style>
+          </p:cxnSp>
+          <p:cxnSp>
+            <p:nvCxnSpPr>
+              <p:cNvPr id="182" name="Connecteur droit 181"/>
+              <p:cNvCxnSpPr/>
+              <p:nvPr/>
+            </p:nvCxnSpPr>
+            <p:spPr>
+              <a:xfrm flipH="1">
+                <a:off x="1813368" y="3383410"/>
+                <a:ext cx="93326" cy="86146"/>
+              </a:xfrm>
+              <a:prstGeom prst="line">
+                <a:avLst/>
+              </a:prstGeom>
+              <a:ln w="12700"/>
+            </p:spPr>
+            <p:style>
+              <a:lnRef idx="1">
+                <a:schemeClr val="dk1"/>
+              </a:lnRef>
+              <a:fillRef idx="0">
+                <a:schemeClr val="dk1"/>
+              </a:fillRef>
+              <a:effectRef idx="0">
+                <a:schemeClr val="dk1"/>
+              </a:effectRef>
+              <a:fontRef idx="minor">
+                <a:schemeClr val="tx1"/>
+              </a:fontRef>
+            </p:style>
+          </p:cxnSp>
+        </p:grpSp>
+      </p:grpSp>
+      <p:cxnSp>
+        <p:nvCxnSpPr>
+          <p:cNvPr id="110" name="Connecteur en arc 109"/>
+          <p:cNvCxnSpPr>
+            <a:stCxn id="227" idx="5"/>
+            <a:endCxn id="111" idx="1"/>
+          </p:cNvCxnSpPr>
+          <p:nvPr/>
+        </p:nvCxnSpPr>
+        <p:spPr>
+          <a:xfrm rot="16200000" flipH="1">
+            <a:off x="3590090" y="4574540"/>
+            <a:ext cx="970855" cy="1087088"/>
+          </a:xfrm>
+          <a:prstGeom prst="curvedConnector2">
+            <a:avLst/>
+          </a:prstGeom>
+          <a:ln>
+            <a:tailEnd type="triangle"/>
+          </a:ln>
+        </p:spPr>
+        <p:style>
+          <a:lnRef idx="1">
+            <a:schemeClr val="dk1"/>
+          </a:lnRef>
+          <a:fillRef idx="0">
+            <a:schemeClr val="dk1"/>
+          </a:fillRef>
+          <a:effectRef idx="0">
+            <a:schemeClr val="dk1"/>
+          </a:effectRef>
+          <a:fontRef idx="minor">
+            <a:schemeClr val="tx1"/>
+          </a:fontRef>
+        </p:style>
+      </p:cxnSp>
+      <p:sp>
+        <p:nvSpPr>
+          <p:cNvPr id="111" name="Zone de texte 317"/>
+          <p:cNvSpPr txBox="1"/>
+          <p:nvPr/>
+        </p:nvSpPr>
+        <p:spPr>
+          <a:xfrm>
+            <a:off x="4619061" y="5306550"/>
+            <a:ext cx="1329094" cy="593923"/>
+          </a:xfrm>
+          <a:prstGeom prst="rect">
+            <a:avLst/>
+          </a:prstGeom>
+          <a:noFill/>
+          <a:ln w="6350">
+            <a:noFill/>
+          </a:ln>
+          <a:effectLst/>
+        </p:spPr>
+        <p:style>
+          <a:lnRef idx="0">
+            <a:schemeClr val="accent1"/>
+          </a:lnRef>
+          <a:fillRef idx="0">
+            <a:schemeClr val="accent1"/>
+          </a:fillRef>
+          <a:effectRef idx="0">
+            <a:schemeClr val="accent1"/>
+          </a:effectRef>
+          <a:fontRef idx="minor">
+            <a:schemeClr val="dk1"/>
+          </a:fontRef>
+        </p:style>
+        <p:txBody>
+          <a:bodyPr rot="0" spcFirstLastPara="0" vert="horz" wrap="square" lIns="91440" tIns="45720" rIns="91440" bIns="45720" numCol="1" spcCol="0" rtlCol="0" fromWordArt="0" anchor="t" anchorCtr="0" forceAA="0" compatLnSpc="1">
+            <a:prstTxWarp prst="textNoShape">
+              <a:avLst/>
+            </a:prstTxWarp>
+            <a:noAutofit/>
+          </a:bodyPr>
+          <a:lstStyle/>
+          <a:p>
+            <a:pPr algn="ctr">
+              <a:lnSpc>
+                <a:spcPct val="107000"/>
+              </a:lnSpc>
+              <a:spcAft>
+                <a:spcPts val="800"/>
+              </a:spcAft>
+            </a:pPr>
+            <a:r>
+              <a:rPr lang="fr-FR" dirty="0">
+                <a:latin typeface="Times New Roman" panose="02020603050405020304" pitchFamily="18" charset="0"/>
+                <a:ea typeface="Calibri" panose="020F0502020204030204" pitchFamily="34" charset="0"/>
+                <a:cs typeface="Times New Roman" panose="02020603050405020304" pitchFamily="18" charset="0"/>
+              </a:rPr>
+              <a:t>n</a:t>
+            </a:r>
+            <a:r>
+              <a:rPr lang="fr-FR" sz="1800" dirty="0" smtClean="0">
+                <a:effectLst/>
+                <a:latin typeface="Times New Roman" panose="02020603050405020304" pitchFamily="18" charset="0"/>
+                <a:ea typeface="Calibri" panose="020F0502020204030204" pitchFamily="34" charset="0"/>
+                <a:cs typeface="Times New Roman" panose="02020603050405020304" pitchFamily="18" charset="0"/>
+              </a:rPr>
+              <a:t>œuds maître</a:t>
+            </a:r>
+            <a:endParaRPr lang="fr-FR" sz="1100" dirty="0">
+              <a:effectLst/>
+              <a:ea typeface="Calibri" panose="020F0502020204030204" pitchFamily="34" charset="0"/>
+              <a:cs typeface="Times New Roman" panose="02020603050405020304" pitchFamily="18" charset="0"/>
+            </a:endParaRPr>
+          </a:p>
+        </p:txBody>
+      </p:sp>
+      <p:grpSp>
+        <p:nvGrpSpPr>
+          <p:cNvPr id="112" name="Groupe 111"/>
+          <p:cNvGrpSpPr/>
+          <p:nvPr/>
+        </p:nvGrpSpPr>
+        <p:grpSpPr>
+          <a:xfrm>
+            <a:off x="1527006" y="4057380"/>
+            <a:ext cx="675450" cy="1191620"/>
+            <a:chOff x="1531495" y="2401632"/>
+            <a:chExt cx="675450" cy="1191620"/>
+          </a:xfrm>
+        </p:grpSpPr>
+        <p:cxnSp>
+          <p:nvCxnSpPr>
+            <p:cNvPr id="167" name="Connecteur droit avec flèche 166"/>
+            <p:cNvCxnSpPr/>
+            <p:nvPr/>
+          </p:nvCxnSpPr>
+          <p:spPr>
+            <a:xfrm>
+              <a:off x="1584202" y="2945282"/>
+              <a:ext cx="392669" cy="6087"/>
+            </a:xfrm>
+            <a:prstGeom prst="straightConnector1">
+              <a:avLst/>
+            </a:prstGeom>
+            <a:ln w="28575">
+              <a:solidFill>
+                <a:schemeClr val="tx1"/>
+              </a:solidFill>
+              <a:prstDash val="solid"/>
+              <a:tailEnd type="triangle"/>
+            </a:ln>
+          </p:spPr>
+          <p:style>
+            <a:lnRef idx="1">
+              <a:schemeClr val="accent1"/>
+            </a:lnRef>
+            <a:fillRef idx="0">
+              <a:schemeClr val="accent1"/>
+            </a:fillRef>
+            <a:effectRef idx="0">
+              <a:schemeClr val="accent1"/>
+            </a:effectRef>
+            <a:fontRef idx="minor">
+              <a:schemeClr val="tx1"/>
+            </a:fontRef>
+          </p:style>
+        </p:cxnSp>
+        <p:cxnSp>
+          <p:nvCxnSpPr>
+            <p:cNvPr id="168" name="Connecteur droit avec flèche 167"/>
+            <p:cNvCxnSpPr/>
+            <p:nvPr/>
+          </p:nvCxnSpPr>
+          <p:spPr>
+            <a:xfrm>
+              <a:off x="1584203" y="2945282"/>
+              <a:ext cx="0" cy="510645"/>
+            </a:xfrm>
+            <a:prstGeom prst="straightConnector1">
+              <a:avLst/>
+            </a:prstGeom>
+            <a:ln w="28575">
+              <a:solidFill>
+                <a:schemeClr val="tx1"/>
+              </a:solidFill>
+              <a:prstDash val="solid"/>
+              <a:tailEnd type="triangle"/>
+            </a:ln>
+          </p:spPr>
+          <p:style>
+            <a:lnRef idx="1">
+              <a:schemeClr val="accent1"/>
+            </a:lnRef>
+            <a:fillRef idx="0">
+              <a:schemeClr val="accent1"/>
+            </a:fillRef>
+            <a:effectRef idx="0">
+              <a:schemeClr val="accent1"/>
+            </a:effectRef>
+            <a:fontRef idx="minor">
+              <a:schemeClr val="tx1"/>
+            </a:fontRef>
+          </p:style>
+        </p:cxnSp>
+        <mc:AlternateContent xmlns:mc="http://schemas.openxmlformats.org/markup-compatibility/2006" xmlns:a14="http://schemas.microsoft.com/office/drawing/2010/main">
+          <mc:Choice Requires="a14">
+            <p:sp>
+              <p:nvSpPr>
+                <p:cNvPr id="169" name="Zone de texte 153"/>
+                <p:cNvSpPr txBox="1"/>
+                <p:nvPr/>
+              </p:nvSpPr>
+              <p:spPr>
+                <a:xfrm>
+                  <a:off x="1531495" y="3318602"/>
+                  <a:ext cx="301748" cy="274650"/>
+                </a:xfrm>
+                <a:prstGeom prst="rect">
+                  <a:avLst/>
+                </a:prstGeom>
+                <a:noFill/>
+                <a:ln w="6350">
+                  <a:noFill/>
+                  <a:prstDash val="sysDash"/>
+                </a:ln>
+                <a:effectLst/>
+              </p:spPr>
+              <p:style>
+                <a:lnRef idx="0">
+                  <a:schemeClr val="accent1"/>
+                </a:lnRef>
+                <a:fillRef idx="0">
+                  <a:schemeClr val="accent1"/>
+                </a:fillRef>
+                <a:effectRef idx="0">
+                  <a:schemeClr val="accent1"/>
+                </a:effectRef>
+                <a:fontRef idx="minor">
+                  <a:schemeClr val="dk1"/>
+                </a:fontRef>
+              </p:style>
+              <p:txBody>
+                <a:bodyPr rot="0" spcFirstLastPara="0" vert="horz" wrap="square" lIns="91440" tIns="45720" rIns="91440" bIns="45720" numCol="1" spcCol="0" rtlCol="0" fromWordArt="0" anchor="t" anchorCtr="0" forceAA="0" compatLnSpc="1">
+                  <a:prstTxWarp prst="textNoShape">
+                    <a:avLst/>
+                  </a:prstTxWarp>
+                  <a:noAutofit/>
+                </a:bodyPr>
+                <a:lstStyle/>
+                <a:p>
+                  <a:pPr>
+                    <a:lnSpc>
+                      <a:spcPct val="107000"/>
+                    </a:lnSpc>
+                    <a:spcAft>
+                      <a:spcPts val="800"/>
+                    </a:spcAft>
+                  </a:pPr>
+                  <a14:m>
+                    <m:oMath xmlns:m="http://schemas.openxmlformats.org/officeDocument/2006/math">
+                      <m:r>
+                        <a:rPr lang="fr-FR" sz="1400" b="1" i="1" smtClean="0">
+                          <a:latin typeface="Cambria Math" panose="02040503050406030204" pitchFamily="18" charset="0"/>
+                          <a:ea typeface="SimSun" panose="02010600030101010101" pitchFamily="2" charset="-122"/>
+                          <a:cs typeface="Times New Roman" panose="02020603050405020304" pitchFamily="18" charset="0"/>
+                        </a:rPr>
+                        <m:t>𝑿</m:t>
+                      </m:r>
+                    </m:oMath>
+                  </a14:m>
+                  <a:r>
+                    <a:rPr lang="fr-FR" sz="1400" dirty="0">
+                      <a:effectLst/>
+                      <a:ea typeface="Calibri" panose="020F0502020204030204" pitchFamily="34" charset="0"/>
+                      <a:cs typeface="Times New Roman" panose="02020603050405020304" pitchFamily="18" charset="0"/>
+                    </a:rPr>
+                    <a:t> </a:t>
+                  </a:r>
+                </a:p>
+              </p:txBody>
+            </p:sp>
+          </mc:Choice>
+          <mc:Fallback xmlns="">
+            <p:sp>
+              <p:nvSpPr>
+                <p:cNvPr id="237" name="Zone de texte 153"/>
+                <p:cNvSpPr txBox="1">
+                  <a:spLocks noRot="1" noChangeAspect="1" noMove="1" noResize="1" noEditPoints="1" noAdjustHandles="1" noChangeArrowheads="1" noChangeShapeType="1" noTextEdit="1"/>
+                </p:cNvSpPr>
+                <p:nvPr/>
+              </p:nvSpPr>
+              <p:spPr>
+                <a:xfrm>
+                  <a:off x="1531495" y="3318602"/>
+                  <a:ext cx="301748" cy="274650"/>
+                </a:xfrm>
+                <a:prstGeom prst="rect">
+                  <a:avLst/>
+                </a:prstGeom>
+                <a:blipFill rotWithShape="0">
+                  <a:blip r:embed="rId3"/>
+                  <a:stretch>
+                    <a:fillRect/>
+                  </a:stretch>
+                </a:blipFill>
+                <a:ln w="6350">
+                  <a:noFill/>
+                  <a:prstDash val="sysDash"/>
+                </a:ln>
+                <a:effectLst/>
+              </p:spPr>
+              <p:txBody>
+                <a:bodyPr/>
+                <a:lstStyle/>
+                <a:p>
+                  <a:r>
+                    <a:rPr lang="fr-FR">
+                      <a:noFill/>
+                    </a:rPr>
+                    <a:t> </a:t>
+                  </a:r>
+                </a:p>
+              </p:txBody>
+            </p:sp>
+          </mc:Fallback>
+        </mc:AlternateContent>
+        <mc:AlternateContent xmlns:mc="http://schemas.openxmlformats.org/markup-compatibility/2006" xmlns:a14="http://schemas.microsoft.com/office/drawing/2010/main">
+          <mc:Choice Requires="a14">
+            <p:sp>
+              <p:nvSpPr>
+                <p:cNvPr id="170" name="Zone de texte 154"/>
+                <p:cNvSpPr txBox="1"/>
+                <p:nvPr/>
+              </p:nvSpPr>
+              <p:spPr>
+                <a:xfrm>
+                  <a:off x="1905197" y="2864775"/>
+                  <a:ext cx="301748" cy="274650"/>
+                </a:xfrm>
+                <a:prstGeom prst="rect">
+                  <a:avLst/>
+                </a:prstGeom>
+                <a:noFill/>
+                <a:ln w="6350">
+                  <a:noFill/>
+                  <a:prstDash val="sysDash"/>
+                </a:ln>
+                <a:effectLst/>
+              </p:spPr>
+              <p:style>
+                <a:lnRef idx="0">
+                  <a:schemeClr val="accent1"/>
+                </a:lnRef>
+                <a:fillRef idx="0">
+                  <a:schemeClr val="accent1"/>
+                </a:fillRef>
+                <a:effectRef idx="0">
+                  <a:schemeClr val="accent1"/>
+                </a:effectRef>
+                <a:fontRef idx="minor">
+                  <a:schemeClr val="dk1"/>
+                </a:fontRef>
+              </p:style>
+              <p:txBody>
+                <a:bodyPr rot="0" spcFirstLastPara="0" vert="horz" wrap="square" lIns="91440" tIns="45720" rIns="91440" bIns="45720" numCol="1" spcCol="0" rtlCol="0" fromWordArt="0" anchor="t" anchorCtr="0" forceAA="0" compatLnSpc="1">
+                  <a:prstTxWarp prst="textNoShape">
+                    <a:avLst/>
+                  </a:prstTxWarp>
+                  <a:noAutofit/>
+                </a:bodyPr>
+                <a:lstStyle/>
+                <a:p>
+                  <a:pPr>
+                    <a:lnSpc>
+                      <a:spcPct val="107000"/>
+                    </a:lnSpc>
+                    <a:spcAft>
+                      <a:spcPts val="800"/>
+                    </a:spcAft>
+                  </a:pPr>
+                  <a14:m>
+                    <m:oMathPara xmlns:m="http://schemas.openxmlformats.org/officeDocument/2006/math">
+                      <m:oMathParaPr>
+                        <m:jc m:val="centerGroup"/>
+                      </m:oMathParaPr>
+                      <m:oMath xmlns:m="http://schemas.openxmlformats.org/officeDocument/2006/math">
+                        <m:r>
+                          <a:rPr lang="fr-FR" sz="1400" b="1" i="1" smtClean="0">
+                            <a:effectLst/>
+                            <a:latin typeface="Cambria Math" panose="02040503050406030204" pitchFamily="18" charset="0"/>
+                            <a:ea typeface="Cambria Math" panose="02040503050406030204" pitchFamily="18" charset="0"/>
+                            <a:cs typeface="Times New Roman" panose="02020603050405020304" pitchFamily="18" charset="0"/>
+                          </a:rPr>
+                          <m:t>𝒁</m:t>
+                        </m:r>
+                      </m:oMath>
+                    </m:oMathPara>
+                  </a14:m>
+                  <a:endParaRPr lang="fr-FR" sz="1400" dirty="0">
+                    <a:effectLst/>
+                    <a:ea typeface="Calibri" panose="020F0502020204030204" pitchFamily="34" charset="0"/>
+                    <a:cs typeface="Times New Roman" panose="02020603050405020304" pitchFamily="18" charset="0"/>
+                  </a:endParaRPr>
+                </a:p>
+                <a:p>
+                  <a:pPr>
+                    <a:lnSpc>
+                      <a:spcPct val="107000"/>
+                    </a:lnSpc>
+                    <a:spcAft>
+                      <a:spcPts val="800"/>
+                    </a:spcAft>
+                  </a:pPr>
+                  <a:r>
+                    <a:rPr lang="fr-FR" sz="1400" dirty="0">
+                      <a:effectLst/>
+                      <a:ea typeface="Calibri" panose="020F0502020204030204" pitchFamily="34" charset="0"/>
+                      <a:cs typeface="Times New Roman" panose="02020603050405020304" pitchFamily="18" charset="0"/>
+                    </a:rPr>
+                    <a:t> </a:t>
+                  </a:r>
+                </a:p>
+              </p:txBody>
+            </p:sp>
+          </mc:Choice>
+          <mc:Fallback xmlns="">
+            <p:sp>
+              <p:nvSpPr>
+                <p:cNvPr id="238" name="Zone de texte 154"/>
+                <p:cNvSpPr txBox="1">
+                  <a:spLocks noRot="1" noChangeAspect="1" noMove="1" noResize="1" noEditPoints="1" noAdjustHandles="1" noChangeArrowheads="1" noChangeShapeType="1" noTextEdit="1"/>
+                </p:cNvSpPr>
+                <p:nvPr/>
+              </p:nvSpPr>
+              <p:spPr>
+                <a:xfrm>
+                  <a:off x="1905197" y="2864775"/>
+                  <a:ext cx="301748" cy="274650"/>
+                </a:xfrm>
+                <a:prstGeom prst="rect">
+                  <a:avLst/>
+                </a:prstGeom>
+                <a:blipFill rotWithShape="0">
+                  <a:blip r:embed="rId4"/>
+                  <a:stretch>
+                    <a:fillRect/>
+                  </a:stretch>
+                </a:blipFill>
+                <a:ln w="6350">
+                  <a:noFill/>
+                  <a:prstDash val="sysDash"/>
+                </a:ln>
+                <a:effectLst/>
+              </p:spPr>
+              <p:txBody>
+                <a:bodyPr/>
+                <a:lstStyle/>
+                <a:p>
+                  <a:r>
+                    <a:rPr lang="fr-FR">
+                      <a:noFill/>
+                    </a:rPr>
+                    <a:t> </a:t>
+                  </a:r>
+                </a:p>
+              </p:txBody>
+            </p:sp>
+          </mc:Fallback>
+        </mc:AlternateContent>
+        <mc:AlternateContent xmlns:mc="http://schemas.openxmlformats.org/markup-compatibility/2006" xmlns:a14="http://schemas.microsoft.com/office/drawing/2010/main">
+          <mc:Choice Requires="a14">
+            <p:sp>
+              <p:nvSpPr>
+                <p:cNvPr id="171" name="Zone de texte 154"/>
+                <p:cNvSpPr txBox="1"/>
+                <p:nvPr/>
+              </p:nvSpPr>
+              <p:spPr>
+                <a:xfrm>
+                  <a:off x="1774285" y="2401632"/>
+                  <a:ext cx="183498" cy="274250"/>
+                </a:xfrm>
+                <a:prstGeom prst="rect">
+                  <a:avLst/>
+                </a:prstGeom>
+                <a:noFill/>
+                <a:ln w="6350">
+                  <a:noFill/>
+                  <a:prstDash val="sysDash"/>
+                </a:ln>
+                <a:effectLst/>
+              </p:spPr>
+              <p:style>
+                <a:lnRef idx="0">
+                  <a:schemeClr val="accent1"/>
+                </a:lnRef>
+                <a:fillRef idx="0">
+                  <a:schemeClr val="accent1"/>
+                </a:fillRef>
+                <a:effectRef idx="0">
+                  <a:schemeClr val="accent1"/>
+                </a:effectRef>
+                <a:fontRef idx="minor">
+                  <a:schemeClr val="dk1"/>
+                </a:fontRef>
+              </p:style>
+              <p:txBody>
+                <a:bodyPr rot="0" spcFirstLastPara="0" vert="horz" wrap="square" lIns="91440" tIns="45720" rIns="91440" bIns="45720" numCol="1" spcCol="0" rtlCol="0" fromWordArt="0" anchor="t" anchorCtr="0" forceAA="0" compatLnSpc="1">
+                  <a:prstTxWarp prst="textNoShape">
+                    <a:avLst/>
+                  </a:prstTxWarp>
+                  <a:noAutofit/>
+                </a:bodyPr>
+                <a:lstStyle/>
+                <a:p>
+                  <a:pPr>
+                    <a:lnSpc>
+                      <a:spcPct val="107000"/>
+                    </a:lnSpc>
+                    <a:spcAft>
+                      <a:spcPts val="800"/>
+                    </a:spcAft>
+                  </a:pPr>
+                  <a14:m>
+                    <m:oMath xmlns:m="http://schemas.openxmlformats.org/officeDocument/2006/math">
+                      <m:r>
+                        <a:rPr lang="fr-FR" sz="1400" b="1" i="1" smtClean="0">
+                          <a:effectLst/>
+                          <a:latin typeface="Cambria Math" panose="02040503050406030204" pitchFamily="18" charset="0"/>
+                          <a:ea typeface="Cambria Math" panose="02040503050406030204" pitchFamily="18" charset="0"/>
+                          <a:cs typeface="Times New Roman" panose="02020603050405020304" pitchFamily="18" charset="0"/>
+                        </a:rPr>
+                        <m:t>𝒀</m:t>
+                      </m:r>
+                    </m:oMath>
+                  </a14:m>
+                  <a:r>
+                    <a:rPr lang="fr-FR" sz="1400" dirty="0">
+                      <a:effectLst/>
+                      <a:ea typeface="Calibri" panose="020F0502020204030204" pitchFamily="34" charset="0"/>
+                      <a:cs typeface="Times New Roman" panose="02020603050405020304" pitchFamily="18" charset="0"/>
+                    </a:rPr>
+                    <a:t> </a:t>
+                  </a:r>
+                </a:p>
+              </p:txBody>
+            </p:sp>
+          </mc:Choice>
+          <mc:Fallback xmlns="">
+            <p:sp>
+              <p:nvSpPr>
+                <p:cNvPr id="239" name="Zone de texte 154"/>
+                <p:cNvSpPr txBox="1">
+                  <a:spLocks noRot="1" noChangeAspect="1" noMove="1" noResize="1" noEditPoints="1" noAdjustHandles="1" noChangeArrowheads="1" noChangeShapeType="1" noTextEdit="1"/>
+                </p:cNvSpPr>
+                <p:nvPr/>
+              </p:nvSpPr>
+              <p:spPr>
+                <a:xfrm>
+                  <a:off x="1774285" y="2401632"/>
+                  <a:ext cx="183498" cy="274250"/>
+                </a:xfrm>
+                <a:prstGeom prst="rect">
+                  <a:avLst/>
+                </a:prstGeom>
+                <a:blipFill rotWithShape="0">
+                  <a:blip r:embed="rId5"/>
+                  <a:stretch>
+                    <a:fillRect r="-43333"/>
+                  </a:stretch>
+                </a:blipFill>
+                <a:ln w="6350">
+                  <a:noFill/>
+                  <a:prstDash val="sysDash"/>
+                </a:ln>
+                <a:effectLst/>
+              </p:spPr>
+              <p:txBody>
+                <a:bodyPr/>
+                <a:lstStyle/>
+                <a:p>
+                  <a:r>
+                    <a:rPr lang="fr-FR">
+                      <a:noFill/>
+                    </a:rPr>
+                    <a:t> </a:t>
+                  </a:r>
+                </a:p>
+              </p:txBody>
+            </p:sp>
+          </mc:Fallback>
+        </mc:AlternateContent>
+        <p:cxnSp>
+          <p:nvCxnSpPr>
+            <p:cNvPr id="172" name="Connecteur droit avec flèche 171"/>
+            <p:cNvCxnSpPr/>
+            <p:nvPr/>
+          </p:nvCxnSpPr>
+          <p:spPr>
+            <a:xfrm flipV="1">
+              <a:off x="1584202" y="2631582"/>
+              <a:ext cx="471869" cy="316450"/>
+            </a:xfrm>
+            <a:prstGeom prst="straightConnector1">
+              <a:avLst/>
+            </a:prstGeom>
+            <a:ln w="28575">
+              <a:solidFill>
+                <a:schemeClr val="tx1"/>
+              </a:solidFill>
+              <a:prstDash val="solid"/>
+              <a:tailEnd type="triangle"/>
+            </a:ln>
+          </p:spPr>
+          <p:style>
+            <a:lnRef idx="1">
+              <a:schemeClr val="accent1"/>
+            </a:lnRef>
+            <a:fillRef idx="0">
+              <a:schemeClr val="accent1"/>
+            </a:fillRef>
+            <a:effectRef idx="0">
+              <a:schemeClr val="accent1"/>
+            </a:effectRef>
+            <a:fontRef idx="minor">
+              <a:schemeClr val="tx1"/>
+            </a:fontRef>
+          </p:style>
+        </p:cxnSp>
+      </p:grpSp>
+      <p:cxnSp>
+        <p:nvCxnSpPr>
+          <p:cNvPr id="113" name="Connecteur en arc 112"/>
+          <p:cNvCxnSpPr>
+            <a:endCxn id="111" idx="3"/>
+          </p:cNvCxnSpPr>
+          <p:nvPr/>
+        </p:nvCxnSpPr>
+        <p:spPr>
+          <a:xfrm rot="10800000" flipV="1">
+            <a:off x="5948156" y="4588450"/>
+            <a:ext cx="1059783" cy="1015062"/>
+          </a:xfrm>
+          <a:prstGeom prst="curvedConnector3">
+            <a:avLst>
+              <a:gd name="adj1" fmla="val 50000"/>
+            </a:avLst>
+          </a:prstGeom>
+          <a:ln>
+            <a:tailEnd type="triangle"/>
+          </a:ln>
+        </p:spPr>
+        <p:style>
+          <a:lnRef idx="1">
+            <a:schemeClr val="dk1"/>
+          </a:lnRef>
+          <a:fillRef idx="0">
+            <a:schemeClr val="dk1"/>
+          </a:fillRef>
+          <a:effectRef idx="0">
+            <a:schemeClr val="dk1"/>
+          </a:effectRef>
+          <a:fontRef idx="minor">
+            <a:schemeClr val="tx1"/>
+          </a:fontRef>
+        </p:style>
+      </p:cxnSp>
+      <p:grpSp>
+        <p:nvGrpSpPr>
+          <p:cNvPr id="114" name="Groupe 113"/>
+          <p:cNvGrpSpPr/>
+          <p:nvPr/>
+        </p:nvGrpSpPr>
+        <p:grpSpPr>
+          <a:xfrm>
+            <a:off x="6223551" y="4648280"/>
+            <a:ext cx="1147385" cy="1627398"/>
+            <a:chOff x="2666529" y="3675601"/>
+            <a:chExt cx="1147385" cy="1627398"/>
+          </a:xfrm>
+        </p:grpSpPr>
+        <p:cxnSp>
+          <p:nvCxnSpPr>
+            <p:cNvPr id="116" name="Connecteur droit 115"/>
+            <p:cNvCxnSpPr/>
+            <p:nvPr/>
+          </p:nvCxnSpPr>
+          <p:spPr>
+            <a:xfrm>
+              <a:off x="3472486" y="3675601"/>
+              <a:ext cx="0" cy="707367"/>
+            </a:xfrm>
+            <a:prstGeom prst="line">
+              <a:avLst/>
+            </a:prstGeom>
+            <a:ln w="19050">
+              <a:solidFill>
+                <a:schemeClr val="tx1"/>
+              </a:solidFill>
+            </a:ln>
+          </p:spPr>
+          <p:style>
+            <a:lnRef idx="1">
+              <a:schemeClr val="accent1"/>
+            </a:lnRef>
+            <a:fillRef idx="0">
+              <a:schemeClr val="accent1"/>
+            </a:fillRef>
+            <a:effectRef idx="0">
+              <a:schemeClr val="accent1"/>
+            </a:effectRef>
+            <a:fontRef idx="minor">
+              <a:schemeClr val="tx1"/>
+            </a:fontRef>
+          </p:style>
+        </p:cxnSp>
+        <p:cxnSp>
+          <p:nvCxnSpPr>
+            <p:cNvPr id="117" name="Connecteur droit 116"/>
+            <p:cNvCxnSpPr/>
+            <p:nvPr/>
+          </p:nvCxnSpPr>
+          <p:spPr>
+            <a:xfrm>
+              <a:off x="3197236" y="4382968"/>
+              <a:ext cx="616678" cy="0"/>
+            </a:xfrm>
+            <a:prstGeom prst="line">
+              <a:avLst/>
+            </a:prstGeom>
+            <a:ln w="28575">
+              <a:solidFill>
+                <a:schemeClr val="tx1"/>
+              </a:solidFill>
+            </a:ln>
+          </p:spPr>
+          <p:style>
+            <a:lnRef idx="1">
+              <a:schemeClr val="accent1"/>
+            </a:lnRef>
+            <a:fillRef idx="0">
+              <a:schemeClr val="accent1"/>
+            </a:fillRef>
+            <a:effectRef idx="0">
+              <a:schemeClr val="accent1"/>
+            </a:effectRef>
+            <a:fontRef idx="minor">
+              <a:schemeClr val="tx1"/>
+            </a:fontRef>
+          </p:style>
+        </p:cxnSp>
+        <p:grpSp>
+          <p:nvGrpSpPr>
+            <p:cNvPr id="118" name="Groupe 117"/>
+            <p:cNvGrpSpPr/>
+            <p:nvPr/>
+          </p:nvGrpSpPr>
+          <p:grpSpPr>
+            <a:xfrm>
+              <a:off x="3375035" y="4391197"/>
+              <a:ext cx="191916" cy="793711"/>
+              <a:chOff x="4021922" y="4141271"/>
+              <a:chExt cx="191916" cy="793711"/>
+            </a:xfrm>
+          </p:grpSpPr>
+          <p:cxnSp>
+            <p:nvCxnSpPr>
+              <p:cNvPr id="128" name="Connecteur droit 127"/>
+              <p:cNvCxnSpPr/>
+              <p:nvPr/>
+            </p:nvCxnSpPr>
+            <p:spPr>
+              <a:xfrm flipH="1">
+                <a:off x="4021923" y="4290149"/>
+                <a:ext cx="116690" cy="41085"/>
+              </a:xfrm>
+              <a:prstGeom prst="line">
+                <a:avLst/>
+              </a:prstGeom>
+              <a:ln>
+                <a:solidFill>
+                  <a:schemeClr val="tx1"/>
+                </a:solidFill>
+              </a:ln>
+            </p:spPr>
+            <p:style>
+              <a:lnRef idx="1">
+                <a:schemeClr val="accent1"/>
+              </a:lnRef>
+              <a:fillRef idx="0">
+                <a:schemeClr val="accent1"/>
+              </a:fillRef>
+              <a:effectRef idx="0">
+                <a:schemeClr val="accent1"/>
+              </a:effectRef>
+              <a:fontRef idx="minor">
+                <a:schemeClr val="tx1"/>
+              </a:fontRef>
+            </p:style>
+          </p:cxnSp>
+          <p:cxnSp>
+            <p:nvCxnSpPr>
+              <p:cNvPr id="155" name="Connecteur droit 154"/>
+              <p:cNvCxnSpPr/>
+              <p:nvPr/>
+            </p:nvCxnSpPr>
+            <p:spPr>
+              <a:xfrm>
+                <a:off x="4130463" y="4141271"/>
+                <a:ext cx="2795" cy="153214"/>
+              </a:xfrm>
+              <a:prstGeom prst="line">
+                <a:avLst/>
+              </a:prstGeom>
+              <a:ln>
+                <a:solidFill>
+                  <a:schemeClr val="tx1"/>
+                </a:solidFill>
+              </a:ln>
+            </p:spPr>
+            <p:style>
+              <a:lnRef idx="1">
+                <a:schemeClr val="accent1"/>
+              </a:lnRef>
+              <a:fillRef idx="0">
+                <a:schemeClr val="accent1"/>
+              </a:fillRef>
+              <a:effectRef idx="0">
+                <a:schemeClr val="accent1"/>
+              </a:effectRef>
+              <a:fontRef idx="minor">
+                <a:schemeClr val="tx1"/>
+              </a:fontRef>
+            </p:style>
+          </p:cxnSp>
+          <p:grpSp>
+            <p:nvGrpSpPr>
+              <p:cNvPr id="156" name="Groupe 155"/>
+              <p:cNvGrpSpPr/>
+              <p:nvPr/>
+            </p:nvGrpSpPr>
+            <p:grpSpPr>
+              <a:xfrm>
+                <a:off x="4021922" y="4335272"/>
+                <a:ext cx="191916" cy="599710"/>
+                <a:chOff x="4021922" y="4335272"/>
+                <a:chExt cx="191916" cy="599710"/>
+              </a:xfrm>
+            </p:grpSpPr>
+            <p:grpSp>
+              <p:nvGrpSpPr>
+                <p:cNvPr id="157" name="Groupe 156"/>
+                <p:cNvGrpSpPr/>
+                <p:nvPr/>
+              </p:nvGrpSpPr>
+              <p:grpSpPr>
+                <a:xfrm>
+                  <a:off x="4021922" y="4335272"/>
+                  <a:ext cx="191916" cy="403501"/>
+                  <a:chOff x="4063815" y="4585216"/>
+                  <a:chExt cx="191916" cy="403501"/>
+                </a:xfrm>
+              </p:grpSpPr>
+              <p:cxnSp>
+                <p:nvCxnSpPr>
+                  <p:cNvPr id="160" name="Connecteur droit 159"/>
+                  <p:cNvCxnSpPr/>
+                  <p:nvPr/>
+                </p:nvCxnSpPr>
+                <p:spPr>
+                  <a:xfrm>
+                    <a:off x="4069080" y="4944421"/>
+                    <a:ext cx="186651" cy="44296"/>
+                  </a:xfrm>
+                  <a:prstGeom prst="line">
+                    <a:avLst/>
+                  </a:prstGeom>
+                  <a:ln>
+                    <a:solidFill>
+                      <a:schemeClr val="tx1"/>
+                    </a:solidFill>
+                  </a:ln>
+                </p:spPr>
+                <p:style>
+                  <a:lnRef idx="1">
+                    <a:schemeClr val="accent1"/>
+                  </a:lnRef>
+                  <a:fillRef idx="0">
+                    <a:schemeClr val="accent1"/>
+                  </a:fillRef>
+                  <a:effectRef idx="0">
+                    <a:schemeClr val="accent1"/>
+                  </a:effectRef>
+                  <a:fontRef idx="minor">
+                    <a:schemeClr val="tx1"/>
+                  </a:fontRef>
+                </p:style>
+              </p:cxnSp>
+              <p:cxnSp>
+                <p:nvCxnSpPr>
+                  <p:cNvPr id="161" name="Connecteur droit 160"/>
+                  <p:cNvCxnSpPr/>
+                  <p:nvPr/>
+                </p:nvCxnSpPr>
+                <p:spPr>
+                  <a:xfrm flipH="1">
+                    <a:off x="4067172" y="4869655"/>
+                    <a:ext cx="183294" cy="70728"/>
+                  </a:xfrm>
+                  <a:prstGeom prst="line">
+                    <a:avLst/>
+                  </a:prstGeom>
+                  <a:ln>
+                    <a:solidFill>
+                      <a:schemeClr val="tx1"/>
+                    </a:solidFill>
+                  </a:ln>
+                </p:spPr>
+                <p:style>
+                  <a:lnRef idx="1">
+                    <a:schemeClr val="accent1"/>
+                  </a:lnRef>
+                  <a:fillRef idx="0">
+                    <a:schemeClr val="accent1"/>
+                  </a:fillRef>
+                  <a:effectRef idx="0">
+                    <a:schemeClr val="accent1"/>
+                  </a:effectRef>
+                  <a:fontRef idx="minor">
+                    <a:schemeClr val="tx1"/>
+                  </a:fontRef>
+                </p:style>
+              </p:cxnSp>
+              <p:cxnSp>
+                <p:nvCxnSpPr>
+                  <p:cNvPr id="162" name="Connecteur droit 161"/>
+                  <p:cNvCxnSpPr/>
+                  <p:nvPr/>
+                </p:nvCxnSpPr>
+                <p:spPr>
+                  <a:xfrm>
+                    <a:off x="4067172" y="4825359"/>
+                    <a:ext cx="186651" cy="44296"/>
+                  </a:xfrm>
+                  <a:prstGeom prst="line">
+                    <a:avLst/>
+                  </a:prstGeom>
+                  <a:ln>
+                    <a:solidFill>
+                      <a:schemeClr val="tx1"/>
+                    </a:solidFill>
+                  </a:ln>
+                </p:spPr>
+                <p:style>
+                  <a:lnRef idx="1">
+                    <a:schemeClr val="accent1"/>
+                  </a:lnRef>
+                  <a:fillRef idx="0">
+                    <a:schemeClr val="accent1"/>
+                  </a:fillRef>
+                  <a:effectRef idx="0">
+                    <a:schemeClr val="accent1"/>
+                  </a:effectRef>
+                  <a:fontRef idx="minor">
+                    <a:schemeClr val="tx1"/>
+                  </a:fontRef>
+                </p:style>
+              </p:cxnSp>
+              <p:cxnSp>
+                <p:nvCxnSpPr>
+                  <p:cNvPr id="163" name="Connecteur droit 162"/>
+                  <p:cNvCxnSpPr/>
+                  <p:nvPr/>
+                </p:nvCxnSpPr>
+                <p:spPr>
+                  <a:xfrm>
+                    <a:off x="4067172" y="4706297"/>
+                    <a:ext cx="186651" cy="44296"/>
+                  </a:xfrm>
+                  <a:prstGeom prst="line">
+                    <a:avLst/>
+                  </a:prstGeom>
+                  <a:ln>
+                    <a:solidFill>
+                      <a:schemeClr val="tx1"/>
+                    </a:solidFill>
+                  </a:ln>
+                </p:spPr>
+                <p:style>
+                  <a:lnRef idx="1">
+                    <a:schemeClr val="accent1"/>
+                  </a:lnRef>
+                  <a:fillRef idx="0">
+                    <a:schemeClr val="accent1"/>
+                  </a:fillRef>
+                  <a:effectRef idx="0">
+                    <a:schemeClr val="accent1"/>
+                  </a:effectRef>
+                  <a:fontRef idx="minor">
+                    <a:schemeClr val="tx1"/>
+                  </a:fontRef>
+                </p:style>
+              </p:cxnSp>
+              <p:cxnSp>
+                <p:nvCxnSpPr>
+                  <p:cNvPr id="164" name="Connecteur droit 163"/>
+                  <p:cNvCxnSpPr/>
+                  <p:nvPr/>
+                </p:nvCxnSpPr>
+                <p:spPr>
+                  <a:xfrm flipH="1">
+                    <a:off x="4067172" y="4750593"/>
+                    <a:ext cx="183294" cy="70728"/>
+                  </a:xfrm>
+                  <a:prstGeom prst="line">
+                    <a:avLst/>
+                  </a:prstGeom>
+                  <a:ln>
+                    <a:solidFill>
+                      <a:schemeClr val="tx1"/>
+                    </a:solidFill>
+                  </a:ln>
+                </p:spPr>
+                <p:style>
+                  <a:lnRef idx="1">
+                    <a:schemeClr val="accent1"/>
+                  </a:lnRef>
+                  <a:fillRef idx="0">
+                    <a:schemeClr val="accent1"/>
+                  </a:fillRef>
+                  <a:effectRef idx="0">
+                    <a:schemeClr val="accent1"/>
+                  </a:effectRef>
+                  <a:fontRef idx="minor">
+                    <a:schemeClr val="tx1"/>
+                  </a:fontRef>
+                </p:style>
+              </p:cxnSp>
+              <p:cxnSp>
+                <p:nvCxnSpPr>
+                  <p:cNvPr id="165" name="Connecteur droit 164"/>
+                  <p:cNvCxnSpPr/>
+                  <p:nvPr/>
+                </p:nvCxnSpPr>
+                <p:spPr>
+                  <a:xfrm flipH="1">
+                    <a:off x="4067172" y="4631531"/>
+                    <a:ext cx="183294" cy="70728"/>
+                  </a:xfrm>
+                  <a:prstGeom prst="line">
+                    <a:avLst/>
+                  </a:prstGeom>
+                  <a:ln>
+                    <a:solidFill>
+                      <a:schemeClr val="tx1"/>
+                    </a:solidFill>
+                  </a:ln>
+                </p:spPr>
+                <p:style>
+                  <a:lnRef idx="1">
+                    <a:schemeClr val="accent1"/>
+                  </a:lnRef>
+                  <a:fillRef idx="0">
+                    <a:schemeClr val="accent1"/>
+                  </a:fillRef>
+                  <a:effectRef idx="0">
+                    <a:schemeClr val="accent1"/>
+                  </a:effectRef>
+                  <a:fontRef idx="minor">
+                    <a:schemeClr val="tx1"/>
+                  </a:fontRef>
+                </p:style>
+              </p:cxnSp>
+              <p:cxnSp>
+                <p:nvCxnSpPr>
+                  <p:cNvPr id="166" name="Connecteur droit 165"/>
+                  <p:cNvCxnSpPr/>
+                  <p:nvPr/>
+                </p:nvCxnSpPr>
+                <p:spPr>
+                  <a:xfrm>
+                    <a:off x="4063815" y="4585216"/>
+                    <a:ext cx="186651" cy="44296"/>
+                  </a:xfrm>
+                  <a:prstGeom prst="line">
+                    <a:avLst/>
+                  </a:prstGeom>
+                  <a:ln>
+                    <a:solidFill>
+                      <a:schemeClr val="tx1"/>
+                    </a:solidFill>
+                  </a:ln>
+                </p:spPr>
+                <p:style>
+                  <a:lnRef idx="1">
+                    <a:schemeClr val="accent1"/>
+                  </a:lnRef>
+                  <a:fillRef idx="0">
+                    <a:schemeClr val="accent1"/>
+                  </a:fillRef>
+                  <a:effectRef idx="0">
+                    <a:schemeClr val="accent1"/>
+                  </a:effectRef>
+                  <a:fontRef idx="minor">
+                    <a:schemeClr val="tx1"/>
+                  </a:fontRef>
+                </p:style>
+              </p:cxnSp>
+            </p:grpSp>
+            <p:cxnSp>
+              <p:nvCxnSpPr>
+                <p:cNvPr id="158" name="Connecteur droit 157"/>
+                <p:cNvCxnSpPr/>
+                <p:nvPr/>
+              </p:nvCxnSpPr>
+              <p:spPr>
+                <a:xfrm flipH="1">
+                  <a:off x="4093070" y="4742811"/>
+                  <a:ext cx="116690" cy="41085"/>
+                </a:xfrm>
+                <a:prstGeom prst="line">
+                  <a:avLst/>
+                </a:prstGeom>
+                <a:ln>
+                  <a:solidFill>
+                    <a:schemeClr val="tx1"/>
+                  </a:solidFill>
+                </a:ln>
+              </p:spPr>
+              <p:style>
+                <a:lnRef idx="1">
+                  <a:schemeClr val="accent1"/>
+                </a:lnRef>
+                <a:fillRef idx="0">
+                  <a:schemeClr val="accent1"/>
+                </a:fillRef>
+                <a:effectRef idx="0">
+                  <a:schemeClr val="accent1"/>
+                </a:effectRef>
+                <a:fontRef idx="minor">
+                  <a:schemeClr val="tx1"/>
+                </a:fontRef>
+              </p:style>
+            </p:cxnSp>
+            <p:cxnSp>
+              <p:nvCxnSpPr>
+                <p:cNvPr id="159" name="Connecteur droit 158"/>
+                <p:cNvCxnSpPr/>
+                <p:nvPr/>
+              </p:nvCxnSpPr>
+              <p:spPr>
+                <a:xfrm>
+                  <a:off x="4093754" y="4781768"/>
+                  <a:ext cx="2795" cy="153214"/>
+                </a:xfrm>
+                <a:prstGeom prst="line">
+                  <a:avLst/>
+                </a:prstGeom>
+                <a:ln>
+                  <a:solidFill>
+                    <a:schemeClr val="tx1"/>
+                  </a:solidFill>
+                </a:ln>
+              </p:spPr>
+              <p:style>
+                <a:lnRef idx="1">
+                  <a:schemeClr val="accent1"/>
+                </a:lnRef>
+                <a:fillRef idx="0">
+                  <a:schemeClr val="accent1"/>
+                </a:fillRef>
+                <a:effectRef idx="0">
+                  <a:schemeClr val="accent1"/>
+                </a:effectRef>
+                <a:fontRef idx="minor">
+                  <a:schemeClr val="tx1"/>
+                </a:fontRef>
+              </p:style>
+            </p:cxnSp>
+          </p:grpSp>
+        </p:grpSp>
+        <p:grpSp>
+          <p:nvGrpSpPr>
+            <p:cNvPr id="119" name="Groupe 118"/>
+            <p:cNvGrpSpPr/>
+            <p:nvPr/>
+          </p:nvGrpSpPr>
+          <p:grpSpPr>
+            <a:xfrm>
+              <a:off x="3178648" y="5202118"/>
+              <a:ext cx="616678" cy="100881"/>
+              <a:chOff x="3178648" y="5202118"/>
+              <a:chExt cx="616678" cy="100881"/>
+            </a:xfrm>
+          </p:grpSpPr>
+          <p:cxnSp>
+            <p:nvCxnSpPr>
+              <p:cNvPr id="121" name="Connecteur droit 120"/>
+              <p:cNvCxnSpPr/>
+              <p:nvPr/>
+            </p:nvCxnSpPr>
+            <p:spPr>
+              <a:xfrm>
+                <a:off x="3178648" y="5202118"/>
+                <a:ext cx="616678" cy="0"/>
+              </a:xfrm>
+              <a:prstGeom prst="line">
+                <a:avLst/>
+              </a:prstGeom>
+              <a:ln w="28575">
+                <a:solidFill>
+                  <a:schemeClr val="tx1"/>
+                </a:solidFill>
+              </a:ln>
+            </p:spPr>
+            <p:style>
+              <a:lnRef idx="1">
+                <a:schemeClr val="accent1"/>
+              </a:lnRef>
+              <a:fillRef idx="0">
+                <a:schemeClr val="accent1"/>
+              </a:fillRef>
+              <a:effectRef idx="0">
+                <a:schemeClr val="accent1"/>
+              </a:effectRef>
+              <a:fontRef idx="minor">
+                <a:schemeClr val="tx1"/>
+              </a:fontRef>
+            </p:style>
+          </p:cxnSp>
+          <p:cxnSp>
+            <p:nvCxnSpPr>
+              <p:cNvPr id="122" name="Connecteur droit 121"/>
+              <p:cNvCxnSpPr/>
+              <p:nvPr/>
+            </p:nvCxnSpPr>
+            <p:spPr>
+              <a:xfrm flipH="1">
+                <a:off x="3197236" y="5207379"/>
+                <a:ext cx="93326" cy="86146"/>
+              </a:xfrm>
+              <a:prstGeom prst="line">
+                <a:avLst/>
+              </a:prstGeom>
+              <a:ln w="28575"/>
+            </p:spPr>
+            <p:style>
+              <a:lnRef idx="1">
+                <a:schemeClr val="dk1"/>
+              </a:lnRef>
+              <a:fillRef idx="0">
+                <a:schemeClr val="dk1"/>
+              </a:fillRef>
+              <a:effectRef idx="0">
+                <a:schemeClr val="dk1"/>
+              </a:effectRef>
+              <a:fontRef idx="minor">
+                <a:schemeClr val="tx1"/>
+              </a:fontRef>
+            </p:style>
+          </p:cxnSp>
+          <p:cxnSp>
+            <p:nvCxnSpPr>
+              <p:cNvPr id="123" name="Connecteur droit 122"/>
+              <p:cNvCxnSpPr/>
+              <p:nvPr/>
+            </p:nvCxnSpPr>
+            <p:spPr>
+              <a:xfrm flipH="1">
+                <a:off x="3283624" y="5211592"/>
+                <a:ext cx="93326" cy="86146"/>
+              </a:xfrm>
+              <a:prstGeom prst="line">
+                <a:avLst/>
+              </a:prstGeom>
+              <a:ln w="28575"/>
+            </p:spPr>
+            <p:style>
+              <a:lnRef idx="1">
+                <a:schemeClr val="dk1"/>
+              </a:lnRef>
+              <a:fillRef idx="0">
+                <a:schemeClr val="dk1"/>
+              </a:fillRef>
+              <a:effectRef idx="0">
+                <a:schemeClr val="dk1"/>
+              </a:effectRef>
+              <a:fontRef idx="minor">
+                <a:schemeClr val="tx1"/>
+              </a:fontRef>
+            </p:style>
+          </p:cxnSp>
+          <p:cxnSp>
+            <p:nvCxnSpPr>
+              <p:cNvPr id="124" name="Connecteur droit 123"/>
+              <p:cNvCxnSpPr/>
+              <p:nvPr/>
+            </p:nvCxnSpPr>
+            <p:spPr>
+              <a:xfrm flipH="1">
+                <a:off x="3379160" y="5216853"/>
+                <a:ext cx="93326" cy="86146"/>
+              </a:xfrm>
+              <a:prstGeom prst="line">
+                <a:avLst/>
+              </a:prstGeom>
+              <a:ln w="28575"/>
+            </p:spPr>
+            <p:style>
+              <a:lnRef idx="1">
+                <a:schemeClr val="dk1"/>
+              </a:lnRef>
+              <a:fillRef idx="0">
+                <a:schemeClr val="dk1"/>
+              </a:fillRef>
+              <a:effectRef idx="0">
+                <a:schemeClr val="dk1"/>
+              </a:effectRef>
+              <a:fontRef idx="minor">
+                <a:schemeClr val="tx1"/>
+              </a:fontRef>
+            </p:style>
+          </p:cxnSp>
+          <p:cxnSp>
+            <p:nvCxnSpPr>
+              <p:cNvPr id="125" name="Connecteur droit 124"/>
+              <p:cNvCxnSpPr/>
+              <p:nvPr/>
+            </p:nvCxnSpPr>
+            <p:spPr>
+              <a:xfrm flipH="1">
+                <a:off x="3481876" y="5210348"/>
+                <a:ext cx="93326" cy="86146"/>
+              </a:xfrm>
+              <a:prstGeom prst="line">
+                <a:avLst/>
+              </a:prstGeom>
+              <a:ln w="28575"/>
+            </p:spPr>
+            <p:style>
+              <a:lnRef idx="1">
+                <a:schemeClr val="dk1"/>
+              </a:lnRef>
+              <a:fillRef idx="0">
+                <a:schemeClr val="dk1"/>
+              </a:fillRef>
+              <a:effectRef idx="0">
+                <a:schemeClr val="dk1"/>
+              </a:effectRef>
+              <a:fontRef idx="minor">
+                <a:schemeClr val="tx1"/>
+              </a:fontRef>
+            </p:style>
+          </p:cxnSp>
+          <p:cxnSp>
+            <p:nvCxnSpPr>
+              <p:cNvPr id="126" name="Connecteur droit 125"/>
+              <p:cNvCxnSpPr/>
+              <p:nvPr/>
+            </p:nvCxnSpPr>
+            <p:spPr>
+              <a:xfrm flipH="1">
+                <a:off x="3586802" y="5212667"/>
+                <a:ext cx="93326" cy="86146"/>
+              </a:xfrm>
+              <a:prstGeom prst="line">
+                <a:avLst/>
+              </a:prstGeom>
+              <a:ln w="28575"/>
+            </p:spPr>
+            <p:style>
+              <a:lnRef idx="1">
+                <a:schemeClr val="dk1"/>
+              </a:lnRef>
+              <a:fillRef idx="0">
+                <a:schemeClr val="dk1"/>
+              </a:fillRef>
+              <a:effectRef idx="0">
+                <a:schemeClr val="dk1"/>
+              </a:effectRef>
+              <a:fontRef idx="minor">
+                <a:schemeClr val="tx1"/>
+              </a:fontRef>
+            </p:style>
+          </p:cxnSp>
+          <p:cxnSp>
+            <p:nvCxnSpPr>
+              <p:cNvPr id="127" name="Connecteur droit 126"/>
+              <p:cNvCxnSpPr/>
+              <p:nvPr/>
+            </p:nvCxnSpPr>
+            <p:spPr>
+              <a:xfrm flipH="1">
+                <a:off x="3680128" y="5216853"/>
+                <a:ext cx="93326" cy="86146"/>
+              </a:xfrm>
+              <a:prstGeom prst="line">
+                <a:avLst/>
+              </a:prstGeom>
+              <a:ln w="28575"/>
+            </p:spPr>
+            <p:style>
+              <a:lnRef idx="1">
+                <a:schemeClr val="dk1"/>
+              </a:lnRef>
+              <a:fillRef idx="0">
+                <a:schemeClr val="dk1"/>
+              </a:fillRef>
+              <a:effectRef idx="0">
+                <a:schemeClr val="dk1"/>
+              </a:effectRef>
+              <a:fontRef idx="minor">
+                <a:schemeClr val="tx1"/>
+              </a:fontRef>
+            </p:style>
+          </p:cxnSp>
+        </p:grpSp>
+        <mc:AlternateContent xmlns:mc="http://schemas.openxmlformats.org/markup-compatibility/2006" xmlns:a14="http://schemas.microsoft.com/office/drawing/2010/main">
+          <mc:Choice Requires="a14">
+            <p:sp>
+              <p:nvSpPr>
+                <p:cNvPr id="120" name="ZoneTexte 119"/>
+                <p:cNvSpPr txBox="1"/>
+                <p:nvPr/>
+              </p:nvSpPr>
+              <p:spPr>
+                <a:xfrm>
+                  <a:off x="2666529" y="4701384"/>
+                  <a:ext cx="772391" cy="327077"/>
+                </a:xfrm>
+                <a:prstGeom prst="rect">
+                  <a:avLst/>
+                </a:prstGeom>
+                <a:noFill/>
+              </p:spPr>
+              <p:txBody>
+                <a:bodyPr wrap="none" rtlCol="0">
+                  <a:spAutoFit/>
+                </a:bodyPr>
+                <a:lstStyle/>
+                <a:p>
+                  <a:pPr/>
+                  <a14:m>
+                    <m:oMathPara xmlns:m="http://schemas.openxmlformats.org/officeDocument/2006/math">
+                      <m:oMathParaPr>
+                        <m:jc m:val="centerGroup"/>
+                      </m:oMathParaPr>
+                      <m:oMath xmlns:m="http://schemas.openxmlformats.org/officeDocument/2006/math">
+                        <m:sSub>
+                          <m:sSubPr>
+                            <m:ctrlPr>
+                              <a:rPr lang="fr-FR" sz="1400" b="1" i="1" dirty="0" smtClean="0">
+                                <a:latin typeface="Cambria Math" panose="02040503050406030204" pitchFamily="18" charset="0"/>
+                              </a:rPr>
+                            </m:ctrlPr>
+                          </m:sSubPr>
+                          <m:e>
+                            <m:r>
+                              <a:rPr lang="fr-FR" sz="1400" b="1" i="1" dirty="0" smtClean="0">
+                                <a:latin typeface="Cambria Math" panose="02040503050406030204" pitchFamily="18" charset="0"/>
+                              </a:rPr>
+                              <m:t>𝑲</m:t>
+                            </m:r>
+                          </m:e>
+                          <m:sub>
+                            <m:r>
+                              <a:rPr lang="fr-FR" sz="1400" b="1" i="1" dirty="0" smtClean="0">
+                                <a:latin typeface="Cambria Math" panose="02040503050406030204" pitchFamily="18" charset="0"/>
+                              </a:rPr>
+                              <m:t>𝒑𝒂𝒍𝒊𝒆𝒓</m:t>
+                            </m:r>
+                          </m:sub>
+                        </m:sSub>
+                      </m:oMath>
+                    </m:oMathPara>
+                  </a14:m>
+                  <a:endParaRPr lang="fr-FR" b="1" dirty="0"/>
+                </a:p>
+              </p:txBody>
+            </p:sp>
+          </mc:Choice>
+          <mc:Fallback xmlns="">
+            <p:sp>
+              <p:nvSpPr>
+                <p:cNvPr id="134" name="ZoneTexte 133"/>
+                <p:cNvSpPr txBox="1">
+                  <a:spLocks noRot="1" noChangeAspect="1" noMove="1" noResize="1" noEditPoints="1" noAdjustHandles="1" noChangeArrowheads="1" noChangeShapeType="1" noTextEdit="1"/>
+                </p:cNvSpPr>
+                <p:nvPr/>
+              </p:nvSpPr>
+              <p:spPr>
+                <a:xfrm>
+                  <a:off x="2666529" y="4701384"/>
+                  <a:ext cx="772391" cy="327077"/>
+                </a:xfrm>
+                <a:prstGeom prst="rect">
+                  <a:avLst/>
+                </a:prstGeom>
+                <a:blipFill rotWithShape="0">
+                  <a:blip r:embed="rId6"/>
+                  <a:stretch>
+                    <a:fillRect/>
+                  </a:stretch>
+                </a:blipFill>
+              </p:spPr>
+              <p:txBody>
+                <a:bodyPr/>
+                <a:lstStyle/>
+                <a:p>
+                  <a:r>
+                    <a:rPr lang="fr-FR">
+                      <a:noFill/>
+                    </a:rPr>
+                    <a:t> </a:t>
+                  </a:r>
+                </a:p>
+              </p:txBody>
+            </p:sp>
+          </mc:Fallback>
+        </mc:AlternateContent>
+      </p:grpSp>
     </p:spTree>
     <p:extLst>
       <p:ext uri="{BB962C8B-B14F-4D97-AF65-F5344CB8AC3E}">
@@ -23905,8 +27687,8 @@
               </a:p>
             </p:txBody>
           </p:sp>
-          <mc:AlternateContent xmlns:mc="http://schemas.openxmlformats.org/markup-compatibility/2006">
-            <mc:Choice xmlns:a14="http://schemas.microsoft.com/office/drawing/2010/main" Requires="a14">
+          <mc:AlternateContent xmlns:mc="http://schemas.openxmlformats.org/markup-compatibility/2006" xmlns:a14="http://schemas.microsoft.com/office/drawing/2010/main">
+            <mc:Choice Requires="a14">
               <p:sp>
                 <p:nvSpPr>
                   <p:cNvPr id="41" name="ZoneTexte 40"/>
@@ -23997,7 +27779,7 @@
                 </p:txBody>
               </p:sp>
             </mc:Choice>
-            <mc:Fallback>
+            <mc:Fallback xmlns="">
               <p:sp>
                 <p:nvSpPr>
                   <p:cNvPr id="41" name="ZoneTexte 40"/>
@@ -25996,7 +29778,7 @@
         </p:nvGrpSpPr>
         <p:grpSpPr>
           <a:xfrm>
-            <a:off x="1253338" y="2449297"/>
+            <a:off x="2126641" y="1787696"/>
             <a:ext cx="8888922" cy="3074204"/>
             <a:chOff x="440013" y="2665055"/>
             <a:chExt cx="8888922" cy="3074204"/>
